--- a/final-presentation.pptx
+++ b/final-presentation.pptx
@@ -5,15 +5,21 @@
     <p:sldMasterId id="2147483660" r:id="rId1"/>
   </p:sldMasterIdLst>
   <p:notesMasterIdLst>
-    <p:notesMasterId r:id="rId8"/>
+    <p:notesMasterId r:id="rId14"/>
   </p:notesMasterIdLst>
   <p:sldIdLst>
     <p:sldId id="256" r:id="rId2"/>
     <p:sldId id="258" r:id="rId3"/>
-    <p:sldId id="260" r:id="rId4"/>
-    <p:sldId id="261" r:id="rId5"/>
-    <p:sldId id="257" r:id="rId6"/>
-    <p:sldId id="259" r:id="rId7"/>
+    <p:sldId id="261" r:id="rId4"/>
+    <p:sldId id="262" r:id="rId5"/>
+    <p:sldId id="263" r:id="rId6"/>
+    <p:sldId id="257" r:id="rId7"/>
+    <p:sldId id="264" r:id="rId8"/>
+    <p:sldId id="265" r:id="rId9"/>
+    <p:sldId id="268" r:id="rId10"/>
+    <p:sldId id="266" r:id="rId11"/>
+    <p:sldId id="267" r:id="rId12"/>
+    <p:sldId id="259" r:id="rId13"/>
   </p:sldIdLst>
   <p:sldSz cx="12192000" cy="6858000"/>
   <p:notesSz cx="6858000" cy="9144000"/>
@@ -112,6 +118,11 @@
       </a:defRPr>
     </a:lvl9pPr>
   </p:defaultTextStyle>
+  <p:extLst>
+    <p:ext uri="{EFAFB233-063F-42B5-8137-9DF3F51BA10A}">
+      <p15:sldGuideLst xmlns:p15="http://schemas.microsoft.com/office/powerpoint/2012/main"/>
+    </p:ext>
+  </p:extLst>
 </p:presentation>
 </file>
 
@@ -197,7 +208,7 @@
           <a:p>
             <a:fld id="{FE6C84CA-683E-42DB-A12D-E6F2DC5AC556}" type="datetimeFigureOut">
               <a:rPr lang="en-US" smtClean="0"/>
-              <a:t>1/6/2020</a:t>
+              <a:t>1/7/2020</a:t>
             </a:fld>
             <a:endParaRPr lang="en-US"/>
           </a:p>
@@ -6684,6 +6695,369 @@
 </p:sld>
 </file>
 
+<file path=ppt/slides/slide10.xml><?xml version="1.0" encoding="utf-8"?>
+<p:sld xmlns:a="http://schemas.openxmlformats.org/drawingml/2006/main" xmlns:r="http://schemas.openxmlformats.org/officeDocument/2006/relationships" xmlns:p="http://schemas.openxmlformats.org/presentationml/2006/main">
+  <p:cSld>
+    <p:spTree>
+      <p:nvGrpSpPr>
+        <p:cNvPr id="1" name=""/>
+        <p:cNvGrpSpPr/>
+        <p:nvPr/>
+      </p:nvGrpSpPr>
+      <p:grpSpPr>
+        <a:xfrm>
+          <a:off x="0" y="0"/>
+          <a:ext cx="0" cy="0"/>
+          <a:chOff x="0" y="0"/>
+          <a:chExt cx="0" cy="0"/>
+        </a:xfrm>
+      </p:grpSpPr>
+      <p:sp>
+        <p:nvSpPr>
+          <p:cNvPr id="2" name="Titel 1">
+            <a:extLst>
+              <a:ext uri="{FF2B5EF4-FFF2-40B4-BE49-F238E27FC236}">
+                <a16:creationId xmlns:a16="http://schemas.microsoft.com/office/drawing/2014/main" id="{D89984BC-AC1B-422F-A5D0-159C7FA158A1}"/>
+              </a:ext>
+            </a:extLst>
+          </p:cNvPr>
+          <p:cNvSpPr>
+            <a:spLocks noGrp="1"/>
+          </p:cNvSpPr>
+          <p:nvPr>
+            <p:ph type="title"/>
+          </p:nvPr>
+        </p:nvSpPr>
+        <p:spPr/>
+        <p:txBody>
+          <a:bodyPr/>
+          <a:lstStyle/>
+          <a:p>
+            <a:r>
+              <a:rPr lang="de-DE" dirty="0"/>
+              <a:t>Coq Beispiel</a:t>
+            </a:r>
+            <a:endParaRPr lang="en-US" dirty="0"/>
+          </a:p>
+        </p:txBody>
+      </p:sp>
+      <p:sp>
+        <p:nvSpPr>
+          <p:cNvPr id="3" name="Inhaltsplatzhalter 2">
+            <a:extLst>
+              <a:ext uri="{FF2B5EF4-FFF2-40B4-BE49-F238E27FC236}">
+                <a16:creationId xmlns:a16="http://schemas.microsoft.com/office/drawing/2014/main" id="{9F54BA48-13BB-474F-869A-BFC365DB3C8A}"/>
+              </a:ext>
+            </a:extLst>
+          </p:cNvPr>
+          <p:cNvSpPr>
+            <a:spLocks noGrp="1"/>
+          </p:cNvSpPr>
+          <p:nvPr>
+            <p:ph idx="1"/>
+          </p:nvPr>
+        </p:nvSpPr>
+        <p:spPr/>
+        <p:txBody>
+          <a:bodyPr/>
+          <a:lstStyle/>
+          <a:p>
+            <a:endParaRPr lang="en-US"/>
+          </a:p>
+        </p:txBody>
+      </p:sp>
+      <p:sp>
+        <p:nvSpPr>
+          <p:cNvPr id="4" name="Datumsplatzhalter 3">
+            <a:extLst>
+              <a:ext uri="{FF2B5EF4-FFF2-40B4-BE49-F238E27FC236}">
+                <a16:creationId xmlns:a16="http://schemas.microsoft.com/office/drawing/2014/main" id="{99B7E53F-EA43-4D13-9D0B-129F9186262A}"/>
+              </a:ext>
+            </a:extLst>
+          </p:cNvPr>
+          <p:cNvSpPr>
+            <a:spLocks noGrp="1"/>
+          </p:cNvSpPr>
+          <p:nvPr>
+            <p:ph type="dt" sz="half" idx="10"/>
+          </p:nvPr>
+        </p:nvSpPr>
+        <p:spPr/>
+        <p:txBody>
+          <a:bodyPr/>
+          <a:lstStyle/>
+          <a:p>
+            <a:r>
+              <a:rPr lang="de-DE"/>
+              <a:t>21/01/2020</a:t>
+            </a:r>
+            <a:endParaRPr lang="en-US"/>
+          </a:p>
+        </p:txBody>
+      </p:sp>
+    </p:spTree>
+    <p:extLst>
+      <p:ext uri="{BB962C8B-B14F-4D97-AF65-F5344CB8AC3E}">
+        <p14:creationId xmlns:p14="http://schemas.microsoft.com/office/powerpoint/2010/main" val="855517724"/>
+      </p:ext>
+    </p:extLst>
+  </p:cSld>
+  <p:clrMapOvr>
+    <a:masterClrMapping/>
+  </p:clrMapOvr>
+</p:sld>
+</file>
+
+<file path=ppt/slides/slide11.xml><?xml version="1.0" encoding="utf-8"?>
+<p:sld xmlns:a="http://schemas.openxmlformats.org/drawingml/2006/main" xmlns:r="http://schemas.openxmlformats.org/officeDocument/2006/relationships" xmlns:p="http://schemas.openxmlformats.org/presentationml/2006/main">
+  <p:cSld>
+    <p:spTree>
+      <p:nvGrpSpPr>
+        <p:cNvPr id="1" name=""/>
+        <p:cNvGrpSpPr/>
+        <p:nvPr/>
+      </p:nvGrpSpPr>
+      <p:grpSpPr>
+        <a:xfrm>
+          <a:off x="0" y="0"/>
+          <a:ext cx="0" cy="0"/>
+          <a:chOff x="0" y="0"/>
+          <a:chExt cx="0" cy="0"/>
+        </a:xfrm>
+      </p:grpSpPr>
+      <p:sp>
+        <p:nvSpPr>
+          <p:cNvPr id="2" name="Titel 1">
+            <a:extLst>
+              <a:ext uri="{FF2B5EF4-FFF2-40B4-BE49-F238E27FC236}">
+                <a16:creationId xmlns:a16="http://schemas.microsoft.com/office/drawing/2014/main" id="{D89984BC-AC1B-422F-A5D0-159C7FA158A1}"/>
+              </a:ext>
+            </a:extLst>
+          </p:cNvPr>
+          <p:cNvSpPr>
+            <a:spLocks noGrp="1"/>
+          </p:cNvSpPr>
+          <p:nvPr>
+            <p:ph type="title"/>
+          </p:nvPr>
+        </p:nvSpPr>
+        <p:spPr/>
+        <p:txBody>
+          <a:bodyPr/>
+          <a:lstStyle/>
+          <a:p>
+            <a:r>
+              <a:rPr lang="de-DE" dirty="0"/>
+              <a:t>Coq Beispiel</a:t>
+            </a:r>
+            <a:endParaRPr lang="en-US" dirty="0"/>
+          </a:p>
+        </p:txBody>
+      </p:sp>
+      <p:sp>
+        <p:nvSpPr>
+          <p:cNvPr id="3" name="Inhaltsplatzhalter 2">
+            <a:extLst>
+              <a:ext uri="{FF2B5EF4-FFF2-40B4-BE49-F238E27FC236}">
+                <a16:creationId xmlns:a16="http://schemas.microsoft.com/office/drawing/2014/main" id="{9F54BA48-13BB-474F-869A-BFC365DB3C8A}"/>
+              </a:ext>
+            </a:extLst>
+          </p:cNvPr>
+          <p:cNvSpPr>
+            <a:spLocks noGrp="1"/>
+          </p:cNvSpPr>
+          <p:nvPr>
+            <p:ph idx="1"/>
+          </p:nvPr>
+        </p:nvSpPr>
+        <p:spPr/>
+        <p:txBody>
+          <a:bodyPr/>
+          <a:lstStyle/>
+          <a:p>
+            <a:endParaRPr lang="en-US"/>
+          </a:p>
+        </p:txBody>
+      </p:sp>
+      <p:sp>
+        <p:nvSpPr>
+          <p:cNvPr id="4" name="Datumsplatzhalter 3">
+            <a:extLst>
+              <a:ext uri="{FF2B5EF4-FFF2-40B4-BE49-F238E27FC236}">
+                <a16:creationId xmlns:a16="http://schemas.microsoft.com/office/drawing/2014/main" id="{99B7E53F-EA43-4D13-9D0B-129F9186262A}"/>
+              </a:ext>
+            </a:extLst>
+          </p:cNvPr>
+          <p:cNvSpPr>
+            <a:spLocks noGrp="1"/>
+          </p:cNvSpPr>
+          <p:nvPr>
+            <p:ph type="dt" sz="half" idx="10"/>
+          </p:nvPr>
+        </p:nvSpPr>
+        <p:spPr/>
+        <p:txBody>
+          <a:bodyPr/>
+          <a:lstStyle/>
+          <a:p>
+            <a:r>
+              <a:rPr lang="de-DE"/>
+              <a:t>21/01/2020</a:t>
+            </a:r>
+            <a:endParaRPr lang="en-US"/>
+          </a:p>
+        </p:txBody>
+      </p:sp>
+    </p:spTree>
+    <p:extLst>
+      <p:ext uri="{BB962C8B-B14F-4D97-AF65-F5344CB8AC3E}">
+        <p14:creationId xmlns:p14="http://schemas.microsoft.com/office/powerpoint/2010/main" val="3506902484"/>
+      </p:ext>
+    </p:extLst>
+  </p:cSld>
+  <p:clrMapOvr>
+    <a:masterClrMapping/>
+  </p:clrMapOvr>
+</p:sld>
+</file>
+
+<file path=ppt/slides/slide12.xml><?xml version="1.0" encoding="utf-8"?>
+<p:sld xmlns:a="http://schemas.openxmlformats.org/drawingml/2006/main" xmlns:r="http://schemas.openxmlformats.org/officeDocument/2006/relationships" xmlns:p="http://schemas.openxmlformats.org/presentationml/2006/main">
+  <p:cSld>
+    <p:spTree>
+      <p:nvGrpSpPr>
+        <p:cNvPr id="1" name=""/>
+        <p:cNvGrpSpPr/>
+        <p:nvPr/>
+      </p:nvGrpSpPr>
+      <p:grpSpPr>
+        <a:xfrm>
+          <a:off x="0" y="0"/>
+          <a:ext cx="0" cy="0"/>
+          <a:chOff x="0" y="0"/>
+          <a:chExt cx="0" cy="0"/>
+        </a:xfrm>
+      </p:grpSpPr>
+      <p:sp>
+        <p:nvSpPr>
+          <p:cNvPr id="2" name="Titel 1">
+            <a:extLst>
+              <a:ext uri="{FF2B5EF4-FFF2-40B4-BE49-F238E27FC236}">
+                <a16:creationId xmlns:a16="http://schemas.microsoft.com/office/drawing/2014/main" id="{974BBEF3-6639-449A-B9C0-C00BDF96CB6F}"/>
+              </a:ext>
+            </a:extLst>
+          </p:cNvPr>
+          <p:cNvSpPr>
+            <a:spLocks noGrp="1"/>
+          </p:cNvSpPr>
+          <p:nvPr>
+            <p:ph type="title"/>
+          </p:nvPr>
+        </p:nvSpPr>
+        <p:spPr/>
+        <p:txBody>
+          <a:bodyPr/>
+          <a:lstStyle/>
+          <a:p>
+            <a:r>
+              <a:rPr lang="de-DE" dirty="0"/>
+              <a:t>Fazit</a:t>
+            </a:r>
+            <a:endParaRPr lang="en-US" dirty="0"/>
+          </a:p>
+        </p:txBody>
+      </p:sp>
+      <p:sp>
+        <p:nvSpPr>
+          <p:cNvPr id="3" name="Inhaltsplatzhalter 2">
+            <a:extLst>
+              <a:ext uri="{FF2B5EF4-FFF2-40B4-BE49-F238E27FC236}">
+                <a16:creationId xmlns:a16="http://schemas.microsoft.com/office/drawing/2014/main" id="{F7532589-ABB8-424C-B0EB-8AB7666535D0}"/>
+              </a:ext>
+            </a:extLst>
+          </p:cNvPr>
+          <p:cNvSpPr>
+            <a:spLocks noGrp="1"/>
+          </p:cNvSpPr>
+          <p:nvPr>
+            <p:ph idx="1"/>
+          </p:nvPr>
+        </p:nvSpPr>
+        <p:spPr/>
+        <p:txBody>
+          <a:bodyPr/>
+          <a:lstStyle/>
+          <a:p>
+            <a:r>
+              <a:rPr lang="de-DE" dirty="0"/>
+              <a:t>Mit formaler Verifikation kann Software zu 100% geprüft werden</a:t>
+            </a:r>
+          </a:p>
+          <a:p>
+            <a:r>
+              <a:rPr lang="de-DE" dirty="0"/>
+              <a:t>Die Software ist immer nur so gut wie die Spezifikation</a:t>
+            </a:r>
+          </a:p>
+          <a:p>
+            <a:r>
+              <a:rPr lang="de-DE" dirty="0"/>
+              <a:t>Es lohnt sich in sicherheitskritischen Systemen und bei viel genutzter Software</a:t>
+            </a:r>
+          </a:p>
+          <a:p>
+            <a:r>
+              <a:rPr lang="de-DE" dirty="0"/>
+              <a:t>Es ist deutlich aufwendiger als normales Entwickeln</a:t>
+            </a:r>
+          </a:p>
+          <a:p>
+            <a:endParaRPr lang="en-US" dirty="0"/>
+          </a:p>
+        </p:txBody>
+      </p:sp>
+      <p:sp>
+        <p:nvSpPr>
+          <p:cNvPr id="4" name="Datumsplatzhalter 3">
+            <a:extLst>
+              <a:ext uri="{FF2B5EF4-FFF2-40B4-BE49-F238E27FC236}">
+                <a16:creationId xmlns:a16="http://schemas.microsoft.com/office/drawing/2014/main" id="{B41B084E-2F3C-4B93-BE49-5F3D84BAE5ED}"/>
+              </a:ext>
+            </a:extLst>
+          </p:cNvPr>
+          <p:cNvSpPr>
+            <a:spLocks noGrp="1"/>
+          </p:cNvSpPr>
+          <p:nvPr>
+            <p:ph type="dt" sz="half" idx="10"/>
+          </p:nvPr>
+        </p:nvSpPr>
+        <p:spPr/>
+        <p:txBody>
+          <a:bodyPr/>
+          <a:lstStyle/>
+          <a:p>
+            <a:r>
+              <a:rPr lang="de-DE"/>
+              <a:t>21/01/2020</a:t>
+            </a:r>
+            <a:endParaRPr lang="en-US"/>
+          </a:p>
+        </p:txBody>
+      </p:sp>
+    </p:spTree>
+    <p:extLst>
+      <p:ext uri="{BB962C8B-B14F-4D97-AF65-F5344CB8AC3E}">
+        <p14:creationId xmlns:p14="http://schemas.microsoft.com/office/powerpoint/2010/main" val="3575977899"/>
+      </p:ext>
+    </p:extLst>
+  </p:cSld>
+  <p:clrMapOvr>
+    <a:masterClrMapping/>
+  </p:clrMapOvr>
+</p:sld>
+</file>
+
 <file path=ppt/slides/slide2.xml><?xml version="1.0" encoding="utf-8"?>
 <p:sld xmlns:a="http://schemas.openxmlformats.org/drawingml/2006/main" xmlns:r="http://schemas.openxmlformats.org/officeDocument/2006/relationships" xmlns:p="http://schemas.openxmlformats.org/presentationml/2006/main">
   <p:cSld>
@@ -6879,8 +7253,9 @@
           <a:p>
             <a:r>
               <a:rPr lang="de-DE" dirty="0"/>
-              <a:t>Nachteile beim Testen von (sicherheitskritischer) Software:</a:t>
-            </a:r>
+              <a:t>Beispiel Test</a:t>
+            </a:r>
+            <a:endParaRPr lang="en-US" dirty="0"/>
           </a:p>
         </p:txBody>
       </p:sp>
@@ -6900,35 +7275,119 @@
             <p:ph idx="1"/>
           </p:nvPr>
         </p:nvSpPr>
-        <p:spPr/>
+        <p:spPr>
+          <a:xfrm>
+            <a:off x="1484311" y="2666999"/>
+            <a:ext cx="4611690" cy="3124201"/>
+          </a:xfrm>
+        </p:spPr>
         <p:txBody>
           <a:bodyPr/>
           <a:lstStyle/>
           <a:p>
+            <a:pPr marL="457200" lvl="1" indent="0">
+              <a:buNone/>
+            </a:pPr>
+            <a:r>
+              <a:rPr lang="de-DE" dirty="0" err="1"/>
+              <a:t>public</a:t>
+            </a:r>
             <a:r>
               <a:rPr lang="de-DE" dirty="0"/>
-              <a:t>Hohe Kosten</a:t>
-            </a:r>
-          </a:p>
-          <a:p>
+              <a:t> </a:t>
+            </a:r>
+            <a:r>
+              <a:rPr lang="de-DE" dirty="0" err="1"/>
+              <a:t>class</a:t>
+            </a:r>
             <a:r>
               <a:rPr lang="de-DE" dirty="0"/>
-              <a:t>Viel Aufwand</a:t>
-            </a:r>
-          </a:p>
-          <a:p>
+              <a:t> Math {</a:t>
+            </a:r>
+          </a:p>
+          <a:p>
+            <a:pPr marL="457200" lvl="1" indent="0">
+              <a:buNone/>
+            </a:pPr>
             <a:r>
               <a:rPr lang="de-DE" dirty="0"/>
-              <a:t>Code ist nicht zu 100% auf Korrektheit geprüft</a:t>
-            </a:r>
-          </a:p>
-          <a:p>
-            <a:pPr lvl="1"/>
-            <a:endParaRPr lang="de-DE" dirty="0"/>
-          </a:p>
-          <a:p>
-            <a:pPr lvl="1"/>
-            <a:endParaRPr lang="en-US" dirty="0"/>
+              <a:t>	</a:t>
+            </a:r>
+            <a:r>
+              <a:rPr lang="de-DE" dirty="0" err="1"/>
+              <a:t>public</a:t>
+            </a:r>
+            <a:r>
+              <a:rPr lang="de-DE" dirty="0"/>
+              <a:t> </a:t>
+            </a:r>
+            <a:r>
+              <a:rPr lang="de-DE" dirty="0" err="1"/>
+              <a:t>int</a:t>
+            </a:r>
+            <a:r>
+              <a:rPr lang="de-DE" dirty="0"/>
+              <a:t> </a:t>
+            </a:r>
+            <a:r>
+              <a:rPr lang="de-DE" dirty="0" err="1"/>
+              <a:t>add</a:t>
+            </a:r>
+            <a:r>
+              <a:rPr lang="de-DE" dirty="0"/>
+              <a:t> (</a:t>
+            </a:r>
+            <a:r>
+              <a:rPr lang="de-DE" dirty="0" err="1"/>
+              <a:t>int</a:t>
+            </a:r>
+            <a:r>
+              <a:rPr lang="de-DE" dirty="0"/>
+              <a:t> a, </a:t>
+            </a:r>
+            <a:r>
+              <a:rPr lang="de-DE" dirty="0" err="1"/>
+              <a:t>int</a:t>
+            </a:r>
+            <a:r>
+              <a:rPr lang="de-DE" dirty="0"/>
+              <a:t> b) {</a:t>
+            </a:r>
+          </a:p>
+          <a:p>
+            <a:pPr marL="457200" lvl="1" indent="0">
+              <a:buNone/>
+            </a:pPr>
+            <a:r>
+              <a:rPr lang="de-DE" dirty="0"/>
+              <a:t>		</a:t>
+            </a:r>
+            <a:r>
+              <a:rPr lang="de-DE" dirty="0" err="1"/>
+              <a:t>return</a:t>
+            </a:r>
+            <a:r>
+              <a:rPr lang="de-DE" dirty="0"/>
+              <a:t> a + b;</a:t>
+            </a:r>
+          </a:p>
+          <a:p>
+            <a:pPr marL="457200" lvl="1" indent="0">
+              <a:buNone/>
+            </a:pPr>
+            <a:r>
+              <a:rPr lang="en-US" dirty="0"/>
+              <a:t>	}</a:t>
+            </a:r>
+          </a:p>
+          <a:p>
+            <a:pPr marL="457200" lvl="1" indent="0">
+              <a:buNone/>
+            </a:pPr>
+            <a:r>
+              <a:rPr lang="en-US" dirty="0"/>
+              <a:t>}</a:t>
+            </a:r>
           </a:p>
         </p:txBody>
       </p:sp>
@@ -6961,10 +7420,406 @@
           </a:p>
         </p:txBody>
       </p:sp>
+      <p:sp>
+        <p:nvSpPr>
+          <p:cNvPr id="5" name="Inhaltsplatzhalter 2">
+            <a:extLst>
+              <a:ext uri="{FF2B5EF4-FFF2-40B4-BE49-F238E27FC236}">
+                <a16:creationId xmlns:a16="http://schemas.microsoft.com/office/drawing/2014/main" id="{22180CED-D1B2-47E8-9E7A-C2EBDA9BD39D}"/>
+              </a:ext>
+            </a:extLst>
+          </p:cNvPr>
+          <p:cNvSpPr txBox="1">
+            <a:spLocks/>
+          </p:cNvSpPr>
+          <p:nvPr/>
+        </p:nvSpPr>
+        <p:spPr>
+          <a:xfrm>
+            <a:off x="5216970" y="2438399"/>
+            <a:ext cx="6286054" cy="3124201"/>
+          </a:xfrm>
+          <a:prstGeom prst="rect">
+            <a:avLst/>
+          </a:prstGeom>
+        </p:spPr>
+        <p:txBody>
+          <a:bodyPr vert="horz" lIns="91440" tIns="45720" rIns="91440" bIns="45720" rtlCol="0" anchor="ctr">
+            <a:normAutofit/>
+          </a:bodyPr>
+          <a:lstStyle>
+            <a:lvl1pPr marL="285750" indent="-285750" algn="l" defTabSz="457200" rtl="0" eaLnBrk="1" latinLnBrk="0" hangingPunct="1">
+              <a:spcBef>
+                <a:spcPct val="20000"/>
+              </a:spcBef>
+              <a:spcAft>
+                <a:spcPts val="600"/>
+              </a:spcAft>
+              <a:buClr>
+                <a:schemeClr val="accent1">
+                  <a:lumMod val="75000"/>
+                </a:schemeClr>
+              </a:buClr>
+              <a:buSzPct val="145000"/>
+              <a:buFont typeface="Arial"/>
+              <a:buChar char="•"/>
+              <a:defRPr sz="2400" kern="1200" cap="none">
+                <a:solidFill>
+                  <a:schemeClr val="tx1"/>
+                </a:solidFill>
+                <a:effectLst/>
+                <a:latin typeface="+mn-lt"/>
+                <a:ea typeface="+mn-ea"/>
+                <a:cs typeface="+mn-cs"/>
+              </a:defRPr>
+            </a:lvl1pPr>
+            <a:lvl2pPr marL="742950" indent="-285750" algn="l" defTabSz="457200" rtl="0" eaLnBrk="1" latinLnBrk="0" hangingPunct="1">
+              <a:spcBef>
+                <a:spcPct val="20000"/>
+              </a:spcBef>
+              <a:spcAft>
+                <a:spcPts val="600"/>
+              </a:spcAft>
+              <a:buClr>
+                <a:schemeClr val="accent1">
+                  <a:lumMod val="75000"/>
+                </a:schemeClr>
+              </a:buClr>
+              <a:buSzPct val="145000"/>
+              <a:buFont typeface="Arial"/>
+              <a:buChar char="•"/>
+              <a:defRPr sz="2000" kern="1200" cap="none">
+                <a:solidFill>
+                  <a:schemeClr val="tx1"/>
+                </a:solidFill>
+                <a:effectLst/>
+                <a:latin typeface="+mn-lt"/>
+                <a:ea typeface="+mn-ea"/>
+                <a:cs typeface="+mn-cs"/>
+              </a:defRPr>
+            </a:lvl2pPr>
+            <a:lvl3pPr marL="1200150" indent="-285750" algn="l" defTabSz="457200" rtl="0" eaLnBrk="1" latinLnBrk="0" hangingPunct="1">
+              <a:spcBef>
+                <a:spcPct val="20000"/>
+              </a:spcBef>
+              <a:spcAft>
+                <a:spcPts val="600"/>
+              </a:spcAft>
+              <a:buClr>
+                <a:schemeClr val="accent1">
+                  <a:lumMod val="75000"/>
+                </a:schemeClr>
+              </a:buClr>
+              <a:buSzPct val="145000"/>
+              <a:buFont typeface="Arial"/>
+              <a:buChar char="•"/>
+              <a:defRPr sz="1800" kern="1200" cap="none">
+                <a:solidFill>
+                  <a:schemeClr val="tx1"/>
+                </a:solidFill>
+                <a:effectLst/>
+                <a:latin typeface="+mn-lt"/>
+                <a:ea typeface="+mn-ea"/>
+                <a:cs typeface="+mn-cs"/>
+              </a:defRPr>
+            </a:lvl3pPr>
+            <a:lvl4pPr marL="1543050" indent="-171450" algn="l" defTabSz="457200" rtl="0" eaLnBrk="1" latinLnBrk="0" hangingPunct="1">
+              <a:spcBef>
+                <a:spcPct val="20000"/>
+              </a:spcBef>
+              <a:spcAft>
+                <a:spcPts val="600"/>
+              </a:spcAft>
+              <a:buClr>
+                <a:schemeClr val="accent1">
+                  <a:lumMod val="75000"/>
+                </a:schemeClr>
+              </a:buClr>
+              <a:buSzPct val="145000"/>
+              <a:buFont typeface="Arial"/>
+              <a:buChar char="•"/>
+              <a:defRPr sz="1600" kern="1200" cap="none">
+                <a:solidFill>
+                  <a:schemeClr val="tx1"/>
+                </a:solidFill>
+                <a:effectLst/>
+                <a:latin typeface="+mn-lt"/>
+                <a:ea typeface="+mn-ea"/>
+                <a:cs typeface="+mn-cs"/>
+              </a:defRPr>
+            </a:lvl4pPr>
+            <a:lvl5pPr marL="2000250" indent="-171450" algn="l" defTabSz="457200" rtl="0" eaLnBrk="1" latinLnBrk="0" hangingPunct="1">
+              <a:spcBef>
+                <a:spcPct val="20000"/>
+              </a:spcBef>
+              <a:spcAft>
+                <a:spcPts val="600"/>
+              </a:spcAft>
+              <a:buClr>
+                <a:schemeClr val="accent1">
+                  <a:lumMod val="75000"/>
+                </a:schemeClr>
+              </a:buClr>
+              <a:buSzPct val="145000"/>
+              <a:buFont typeface="Arial"/>
+              <a:buChar char="•"/>
+              <a:defRPr sz="1400" kern="1200" cap="none">
+                <a:solidFill>
+                  <a:schemeClr val="tx1"/>
+                </a:solidFill>
+                <a:effectLst/>
+                <a:latin typeface="+mn-lt"/>
+                <a:ea typeface="+mn-ea"/>
+                <a:cs typeface="+mn-cs"/>
+              </a:defRPr>
+            </a:lvl5pPr>
+            <a:lvl6pPr marL="2514600" indent="-228600" algn="l" defTabSz="457200" rtl="0" eaLnBrk="1" latinLnBrk="0" hangingPunct="1">
+              <a:spcBef>
+                <a:spcPct val="20000"/>
+              </a:spcBef>
+              <a:spcAft>
+                <a:spcPts val="600"/>
+              </a:spcAft>
+              <a:buClr>
+                <a:schemeClr val="accent1">
+                  <a:lumMod val="75000"/>
+                </a:schemeClr>
+              </a:buClr>
+              <a:buSzPct val="145000"/>
+              <a:buFont typeface="Arial"/>
+              <a:buChar char="•"/>
+              <a:defRPr sz="1400" kern="1200" cap="none">
+                <a:solidFill>
+                  <a:schemeClr val="tx1"/>
+                </a:solidFill>
+                <a:effectLst/>
+                <a:latin typeface="+mn-lt"/>
+                <a:ea typeface="+mn-ea"/>
+                <a:cs typeface="+mn-cs"/>
+              </a:defRPr>
+            </a:lvl6pPr>
+            <a:lvl7pPr marL="2971800" indent="-228600" algn="l" defTabSz="457200" rtl="0" eaLnBrk="1" latinLnBrk="0" hangingPunct="1">
+              <a:spcBef>
+                <a:spcPct val="20000"/>
+              </a:spcBef>
+              <a:spcAft>
+                <a:spcPts val="600"/>
+              </a:spcAft>
+              <a:buClr>
+                <a:schemeClr val="accent1">
+                  <a:lumMod val="75000"/>
+                </a:schemeClr>
+              </a:buClr>
+              <a:buSzPct val="145000"/>
+              <a:buFont typeface="Arial"/>
+              <a:buChar char="•"/>
+              <a:defRPr sz="1400" kern="1200" cap="none">
+                <a:solidFill>
+                  <a:schemeClr val="tx1"/>
+                </a:solidFill>
+                <a:effectLst/>
+                <a:latin typeface="+mn-lt"/>
+                <a:ea typeface="+mn-ea"/>
+                <a:cs typeface="+mn-cs"/>
+              </a:defRPr>
+            </a:lvl7pPr>
+            <a:lvl8pPr marL="3429000" indent="-228600" algn="l" defTabSz="457200" rtl="0" eaLnBrk="1" latinLnBrk="0" hangingPunct="1">
+              <a:spcBef>
+                <a:spcPct val="20000"/>
+              </a:spcBef>
+              <a:spcAft>
+                <a:spcPts val="600"/>
+              </a:spcAft>
+              <a:buClr>
+                <a:schemeClr val="accent1">
+                  <a:lumMod val="75000"/>
+                </a:schemeClr>
+              </a:buClr>
+              <a:buSzPct val="145000"/>
+              <a:buFont typeface="Arial"/>
+              <a:buChar char="•"/>
+              <a:defRPr sz="1400" kern="1200" cap="none">
+                <a:solidFill>
+                  <a:schemeClr val="tx1"/>
+                </a:solidFill>
+                <a:effectLst/>
+                <a:latin typeface="+mn-lt"/>
+                <a:ea typeface="+mn-ea"/>
+                <a:cs typeface="+mn-cs"/>
+              </a:defRPr>
+            </a:lvl8pPr>
+            <a:lvl9pPr marL="3886200" indent="-228600" algn="l" defTabSz="457200" rtl="0" eaLnBrk="1" latinLnBrk="0" hangingPunct="1">
+              <a:spcBef>
+                <a:spcPct val="20000"/>
+              </a:spcBef>
+              <a:spcAft>
+                <a:spcPts val="600"/>
+              </a:spcAft>
+              <a:buClr>
+                <a:schemeClr val="accent1">
+                  <a:lumMod val="75000"/>
+                </a:schemeClr>
+              </a:buClr>
+              <a:buSzPct val="145000"/>
+              <a:buFont typeface="Arial"/>
+              <a:buChar char="•"/>
+              <a:defRPr sz="1400" kern="1200" cap="none">
+                <a:solidFill>
+                  <a:schemeClr val="tx1"/>
+                </a:solidFill>
+                <a:effectLst/>
+                <a:latin typeface="+mn-lt"/>
+                <a:ea typeface="+mn-ea"/>
+                <a:cs typeface="+mn-cs"/>
+              </a:defRPr>
+            </a:lvl9pPr>
+          </a:lstStyle>
+          <a:p>
+            <a:pPr marL="457200" lvl="1" indent="0">
+              <a:buFont typeface="Arial"/>
+              <a:buNone/>
+            </a:pPr>
+            <a:r>
+              <a:rPr lang="de-DE" dirty="0" err="1"/>
+              <a:t>public</a:t>
+            </a:r>
+            <a:r>
+              <a:rPr lang="de-DE" dirty="0"/>
+              <a:t> </a:t>
+            </a:r>
+            <a:r>
+              <a:rPr lang="de-DE" dirty="0" err="1"/>
+              <a:t>class</a:t>
+            </a:r>
+            <a:r>
+              <a:rPr lang="de-DE" dirty="0"/>
+              <a:t> </a:t>
+            </a:r>
+            <a:r>
+              <a:rPr lang="de-DE" dirty="0" err="1"/>
+              <a:t>MyTest</a:t>
+            </a:r>
+            <a:r>
+              <a:rPr lang="de-DE" dirty="0"/>
+              <a:t> {</a:t>
+            </a:r>
+          </a:p>
+          <a:p>
+            <a:pPr marL="457200" lvl="1" indent="0">
+              <a:buNone/>
+            </a:pPr>
+            <a:r>
+              <a:rPr lang="de-DE" dirty="0"/>
+              <a:t>	@Test</a:t>
+            </a:r>
+          </a:p>
+          <a:p>
+            <a:pPr marL="457200" lvl="1" indent="0">
+              <a:buNone/>
+            </a:pPr>
+            <a:r>
+              <a:rPr lang="de-DE" dirty="0"/>
+              <a:t>    	</a:t>
+            </a:r>
+            <a:r>
+              <a:rPr lang="de-DE" dirty="0" err="1"/>
+              <a:t>public</a:t>
+            </a:r>
+            <a:r>
+              <a:rPr lang="de-DE" dirty="0"/>
+              <a:t> </a:t>
+            </a:r>
+            <a:r>
+              <a:rPr lang="de-DE" dirty="0" err="1"/>
+              <a:t>void</a:t>
+            </a:r>
+            <a:r>
+              <a:rPr lang="de-DE" dirty="0"/>
+              <a:t> addZeroAndOneShouldReturn1() {</a:t>
+            </a:r>
+          </a:p>
+          <a:p>
+            <a:pPr marL="457200" lvl="1" indent="0">
+              <a:buNone/>
+            </a:pPr>
+            <a:r>
+              <a:rPr lang="de-DE" dirty="0"/>
+              <a:t>        	Math </a:t>
+            </a:r>
+            <a:r>
+              <a:rPr lang="de-DE" dirty="0" err="1"/>
+              <a:t>math</a:t>
+            </a:r>
+            <a:r>
+              <a:rPr lang="de-DE" dirty="0"/>
+              <a:t> = </a:t>
+            </a:r>
+            <a:r>
+              <a:rPr lang="de-DE" dirty="0" err="1"/>
+              <a:t>new</a:t>
+            </a:r>
+            <a:r>
+              <a:rPr lang="de-DE" dirty="0"/>
+              <a:t> Math();</a:t>
+            </a:r>
+          </a:p>
+          <a:p>
+            <a:pPr marL="457200" lvl="1" indent="0">
+              <a:buNone/>
+            </a:pPr>
+            <a:r>
+              <a:rPr lang="de-DE" dirty="0"/>
+              <a:t>        	</a:t>
+            </a:r>
+            <a:r>
+              <a:rPr lang="de-DE" dirty="0" err="1"/>
+              <a:t>assertEquals</a:t>
+            </a:r>
+            <a:r>
+              <a:rPr lang="de-DE" dirty="0"/>
+              <a:t>(1, </a:t>
+            </a:r>
+            <a:r>
+              <a:rPr lang="de-DE" dirty="0" err="1"/>
+              <a:t>math.add</a:t>
+            </a:r>
+            <a:r>
+              <a:rPr lang="de-DE" dirty="0"/>
+              <a:t>(0,1), "0 + 1 must </a:t>
+            </a:r>
+            <a:r>
+              <a:rPr lang="de-DE" dirty="0" err="1"/>
+              <a:t>be</a:t>
+            </a:r>
+            <a:r>
+              <a:rPr lang="de-DE" dirty="0"/>
+              <a:t> 1");</a:t>
+            </a:r>
+          </a:p>
+          <a:p>
+            <a:pPr marL="457200" lvl="1" indent="0">
+              <a:buNone/>
+            </a:pPr>
+            <a:r>
+              <a:rPr lang="de-DE" dirty="0"/>
+              <a:t>   	}</a:t>
+            </a:r>
+          </a:p>
+          <a:p>
+            <a:pPr marL="457200" lvl="1" indent="0">
+              <a:buNone/>
+            </a:pPr>
+            <a:r>
+              <a:rPr lang="en-US" dirty="0"/>
+              <a:t>}</a:t>
+            </a:r>
+          </a:p>
+        </p:txBody>
+      </p:sp>
     </p:spTree>
     <p:extLst>
       <p:ext uri="{BB962C8B-B14F-4D97-AF65-F5344CB8AC3E}">
-        <p14:creationId xmlns:p14="http://schemas.microsoft.com/office/powerpoint/2010/main" val="4046373943"/>
+        <p14:creationId xmlns:p14="http://schemas.microsoft.com/office/powerpoint/2010/main" val="2705527967"/>
       </p:ext>
     </p:extLst>
   </p:cSld>
@@ -6996,7 +7851,7 @@
           <p:cNvPr id="2" name="Titel 1">
             <a:extLst>
               <a:ext uri="{FF2B5EF4-FFF2-40B4-BE49-F238E27FC236}">
-                <a16:creationId xmlns:a16="http://schemas.microsoft.com/office/drawing/2014/main" id="{42DC725C-AC88-4ABC-ADDE-F28F6F38AEF6}"/>
+                <a16:creationId xmlns:a16="http://schemas.microsoft.com/office/drawing/2014/main" id="{545358A7-D653-405D-BB7C-405769B2CE98}"/>
               </a:ext>
             </a:extLst>
           </p:cNvPr>
@@ -7014,7 +7869,7 @@
           <a:p>
             <a:r>
               <a:rPr lang="de-DE" dirty="0"/>
-              <a:t>Beispiel</a:t>
+              <a:t>Beispiel Test</a:t>
             </a:r>
             <a:endParaRPr lang="en-US" dirty="0"/>
           </a:p>
@@ -7025,7 +7880,7 @@
           <p:cNvPr id="3" name="Inhaltsplatzhalter 2">
             <a:extLst>
               <a:ext uri="{FF2B5EF4-FFF2-40B4-BE49-F238E27FC236}">
-                <a16:creationId xmlns:a16="http://schemas.microsoft.com/office/drawing/2014/main" id="{62B40040-672E-4797-989F-E67A277AB0AA}"/>
+                <a16:creationId xmlns:a16="http://schemas.microsoft.com/office/drawing/2014/main" id="{D7018F07-BE81-423A-B2B8-081B35F2A618}"/>
               </a:ext>
             </a:extLst>
           </p:cNvPr>
@@ -7036,119 +7891,40 @@
             <p:ph idx="1"/>
           </p:nvPr>
         </p:nvSpPr>
-        <p:spPr>
-          <a:xfrm>
-            <a:off x="1484311" y="2666999"/>
-            <a:ext cx="4611690" cy="3124201"/>
-          </a:xfrm>
-        </p:spPr>
+        <p:spPr/>
         <p:txBody>
           <a:bodyPr/>
           <a:lstStyle/>
           <a:p>
-            <a:pPr marL="457200" lvl="1" indent="0">
-              <a:buNone/>
-            </a:pPr>
-            <a:r>
-              <a:rPr lang="de-DE" dirty="0" err="1"/>
-              <a:t>public</a:t>
-            </a:r>
             <a:r>
               <a:rPr lang="de-DE" dirty="0"/>
-              <a:t> </a:t>
-            </a:r>
-            <a:r>
-              <a:rPr lang="de-DE" dirty="0" err="1"/>
-              <a:t>class</a:t>
-            </a:r>
+              <a:t>Ist die Funktion nun zu 100% korrekt?</a:t>
+            </a:r>
+          </a:p>
+          <a:p>
             <a:r>
               <a:rPr lang="de-DE" dirty="0"/>
-              <a:t> Math {</a:t>
-            </a:r>
-          </a:p>
-          <a:p>
-            <a:pPr marL="457200" lvl="1" indent="0">
-              <a:buNone/>
-            </a:pPr>
+              <a:t>Nein!</a:t>
+            </a:r>
+          </a:p>
+          <a:p>
             <a:r>
               <a:rPr lang="de-DE" dirty="0"/>
-              <a:t>	</a:t>
-            </a:r>
-            <a:r>
-              <a:rPr lang="de-DE" dirty="0" err="1"/>
-              <a:t>public</a:t>
-            </a:r>
+              <a:t>Mehr Testfälle schreiben</a:t>
+            </a:r>
+          </a:p>
+          <a:p>
             <a:r>
               <a:rPr lang="de-DE" dirty="0"/>
-              <a:t> </a:t>
-            </a:r>
-            <a:r>
-              <a:rPr lang="de-DE" dirty="0" err="1"/>
-              <a:t>int</a:t>
-            </a:r>
+              <a:t>Ist die Funktion nun korrekt?</a:t>
+            </a:r>
+          </a:p>
+          <a:p>
             <a:r>
               <a:rPr lang="de-DE" dirty="0"/>
-              <a:t> </a:t>
-            </a:r>
-            <a:r>
-              <a:rPr lang="de-DE" dirty="0" err="1"/>
-              <a:t>add</a:t>
-            </a:r>
-            <a:r>
-              <a:rPr lang="de-DE" dirty="0"/>
-              <a:t> (</a:t>
-            </a:r>
-            <a:r>
-              <a:rPr lang="de-DE" dirty="0" err="1"/>
-              <a:t>int</a:t>
-            </a:r>
-            <a:r>
-              <a:rPr lang="de-DE" dirty="0"/>
-              <a:t> a, </a:t>
-            </a:r>
-            <a:r>
-              <a:rPr lang="de-DE" dirty="0" err="1"/>
-              <a:t>int</a:t>
-            </a:r>
-            <a:r>
-              <a:rPr lang="de-DE" dirty="0"/>
-              <a:t> b) {</a:t>
-            </a:r>
-          </a:p>
-          <a:p>
-            <a:pPr marL="457200" lvl="1" indent="0">
-              <a:buNone/>
-            </a:pPr>
-            <a:r>
-              <a:rPr lang="de-DE" dirty="0"/>
-              <a:t>		</a:t>
-            </a:r>
-            <a:r>
-              <a:rPr lang="de-DE" dirty="0" err="1"/>
-              <a:t>return</a:t>
-            </a:r>
-            <a:r>
-              <a:rPr lang="de-DE" dirty="0"/>
-              <a:t> a + b;</a:t>
-            </a:r>
-          </a:p>
-          <a:p>
-            <a:pPr marL="457200" lvl="1" indent="0">
-              <a:buNone/>
-            </a:pPr>
-            <a:r>
-              <a:rPr lang="en-US" dirty="0"/>
-              <a:t>	}</a:t>
-            </a:r>
-          </a:p>
-          <a:p>
-            <a:pPr marL="457200" lvl="1" indent="0">
-              <a:buNone/>
-            </a:pPr>
-            <a:r>
-              <a:rPr lang="en-US" dirty="0"/>
-              <a:t>}</a:t>
-            </a:r>
+              <a:t>Naja, es wird angenommen, dass es der Fall ist!</a:t>
+            </a:r>
+            <a:endParaRPr lang="en-US" dirty="0"/>
           </a:p>
         </p:txBody>
       </p:sp>
@@ -7157,7 +7933,7 @@
           <p:cNvPr id="4" name="Datumsplatzhalter 3">
             <a:extLst>
               <a:ext uri="{FF2B5EF4-FFF2-40B4-BE49-F238E27FC236}">
-                <a16:creationId xmlns:a16="http://schemas.microsoft.com/office/drawing/2014/main" id="{2C8FB497-1D73-4638-A258-18D2A7F97EA9}"/>
+                <a16:creationId xmlns:a16="http://schemas.microsoft.com/office/drawing/2014/main" id="{554584A6-EF9D-46BD-8F5A-E0D5B55878E8}"/>
               </a:ext>
             </a:extLst>
           </p:cNvPr>
@@ -7186,7 +7962,7 @@
           <p:cNvPr id="5" name="Inhaltsplatzhalter 2">
             <a:extLst>
               <a:ext uri="{FF2B5EF4-FFF2-40B4-BE49-F238E27FC236}">
-                <a16:creationId xmlns:a16="http://schemas.microsoft.com/office/drawing/2014/main" id="{22180CED-D1B2-47E8-9E7A-C2EBDA9BD39D}"/>
+                <a16:creationId xmlns:a16="http://schemas.microsoft.com/office/drawing/2014/main" id="{A1C3F65C-0284-4C16-9F6F-B544CE228F6D}"/>
               </a:ext>
             </a:extLst>
           </p:cNvPr>
@@ -7196,9 +7972,9 @@
           <p:nvPr/>
         </p:nvSpPr>
         <p:spPr>
-          <a:xfrm>
-            <a:off x="5784026" y="2895599"/>
-            <a:ext cx="6286054" cy="3124201"/>
+          <a:xfrm rot="683168">
+            <a:off x="7261671" y="2734323"/>
+            <a:ext cx="4474609" cy="1828800"/>
           </a:xfrm>
           <a:prstGeom prst="rect">
             <a:avLst/>
@@ -7206,7 +7982,7 @@
         </p:spPr>
         <p:txBody>
           <a:bodyPr vert="horz" lIns="91440" tIns="45720" rIns="91440" bIns="45720" rtlCol="0" anchor="ctr">
-            <a:normAutofit/>
+            <a:normAutofit fontScale="70000" lnSpcReduction="20000"/>
           </a:bodyPr>
           <a:lstStyle>
             <a:lvl1pPr marL="285750" indent="-285750" algn="l" defTabSz="457200" rtl="0" eaLnBrk="1" latinLnBrk="0" hangingPunct="1">
@@ -7436,157 +8212,407 @@
             </a:lvl9pPr>
           </a:lstStyle>
           <a:p>
-            <a:pPr marL="457200" lvl="1" indent="0">
-              <a:buFont typeface="Arial"/>
-              <a:buNone/>
-            </a:pPr>
-            <a:r>
-              <a:rPr lang="de-DE" dirty="0" err="1"/>
-              <a:t>public</a:t>
-            </a:r>
-            <a:r>
-              <a:rPr lang="de-DE" dirty="0"/>
-              <a:t> </a:t>
-            </a:r>
-            <a:r>
-              <a:rPr lang="de-DE" dirty="0" err="1"/>
-              <a:t>class</a:t>
-            </a:r>
-            <a:r>
-              <a:rPr lang="de-DE" dirty="0"/>
-              <a:t> </a:t>
-            </a:r>
-            <a:r>
-              <a:rPr lang="de-DE" dirty="0" err="1"/>
-              <a:t>MyTest</a:t>
-            </a:r>
-            <a:r>
-              <a:rPr lang="de-DE" dirty="0"/>
-              <a:t> {</a:t>
-            </a:r>
-          </a:p>
-          <a:p>
-            <a:pPr marL="457200" lvl="1" indent="0">
-              <a:buNone/>
-            </a:pPr>
-            <a:r>
-              <a:rPr lang="de-DE" dirty="0"/>
-              <a:t>    @Test</a:t>
-            </a:r>
-          </a:p>
-          <a:p>
-            <a:pPr marL="457200" lvl="1" indent="0">
-              <a:buNone/>
-            </a:pPr>
-            <a:r>
-              <a:rPr lang="de-DE" dirty="0"/>
-              <a:t>    </a:t>
-            </a:r>
-            <a:r>
-              <a:rPr lang="de-DE" dirty="0" err="1"/>
-              <a:t>public</a:t>
-            </a:r>
-            <a:r>
-              <a:rPr lang="de-DE" dirty="0"/>
-              <a:t> </a:t>
-            </a:r>
-            <a:r>
-              <a:rPr lang="de-DE" dirty="0" err="1"/>
-              <a:t>void</a:t>
-            </a:r>
-            <a:r>
-              <a:rPr lang="de-DE" dirty="0"/>
-              <a:t> addZeroAndOneShouldReturn1() {</a:t>
-            </a:r>
-          </a:p>
-          <a:p>
-            <a:pPr marL="457200" lvl="1" indent="0">
-              <a:buNone/>
-            </a:pPr>
-            <a:r>
-              <a:rPr lang="de-DE" dirty="0"/>
-              <a:t>        Math </a:t>
-            </a:r>
-            <a:r>
-              <a:rPr lang="de-DE" dirty="0" err="1"/>
-              <a:t>math</a:t>
-            </a:r>
-            <a:r>
-              <a:rPr lang="de-DE" dirty="0"/>
-              <a:t> = </a:t>
-            </a:r>
-            <a:r>
-              <a:rPr lang="de-DE" dirty="0" err="1"/>
-              <a:t>new</a:t>
-            </a:r>
-            <a:r>
-              <a:rPr lang="de-DE" dirty="0"/>
-              <a:t> Math();</a:t>
-            </a:r>
-          </a:p>
-          <a:p>
-            <a:pPr marL="457200" lvl="1" indent="0">
-              <a:buNone/>
-            </a:pPr>
-            <a:r>
-              <a:rPr lang="de-DE" dirty="0"/>
-              <a:t>        </a:t>
-            </a:r>
-            <a:r>
-              <a:rPr lang="de-DE" dirty="0" err="1"/>
+            <a:r>
+              <a:rPr lang="de-DE" sz="2200" dirty="0" err="1"/>
               <a:t>assertEquals</a:t>
             </a:r>
             <a:r>
-              <a:rPr lang="de-DE" dirty="0"/>
+              <a:rPr lang="de-DE" sz="2200" dirty="0"/>
               <a:t>(1, </a:t>
             </a:r>
             <a:r>
-              <a:rPr lang="de-DE" dirty="0" err="1"/>
+              <a:rPr lang="de-DE" sz="2200" dirty="0" err="1"/>
               <a:t>math.add</a:t>
             </a:r>
             <a:r>
-              <a:rPr lang="de-DE" dirty="0"/>
-              <a:t>(0,1), "0 + 1 must </a:t>
-            </a:r>
-            <a:r>
-              <a:rPr lang="de-DE" dirty="0" err="1"/>
+              <a:rPr lang="de-DE" sz="2200" dirty="0"/>
+              <a:t>(1,0), „1 + 0 must </a:t>
+            </a:r>
+            <a:r>
+              <a:rPr lang="de-DE" sz="2200" dirty="0" err="1"/>
               <a:t>be</a:t>
             </a:r>
             <a:r>
-              <a:rPr lang="de-DE" dirty="0"/>
+              <a:rPr lang="de-DE" sz="2200" dirty="0"/>
               <a:t> 1");</a:t>
             </a:r>
           </a:p>
           <a:p>
-            <a:pPr marL="457200" lvl="1" indent="0">
-              <a:buNone/>
-            </a:pPr>
-            <a:r>
-              <a:rPr lang="de-DE" dirty="0"/>
-              <a:t>    }</a:t>
-            </a:r>
-          </a:p>
-          <a:p>
-            <a:pPr marL="457200" lvl="1" indent="0">
-              <a:buNone/>
-            </a:pPr>
-            <a:r>
-              <a:rPr lang="en-US" dirty="0"/>
-              <a:t>}</a:t>
-            </a:r>
+            <a:r>
+              <a:rPr lang="de-DE" sz="2200" dirty="0" err="1"/>
+              <a:t>assertEquals</a:t>
+            </a:r>
+            <a:r>
+              <a:rPr lang="de-DE" sz="2200" dirty="0"/>
+              <a:t>(1, </a:t>
+            </a:r>
+            <a:r>
+              <a:rPr lang="de-DE" sz="2200" dirty="0" err="1"/>
+              <a:t>math.add</a:t>
+            </a:r>
+            <a:r>
+              <a:rPr lang="de-DE" sz="2200" dirty="0"/>
+              <a:t>(1,1), „1 + 1 must </a:t>
+            </a:r>
+            <a:r>
+              <a:rPr lang="de-DE" sz="2200" dirty="0" err="1"/>
+              <a:t>be</a:t>
+            </a:r>
+            <a:r>
+              <a:rPr lang="de-DE" sz="2200" dirty="0"/>
+              <a:t> 2");</a:t>
+            </a:r>
+            <a:endParaRPr lang="en-US" sz="2200" dirty="0"/>
+          </a:p>
+          <a:p>
+            <a:r>
+              <a:rPr lang="de-DE" sz="2200" dirty="0" err="1"/>
+              <a:t>assertEquals</a:t>
+            </a:r>
+            <a:r>
+              <a:rPr lang="de-DE" sz="2200" dirty="0"/>
+              <a:t>(1, </a:t>
+            </a:r>
+            <a:r>
+              <a:rPr lang="de-DE" sz="2200" dirty="0" err="1"/>
+              <a:t>math.add</a:t>
+            </a:r>
+            <a:r>
+              <a:rPr lang="de-DE" sz="2200" dirty="0"/>
+              <a:t>(1,2), „1 + 2 must </a:t>
+            </a:r>
+            <a:r>
+              <a:rPr lang="de-DE" sz="2200" dirty="0" err="1"/>
+              <a:t>be</a:t>
+            </a:r>
+            <a:r>
+              <a:rPr lang="de-DE" sz="2200" dirty="0"/>
+              <a:t> 3");</a:t>
+            </a:r>
+            <a:endParaRPr lang="en-US" sz="2200" dirty="0"/>
+          </a:p>
+          <a:p>
+            <a:r>
+              <a:rPr lang="de-DE" sz="2200" dirty="0" err="1"/>
+              <a:t>assertEquals</a:t>
+            </a:r>
+            <a:r>
+              <a:rPr lang="de-DE" sz="2200" dirty="0"/>
+              <a:t>(1, </a:t>
+            </a:r>
+            <a:r>
+              <a:rPr lang="de-DE" sz="2200" dirty="0" err="1"/>
+              <a:t>math.add</a:t>
+            </a:r>
+            <a:r>
+              <a:rPr lang="de-DE" sz="2200" dirty="0"/>
+              <a:t>(1,3), „1 + 3 must </a:t>
+            </a:r>
+            <a:r>
+              <a:rPr lang="de-DE" sz="2200" dirty="0" err="1"/>
+              <a:t>be</a:t>
+            </a:r>
+            <a:r>
+              <a:rPr lang="de-DE" sz="2200" dirty="0"/>
+              <a:t> 4");</a:t>
+            </a:r>
+            <a:endParaRPr lang="en-US" sz="2200" dirty="0"/>
+          </a:p>
+          <a:p>
+            <a:r>
+              <a:rPr lang="de-DE" sz="2200" dirty="0" err="1"/>
+              <a:t>assertEquals</a:t>
+            </a:r>
+            <a:r>
+              <a:rPr lang="de-DE" sz="2200" dirty="0"/>
+              <a:t>(1, </a:t>
+            </a:r>
+            <a:r>
+              <a:rPr lang="de-DE" sz="2200" dirty="0" err="1"/>
+              <a:t>math.add</a:t>
+            </a:r>
+            <a:r>
+              <a:rPr lang="de-DE" sz="2200" dirty="0"/>
+              <a:t>(1,4), „1 + 4 must </a:t>
+            </a:r>
+            <a:r>
+              <a:rPr lang="de-DE" sz="2200" dirty="0" err="1"/>
+              <a:t>be</a:t>
+            </a:r>
+            <a:r>
+              <a:rPr lang="de-DE" sz="2200" dirty="0"/>
+              <a:t> 5");</a:t>
+            </a:r>
+            <a:endParaRPr lang="en-US" sz="2200" dirty="0"/>
           </a:p>
         </p:txBody>
       </p:sp>
     </p:spTree>
     <p:extLst>
       <p:ext uri="{BB962C8B-B14F-4D97-AF65-F5344CB8AC3E}">
-        <p14:creationId xmlns:p14="http://schemas.microsoft.com/office/powerpoint/2010/main" val="2705527967"/>
+        <p14:creationId xmlns:p14="http://schemas.microsoft.com/office/powerpoint/2010/main" val="357076782"/>
       </p:ext>
     </p:extLst>
   </p:cSld>
   <p:clrMapOvr>
     <a:masterClrMapping/>
   </p:clrMapOvr>
+  <p:timing>
+    <p:tnLst>
+      <p:par>
+        <p:cTn id="1" dur="indefinite" restart="never" nodeType="tmRoot">
+          <p:childTnLst>
+            <p:seq concurrent="1" nextAc="seek">
+              <p:cTn id="2" dur="indefinite" nodeType="mainSeq">
+                <p:childTnLst>
+                  <p:par>
+                    <p:cTn id="3" fill="hold">
+                      <p:stCondLst>
+                        <p:cond delay="indefinite"/>
+                      </p:stCondLst>
+                      <p:childTnLst>
+                        <p:par>
+                          <p:cTn id="4" fill="hold">
+                            <p:stCondLst>
+                              <p:cond delay="0"/>
+                            </p:stCondLst>
+                            <p:childTnLst>
+                              <p:par>
+                                <p:cTn id="5" presetID="1" presetClass="entr" presetSubtype="0" fill="hold" nodeType="clickEffect">
+                                  <p:stCondLst>
+                                    <p:cond delay="0"/>
+                                  </p:stCondLst>
+                                  <p:childTnLst>
+                                    <p:set>
+                                      <p:cBhvr>
+                                        <p:cTn id="6" dur="1" fill="hold">
+                                          <p:stCondLst>
+                                            <p:cond delay="0"/>
+                                          </p:stCondLst>
+                                        </p:cTn>
+                                        <p:tgtEl>
+                                          <p:spTgt spid="3">
+                                            <p:txEl>
+                                              <p:pRg st="1" end="1"/>
+                                            </p:txEl>
+                                          </p:spTgt>
+                                        </p:tgtEl>
+                                        <p:attrNameLst>
+                                          <p:attrName>style.visibility</p:attrName>
+                                        </p:attrNameLst>
+                                      </p:cBhvr>
+                                      <p:to>
+                                        <p:strVal val="visible"/>
+                                      </p:to>
+                                    </p:set>
+                                  </p:childTnLst>
+                                </p:cTn>
+                              </p:par>
+                            </p:childTnLst>
+                          </p:cTn>
+                        </p:par>
+                      </p:childTnLst>
+                    </p:cTn>
+                  </p:par>
+                  <p:par>
+                    <p:cTn id="7" fill="hold">
+                      <p:stCondLst>
+                        <p:cond delay="indefinite"/>
+                      </p:stCondLst>
+                      <p:childTnLst>
+                        <p:par>
+                          <p:cTn id="8" fill="hold">
+                            <p:stCondLst>
+                              <p:cond delay="0"/>
+                            </p:stCondLst>
+                            <p:childTnLst>
+                              <p:par>
+                                <p:cTn id="9" presetID="1" presetClass="entr" presetSubtype="0" fill="hold" nodeType="clickEffect">
+                                  <p:stCondLst>
+                                    <p:cond delay="0"/>
+                                  </p:stCondLst>
+                                  <p:childTnLst>
+                                    <p:set>
+                                      <p:cBhvr>
+                                        <p:cTn id="10" dur="1" fill="hold">
+                                          <p:stCondLst>
+                                            <p:cond delay="0"/>
+                                          </p:stCondLst>
+                                        </p:cTn>
+                                        <p:tgtEl>
+                                          <p:spTgt spid="3">
+                                            <p:txEl>
+                                              <p:pRg st="2" end="2"/>
+                                            </p:txEl>
+                                          </p:spTgt>
+                                        </p:tgtEl>
+                                        <p:attrNameLst>
+                                          <p:attrName>style.visibility</p:attrName>
+                                        </p:attrNameLst>
+                                      </p:cBhvr>
+                                      <p:to>
+                                        <p:strVal val="visible"/>
+                                      </p:to>
+                                    </p:set>
+                                  </p:childTnLst>
+                                </p:cTn>
+                              </p:par>
+                              <p:par>
+                                <p:cTn id="11" presetID="1" presetClass="entr" presetSubtype="0" fill="hold" grpId="0" nodeType="withEffect">
+                                  <p:stCondLst>
+                                    <p:cond delay="0"/>
+                                  </p:stCondLst>
+                                  <p:childTnLst>
+                                    <p:set>
+                                      <p:cBhvr>
+                                        <p:cTn id="12" dur="1" fill="hold">
+                                          <p:stCondLst>
+                                            <p:cond delay="0"/>
+                                          </p:stCondLst>
+                                        </p:cTn>
+                                        <p:tgtEl>
+                                          <p:spTgt spid="5"/>
+                                        </p:tgtEl>
+                                        <p:attrNameLst>
+                                          <p:attrName>style.visibility</p:attrName>
+                                        </p:attrNameLst>
+                                      </p:cBhvr>
+                                      <p:to>
+                                        <p:strVal val="visible"/>
+                                      </p:to>
+                                    </p:set>
+                                  </p:childTnLst>
+                                </p:cTn>
+                              </p:par>
+                            </p:childTnLst>
+                          </p:cTn>
+                        </p:par>
+                      </p:childTnLst>
+                    </p:cTn>
+                  </p:par>
+                  <p:par>
+                    <p:cTn id="13" fill="hold">
+                      <p:stCondLst>
+                        <p:cond delay="indefinite"/>
+                      </p:stCondLst>
+                      <p:childTnLst>
+                        <p:par>
+                          <p:cTn id="14" fill="hold">
+                            <p:stCondLst>
+                              <p:cond delay="0"/>
+                            </p:stCondLst>
+                            <p:childTnLst>
+                              <p:par>
+                                <p:cTn id="15" presetID="1" presetClass="entr" presetSubtype="0" fill="hold" nodeType="clickEffect">
+                                  <p:stCondLst>
+                                    <p:cond delay="0"/>
+                                  </p:stCondLst>
+                                  <p:childTnLst>
+                                    <p:set>
+                                      <p:cBhvr>
+                                        <p:cTn id="16" dur="1" fill="hold">
+                                          <p:stCondLst>
+                                            <p:cond delay="0"/>
+                                          </p:stCondLst>
+                                        </p:cTn>
+                                        <p:tgtEl>
+                                          <p:spTgt spid="3">
+                                            <p:txEl>
+                                              <p:pRg st="3" end="3"/>
+                                            </p:txEl>
+                                          </p:spTgt>
+                                        </p:tgtEl>
+                                        <p:attrNameLst>
+                                          <p:attrName>style.visibility</p:attrName>
+                                        </p:attrNameLst>
+                                      </p:cBhvr>
+                                      <p:to>
+                                        <p:strVal val="visible"/>
+                                      </p:to>
+                                    </p:set>
+                                  </p:childTnLst>
+                                </p:cTn>
+                              </p:par>
+                            </p:childTnLst>
+                          </p:cTn>
+                        </p:par>
+                      </p:childTnLst>
+                    </p:cTn>
+                  </p:par>
+                  <p:par>
+                    <p:cTn id="17" fill="hold">
+                      <p:stCondLst>
+                        <p:cond delay="indefinite"/>
+                      </p:stCondLst>
+                      <p:childTnLst>
+                        <p:par>
+                          <p:cTn id="18" fill="hold">
+                            <p:stCondLst>
+                              <p:cond delay="0"/>
+                            </p:stCondLst>
+                            <p:childTnLst>
+                              <p:par>
+                                <p:cTn id="19" presetID="1" presetClass="entr" presetSubtype="0" fill="hold" nodeType="clickEffect">
+                                  <p:stCondLst>
+                                    <p:cond delay="0"/>
+                                  </p:stCondLst>
+                                  <p:childTnLst>
+                                    <p:set>
+                                      <p:cBhvr>
+                                        <p:cTn id="20" dur="1" fill="hold">
+                                          <p:stCondLst>
+                                            <p:cond delay="0"/>
+                                          </p:stCondLst>
+                                        </p:cTn>
+                                        <p:tgtEl>
+                                          <p:spTgt spid="3">
+                                            <p:txEl>
+                                              <p:pRg st="4" end="4"/>
+                                            </p:txEl>
+                                          </p:spTgt>
+                                        </p:tgtEl>
+                                        <p:attrNameLst>
+                                          <p:attrName>style.visibility</p:attrName>
+                                        </p:attrNameLst>
+                                      </p:cBhvr>
+                                      <p:to>
+                                        <p:strVal val="visible"/>
+                                      </p:to>
+                                    </p:set>
+                                  </p:childTnLst>
+                                </p:cTn>
+                              </p:par>
+                            </p:childTnLst>
+                          </p:cTn>
+                        </p:par>
+                      </p:childTnLst>
+                    </p:cTn>
+                  </p:par>
+                </p:childTnLst>
+              </p:cTn>
+              <p:prevCondLst>
+                <p:cond evt="onPrev" delay="0">
+                  <p:tgtEl>
+                    <p:sldTgt/>
+                  </p:tgtEl>
+                </p:cond>
+              </p:prevCondLst>
+              <p:nextCondLst>
+                <p:cond evt="onNext" delay="0">
+                  <p:tgtEl>
+                    <p:sldTgt/>
+                  </p:tgtEl>
+                </p:cond>
+              </p:nextCondLst>
+            </p:seq>
+          </p:childTnLst>
+        </p:cTn>
+      </p:par>
+    </p:tnLst>
+    <p:bldLst>
+      <p:bldP spid="5" grpId="0"/>
+    </p:bldLst>
+  </p:timing>
 </p:sld>
 </file>
 
@@ -7612,7 +8638,7 @@
           <p:cNvPr id="2" name="Titel 1">
             <a:extLst>
               <a:ext uri="{FF2B5EF4-FFF2-40B4-BE49-F238E27FC236}">
-                <a16:creationId xmlns:a16="http://schemas.microsoft.com/office/drawing/2014/main" id="{690FEEDB-FB3B-4721-8A7F-F121FD028AF0}"/>
+                <a16:creationId xmlns:a16="http://schemas.microsoft.com/office/drawing/2014/main" id="{FF85469D-3F01-4948-93B6-951A2D1CF3A1}"/>
               </a:ext>
             </a:extLst>
           </p:cNvPr>
@@ -7630,7 +8656,7 @@
           <a:p>
             <a:r>
               <a:rPr lang="de-DE" dirty="0"/>
-              <a:t>Was ist Programmcodeverifikation</a:t>
+              <a:t>Wie könnte 100% Korrektheit bewiesen werden?</a:t>
             </a:r>
             <a:endParaRPr lang="en-US" dirty="0"/>
           </a:p>
@@ -7641,7 +8667,7 @@
           <p:cNvPr id="3" name="Inhaltsplatzhalter 2">
             <a:extLst>
               <a:ext uri="{FF2B5EF4-FFF2-40B4-BE49-F238E27FC236}">
-                <a16:creationId xmlns:a16="http://schemas.microsoft.com/office/drawing/2014/main" id="{9B341252-730B-499E-96B7-4210C0FC3AD4}"/>
+                <a16:creationId xmlns:a16="http://schemas.microsoft.com/office/drawing/2014/main" id="{2DBAD928-4BD6-4E02-8A3C-338285E228F4}"/>
               </a:ext>
             </a:extLst>
           </p:cNvPr>
@@ -7659,13 +8685,57 @@
           <a:p>
             <a:r>
               <a:rPr lang="de-DE" dirty="0"/>
-              <a:t>Mathematik angewandt auf Code</a:t>
+              <a:t>Unit Tests für alle Fälle schreiben</a:t>
             </a:r>
           </a:p>
           <a:p>
             <a:r>
               <a:rPr lang="de-DE" dirty="0"/>
-              <a:t>100% korrekte Software</a:t>
+              <a:t>In Java hat ein </a:t>
+            </a:r>
+            <a:r>
+              <a:rPr lang="de-DE" dirty="0" err="1"/>
+              <a:t>int</a:t>
+            </a:r>
+            <a:r>
+              <a:rPr lang="de-DE" dirty="0"/>
+              <a:t> 4 </a:t>
+            </a:r>
+            <a:r>
+              <a:rPr lang="de-DE" dirty="0" err="1"/>
+              <a:t>bytes</a:t>
+            </a:r>
+            <a:r>
+              <a:rPr lang="de-DE" dirty="0"/>
+              <a:t> (32 </a:t>
+            </a:r>
+            <a:r>
+              <a:rPr lang="de-DE" dirty="0" err="1"/>
+              <a:t>bit</a:t>
+            </a:r>
+            <a:r>
+              <a:rPr lang="de-DE" dirty="0"/>
+              <a:t>)</a:t>
+            </a:r>
+          </a:p>
+          <a:p>
+            <a:r>
+              <a:rPr lang="de-DE" dirty="0"/>
+              <a:t>Das sind 2^32 mögliche Belegungen pro </a:t>
+            </a:r>
+            <a:r>
+              <a:rPr lang="de-DE" dirty="0" err="1"/>
+              <a:t>int</a:t>
+            </a:r>
+            <a:endParaRPr lang="de-DE" dirty="0"/>
+          </a:p>
+          <a:p>
+            <a:pPr marL="0" indent="0">
+              <a:buNone/>
+            </a:pPr>
+            <a:r>
+              <a:rPr lang="de-DE" dirty="0"/>
+              <a:t>	=&gt; 4294967296^2 Fälle zu testen</a:t>
             </a:r>
           </a:p>
           <a:p>
@@ -7678,7 +8748,7 @@
           <p:cNvPr id="4" name="Datumsplatzhalter 3">
             <a:extLst>
               <a:ext uri="{FF2B5EF4-FFF2-40B4-BE49-F238E27FC236}">
-                <a16:creationId xmlns:a16="http://schemas.microsoft.com/office/drawing/2014/main" id="{0D481635-625D-4067-B606-2AFA7F9A0F59}"/>
+                <a16:creationId xmlns:a16="http://schemas.microsoft.com/office/drawing/2014/main" id="{CADE2B32-3CEB-4232-A3E2-DBB4261EDD8C}"/>
               </a:ext>
             </a:extLst>
           </p:cNvPr>
@@ -7705,7 +8775,7 @@
     </p:spTree>
     <p:extLst>
       <p:ext uri="{BB962C8B-B14F-4D97-AF65-F5344CB8AC3E}">
-        <p14:creationId xmlns:p14="http://schemas.microsoft.com/office/powerpoint/2010/main" val="2148325625"/>
+        <p14:creationId xmlns:p14="http://schemas.microsoft.com/office/powerpoint/2010/main" val="1210104460"/>
       </p:ext>
     </p:extLst>
   </p:cSld>
@@ -7737,7 +8807,7 @@
           <p:cNvPr id="2" name="Titel 1">
             <a:extLst>
               <a:ext uri="{FF2B5EF4-FFF2-40B4-BE49-F238E27FC236}">
-                <a16:creationId xmlns:a16="http://schemas.microsoft.com/office/drawing/2014/main" id="{974BBEF3-6639-449A-B9C0-C00BDF96CB6F}"/>
+                <a16:creationId xmlns:a16="http://schemas.microsoft.com/office/drawing/2014/main" id="{690FEEDB-FB3B-4721-8A7F-F121FD028AF0}"/>
               </a:ext>
             </a:extLst>
           </p:cNvPr>
@@ -7753,7 +8823,11 @@
           <a:bodyPr/>
           <a:lstStyle/>
           <a:p>
-            <a:endParaRPr lang="en-US"/>
+            <a:r>
+              <a:rPr lang="de-DE" dirty="0"/>
+              <a:t>Idee</a:t>
+            </a:r>
+            <a:endParaRPr lang="en-US" dirty="0"/>
           </a:p>
         </p:txBody>
       </p:sp>
@@ -7762,7 +8836,7 @@
           <p:cNvPr id="3" name="Inhaltsplatzhalter 2">
             <a:extLst>
               <a:ext uri="{FF2B5EF4-FFF2-40B4-BE49-F238E27FC236}">
-                <a16:creationId xmlns:a16="http://schemas.microsoft.com/office/drawing/2014/main" id="{F7532589-ABB8-424C-B0EB-8AB7666535D0}"/>
+                <a16:creationId xmlns:a16="http://schemas.microsoft.com/office/drawing/2014/main" id="{9B341252-730B-499E-96B7-4210C0FC3AD4}"/>
               </a:ext>
             </a:extLst>
           </p:cNvPr>
@@ -7778,7 +8852,68 @@
           <a:bodyPr/>
           <a:lstStyle/>
           <a:p>
-            <a:endParaRPr lang="en-US"/>
+            <a:r>
+              <a:rPr lang="de-DE" dirty="0"/>
+              <a:t>Zu beweisen:</a:t>
+            </a:r>
+          </a:p>
+          <a:p>
+            <a:pPr marL="0" indent="0">
+              <a:buNone/>
+            </a:pPr>
+            <a:r>
+              <a:rPr lang="de-DE" dirty="0">
+                <a:solidFill>
+                  <a:schemeClr val="accent1">
+                    <a:lumMod val="75000"/>
+                  </a:schemeClr>
+                </a:solidFill>
+              </a:rPr>
+              <a:t>Für alle Kombinationen aus den </a:t>
+            </a:r>
+            <a:r>
+              <a:rPr lang="de-DE" dirty="0" err="1">
+                <a:solidFill>
+                  <a:schemeClr val="accent1">
+                    <a:lumMod val="75000"/>
+                  </a:schemeClr>
+                </a:solidFill>
+              </a:rPr>
+              <a:t>Integern</a:t>
+            </a:r>
+            <a:r>
+              <a:rPr lang="de-DE" dirty="0">
+                <a:solidFill>
+                  <a:schemeClr val="accent1">
+                    <a:lumMod val="75000"/>
+                  </a:schemeClr>
+                </a:solidFill>
+              </a:rPr>
+              <a:t> a und b soll die Funktion </a:t>
+            </a:r>
+            <a:r>
+              <a:rPr lang="de-DE" dirty="0" err="1">
+                <a:solidFill>
+                  <a:schemeClr val="accent1">
+                    <a:lumMod val="75000"/>
+                  </a:schemeClr>
+                </a:solidFill>
+              </a:rPr>
+              <a:t>add</a:t>
+            </a:r>
+            <a:r>
+              <a:rPr lang="de-DE" dirty="0">
+                <a:solidFill>
+                  <a:schemeClr val="accent1">
+                    <a:lumMod val="75000"/>
+                  </a:schemeClr>
+                </a:solidFill>
+              </a:rPr>
+              <a:t> korrekt funktionieren</a:t>
+            </a:r>
+          </a:p>
+          <a:p>
+            <a:endParaRPr lang="en-US" dirty="0"/>
           </a:p>
         </p:txBody>
       </p:sp>
@@ -7787,7 +8922,7 @@
           <p:cNvPr id="4" name="Datumsplatzhalter 3">
             <a:extLst>
               <a:ext uri="{FF2B5EF4-FFF2-40B4-BE49-F238E27FC236}">
-                <a16:creationId xmlns:a16="http://schemas.microsoft.com/office/drawing/2014/main" id="{B41B084E-2F3C-4B93-BE49-5F3D84BAE5ED}"/>
+                <a16:creationId xmlns:a16="http://schemas.microsoft.com/office/drawing/2014/main" id="{0D481635-625D-4067-B606-2AFA7F9A0F59}"/>
               </a:ext>
             </a:extLst>
           </p:cNvPr>
@@ -7814,7 +8949,396 @@
     </p:spTree>
     <p:extLst>
       <p:ext uri="{BB962C8B-B14F-4D97-AF65-F5344CB8AC3E}">
-        <p14:creationId xmlns:p14="http://schemas.microsoft.com/office/powerpoint/2010/main" val="3575977899"/>
+        <p14:creationId xmlns:p14="http://schemas.microsoft.com/office/powerpoint/2010/main" val="2148325625"/>
+      </p:ext>
+    </p:extLst>
+  </p:cSld>
+  <p:clrMapOvr>
+    <a:masterClrMapping/>
+  </p:clrMapOvr>
+</p:sld>
+</file>
+
+<file path=ppt/slides/slide7.xml><?xml version="1.0" encoding="utf-8"?>
+<p:sld xmlns:a="http://schemas.openxmlformats.org/drawingml/2006/main" xmlns:r="http://schemas.openxmlformats.org/officeDocument/2006/relationships" xmlns:p="http://schemas.openxmlformats.org/presentationml/2006/main">
+  <p:cSld>
+    <p:spTree>
+      <p:nvGrpSpPr>
+        <p:cNvPr id="1" name=""/>
+        <p:cNvGrpSpPr/>
+        <p:nvPr/>
+      </p:nvGrpSpPr>
+      <p:grpSpPr>
+        <a:xfrm>
+          <a:off x="0" y="0"/>
+          <a:ext cx="0" cy="0"/>
+          <a:chOff x="0" y="0"/>
+          <a:chExt cx="0" cy="0"/>
+        </a:xfrm>
+      </p:grpSpPr>
+      <p:sp>
+        <p:nvSpPr>
+          <p:cNvPr id="2" name="Titel 1">
+            <a:extLst>
+              <a:ext uri="{FF2B5EF4-FFF2-40B4-BE49-F238E27FC236}">
+                <a16:creationId xmlns:a16="http://schemas.microsoft.com/office/drawing/2014/main" id="{690FEEDB-FB3B-4721-8A7F-F121FD028AF0}"/>
+              </a:ext>
+            </a:extLst>
+          </p:cNvPr>
+          <p:cNvSpPr>
+            <a:spLocks noGrp="1"/>
+          </p:cNvSpPr>
+          <p:nvPr>
+            <p:ph type="title"/>
+          </p:nvPr>
+        </p:nvSpPr>
+        <p:spPr/>
+        <p:txBody>
+          <a:bodyPr/>
+          <a:lstStyle/>
+          <a:p>
+            <a:r>
+              <a:rPr lang="de-DE" dirty="0"/>
+              <a:t>Lösung</a:t>
+            </a:r>
+            <a:endParaRPr lang="en-US" dirty="0"/>
+          </a:p>
+        </p:txBody>
+      </p:sp>
+      <p:sp>
+        <p:nvSpPr>
+          <p:cNvPr id="3" name="Inhaltsplatzhalter 2">
+            <a:extLst>
+              <a:ext uri="{FF2B5EF4-FFF2-40B4-BE49-F238E27FC236}">
+                <a16:creationId xmlns:a16="http://schemas.microsoft.com/office/drawing/2014/main" id="{9B341252-730B-499E-96B7-4210C0FC3AD4}"/>
+              </a:ext>
+            </a:extLst>
+          </p:cNvPr>
+          <p:cNvSpPr>
+            <a:spLocks noGrp="1"/>
+          </p:cNvSpPr>
+          <p:nvPr>
+            <p:ph idx="1"/>
+          </p:nvPr>
+        </p:nvSpPr>
+        <p:spPr/>
+        <p:txBody>
+          <a:bodyPr/>
+          <a:lstStyle/>
+          <a:p>
+            <a:r>
+              <a:rPr lang="de-DE" dirty="0"/>
+              <a:t>Integer sind natürliche Zahlen</a:t>
+            </a:r>
+          </a:p>
+          <a:p>
+            <a:r>
+              <a:rPr lang="de-DE" dirty="0"/>
+              <a:t>Wie ist </a:t>
+            </a:r>
+            <a:r>
+              <a:rPr lang="de-DE" dirty="0">
+                <a:solidFill>
+                  <a:schemeClr val="accent1">
+                    <a:lumMod val="75000"/>
+                  </a:schemeClr>
+                </a:solidFill>
+              </a:rPr>
+              <a:t>a + b = b + a  </a:t>
+            </a:r>
+            <a:r>
+              <a:rPr lang="de-DE" dirty="0"/>
+              <a:t>oder</a:t>
+            </a:r>
+            <a:r>
+              <a:rPr lang="de-DE" dirty="0">
+                <a:solidFill>
+                  <a:schemeClr val="accent1">
+                    <a:lumMod val="75000"/>
+                  </a:schemeClr>
+                </a:solidFill>
+              </a:rPr>
+              <a:t> (a + b) + c = a + (b + c) </a:t>
+            </a:r>
+            <a:r>
+              <a:rPr lang="de-DE" dirty="0"/>
+              <a:t>bewiesen?</a:t>
+            </a:r>
+          </a:p>
+          <a:p>
+            <a:r>
+              <a:rPr lang="de-DE" dirty="0"/>
+              <a:t>Mathematik auf Programmcode anwenden</a:t>
+            </a:r>
+          </a:p>
+          <a:p>
+            <a:endParaRPr lang="en-US" dirty="0"/>
+          </a:p>
+        </p:txBody>
+      </p:sp>
+      <p:sp>
+        <p:nvSpPr>
+          <p:cNvPr id="4" name="Datumsplatzhalter 3">
+            <a:extLst>
+              <a:ext uri="{FF2B5EF4-FFF2-40B4-BE49-F238E27FC236}">
+                <a16:creationId xmlns:a16="http://schemas.microsoft.com/office/drawing/2014/main" id="{0D481635-625D-4067-B606-2AFA7F9A0F59}"/>
+              </a:ext>
+            </a:extLst>
+          </p:cNvPr>
+          <p:cNvSpPr>
+            <a:spLocks noGrp="1"/>
+          </p:cNvSpPr>
+          <p:nvPr>
+            <p:ph type="dt" sz="half" idx="10"/>
+          </p:nvPr>
+        </p:nvSpPr>
+        <p:spPr/>
+        <p:txBody>
+          <a:bodyPr/>
+          <a:lstStyle/>
+          <a:p>
+            <a:r>
+              <a:rPr lang="de-DE"/>
+              <a:t>21/01/2020</a:t>
+            </a:r>
+            <a:endParaRPr lang="en-US"/>
+          </a:p>
+        </p:txBody>
+      </p:sp>
+    </p:spTree>
+    <p:extLst>
+      <p:ext uri="{BB962C8B-B14F-4D97-AF65-F5344CB8AC3E}">
+        <p14:creationId xmlns:p14="http://schemas.microsoft.com/office/powerpoint/2010/main" val="1434433362"/>
+      </p:ext>
+    </p:extLst>
+  </p:cSld>
+  <p:clrMapOvr>
+    <a:masterClrMapping/>
+  </p:clrMapOvr>
+</p:sld>
+</file>
+
+<file path=ppt/slides/slide8.xml><?xml version="1.0" encoding="utf-8"?>
+<p:sld xmlns:a="http://schemas.openxmlformats.org/drawingml/2006/main" xmlns:r="http://schemas.openxmlformats.org/officeDocument/2006/relationships" xmlns:p="http://schemas.openxmlformats.org/presentationml/2006/main">
+  <p:cSld>
+    <p:spTree>
+      <p:nvGrpSpPr>
+        <p:cNvPr id="1" name=""/>
+        <p:cNvGrpSpPr/>
+        <p:nvPr/>
+      </p:nvGrpSpPr>
+      <p:grpSpPr>
+        <a:xfrm>
+          <a:off x="0" y="0"/>
+          <a:ext cx="0" cy="0"/>
+          <a:chOff x="0" y="0"/>
+          <a:chExt cx="0" cy="0"/>
+        </a:xfrm>
+      </p:grpSpPr>
+      <p:sp>
+        <p:nvSpPr>
+          <p:cNvPr id="2" name="Titel 1">
+            <a:extLst>
+              <a:ext uri="{FF2B5EF4-FFF2-40B4-BE49-F238E27FC236}">
+                <a16:creationId xmlns:a16="http://schemas.microsoft.com/office/drawing/2014/main" id="{D89984BC-AC1B-422F-A5D0-159C7FA158A1}"/>
+              </a:ext>
+            </a:extLst>
+          </p:cNvPr>
+          <p:cNvSpPr>
+            <a:spLocks noGrp="1"/>
+          </p:cNvSpPr>
+          <p:nvPr>
+            <p:ph type="title"/>
+          </p:nvPr>
+        </p:nvSpPr>
+        <p:spPr/>
+        <p:txBody>
+          <a:bodyPr/>
+          <a:lstStyle/>
+          <a:p>
+            <a:r>
+              <a:rPr lang="de-DE" dirty="0"/>
+              <a:t>Coq Basics</a:t>
+            </a:r>
+            <a:endParaRPr lang="en-US" dirty="0"/>
+          </a:p>
+        </p:txBody>
+      </p:sp>
+      <p:sp>
+        <p:nvSpPr>
+          <p:cNvPr id="3" name="Inhaltsplatzhalter 2">
+            <a:extLst>
+              <a:ext uri="{FF2B5EF4-FFF2-40B4-BE49-F238E27FC236}">
+                <a16:creationId xmlns:a16="http://schemas.microsoft.com/office/drawing/2014/main" id="{9F54BA48-13BB-474F-869A-BFC365DB3C8A}"/>
+              </a:ext>
+            </a:extLst>
+          </p:cNvPr>
+          <p:cNvSpPr>
+            <a:spLocks noGrp="1"/>
+          </p:cNvSpPr>
+          <p:nvPr>
+            <p:ph idx="1"/>
+          </p:nvPr>
+        </p:nvSpPr>
+        <p:spPr/>
+        <p:txBody>
+          <a:bodyPr/>
+          <a:lstStyle/>
+          <a:p>
+            <a:endParaRPr lang="en-US"/>
+          </a:p>
+        </p:txBody>
+      </p:sp>
+      <p:sp>
+        <p:nvSpPr>
+          <p:cNvPr id="4" name="Datumsplatzhalter 3">
+            <a:extLst>
+              <a:ext uri="{FF2B5EF4-FFF2-40B4-BE49-F238E27FC236}">
+                <a16:creationId xmlns:a16="http://schemas.microsoft.com/office/drawing/2014/main" id="{99B7E53F-EA43-4D13-9D0B-129F9186262A}"/>
+              </a:ext>
+            </a:extLst>
+          </p:cNvPr>
+          <p:cNvSpPr>
+            <a:spLocks noGrp="1"/>
+          </p:cNvSpPr>
+          <p:nvPr>
+            <p:ph type="dt" sz="half" idx="10"/>
+          </p:nvPr>
+        </p:nvSpPr>
+        <p:spPr/>
+        <p:txBody>
+          <a:bodyPr/>
+          <a:lstStyle/>
+          <a:p>
+            <a:r>
+              <a:rPr lang="de-DE"/>
+              <a:t>21/01/2020</a:t>
+            </a:r>
+            <a:endParaRPr lang="en-US"/>
+          </a:p>
+        </p:txBody>
+      </p:sp>
+    </p:spTree>
+    <p:extLst>
+      <p:ext uri="{BB962C8B-B14F-4D97-AF65-F5344CB8AC3E}">
+        <p14:creationId xmlns:p14="http://schemas.microsoft.com/office/powerpoint/2010/main" val="904615250"/>
+      </p:ext>
+    </p:extLst>
+  </p:cSld>
+  <p:clrMapOvr>
+    <a:masterClrMapping/>
+  </p:clrMapOvr>
+</p:sld>
+</file>
+
+<file path=ppt/slides/slide9.xml><?xml version="1.0" encoding="utf-8"?>
+<p:sld xmlns:a="http://schemas.openxmlformats.org/drawingml/2006/main" xmlns:r="http://schemas.openxmlformats.org/officeDocument/2006/relationships" xmlns:p="http://schemas.openxmlformats.org/presentationml/2006/main">
+  <p:cSld>
+    <p:spTree>
+      <p:nvGrpSpPr>
+        <p:cNvPr id="1" name=""/>
+        <p:cNvGrpSpPr/>
+        <p:nvPr/>
+      </p:nvGrpSpPr>
+      <p:grpSpPr>
+        <a:xfrm>
+          <a:off x="0" y="0"/>
+          <a:ext cx="0" cy="0"/>
+          <a:chOff x="0" y="0"/>
+          <a:chExt cx="0" cy="0"/>
+        </a:xfrm>
+      </p:grpSpPr>
+      <p:sp>
+        <p:nvSpPr>
+          <p:cNvPr id="2" name="Titel 1">
+            <a:extLst>
+              <a:ext uri="{FF2B5EF4-FFF2-40B4-BE49-F238E27FC236}">
+                <a16:creationId xmlns:a16="http://schemas.microsoft.com/office/drawing/2014/main" id="{D89984BC-AC1B-422F-A5D0-159C7FA158A1}"/>
+              </a:ext>
+            </a:extLst>
+          </p:cNvPr>
+          <p:cNvSpPr>
+            <a:spLocks noGrp="1"/>
+          </p:cNvSpPr>
+          <p:nvPr>
+            <p:ph type="title"/>
+          </p:nvPr>
+        </p:nvSpPr>
+        <p:spPr/>
+        <p:txBody>
+          <a:bodyPr/>
+          <a:lstStyle/>
+          <a:p>
+            <a:r>
+              <a:rPr lang="de-DE" dirty="0"/>
+              <a:t>Grundlagen formaler Verifikation</a:t>
+            </a:r>
+            <a:endParaRPr lang="en-US" dirty="0"/>
+          </a:p>
+        </p:txBody>
+      </p:sp>
+      <p:sp>
+        <p:nvSpPr>
+          <p:cNvPr id="3" name="Inhaltsplatzhalter 2">
+            <a:extLst>
+              <a:ext uri="{FF2B5EF4-FFF2-40B4-BE49-F238E27FC236}">
+                <a16:creationId xmlns:a16="http://schemas.microsoft.com/office/drawing/2014/main" id="{9F54BA48-13BB-474F-869A-BFC365DB3C8A}"/>
+              </a:ext>
+            </a:extLst>
+          </p:cNvPr>
+          <p:cNvSpPr>
+            <a:spLocks noGrp="1"/>
+          </p:cNvSpPr>
+          <p:nvPr>
+            <p:ph idx="1"/>
+          </p:nvPr>
+        </p:nvSpPr>
+        <p:spPr/>
+        <p:txBody>
+          <a:bodyPr/>
+          <a:lstStyle/>
+          <a:p>
+            <a:r>
+              <a:rPr lang="de-DE" dirty="0"/>
+              <a:t>Spezifikation</a:t>
+            </a:r>
+            <a:endParaRPr lang="en-US" dirty="0"/>
+          </a:p>
+        </p:txBody>
+      </p:sp>
+      <p:sp>
+        <p:nvSpPr>
+          <p:cNvPr id="4" name="Datumsplatzhalter 3">
+            <a:extLst>
+              <a:ext uri="{FF2B5EF4-FFF2-40B4-BE49-F238E27FC236}">
+                <a16:creationId xmlns:a16="http://schemas.microsoft.com/office/drawing/2014/main" id="{99B7E53F-EA43-4D13-9D0B-129F9186262A}"/>
+              </a:ext>
+            </a:extLst>
+          </p:cNvPr>
+          <p:cNvSpPr>
+            <a:spLocks noGrp="1"/>
+          </p:cNvSpPr>
+          <p:nvPr>
+            <p:ph type="dt" sz="half" idx="10"/>
+          </p:nvPr>
+        </p:nvSpPr>
+        <p:spPr/>
+        <p:txBody>
+          <a:bodyPr/>
+          <a:lstStyle/>
+          <a:p>
+            <a:r>
+              <a:rPr lang="de-DE"/>
+              <a:t>21/01/2020</a:t>
+            </a:r>
+            <a:endParaRPr lang="en-US"/>
+          </a:p>
+        </p:txBody>
+      </p:sp>
+    </p:spTree>
+    <p:extLst>
+      <p:ext uri="{BB962C8B-B14F-4D97-AF65-F5344CB8AC3E}">
+        <p14:creationId xmlns:p14="http://schemas.microsoft.com/office/powerpoint/2010/main" val="763671988"/>
       </p:ext>
     </p:extLst>
   </p:cSld>

--- a/final-presentation.pptx
+++ b/final-presentation.pptx
@@ -5,7 +5,7 @@
     <p:sldMasterId id="2147483660" r:id="rId1"/>
   </p:sldMasterIdLst>
   <p:notesMasterIdLst>
-    <p:notesMasterId r:id="rId14"/>
+    <p:notesMasterId r:id="rId17"/>
   </p:notesMasterIdLst>
   <p:sldIdLst>
     <p:sldId id="256" r:id="rId2"/>
@@ -15,11 +15,14 @@
     <p:sldId id="263" r:id="rId6"/>
     <p:sldId id="257" r:id="rId7"/>
     <p:sldId id="264" r:id="rId8"/>
-    <p:sldId id="265" r:id="rId9"/>
-    <p:sldId id="268" r:id="rId10"/>
-    <p:sldId id="266" r:id="rId11"/>
-    <p:sldId id="267" r:id="rId12"/>
-    <p:sldId id="259" r:id="rId13"/>
+    <p:sldId id="268" r:id="rId9"/>
+    <p:sldId id="270" r:id="rId10"/>
+    <p:sldId id="271" r:id="rId11"/>
+    <p:sldId id="265" r:id="rId12"/>
+    <p:sldId id="269" r:id="rId13"/>
+    <p:sldId id="266" r:id="rId14"/>
+    <p:sldId id="267" r:id="rId15"/>
+    <p:sldId id="259" r:id="rId16"/>
   </p:sldIdLst>
   <p:sldSz cx="12192000" cy="6858000"/>
   <p:notesSz cx="6858000" cy="9144000"/>
@@ -208,7 +211,7 @@
           <a:p>
             <a:fld id="{FE6C84CA-683E-42DB-A12D-E6F2DC5AC556}" type="datetimeFigureOut">
               <a:rPr lang="en-US" smtClean="0"/>
-              <a:t>1/7/2020</a:t>
+              <a:t>1/16/2020</a:t>
             </a:fld>
             <a:endParaRPr lang="en-US"/>
           </a:p>
@@ -6717,7 +6720,7 @@
           <p:cNvPr id="2" name="Titel 1">
             <a:extLst>
               <a:ext uri="{FF2B5EF4-FFF2-40B4-BE49-F238E27FC236}">
-                <a16:creationId xmlns:a16="http://schemas.microsoft.com/office/drawing/2014/main" id="{D89984BC-AC1B-422F-A5D0-159C7FA158A1}"/>
+                <a16:creationId xmlns:a16="http://schemas.microsoft.com/office/drawing/2014/main" id="{1BB66EA5-6D85-4FF6-8325-955AE8089A37}"/>
               </a:ext>
             </a:extLst>
           </p:cNvPr>
@@ -6735,7 +6738,7 @@
           <a:p>
             <a:r>
               <a:rPr lang="de-DE" dirty="0"/>
-              <a:t>Coq Beispiel</a:t>
+              <a:t>Coq</a:t>
             </a:r>
             <a:endParaRPr lang="en-US" dirty="0"/>
           </a:p>
@@ -6746,7 +6749,7 @@
           <p:cNvPr id="3" name="Inhaltsplatzhalter 2">
             <a:extLst>
               <a:ext uri="{FF2B5EF4-FFF2-40B4-BE49-F238E27FC236}">
-                <a16:creationId xmlns:a16="http://schemas.microsoft.com/office/drawing/2014/main" id="{9F54BA48-13BB-474F-869A-BFC365DB3C8A}"/>
+                <a16:creationId xmlns:a16="http://schemas.microsoft.com/office/drawing/2014/main" id="{9112029A-EACE-43A5-A4D8-C12AD4394E0C}"/>
               </a:ext>
             </a:extLst>
           </p:cNvPr>
@@ -6762,7 +6765,44 @@
           <a:bodyPr/>
           <a:lstStyle/>
           <a:p>
-            <a:endParaRPr lang="en-US"/>
+            <a:r>
+              <a:rPr lang="de-DE" dirty="0"/>
+              <a:t>existiert seit 1984</a:t>
+            </a:r>
+          </a:p>
+          <a:p>
+            <a:r>
+              <a:rPr lang="de-DE" dirty="0"/>
+              <a:t>wird von INRIA entwickelt</a:t>
+            </a:r>
+          </a:p>
+          <a:p>
+            <a:r>
+              <a:rPr lang="de-DE" dirty="0"/>
+              <a:t>ist open-source</a:t>
+            </a:r>
+          </a:p>
+          <a:p>
+            <a:r>
+              <a:rPr lang="de-DE" dirty="0"/>
+              <a:t>ist in </a:t>
+            </a:r>
+            <a:r>
+              <a:rPr lang="de-DE" dirty="0" err="1"/>
+              <a:t>Objective</a:t>
+            </a:r>
+            <a:r>
+              <a:rPr lang="de-DE" dirty="0"/>
+              <a:t> CAML (</a:t>
+            </a:r>
+            <a:r>
+              <a:rPr lang="de-DE" dirty="0" err="1"/>
+              <a:t>Ocaml</a:t>
+            </a:r>
+            <a:r>
+              <a:rPr lang="de-DE" dirty="0"/>
+              <a:t>) geschrieben</a:t>
+            </a:r>
           </a:p>
         </p:txBody>
       </p:sp>
@@ -6771,7 +6811,7 @@
           <p:cNvPr id="4" name="Datumsplatzhalter 3">
             <a:extLst>
               <a:ext uri="{FF2B5EF4-FFF2-40B4-BE49-F238E27FC236}">
-                <a16:creationId xmlns:a16="http://schemas.microsoft.com/office/drawing/2014/main" id="{99B7E53F-EA43-4D13-9D0B-129F9186262A}"/>
+                <a16:creationId xmlns:a16="http://schemas.microsoft.com/office/drawing/2014/main" id="{D36E6D87-0F44-490B-A994-02641D08EABB}"/>
               </a:ext>
             </a:extLst>
           </p:cNvPr>
@@ -6798,7 +6838,7 @@
     </p:spTree>
     <p:extLst>
       <p:ext uri="{BB962C8B-B14F-4D97-AF65-F5344CB8AC3E}">
-        <p14:creationId xmlns:p14="http://schemas.microsoft.com/office/powerpoint/2010/main" val="855517724"/>
+        <p14:creationId xmlns:p14="http://schemas.microsoft.com/office/powerpoint/2010/main" val="2730385089"/>
       </p:ext>
     </p:extLst>
   </p:cSld>
@@ -6847,6 +6887,408 @@
           <a:lstStyle/>
           <a:p>
             <a:r>
+              <a:rPr lang="de-DE" dirty="0" err="1"/>
+              <a:t>Dependent</a:t>
+            </a:r>
+            <a:r>
+              <a:rPr lang="de-DE" dirty="0"/>
+              <a:t> Type Sprache</a:t>
+            </a:r>
+            <a:endParaRPr lang="en-US" dirty="0"/>
+          </a:p>
+        </p:txBody>
+      </p:sp>
+      <p:sp>
+        <p:nvSpPr>
+          <p:cNvPr id="3" name="Inhaltsplatzhalter 2">
+            <a:extLst>
+              <a:ext uri="{FF2B5EF4-FFF2-40B4-BE49-F238E27FC236}">
+                <a16:creationId xmlns:a16="http://schemas.microsoft.com/office/drawing/2014/main" id="{9F54BA48-13BB-474F-869A-BFC365DB3C8A}"/>
+              </a:ext>
+            </a:extLst>
+          </p:cNvPr>
+          <p:cNvSpPr>
+            <a:spLocks noGrp="1"/>
+          </p:cNvSpPr>
+          <p:nvPr>
+            <p:ph idx="1"/>
+          </p:nvPr>
+        </p:nvSpPr>
+        <p:spPr/>
+        <p:txBody>
+          <a:bodyPr/>
+          <a:lstStyle/>
+          <a:p>
+            <a:pPr marL="0" indent="0">
+              <a:buNone/>
+            </a:pPr>
+            <a:r>
+              <a:rPr lang="en-US" dirty="0"/>
+              <a:t>public void </a:t>
+            </a:r>
+            <a:r>
+              <a:rPr lang="en-US" dirty="0" err="1"/>
+              <a:t>doSomething</a:t>
+            </a:r>
+            <a:r>
+              <a:rPr lang="en-US" dirty="0"/>
+              <a:t>(User user) {</a:t>
+            </a:r>
+          </a:p>
+          <a:p>
+            <a:pPr marL="0" indent="0">
+              <a:buNone/>
+            </a:pPr>
+            <a:r>
+              <a:rPr lang="en-US" dirty="0"/>
+              <a:t>	if(user == null) {</a:t>
+            </a:r>
+          </a:p>
+          <a:p>
+            <a:pPr marL="0" indent="0">
+              <a:buNone/>
+            </a:pPr>
+            <a:r>
+              <a:rPr lang="en-US" dirty="0"/>
+              <a:t>		throw new Exception("Received empty user!");</a:t>
+            </a:r>
+          </a:p>
+          <a:p>
+            <a:pPr marL="0" indent="0">
+              <a:buNone/>
+            </a:pPr>
+            <a:r>
+              <a:rPr lang="en-US" dirty="0"/>
+              <a:t>	}</a:t>
+            </a:r>
+          </a:p>
+          <a:p>
+            <a:pPr marL="0" indent="0">
+              <a:buNone/>
+            </a:pPr>
+            <a:r>
+              <a:rPr lang="en-US" dirty="0"/>
+              <a:t>...</a:t>
+            </a:r>
+          </a:p>
+          <a:p>
+            <a:pPr marL="0" indent="0">
+              <a:buNone/>
+            </a:pPr>
+            <a:r>
+              <a:rPr lang="en-US" dirty="0"/>
+              <a:t>}</a:t>
+            </a:r>
+          </a:p>
+        </p:txBody>
+      </p:sp>
+      <p:sp>
+        <p:nvSpPr>
+          <p:cNvPr id="4" name="Datumsplatzhalter 3">
+            <a:extLst>
+              <a:ext uri="{FF2B5EF4-FFF2-40B4-BE49-F238E27FC236}">
+                <a16:creationId xmlns:a16="http://schemas.microsoft.com/office/drawing/2014/main" id="{99B7E53F-EA43-4D13-9D0B-129F9186262A}"/>
+              </a:ext>
+            </a:extLst>
+          </p:cNvPr>
+          <p:cNvSpPr>
+            <a:spLocks noGrp="1"/>
+          </p:cNvSpPr>
+          <p:nvPr>
+            <p:ph type="dt" sz="half" idx="10"/>
+          </p:nvPr>
+        </p:nvSpPr>
+        <p:spPr/>
+        <p:txBody>
+          <a:bodyPr/>
+          <a:lstStyle/>
+          <a:p>
+            <a:r>
+              <a:rPr lang="de-DE"/>
+              <a:t>21/01/2020</a:t>
+            </a:r>
+            <a:endParaRPr lang="en-US"/>
+          </a:p>
+        </p:txBody>
+      </p:sp>
+    </p:spTree>
+    <p:extLst>
+      <p:ext uri="{BB962C8B-B14F-4D97-AF65-F5344CB8AC3E}">
+        <p14:creationId xmlns:p14="http://schemas.microsoft.com/office/powerpoint/2010/main" val="904615250"/>
+      </p:ext>
+    </p:extLst>
+  </p:cSld>
+  <p:clrMapOvr>
+    <a:masterClrMapping/>
+  </p:clrMapOvr>
+</p:sld>
+</file>
+
+<file path=ppt/slides/slide12.xml><?xml version="1.0" encoding="utf-8"?>
+<p:sld xmlns:a="http://schemas.openxmlformats.org/drawingml/2006/main" xmlns:r="http://schemas.openxmlformats.org/officeDocument/2006/relationships" xmlns:p="http://schemas.openxmlformats.org/presentationml/2006/main">
+  <p:cSld>
+    <p:spTree>
+      <p:nvGrpSpPr>
+        <p:cNvPr id="1" name=""/>
+        <p:cNvGrpSpPr/>
+        <p:nvPr/>
+      </p:nvGrpSpPr>
+      <p:grpSpPr>
+        <a:xfrm>
+          <a:off x="0" y="0"/>
+          <a:ext cx="0" cy="0"/>
+          <a:chOff x="0" y="0"/>
+          <a:chExt cx="0" cy="0"/>
+        </a:xfrm>
+      </p:grpSpPr>
+      <p:sp>
+        <p:nvSpPr>
+          <p:cNvPr id="2" name="Titel 1">
+            <a:extLst>
+              <a:ext uri="{FF2B5EF4-FFF2-40B4-BE49-F238E27FC236}">
+                <a16:creationId xmlns:a16="http://schemas.microsoft.com/office/drawing/2014/main" id="{D89984BC-AC1B-422F-A5D0-159C7FA158A1}"/>
+              </a:ext>
+            </a:extLst>
+          </p:cNvPr>
+          <p:cNvSpPr>
+            <a:spLocks noGrp="1"/>
+          </p:cNvSpPr>
+          <p:nvPr>
+            <p:ph type="title"/>
+          </p:nvPr>
+        </p:nvSpPr>
+        <p:spPr/>
+        <p:txBody>
+          <a:bodyPr/>
+          <a:lstStyle/>
+          <a:p>
+            <a:r>
+              <a:rPr lang="de-DE" dirty="0"/>
+              <a:t>Coq Basics</a:t>
+            </a:r>
+            <a:endParaRPr lang="en-US" dirty="0"/>
+          </a:p>
+        </p:txBody>
+      </p:sp>
+      <p:sp>
+        <p:nvSpPr>
+          <p:cNvPr id="3" name="Inhaltsplatzhalter 2">
+            <a:extLst>
+              <a:ext uri="{FF2B5EF4-FFF2-40B4-BE49-F238E27FC236}">
+                <a16:creationId xmlns:a16="http://schemas.microsoft.com/office/drawing/2014/main" id="{9F54BA48-13BB-474F-869A-BFC365DB3C8A}"/>
+              </a:ext>
+            </a:extLst>
+          </p:cNvPr>
+          <p:cNvSpPr>
+            <a:spLocks noGrp="1"/>
+          </p:cNvSpPr>
+          <p:nvPr>
+            <p:ph idx="1"/>
+          </p:nvPr>
+        </p:nvSpPr>
+        <p:spPr/>
+        <p:txBody>
+          <a:bodyPr/>
+          <a:lstStyle/>
+          <a:p>
+            <a:endParaRPr lang="en-US"/>
+          </a:p>
+        </p:txBody>
+      </p:sp>
+      <p:sp>
+        <p:nvSpPr>
+          <p:cNvPr id="4" name="Datumsplatzhalter 3">
+            <a:extLst>
+              <a:ext uri="{FF2B5EF4-FFF2-40B4-BE49-F238E27FC236}">
+                <a16:creationId xmlns:a16="http://schemas.microsoft.com/office/drawing/2014/main" id="{99B7E53F-EA43-4D13-9D0B-129F9186262A}"/>
+              </a:ext>
+            </a:extLst>
+          </p:cNvPr>
+          <p:cNvSpPr>
+            <a:spLocks noGrp="1"/>
+          </p:cNvSpPr>
+          <p:nvPr>
+            <p:ph type="dt" sz="half" idx="10"/>
+          </p:nvPr>
+        </p:nvSpPr>
+        <p:spPr/>
+        <p:txBody>
+          <a:bodyPr/>
+          <a:lstStyle/>
+          <a:p>
+            <a:r>
+              <a:rPr lang="de-DE"/>
+              <a:t>21/01/2020</a:t>
+            </a:r>
+            <a:endParaRPr lang="en-US"/>
+          </a:p>
+        </p:txBody>
+      </p:sp>
+    </p:spTree>
+    <p:extLst>
+      <p:ext uri="{BB962C8B-B14F-4D97-AF65-F5344CB8AC3E}">
+        <p14:creationId xmlns:p14="http://schemas.microsoft.com/office/powerpoint/2010/main" val="236195017"/>
+      </p:ext>
+    </p:extLst>
+  </p:cSld>
+  <p:clrMapOvr>
+    <a:masterClrMapping/>
+  </p:clrMapOvr>
+</p:sld>
+</file>
+
+<file path=ppt/slides/slide13.xml><?xml version="1.0" encoding="utf-8"?>
+<p:sld xmlns:a="http://schemas.openxmlformats.org/drawingml/2006/main" xmlns:r="http://schemas.openxmlformats.org/officeDocument/2006/relationships" xmlns:p="http://schemas.openxmlformats.org/presentationml/2006/main">
+  <p:cSld>
+    <p:spTree>
+      <p:nvGrpSpPr>
+        <p:cNvPr id="1" name=""/>
+        <p:cNvGrpSpPr/>
+        <p:nvPr/>
+      </p:nvGrpSpPr>
+      <p:grpSpPr>
+        <a:xfrm>
+          <a:off x="0" y="0"/>
+          <a:ext cx="0" cy="0"/>
+          <a:chOff x="0" y="0"/>
+          <a:chExt cx="0" cy="0"/>
+        </a:xfrm>
+      </p:grpSpPr>
+      <p:sp>
+        <p:nvSpPr>
+          <p:cNvPr id="2" name="Titel 1">
+            <a:extLst>
+              <a:ext uri="{FF2B5EF4-FFF2-40B4-BE49-F238E27FC236}">
+                <a16:creationId xmlns:a16="http://schemas.microsoft.com/office/drawing/2014/main" id="{D89984BC-AC1B-422F-A5D0-159C7FA158A1}"/>
+              </a:ext>
+            </a:extLst>
+          </p:cNvPr>
+          <p:cNvSpPr>
+            <a:spLocks noGrp="1"/>
+          </p:cNvSpPr>
+          <p:nvPr>
+            <p:ph type="title"/>
+          </p:nvPr>
+        </p:nvSpPr>
+        <p:spPr/>
+        <p:txBody>
+          <a:bodyPr/>
+          <a:lstStyle/>
+          <a:p>
+            <a:r>
+              <a:rPr lang="de-DE" dirty="0"/>
+              <a:t>Coq Beispiel</a:t>
+            </a:r>
+            <a:endParaRPr lang="en-US" dirty="0"/>
+          </a:p>
+        </p:txBody>
+      </p:sp>
+      <p:sp>
+        <p:nvSpPr>
+          <p:cNvPr id="3" name="Inhaltsplatzhalter 2">
+            <a:extLst>
+              <a:ext uri="{FF2B5EF4-FFF2-40B4-BE49-F238E27FC236}">
+                <a16:creationId xmlns:a16="http://schemas.microsoft.com/office/drawing/2014/main" id="{9F54BA48-13BB-474F-869A-BFC365DB3C8A}"/>
+              </a:ext>
+            </a:extLst>
+          </p:cNvPr>
+          <p:cNvSpPr>
+            <a:spLocks noGrp="1"/>
+          </p:cNvSpPr>
+          <p:nvPr>
+            <p:ph idx="1"/>
+          </p:nvPr>
+        </p:nvSpPr>
+        <p:spPr/>
+        <p:txBody>
+          <a:bodyPr/>
+          <a:lstStyle/>
+          <a:p>
+            <a:endParaRPr lang="en-US"/>
+          </a:p>
+        </p:txBody>
+      </p:sp>
+      <p:sp>
+        <p:nvSpPr>
+          <p:cNvPr id="4" name="Datumsplatzhalter 3">
+            <a:extLst>
+              <a:ext uri="{FF2B5EF4-FFF2-40B4-BE49-F238E27FC236}">
+                <a16:creationId xmlns:a16="http://schemas.microsoft.com/office/drawing/2014/main" id="{99B7E53F-EA43-4D13-9D0B-129F9186262A}"/>
+              </a:ext>
+            </a:extLst>
+          </p:cNvPr>
+          <p:cNvSpPr>
+            <a:spLocks noGrp="1"/>
+          </p:cNvSpPr>
+          <p:nvPr>
+            <p:ph type="dt" sz="half" idx="10"/>
+          </p:nvPr>
+        </p:nvSpPr>
+        <p:spPr/>
+        <p:txBody>
+          <a:bodyPr/>
+          <a:lstStyle/>
+          <a:p>
+            <a:r>
+              <a:rPr lang="de-DE"/>
+              <a:t>21/01/2020</a:t>
+            </a:r>
+            <a:endParaRPr lang="en-US"/>
+          </a:p>
+        </p:txBody>
+      </p:sp>
+    </p:spTree>
+    <p:extLst>
+      <p:ext uri="{BB962C8B-B14F-4D97-AF65-F5344CB8AC3E}">
+        <p14:creationId xmlns:p14="http://schemas.microsoft.com/office/powerpoint/2010/main" val="855517724"/>
+      </p:ext>
+    </p:extLst>
+  </p:cSld>
+  <p:clrMapOvr>
+    <a:masterClrMapping/>
+  </p:clrMapOvr>
+</p:sld>
+</file>
+
+<file path=ppt/slides/slide14.xml><?xml version="1.0" encoding="utf-8"?>
+<p:sld xmlns:a="http://schemas.openxmlformats.org/drawingml/2006/main" xmlns:r="http://schemas.openxmlformats.org/officeDocument/2006/relationships" xmlns:p="http://schemas.openxmlformats.org/presentationml/2006/main">
+  <p:cSld>
+    <p:spTree>
+      <p:nvGrpSpPr>
+        <p:cNvPr id="1" name=""/>
+        <p:cNvGrpSpPr/>
+        <p:nvPr/>
+      </p:nvGrpSpPr>
+      <p:grpSpPr>
+        <a:xfrm>
+          <a:off x="0" y="0"/>
+          <a:ext cx="0" cy="0"/>
+          <a:chOff x="0" y="0"/>
+          <a:chExt cx="0" cy="0"/>
+        </a:xfrm>
+      </p:grpSpPr>
+      <p:sp>
+        <p:nvSpPr>
+          <p:cNvPr id="2" name="Titel 1">
+            <a:extLst>
+              <a:ext uri="{FF2B5EF4-FFF2-40B4-BE49-F238E27FC236}">
+                <a16:creationId xmlns:a16="http://schemas.microsoft.com/office/drawing/2014/main" id="{D89984BC-AC1B-422F-A5D0-159C7FA158A1}"/>
+              </a:ext>
+            </a:extLst>
+          </p:cNvPr>
+          <p:cNvSpPr>
+            <a:spLocks noGrp="1"/>
+          </p:cNvSpPr>
+          <p:nvPr>
+            <p:ph type="title"/>
+          </p:nvPr>
+        </p:nvSpPr>
+        <p:spPr/>
+        <p:txBody>
+          <a:bodyPr/>
+          <a:lstStyle/>
+          <a:p>
+            <a:r>
               <a:rPr lang="de-DE" dirty="0"/>
               <a:t>Coq Beispiel</a:t>
             </a:r>
@@ -6921,7 +7363,7 @@
 </p:sld>
 </file>
 
-<file path=ppt/slides/slide12.xml><?xml version="1.0" encoding="utf-8"?>
+<file path=ppt/slides/slide15.xml><?xml version="1.0" encoding="utf-8"?>
 <p:sld xmlns:a="http://schemas.openxmlformats.org/drawingml/2006/main" xmlns:r="http://schemas.openxmlformats.org/officeDocument/2006/relationships" xmlns:p="http://schemas.openxmlformats.org/presentationml/2006/main">
   <p:cSld>
     <p:spTree>
@@ -9158,7 +9600,7 @@
           <a:p>
             <a:r>
               <a:rPr lang="de-DE" dirty="0"/>
-              <a:t>Coq Basics</a:t>
+              <a:t>Grundlagen formaler Verifikation von Programmcode</a:t>
             </a:r>
             <a:endParaRPr lang="en-US" dirty="0"/>
           </a:p>
@@ -9185,7 +9627,32 @@
           <a:bodyPr/>
           <a:lstStyle/>
           <a:p>
-            <a:endParaRPr lang="en-US"/>
+            <a:r>
+              <a:rPr lang="de-DE" dirty="0"/>
+              <a:t>Spezifikation: Was soll das System/die Funktion machen</a:t>
+            </a:r>
+          </a:p>
+          <a:p>
+            <a:pPr lvl="1"/>
+            <a:r>
+              <a:rPr lang="de-DE" dirty="0"/>
+              <a:t>System ist nur so gut, wie die Spezifikation selbst!</a:t>
+            </a:r>
+          </a:p>
+          <a:p>
+            <a:r>
+              <a:rPr lang="de-DE" dirty="0"/>
+              <a:t>Tool zum Beweisen einzelner Systemanforderungen</a:t>
+            </a:r>
+          </a:p>
+          <a:p>
+            <a:r>
+              <a:rPr lang="de-DE" dirty="0"/>
+              <a:t>Verbindung zwischen Programmcode und formalen Beweisen</a:t>
+            </a:r>
+          </a:p>
+          <a:p>
+            <a:endParaRPr lang="en-US" dirty="0"/>
           </a:p>
         </p:txBody>
       </p:sp>
@@ -9221,7 +9688,7 @@
     </p:spTree>
     <p:extLst>
       <p:ext uri="{BB962C8B-B14F-4D97-AF65-F5344CB8AC3E}">
-        <p14:creationId xmlns:p14="http://schemas.microsoft.com/office/powerpoint/2010/main" val="904615250"/>
+        <p14:creationId xmlns:p14="http://schemas.microsoft.com/office/powerpoint/2010/main" val="763671988"/>
       </p:ext>
     </p:extLst>
   </p:cSld>
@@ -9253,7 +9720,7 @@
           <p:cNvPr id="2" name="Titel 1">
             <a:extLst>
               <a:ext uri="{FF2B5EF4-FFF2-40B4-BE49-F238E27FC236}">
-                <a16:creationId xmlns:a16="http://schemas.microsoft.com/office/drawing/2014/main" id="{D89984BC-AC1B-422F-A5D0-159C7FA158A1}"/>
+                <a16:creationId xmlns:a16="http://schemas.microsoft.com/office/drawing/2014/main" id="{1BB66EA5-6D85-4FF6-8325-955AE8089A37}"/>
               </a:ext>
             </a:extLst>
           </p:cNvPr>
@@ -9271,7 +9738,7 @@
           <a:p>
             <a:r>
               <a:rPr lang="de-DE" dirty="0"/>
-              <a:t>Grundlagen formaler Verifikation</a:t>
+              <a:t>Das Tool für Beweise: Coq</a:t>
             </a:r>
             <a:endParaRPr lang="en-US" dirty="0"/>
           </a:p>
@@ -9282,7 +9749,7 @@
           <p:cNvPr id="3" name="Inhaltsplatzhalter 2">
             <a:extLst>
               <a:ext uri="{FF2B5EF4-FFF2-40B4-BE49-F238E27FC236}">
-                <a16:creationId xmlns:a16="http://schemas.microsoft.com/office/drawing/2014/main" id="{9F54BA48-13BB-474F-869A-BFC365DB3C8A}"/>
+                <a16:creationId xmlns:a16="http://schemas.microsoft.com/office/drawing/2014/main" id="{9112029A-EACE-43A5-A4D8-C12AD4394E0C}"/>
               </a:ext>
             </a:extLst>
           </p:cNvPr>
@@ -9300,9 +9767,33 @@
           <a:p>
             <a:r>
               <a:rPr lang="de-DE" dirty="0"/>
-              <a:t>Spezifikation</a:t>
-            </a:r>
-            <a:endParaRPr lang="en-US" dirty="0"/>
+              <a:t>ist eine Programmiersprache</a:t>
+            </a:r>
+          </a:p>
+          <a:p>
+            <a:r>
+              <a:rPr lang="de-DE" dirty="0"/>
+              <a:t>ist ein Proof </a:t>
+            </a:r>
+            <a:r>
+              <a:rPr lang="de-DE" dirty="0" err="1"/>
+              <a:t>Assistant</a:t>
+            </a:r>
+            <a:endParaRPr lang="de-DE" dirty="0"/>
+          </a:p>
+          <a:p>
+            <a:r>
+              <a:rPr lang="de-DE" dirty="0"/>
+              <a:t>hat eine integrierte IDE (</a:t>
+            </a:r>
+            <a:r>
+              <a:rPr lang="de-DE" dirty="0" err="1"/>
+              <a:t>CoqIDE</a:t>
+            </a:r>
+            <a:r>
+              <a:rPr lang="de-DE" dirty="0"/>
+              <a:t>)</a:t>
+            </a:r>
           </a:p>
         </p:txBody>
       </p:sp>
@@ -9311,7 +9802,7 @@
           <p:cNvPr id="4" name="Datumsplatzhalter 3">
             <a:extLst>
               <a:ext uri="{FF2B5EF4-FFF2-40B4-BE49-F238E27FC236}">
-                <a16:creationId xmlns:a16="http://schemas.microsoft.com/office/drawing/2014/main" id="{99B7E53F-EA43-4D13-9D0B-129F9186262A}"/>
+                <a16:creationId xmlns:a16="http://schemas.microsoft.com/office/drawing/2014/main" id="{D36E6D87-0F44-490B-A994-02641D08EABB}"/>
               </a:ext>
             </a:extLst>
           </p:cNvPr>
@@ -9338,7 +9829,7 @@
     </p:spTree>
     <p:extLst>
       <p:ext uri="{BB962C8B-B14F-4D97-AF65-F5344CB8AC3E}">
-        <p14:creationId xmlns:p14="http://schemas.microsoft.com/office/powerpoint/2010/main" val="763671988"/>
+        <p14:creationId xmlns:p14="http://schemas.microsoft.com/office/powerpoint/2010/main" val="946040787"/>
       </p:ext>
     </p:extLst>
   </p:cSld>

--- a/final-presentation.pptx
+++ b/final-presentation.pptx
@@ -5,7 +5,7 @@
     <p:sldMasterId id="2147483660" r:id="rId1"/>
   </p:sldMasterIdLst>
   <p:notesMasterIdLst>
-    <p:notesMasterId r:id="rId17"/>
+    <p:notesMasterId r:id="rId28"/>
   </p:notesMasterIdLst>
   <p:sldIdLst>
     <p:sldId id="256" r:id="rId2"/>
@@ -19,10 +19,21 @@
     <p:sldId id="270" r:id="rId10"/>
     <p:sldId id="271" r:id="rId11"/>
     <p:sldId id="265" r:id="rId12"/>
-    <p:sldId id="269" r:id="rId13"/>
-    <p:sldId id="266" r:id="rId14"/>
-    <p:sldId id="267" r:id="rId15"/>
-    <p:sldId id="259" r:id="rId16"/>
+    <p:sldId id="274" r:id="rId13"/>
+    <p:sldId id="272" r:id="rId14"/>
+    <p:sldId id="273" r:id="rId15"/>
+    <p:sldId id="275" r:id="rId16"/>
+    <p:sldId id="276" r:id="rId17"/>
+    <p:sldId id="269" r:id="rId18"/>
+    <p:sldId id="266" r:id="rId19"/>
+    <p:sldId id="277" r:id="rId20"/>
+    <p:sldId id="281" r:id="rId21"/>
+    <p:sldId id="267" r:id="rId22"/>
+    <p:sldId id="278" r:id="rId23"/>
+    <p:sldId id="279" r:id="rId24"/>
+    <p:sldId id="280" r:id="rId25"/>
+    <p:sldId id="282" r:id="rId26"/>
+    <p:sldId id="259" r:id="rId27"/>
   </p:sldIdLst>
   <p:sldSz cx="12192000" cy="6858000"/>
   <p:notesSz cx="6858000" cy="9144000"/>
@@ -6785,6 +6796,12 @@
           <a:p>
             <a:r>
               <a:rPr lang="de-DE" dirty="0"/>
+              <a:t>ist eine funktionale Programmiersprache</a:t>
+            </a:r>
+          </a:p>
+          <a:p>
+            <a:r>
+              <a:rPr lang="de-DE" dirty="0"/>
               <a:t>ist in </a:t>
             </a:r>
             <a:r>
@@ -6803,6 +6820,25 @@
               <a:rPr lang="de-DE" dirty="0"/>
               <a:t>) geschrieben</a:t>
             </a:r>
+          </a:p>
+          <a:p>
+            <a:r>
+              <a:rPr lang="de-DE" dirty="0"/>
+              <a:t>nutzt die </a:t>
+            </a:r>
+            <a:r>
+              <a:rPr lang="de-DE" dirty="0" err="1"/>
+              <a:t>Dependent</a:t>
+            </a:r>
+            <a:r>
+              <a:rPr lang="de-DE" dirty="0"/>
+              <a:t> Type Sprache </a:t>
+            </a:r>
+            <a:r>
+              <a:rPr lang="de-DE" dirty="0" err="1"/>
+              <a:t>Gallina</a:t>
+            </a:r>
+            <a:endParaRPr lang="de-DE" dirty="0"/>
           </a:p>
         </p:txBody>
       </p:sp>
@@ -6916,69 +6952,108 @@
         </p:nvSpPr>
         <p:spPr/>
         <p:txBody>
-          <a:bodyPr/>
+          <a:bodyPr>
+            <a:normAutofit lnSpcReduction="10000"/>
+          </a:bodyPr>
           <a:lstStyle/>
           <a:p>
-            <a:pPr marL="0" indent="0">
+            <a:r>
+              <a:rPr lang="de-DE" dirty="0"/>
+              <a:t>Bedeutet: Typen die von etwas abhängen</a:t>
+            </a:r>
+          </a:p>
+          <a:p>
+            <a:r>
+              <a:rPr lang="de-DE" dirty="0"/>
+              <a:t>Ermöglicht mathematisches Beweisen von Theoremen</a:t>
+            </a:r>
+          </a:p>
+          <a:p>
+            <a:r>
+              <a:rPr lang="de-DE" dirty="0"/>
+              <a:t>Beispiel: </a:t>
+            </a:r>
+          </a:p>
+          <a:p>
+            <a:pPr marL="457200" lvl="1" indent="0">
               <a:buNone/>
             </a:pPr>
             <a:r>
-              <a:rPr lang="en-US" dirty="0"/>
-              <a:t>public void </a:t>
-            </a:r>
-            <a:r>
-              <a:rPr lang="en-US" dirty="0" err="1"/>
-              <a:t>doSomething</a:t>
-            </a:r>
-            <a:r>
-              <a:rPr lang="en-US" dirty="0"/>
-              <a:t>(User user) {</a:t>
-            </a:r>
-          </a:p>
-          <a:p>
-            <a:pPr marL="0" indent="0">
-              <a:buNone/>
-            </a:pPr>
-            <a:r>
-              <a:rPr lang="en-US" dirty="0"/>
-              <a:t>	if(user == null) {</a:t>
-            </a:r>
-          </a:p>
-          <a:p>
-            <a:pPr marL="0" indent="0">
-              <a:buNone/>
-            </a:pPr>
-            <a:r>
-              <a:rPr lang="en-US" dirty="0"/>
-              <a:t>		throw new Exception("Received empty user!");</a:t>
-            </a:r>
-          </a:p>
-          <a:p>
-            <a:pPr marL="0" indent="0">
-              <a:buNone/>
-            </a:pPr>
-            <a:r>
-              <a:rPr lang="en-US" dirty="0"/>
-              <a:t>	}</a:t>
-            </a:r>
-          </a:p>
-          <a:p>
-            <a:pPr marL="0" indent="0">
-              <a:buNone/>
-            </a:pPr>
-            <a:r>
-              <a:rPr lang="en-US" dirty="0"/>
-              <a:t>...</a:t>
-            </a:r>
-          </a:p>
-          <a:p>
-            <a:pPr marL="0" indent="0">
-              <a:buNone/>
-            </a:pPr>
-            <a:r>
-              <a:rPr lang="en-US" dirty="0"/>
-              <a:t>}</a:t>
-            </a:r>
+              <a:rPr lang="de-DE" dirty="0">
+                <a:solidFill>
+                  <a:schemeClr val="accent1">
+                    <a:lumMod val="75000"/>
+                  </a:schemeClr>
+                </a:solidFill>
+              </a:rPr>
+              <a:t>Für alle Kombinationen aus den </a:t>
+            </a:r>
+            <a:r>
+              <a:rPr lang="de-DE" dirty="0" err="1">
+                <a:solidFill>
+                  <a:schemeClr val="accent1">
+                    <a:lumMod val="75000"/>
+                  </a:schemeClr>
+                </a:solidFill>
+              </a:rPr>
+              <a:t>Integern</a:t>
+            </a:r>
+            <a:r>
+              <a:rPr lang="de-DE" dirty="0">
+                <a:solidFill>
+                  <a:schemeClr val="accent1">
+                    <a:lumMod val="75000"/>
+                  </a:schemeClr>
+                </a:solidFill>
+              </a:rPr>
+              <a:t> a und b soll die Funktion </a:t>
+            </a:r>
+            <a:r>
+              <a:rPr lang="de-DE" dirty="0" err="1">
+                <a:solidFill>
+                  <a:schemeClr val="accent1">
+                    <a:lumMod val="75000"/>
+                  </a:schemeClr>
+                </a:solidFill>
+              </a:rPr>
+              <a:t>add</a:t>
+            </a:r>
+            <a:r>
+              <a:rPr lang="de-DE" dirty="0">
+                <a:solidFill>
+                  <a:schemeClr val="accent1">
+                    <a:lumMod val="75000"/>
+                  </a:schemeClr>
+                </a:solidFill>
+              </a:rPr>
+              <a:t> korrekt funktionieren.</a:t>
+            </a:r>
+          </a:p>
+          <a:p>
+            <a:r>
+              <a:rPr lang="de-DE" dirty="0"/>
+              <a:t>In Code:</a:t>
+            </a:r>
+          </a:p>
+          <a:p>
+            <a:pPr lvl="1"/>
+            <a:r>
+              <a:rPr lang="pt-BR" dirty="0">
+                <a:solidFill>
+                  <a:schemeClr val="accent1">
+                    <a:lumMod val="75000"/>
+                  </a:schemeClr>
+                </a:solidFill>
+              </a:rPr>
+              <a:t>Theorem add_1_l : forall n:nat, 1 + n = S n.</a:t>
+            </a:r>
+            <a:endParaRPr lang="de-DE" dirty="0">
+              <a:solidFill>
+                <a:schemeClr val="accent1">
+                  <a:lumMod val="75000"/>
+                </a:schemeClr>
+              </a:solidFill>
+            </a:endParaRPr>
           </a:p>
         </p:txBody>
       </p:sp>
@@ -7063,8 +7138,12 @@
           <a:lstStyle/>
           <a:p>
             <a:r>
+              <a:rPr lang="de-DE" dirty="0" err="1"/>
+              <a:t>Dependent</a:t>
+            </a:r>
+            <a:r>
               <a:rPr lang="de-DE" dirty="0"/>
-              <a:t>Coq Basics</a:t>
+              <a:t> Type Sprache</a:t>
             </a:r>
             <a:endParaRPr lang="en-US" dirty="0"/>
           </a:p>
@@ -7091,7 +7170,30 @@
           <a:bodyPr/>
           <a:lstStyle/>
           <a:p>
-            <a:endParaRPr lang="en-US"/>
+            <a:r>
+              <a:rPr lang="de-DE" dirty="0"/>
+              <a:t>Funktion schreiben, die etwas mit einem User Objekt macht</a:t>
+            </a:r>
+          </a:p>
+          <a:p>
+            <a:r>
+              <a:rPr lang="de-DE" dirty="0"/>
+              <a:t>Zu Beginn prüfen, ob User Objekt </a:t>
+            </a:r>
+            <a:r>
+              <a:rPr lang="de-DE" dirty="0">
+                <a:solidFill>
+                  <a:schemeClr val="accent1">
+                    <a:lumMod val="75000"/>
+                  </a:schemeClr>
+                </a:solidFill>
+              </a:rPr>
+              <a:t>!= null </a:t>
+            </a:r>
+            <a:r>
+              <a:rPr lang="de-DE" dirty="0"/>
+              <a:t>ist</a:t>
+            </a:r>
           </a:p>
         </p:txBody>
       </p:sp>
@@ -7127,7 +7229,7 @@
     </p:spTree>
     <p:extLst>
       <p:ext uri="{BB962C8B-B14F-4D97-AF65-F5344CB8AC3E}">
-        <p14:creationId xmlns:p14="http://schemas.microsoft.com/office/powerpoint/2010/main" val="236195017"/>
+        <p14:creationId xmlns:p14="http://schemas.microsoft.com/office/powerpoint/2010/main" val="4092881062"/>
       </p:ext>
     </p:extLst>
   </p:cSld>
@@ -7177,7 +7279,7 @@
           <a:p>
             <a:r>
               <a:rPr lang="de-DE" dirty="0"/>
-              <a:t>Coq Beispiel</a:t>
+              <a:t>Beispiel Java Code</a:t>
             </a:r>
             <a:endParaRPr lang="en-US" dirty="0"/>
           </a:p>
@@ -7204,7 +7306,114 @@
           <a:bodyPr/>
           <a:lstStyle/>
           <a:p>
-            <a:endParaRPr lang="en-US"/>
+            <a:pPr marL="0" indent="0">
+              <a:buNone/>
+            </a:pPr>
+            <a:r>
+              <a:rPr lang="en-US" dirty="0">
+                <a:solidFill>
+                  <a:schemeClr val="accent1">
+                    <a:lumMod val="75000"/>
+                  </a:schemeClr>
+                </a:solidFill>
+              </a:rPr>
+              <a:t>public void </a:t>
+            </a:r>
+            <a:r>
+              <a:rPr lang="en-US" dirty="0" err="1">
+                <a:solidFill>
+                  <a:schemeClr val="accent1">
+                    <a:lumMod val="75000"/>
+                  </a:schemeClr>
+                </a:solidFill>
+              </a:rPr>
+              <a:t>doSomething</a:t>
+            </a:r>
+            <a:r>
+              <a:rPr lang="en-US" dirty="0">
+                <a:solidFill>
+                  <a:schemeClr val="accent1">
+                    <a:lumMod val="75000"/>
+                  </a:schemeClr>
+                </a:solidFill>
+              </a:rPr>
+              <a:t>(User user) {</a:t>
+            </a:r>
+          </a:p>
+          <a:p>
+            <a:pPr marL="0" indent="0">
+              <a:buNone/>
+            </a:pPr>
+            <a:r>
+              <a:rPr lang="en-US" dirty="0">
+                <a:solidFill>
+                  <a:schemeClr val="accent1">
+                    <a:lumMod val="75000"/>
+                  </a:schemeClr>
+                </a:solidFill>
+              </a:rPr>
+              <a:t>	if(user == null) {</a:t>
+            </a:r>
+          </a:p>
+          <a:p>
+            <a:pPr marL="0" indent="0">
+              <a:buNone/>
+            </a:pPr>
+            <a:r>
+              <a:rPr lang="en-US" dirty="0">
+                <a:solidFill>
+                  <a:schemeClr val="accent1">
+                    <a:lumMod val="75000"/>
+                  </a:schemeClr>
+                </a:solidFill>
+              </a:rPr>
+              <a:t>		throw new Exception("Received empty user!");</a:t>
+            </a:r>
+          </a:p>
+          <a:p>
+            <a:pPr marL="0" indent="0">
+              <a:buNone/>
+            </a:pPr>
+            <a:r>
+              <a:rPr lang="en-US" dirty="0">
+                <a:solidFill>
+                  <a:schemeClr val="accent1">
+                    <a:lumMod val="75000"/>
+                  </a:schemeClr>
+                </a:solidFill>
+              </a:rPr>
+              <a:t>	}</a:t>
+            </a:r>
+          </a:p>
+          <a:p>
+            <a:pPr marL="0" indent="0">
+              <a:buNone/>
+            </a:pPr>
+            <a:r>
+              <a:rPr lang="en-US" dirty="0">
+                <a:solidFill>
+                  <a:schemeClr val="accent1">
+                    <a:lumMod val="75000"/>
+                  </a:schemeClr>
+                </a:solidFill>
+              </a:rPr>
+              <a:t>...</a:t>
+            </a:r>
+          </a:p>
+          <a:p>
+            <a:pPr marL="0" indent="0">
+              <a:buNone/>
+            </a:pPr>
+            <a:r>
+              <a:rPr lang="en-US" dirty="0">
+                <a:solidFill>
+                  <a:schemeClr val="accent1">
+                    <a:lumMod val="75000"/>
+                  </a:schemeClr>
+                </a:solidFill>
+              </a:rPr>
+              <a:t>}</a:t>
+            </a:r>
           </a:p>
         </p:txBody>
       </p:sp>
@@ -7237,16 +7446,369 @@
           </a:p>
         </p:txBody>
       </p:sp>
+      <p:sp>
+        <p:nvSpPr>
+          <p:cNvPr id="5" name="Inhaltsplatzhalter 2">
+            <a:extLst>
+              <a:ext uri="{FF2B5EF4-FFF2-40B4-BE49-F238E27FC236}">
+                <a16:creationId xmlns:a16="http://schemas.microsoft.com/office/drawing/2014/main" id="{D5787817-FF62-4B9F-8A8F-E9D8F1E40A30}"/>
+              </a:ext>
+            </a:extLst>
+          </p:cNvPr>
+          <p:cNvSpPr txBox="1">
+            <a:spLocks/>
+          </p:cNvSpPr>
+          <p:nvPr/>
+        </p:nvSpPr>
+        <p:spPr>
+          <a:xfrm>
+            <a:off x="9049174" y="2435439"/>
+            <a:ext cx="3317030" cy="3124201"/>
+          </a:xfrm>
+          <a:prstGeom prst="rect">
+            <a:avLst/>
+          </a:prstGeom>
+        </p:spPr>
+        <p:txBody>
+          <a:bodyPr vert="horz" lIns="91440" tIns="45720" rIns="91440" bIns="45720" rtlCol="0" anchor="ctr">
+            <a:normAutofit/>
+          </a:bodyPr>
+          <a:lstStyle>
+            <a:lvl1pPr marL="285750" indent="-285750" algn="l" defTabSz="457200" rtl="0" eaLnBrk="1" latinLnBrk="0" hangingPunct="1">
+              <a:spcBef>
+                <a:spcPct val="20000"/>
+              </a:spcBef>
+              <a:spcAft>
+                <a:spcPts val="600"/>
+              </a:spcAft>
+              <a:buClr>
+                <a:schemeClr val="accent1">
+                  <a:lumMod val="75000"/>
+                </a:schemeClr>
+              </a:buClr>
+              <a:buSzPct val="145000"/>
+              <a:buFont typeface="Arial"/>
+              <a:buChar char="•"/>
+              <a:defRPr sz="2400" kern="1200" cap="none">
+                <a:solidFill>
+                  <a:schemeClr val="tx1"/>
+                </a:solidFill>
+                <a:effectLst/>
+                <a:latin typeface="+mn-lt"/>
+                <a:ea typeface="+mn-ea"/>
+                <a:cs typeface="+mn-cs"/>
+              </a:defRPr>
+            </a:lvl1pPr>
+            <a:lvl2pPr marL="742950" indent="-285750" algn="l" defTabSz="457200" rtl="0" eaLnBrk="1" latinLnBrk="0" hangingPunct="1">
+              <a:spcBef>
+                <a:spcPct val="20000"/>
+              </a:spcBef>
+              <a:spcAft>
+                <a:spcPts val="600"/>
+              </a:spcAft>
+              <a:buClr>
+                <a:schemeClr val="accent1">
+                  <a:lumMod val="75000"/>
+                </a:schemeClr>
+              </a:buClr>
+              <a:buSzPct val="145000"/>
+              <a:buFont typeface="Arial"/>
+              <a:buChar char="•"/>
+              <a:defRPr sz="2000" kern="1200" cap="none">
+                <a:solidFill>
+                  <a:schemeClr val="tx1"/>
+                </a:solidFill>
+                <a:effectLst/>
+                <a:latin typeface="+mn-lt"/>
+                <a:ea typeface="+mn-ea"/>
+                <a:cs typeface="+mn-cs"/>
+              </a:defRPr>
+            </a:lvl2pPr>
+            <a:lvl3pPr marL="1200150" indent="-285750" algn="l" defTabSz="457200" rtl="0" eaLnBrk="1" latinLnBrk="0" hangingPunct="1">
+              <a:spcBef>
+                <a:spcPct val="20000"/>
+              </a:spcBef>
+              <a:spcAft>
+                <a:spcPts val="600"/>
+              </a:spcAft>
+              <a:buClr>
+                <a:schemeClr val="accent1">
+                  <a:lumMod val="75000"/>
+                </a:schemeClr>
+              </a:buClr>
+              <a:buSzPct val="145000"/>
+              <a:buFont typeface="Arial"/>
+              <a:buChar char="•"/>
+              <a:defRPr sz="1800" kern="1200" cap="none">
+                <a:solidFill>
+                  <a:schemeClr val="tx1"/>
+                </a:solidFill>
+                <a:effectLst/>
+                <a:latin typeface="+mn-lt"/>
+                <a:ea typeface="+mn-ea"/>
+                <a:cs typeface="+mn-cs"/>
+              </a:defRPr>
+            </a:lvl3pPr>
+            <a:lvl4pPr marL="1543050" indent="-171450" algn="l" defTabSz="457200" rtl="0" eaLnBrk="1" latinLnBrk="0" hangingPunct="1">
+              <a:spcBef>
+                <a:spcPct val="20000"/>
+              </a:spcBef>
+              <a:spcAft>
+                <a:spcPts val="600"/>
+              </a:spcAft>
+              <a:buClr>
+                <a:schemeClr val="accent1">
+                  <a:lumMod val="75000"/>
+                </a:schemeClr>
+              </a:buClr>
+              <a:buSzPct val="145000"/>
+              <a:buFont typeface="Arial"/>
+              <a:buChar char="•"/>
+              <a:defRPr sz="1600" kern="1200" cap="none">
+                <a:solidFill>
+                  <a:schemeClr val="tx1"/>
+                </a:solidFill>
+                <a:effectLst/>
+                <a:latin typeface="+mn-lt"/>
+                <a:ea typeface="+mn-ea"/>
+                <a:cs typeface="+mn-cs"/>
+              </a:defRPr>
+            </a:lvl4pPr>
+            <a:lvl5pPr marL="2000250" indent="-171450" algn="l" defTabSz="457200" rtl="0" eaLnBrk="1" latinLnBrk="0" hangingPunct="1">
+              <a:spcBef>
+                <a:spcPct val="20000"/>
+              </a:spcBef>
+              <a:spcAft>
+                <a:spcPts val="600"/>
+              </a:spcAft>
+              <a:buClr>
+                <a:schemeClr val="accent1">
+                  <a:lumMod val="75000"/>
+                </a:schemeClr>
+              </a:buClr>
+              <a:buSzPct val="145000"/>
+              <a:buFont typeface="Arial"/>
+              <a:buChar char="•"/>
+              <a:defRPr sz="1400" kern="1200" cap="none">
+                <a:solidFill>
+                  <a:schemeClr val="tx1"/>
+                </a:solidFill>
+                <a:effectLst/>
+                <a:latin typeface="+mn-lt"/>
+                <a:ea typeface="+mn-ea"/>
+                <a:cs typeface="+mn-cs"/>
+              </a:defRPr>
+            </a:lvl5pPr>
+            <a:lvl6pPr marL="2514600" indent="-228600" algn="l" defTabSz="457200" rtl="0" eaLnBrk="1" latinLnBrk="0" hangingPunct="1">
+              <a:spcBef>
+                <a:spcPct val="20000"/>
+              </a:spcBef>
+              <a:spcAft>
+                <a:spcPts val="600"/>
+              </a:spcAft>
+              <a:buClr>
+                <a:schemeClr val="accent1">
+                  <a:lumMod val="75000"/>
+                </a:schemeClr>
+              </a:buClr>
+              <a:buSzPct val="145000"/>
+              <a:buFont typeface="Arial"/>
+              <a:buChar char="•"/>
+              <a:defRPr sz="1400" kern="1200" cap="none">
+                <a:solidFill>
+                  <a:schemeClr val="tx1"/>
+                </a:solidFill>
+                <a:effectLst/>
+                <a:latin typeface="+mn-lt"/>
+                <a:ea typeface="+mn-ea"/>
+                <a:cs typeface="+mn-cs"/>
+              </a:defRPr>
+            </a:lvl6pPr>
+            <a:lvl7pPr marL="2971800" indent="-228600" algn="l" defTabSz="457200" rtl="0" eaLnBrk="1" latinLnBrk="0" hangingPunct="1">
+              <a:spcBef>
+                <a:spcPct val="20000"/>
+              </a:spcBef>
+              <a:spcAft>
+                <a:spcPts val="600"/>
+              </a:spcAft>
+              <a:buClr>
+                <a:schemeClr val="accent1">
+                  <a:lumMod val="75000"/>
+                </a:schemeClr>
+              </a:buClr>
+              <a:buSzPct val="145000"/>
+              <a:buFont typeface="Arial"/>
+              <a:buChar char="•"/>
+              <a:defRPr sz="1400" kern="1200" cap="none">
+                <a:solidFill>
+                  <a:schemeClr val="tx1"/>
+                </a:solidFill>
+                <a:effectLst/>
+                <a:latin typeface="+mn-lt"/>
+                <a:ea typeface="+mn-ea"/>
+                <a:cs typeface="+mn-cs"/>
+              </a:defRPr>
+            </a:lvl7pPr>
+            <a:lvl8pPr marL="3429000" indent="-228600" algn="l" defTabSz="457200" rtl="0" eaLnBrk="1" latinLnBrk="0" hangingPunct="1">
+              <a:spcBef>
+                <a:spcPct val="20000"/>
+              </a:spcBef>
+              <a:spcAft>
+                <a:spcPts val="600"/>
+              </a:spcAft>
+              <a:buClr>
+                <a:schemeClr val="accent1">
+                  <a:lumMod val="75000"/>
+                </a:schemeClr>
+              </a:buClr>
+              <a:buSzPct val="145000"/>
+              <a:buFont typeface="Arial"/>
+              <a:buChar char="•"/>
+              <a:defRPr sz="1400" kern="1200" cap="none">
+                <a:solidFill>
+                  <a:schemeClr val="tx1"/>
+                </a:solidFill>
+                <a:effectLst/>
+                <a:latin typeface="+mn-lt"/>
+                <a:ea typeface="+mn-ea"/>
+                <a:cs typeface="+mn-cs"/>
+              </a:defRPr>
+            </a:lvl8pPr>
+            <a:lvl9pPr marL="3886200" indent="-228600" algn="l" defTabSz="457200" rtl="0" eaLnBrk="1" latinLnBrk="0" hangingPunct="1">
+              <a:spcBef>
+                <a:spcPct val="20000"/>
+              </a:spcBef>
+              <a:spcAft>
+                <a:spcPts val="600"/>
+              </a:spcAft>
+              <a:buClr>
+                <a:schemeClr val="accent1">
+                  <a:lumMod val="75000"/>
+                </a:schemeClr>
+              </a:buClr>
+              <a:buSzPct val="145000"/>
+              <a:buFont typeface="Arial"/>
+              <a:buChar char="•"/>
+              <a:defRPr sz="1400" kern="1200" cap="none">
+                <a:solidFill>
+                  <a:schemeClr val="tx1"/>
+                </a:solidFill>
+                <a:effectLst/>
+                <a:latin typeface="+mn-lt"/>
+                <a:ea typeface="+mn-ea"/>
+                <a:cs typeface="+mn-cs"/>
+              </a:defRPr>
+            </a:lvl9pPr>
+          </a:lstStyle>
+          <a:p>
+            <a:pPr marL="0" indent="0">
+              <a:buFont typeface="Arial"/>
+              <a:buNone/>
+            </a:pPr>
+            <a:r>
+              <a:rPr lang="de-DE" sz="6000" dirty="0">
+                <a:solidFill>
+                  <a:schemeClr val="accent4"/>
+                </a:solidFill>
+              </a:rPr>
+              <a:t>Laufzeit</a:t>
+            </a:r>
+            <a:endParaRPr lang="en-US" sz="6000" dirty="0">
+              <a:solidFill>
+                <a:schemeClr val="accent4"/>
+              </a:solidFill>
+            </a:endParaRPr>
+          </a:p>
+        </p:txBody>
+      </p:sp>
     </p:spTree>
     <p:extLst>
       <p:ext uri="{BB962C8B-B14F-4D97-AF65-F5344CB8AC3E}">
-        <p14:creationId xmlns:p14="http://schemas.microsoft.com/office/powerpoint/2010/main" val="855517724"/>
+        <p14:creationId xmlns:p14="http://schemas.microsoft.com/office/powerpoint/2010/main" val="3969042224"/>
       </p:ext>
     </p:extLst>
   </p:cSld>
   <p:clrMapOvr>
     <a:masterClrMapping/>
   </p:clrMapOvr>
+  <p:timing>
+    <p:tnLst>
+      <p:par>
+        <p:cTn id="1" dur="indefinite" restart="never" nodeType="tmRoot">
+          <p:childTnLst>
+            <p:seq concurrent="1" nextAc="seek">
+              <p:cTn id="2" dur="indefinite" nodeType="mainSeq">
+                <p:childTnLst>
+                  <p:par>
+                    <p:cTn id="3" fill="hold">
+                      <p:stCondLst>
+                        <p:cond delay="indefinite"/>
+                      </p:stCondLst>
+                      <p:childTnLst>
+                        <p:par>
+                          <p:cTn id="4" fill="hold">
+                            <p:stCondLst>
+                              <p:cond delay="0"/>
+                            </p:stCondLst>
+                            <p:childTnLst>
+                              <p:par>
+                                <p:cTn id="5" presetID="1" presetClass="entr" presetSubtype="0" fill="hold" grpId="0" nodeType="clickEffect">
+                                  <p:stCondLst>
+                                    <p:cond delay="0"/>
+                                  </p:stCondLst>
+                                  <p:childTnLst>
+                                    <p:set>
+                                      <p:cBhvr>
+                                        <p:cTn id="6" dur="1" fill="hold">
+                                          <p:stCondLst>
+                                            <p:cond delay="0"/>
+                                          </p:stCondLst>
+                                        </p:cTn>
+                                        <p:tgtEl>
+                                          <p:spTgt spid="5"/>
+                                        </p:tgtEl>
+                                        <p:attrNameLst>
+                                          <p:attrName>style.visibility</p:attrName>
+                                        </p:attrNameLst>
+                                      </p:cBhvr>
+                                      <p:to>
+                                        <p:strVal val="visible"/>
+                                      </p:to>
+                                    </p:set>
+                                  </p:childTnLst>
+                                </p:cTn>
+                              </p:par>
+                            </p:childTnLst>
+                          </p:cTn>
+                        </p:par>
+                      </p:childTnLst>
+                    </p:cTn>
+                  </p:par>
+                </p:childTnLst>
+              </p:cTn>
+              <p:prevCondLst>
+                <p:cond evt="onPrev" delay="0">
+                  <p:tgtEl>
+                    <p:sldTgt/>
+                  </p:tgtEl>
+                </p:cond>
+              </p:prevCondLst>
+              <p:nextCondLst>
+                <p:cond evt="onNext" delay="0">
+                  <p:tgtEl>
+                    <p:sldTgt/>
+                  </p:tgtEl>
+                </p:cond>
+              </p:nextCondLst>
+            </p:seq>
+          </p:childTnLst>
+        </p:cTn>
+      </p:par>
+    </p:tnLst>
+    <p:bldLst>
+      <p:bldP spid="5" grpId="0"/>
+    </p:bldLst>
+  </p:timing>
 </p:sld>
 </file>
 
@@ -7289,8 +7851,12 @@
           <a:lstStyle/>
           <a:p>
             <a:r>
+              <a:rPr lang="de-DE" dirty="0" err="1"/>
+              <a:t>Dependent</a:t>
+            </a:r>
+            <a:r>
               <a:rPr lang="de-DE" dirty="0"/>
-              <a:t>Coq Beispiel</a:t>
+              <a:t> Type Sprache Ansatz</a:t>
             </a:r>
             <a:endParaRPr lang="en-US" dirty="0"/>
           </a:p>
@@ -7317,7 +7883,179 @@
           <a:bodyPr/>
           <a:lstStyle/>
           <a:p>
-            <a:endParaRPr lang="en-US"/>
+            <a:pPr marL="0" indent="0">
+              <a:buNone/>
+            </a:pPr>
+            <a:r>
+              <a:rPr lang="en-US" dirty="0" err="1">
+                <a:solidFill>
+                  <a:schemeClr val="accent1">
+                    <a:lumMod val="75000"/>
+                  </a:schemeClr>
+                </a:solidFill>
+              </a:rPr>
+              <a:t>setRole</a:t>
+            </a:r>
+            <a:r>
+              <a:rPr lang="en-US" dirty="0">
+                <a:solidFill>
+                  <a:schemeClr val="accent1">
+                    <a:lumMod val="75000"/>
+                  </a:schemeClr>
+                </a:solidFill>
+              </a:rPr>
+              <a:t>: (</a:t>
+            </a:r>
+            <a:r>
+              <a:rPr lang="en-US" dirty="0" err="1">
+                <a:solidFill>
+                  <a:schemeClr val="accent1">
+                    <a:lumMod val="75000"/>
+                  </a:schemeClr>
+                </a:solidFill>
+              </a:rPr>
+              <a:t>oldRole</a:t>
+            </a:r>
+            <a:r>
+              <a:rPr lang="en-US" dirty="0">
+                <a:solidFill>
+                  <a:schemeClr val="accent1">
+                    <a:lumMod val="75000"/>
+                  </a:schemeClr>
+                </a:solidFill>
+              </a:rPr>
+              <a:t>: Role, user: User </a:t>
+            </a:r>
+            <a:r>
+              <a:rPr lang="en-US" dirty="0" err="1">
+                <a:solidFill>
+                  <a:schemeClr val="accent1">
+                    <a:lumMod val="75000"/>
+                  </a:schemeClr>
+                </a:solidFill>
+              </a:rPr>
+              <a:t>oldRole</a:t>
+            </a:r>
+            <a:r>
+              <a:rPr lang="en-US" dirty="0">
+                <a:solidFill>
+                  <a:schemeClr val="accent1">
+                    <a:lumMod val="75000"/>
+                  </a:schemeClr>
+                </a:solidFill>
+              </a:rPr>
+              <a:t>, </a:t>
+            </a:r>
+            <a:r>
+              <a:rPr lang="en-US" dirty="0" err="1">
+                <a:solidFill>
+                  <a:schemeClr val="accent1">
+                    <a:lumMod val="75000"/>
+                  </a:schemeClr>
+                </a:solidFill>
+              </a:rPr>
+              <a:t>newRole</a:t>
+            </a:r>
+            <a:r>
+              <a:rPr lang="en-US" dirty="0">
+                <a:solidFill>
+                  <a:schemeClr val="accent1">
+                    <a:lumMod val="75000"/>
+                  </a:schemeClr>
+                </a:solidFill>
+              </a:rPr>
+              <a:t>: Role) -&gt;</a:t>
+            </a:r>
+          </a:p>
+          <a:p>
+            <a:pPr marL="0" indent="0">
+              <a:buNone/>
+            </a:pPr>
+            <a:r>
+              <a:rPr lang="en-US" dirty="0">
+                <a:solidFill>
+                  <a:schemeClr val="accent1">
+                    <a:lumMod val="75000"/>
+                  </a:schemeClr>
+                </a:solidFill>
+              </a:rPr>
+              <a:t>	</a:t>
+            </a:r>
+            <a:r>
+              <a:rPr lang="en-US" dirty="0" err="1">
+                <a:solidFill>
+                  <a:schemeClr val="accent1">
+                    <a:lumMod val="75000"/>
+                  </a:schemeClr>
+                </a:solidFill>
+              </a:rPr>
+              <a:t>userWithRole</a:t>
+            </a:r>
+            <a:r>
+              <a:rPr lang="en-US" dirty="0">
+                <a:solidFill>
+                  <a:schemeClr val="accent1">
+                    <a:lumMod val="75000"/>
+                  </a:schemeClr>
+                </a:solidFill>
+              </a:rPr>
+              <a:t>: User </a:t>
+            </a:r>
+            <a:r>
+              <a:rPr lang="en-US" dirty="0" err="1">
+                <a:solidFill>
+                  <a:schemeClr val="accent1">
+                    <a:lumMod val="75000"/>
+                  </a:schemeClr>
+                </a:solidFill>
+              </a:rPr>
+              <a:t>newRole</a:t>
+            </a:r>
+            <a:r>
+              <a:rPr lang="en-US" dirty="0">
+                <a:solidFill>
+                  <a:schemeClr val="accent1">
+                    <a:lumMod val="75000"/>
+                  </a:schemeClr>
+                </a:solidFill>
+              </a:rPr>
+              <a:t>,</a:t>
+            </a:r>
+          </a:p>
+          <a:p>
+            <a:pPr marL="0" indent="0">
+              <a:buNone/>
+            </a:pPr>
+            <a:r>
+              <a:rPr lang="en-US" dirty="0">
+                <a:solidFill>
+                  <a:schemeClr val="accent1">
+                    <a:lumMod val="75000"/>
+                  </a:schemeClr>
+                </a:solidFill>
+              </a:rPr>
+              <a:t>			where </a:t>
+            </a:r>
+            <a:r>
+              <a:rPr lang="en-US" dirty="0" err="1">
+                <a:solidFill>
+                  <a:schemeClr val="accent1">
+                    <a:lumMod val="75000"/>
+                  </a:schemeClr>
+                </a:solidFill>
+              </a:rPr>
+              <a:t>userWithRole.role</a:t>
+            </a:r>
+            <a:r>
+              <a:rPr lang="en-US" dirty="0">
+                <a:solidFill>
+                  <a:schemeClr val="accent1">
+                    <a:lumMod val="75000"/>
+                  </a:schemeClr>
+                </a:solidFill>
+              </a:rPr>
+              <a:t> == role;</a:t>
+            </a:r>
           </a:p>
         </p:txBody>
       </p:sp>
@@ -7350,16 +8088,496 @@
           </a:p>
         </p:txBody>
       </p:sp>
+      <p:sp>
+        <p:nvSpPr>
+          <p:cNvPr id="6" name="Inhaltsplatzhalter 2">
+            <a:extLst>
+              <a:ext uri="{FF2B5EF4-FFF2-40B4-BE49-F238E27FC236}">
+                <a16:creationId xmlns:a16="http://schemas.microsoft.com/office/drawing/2014/main" id="{97035925-9FD0-425E-8B71-08B79904910C}"/>
+              </a:ext>
+            </a:extLst>
+          </p:cNvPr>
+          <p:cNvSpPr txBox="1">
+            <a:spLocks/>
+          </p:cNvSpPr>
+          <p:nvPr/>
+        </p:nvSpPr>
+        <p:spPr>
+          <a:xfrm>
+            <a:off x="9049174" y="2435439"/>
+            <a:ext cx="3317030" cy="3124201"/>
+          </a:xfrm>
+          <a:prstGeom prst="rect">
+            <a:avLst/>
+          </a:prstGeom>
+        </p:spPr>
+        <p:txBody>
+          <a:bodyPr vert="horz" lIns="91440" tIns="45720" rIns="91440" bIns="45720" rtlCol="0" anchor="ctr">
+            <a:normAutofit/>
+          </a:bodyPr>
+          <a:lstStyle>
+            <a:lvl1pPr marL="285750" indent="-285750" algn="l" defTabSz="457200" rtl="0" eaLnBrk="1" latinLnBrk="0" hangingPunct="1">
+              <a:spcBef>
+                <a:spcPct val="20000"/>
+              </a:spcBef>
+              <a:spcAft>
+                <a:spcPts val="600"/>
+              </a:spcAft>
+              <a:buClr>
+                <a:schemeClr val="accent1">
+                  <a:lumMod val="75000"/>
+                </a:schemeClr>
+              </a:buClr>
+              <a:buSzPct val="145000"/>
+              <a:buFont typeface="Arial"/>
+              <a:buChar char="•"/>
+              <a:defRPr sz="2400" kern="1200" cap="none">
+                <a:solidFill>
+                  <a:schemeClr val="tx1"/>
+                </a:solidFill>
+                <a:effectLst/>
+                <a:latin typeface="+mn-lt"/>
+                <a:ea typeface="+mn-ea"/>
+                <a:cs typeface="+mn-cs"/>
+              </a:defRPr>
+            </a:lvl1pPr>
+            <a:lvl2pPr marL="742950" indent="-285750" algn="l" defTabSz="457200" rtl="0" eaLnBrk="1" latinLnBrk="0" hangingPunct="1">
+              <a:spcBef>
+                <a:spcPct val="20000"/>
+              </a:spcBef>
+              <a:spcAft>
+                <a:spcPts val="600"/>
+              </a:spcAft>
+              <a:buClr>
+                <a:schemeClr val="accent1">
+                  <a:lumMod val="75000"/>
+                </a:schemeClr>
+              </a:buClr>
+              <a:buSzPct val="145000"/>
+              <a:buFont typeface="Arial"/>
+              <a:buChar char="•"/>
+              <a:defRPr sz="2000" kern="1200" cap="none">
+                <a:solidFill>
+                  <a:schemeClr val="tx1"/>
+                </a:solidFill>
+                <a:effectLst/>
+                <a:latin typeface="+mn-lt"/>
+                <a:ea typeface="+mn-ea"/>
+                <a:cs typeface="+mn-cs"/>
+              </a:defRPr>
+            </a:lvl2pPr>
+            <a:lvl3pPr marL="1200150" indent="-285750" algn="l" defTabSz="457200" rtl="0" eaLnBrk="1" latinLnBrk="0" hangingPunct="1">
+              <a:spcBef>
+                <a:spcPct val="20000"/>
+              </a:spcBef>
+              <a:spcAft>
+                <a:spcPts val="600"/>
+              </a:spcAft>
+              <a:buClr>
+                <a:schemeClr val="accent1">
+                  <a:lumMod val="75000"/>
+                </a:schemeClr>
+              </a:buClr>
+              <a:buSzPct val="145000"/>
+              <a:buFont typeface="Arial"/>
+              <a:buChar char="•"/>
+              <a:defRPr sz="1800" kern="1200" cap="none">
+                <a:solidFill>
+                  <a:schemeClr val="tx1"/>
+                </a:solidFill>
+                <a:effectLst/>
+                <a:latin typeface="+mn-lt"/>
+                <a:ea typeface="+mn-ea"/>
+                <a:cs typeface="+mn-cs"/>
+              </a:defRPr>
+            </a:lvl3pPr>
+            <a:lvl4pPr marL="1543050" indent="-171450" algn="l" defTabSz="457200" rtl="0" eaLnBrk="1" latinLnBrk="0" hangingPunct="1">
+              <a:spcBef>
+                <a:spcPct val="20000"/>
+              </a:spcBef>
+              <a:spcAft>
+                <a:spcPts val="600"/>
+              </a:spcAft>
+              <a:buClr>
+                <a:schemeClr val="accent1">
+                  <a:lumMod val="75000"/>
+                </a:schemeClr>
+              </a:buClr>
+              <a:buSzPct val="145000"/>
+              <a:buFont typeface="Arial"/>
+              <a:buChar char="•"/>
+              <a:defRPr sz="1600" kern="1200" cap="none">
+                <a:solidFill>
+                  <a:schemeClr val="tx1"/>
+                </a:solidFill>
+                <a:effectLst/>
+                <a:latin typeface="+mn-lt"/>
+                <a:ea typeface="+mn-ea"/>
+                <a:cs typeface="+mn-cs"/>
+              </a:defRPr>
+            </a:lvl4pPr>
+            <a:lvl5pPr marL="2000250" indent="-171450" algn="l" defTabSz="457200" rtl="0" eaLnBrk="1" latinLnBrk="0" hangingPunct="1">
+              <a:spcBef>
+                <a:spcPct val="20000"/>
+              </a:spcBef>
+              <a:spcAft>
+                <a:spcPts val="600"/>
+              </a:spcAft>
+              <a:buClr>
+                <a:schemeClr val="accent1">
+                  <a:lumMod val="75000"/>
+                </a:schemeClr>
+              </a:buClr>
+              <a:buSzPct val="145000"/>
+              <a:buFont typeface="Arial"/>
+              <a:buChar char="•"/>
+              <a:defRPr sz="1400" kern="1200" cap="none">
+                <a:solidFill>
+                  <a:schemeClr val="tx1"/>
+                </a:solidFill>
+                <a:effectLst/>
+                <a:latin typeface="+mn-lt"/>
+                <a:ea typeface="+mn-ea"/>
+                <a:cs typeface="+mn-cs"/>
+              </a:defRPr>
+            </a:lvl5pPr>
+            <a:lvl6pPr marL="2514600" indent="-228600" algn="l" defTabSz="457200" rtl="0" eaLnBrk="1" latinLnBrk="0" hangingPunct="1">
+              <a:spcBef>
+                <a:spcPct val="20000"/>
+              </a:spcBef>
+              <a:spcAft>
+                <a:spcPts val="600"/>
+              </a:spcAft>
+              <a:buClr>
+                <a:schemeClr val="accent1">
+                  <a:lumMod val="75000"/>
+                </a:schemeClr>
+              </a:buClr>
+              <a:buSzPct val="145000"/>
+              <a:buFont typeface="Arial"/>
+              <a:buChar char="•"/>
+              <a:defRPr sz="1400" kern="1200" cap="none">
+                <a:solidFill>
+                  <a:schemeClr val="tx1"/>
+                </a:solidFill>
+                <a:effectLst/>
+                <a:latin typeface="+mn-lt"/>
+                <a:ea typeface="+mn-ea"/>
+                <a:cs typeface="+mn-cs"/>
+              </a:defRPr>
+            </a:lvl6pPr>
+            <a:lvl7pPr marL="2971800" indent="-228600" algn="l" defTabSz="457200" rtl="0" eaLnBrk="1" latinLnBrk="0" hangingPunct="1">
+              <a:spcBef>
+                <a:spcPct val="20000"/>
+              </a:spcBef>
+              <a:spcAft>
+                <a:spcPts val="600"/>
+              </a:spcAft>
+              <a:buClr>
+                <a:schemeClr val="accent1">
+                  <a:lumMod val="75000"/>
+                </a:schemeClr>
+              </a:buClr>
+              <a:buSzPct val="145000"/>
+              <a:buFont typeface="Arial"/>
+              <a:buChar char="•"/>
+              <a:defRPr sz="1400" kern="1200" cap="none">
+                <a:solidFill>
+                  <a:schemeClr val="tx1"/>
+                </a:solidFill>
+                <a:effectLst/>
+                <a:latin typeface="+mn-lt"/>
+                <a:ea typeface="+mn-ea"/>
+                <a:cs typeface="+mn-cs"/>
+              </a:defRPr>
+            </a:lvl7pPr>
+            <a:lvl8pPr marL="3429000" indent="-228600" algn="l" defTabSz="457200" rtl="0" eaLnBrk="1" latinLnBrk="0" hangingPunct="1">
+              <a:spcBef>
+                <a:spcPct val="20000"/>
+              </a:spcBef>
+              <a:spcAft>
+                <a:spcPts val="600"/>
+              </a:spcAft>
+              <a:buClr>
+                <a:schemeClr val="accent1">
+                  <a:lumMod val="75000"/>
+                </a:schemeClr>
+              </a:buClr>
+              <a:buSzPct val="145000"/>
+              <a:buFont typeface="Arial"/>
+              <a:buChar char="•"/>
+              <a:defRPr sz="1400" kern="1200" cap="none">
+                <a:solidFill>
+                  <a:schemeClr val="tx1"/>
+                </a:solidFill>
+                <a:effectLst/>
+                <a:latin typeface="+mn-lt"/>
+                <a:ea typeface="+mn-ea"/>
+                <a:cs typeface="+mn-cs"/>
+              </a:defRPr>
+            </a:lvl8pPr>
+            <a:lvl9pPr marL="3886200" indent="-228600" algn="l" defTabSz="457200" rtl="0" eaLnBrk="1" latinLnBrk="0" hangingPunct="1">
+              <a:spcBef>
+                <a:spcPct val="20000"/>
+              </a:spcBef>
+              <a:spcAft>
+                <a:spcPts val="600"/>
+              </a:spcAft>
+              <a:buClr>
+                <a:schemeClr val="accent1">
+                  <a:lumMod val="75000"/>
+                </a:schemeClr>
+              </a:buClr>
+              <a:buSzPct val="145000"/>
+              <a:buFont typeface="Arial"/>
+              <a:buChar char="•"/>
+              <a:defRPr sz="1400" kern="1200" cap="none">
+                <a:solidFill>
+                  <a:schemeClr val="tx1"/>
+                </a:solidFill>
+                <a:effectLst/>
+                <a:latin typeface="+mn-lt"/>
+                <a:ea typeface="+mn-ea"/>
+                <a:cs typeface="+mn-cs"/>
+              </a:defRPr>
+            </a:lvl9pPr>
+          </a:lstStyle>
+          <a:p>
+            <a:pPr marL="0" indent="0">
+              <a:buFont typeface="Arial"/>
+              <a:buNone/>
+            </a:pPr>
+            <a:r>
+              <a:rPr lang="de-DE" sz="6000" dirty="0" err="1">
+                <a:solidFill>
+                  <a:schemeClr val="accent4"/>
+                </a:solidFill>
+              </a:rPr>
+              <a:t>Kompile</a:t>
+            </a:r>
+            <a:r>
+              <a:rPr lang="de-DE" sz="6000" dirty="0">
+                <a:solidFill>
+                  <a:schemeClr val="accent4"/>
+                </a:solidFill>
+              </a:rPr>
+              <a:t>-</a:t>
+            </a:r>
+          </a:p>
+          <a:p>
+            <a:pPr marL="0" indent="0">
+              <a:buFont typeface="Arial"/>
+              <a:buNone/>
+            </a:pPr>
+            <a:r>
+              <a:rPr lang="de-DE" sz="6000" dirty="0">
+                <a:solidFill>
+                  <a:schemeClr val="accent4"/>
+                </a:solidFill>
+              </a:rPr>
+              <a:t>zeit</a:t>
+            </a:r>
+            <a:endParaRPr lang="en-US" sz="6000" dirty="0">
+              <a:solidFill>
+                <a:schemeClr val="accent4"/>
+              </a:solidFill>
+            </a:endParaRPr>
+          </a:p>
+        </p:txBody>
+      </p:sp>
+      <p:sp>
+        <p:nvSpPr>
+          <p:cNvPr id="7" name="Textfeld 6">
+            <a:extLst>
+              <a:ext uri="{FF2B5EF4-FFF2-40B4-BE49-F238E27FC236}">
+                <a16:creationId xmlns:a16="http://schemas.microsoft.com/office/drawing/2014/main" id="{CE64A595-46E7-4632-BA00-15697C7542AA}"/>
+              </a:ext>
+            </a:extLst>
+          </p:cNvPr>
+          <p:cNvSpPr txBox="1"/>
+          <p:nvPr/>
+        </p:nvSpPr>
+        <p:spPr>
+          <a:xfrm>
+            <a:off x="2829887" y="5721631"/>
+            <a:ext cx="7184125" cy="461665"/>
+          </a:xfrm>
+          <a:prstGeom prst="rect">
+            <a:avLst/>
+          </a:prstGeom>
+          <a:noFill/>
+        </p:spPr>
+        <p:txBody>
+          <a:bodyPr wrap="square" rtlCol="0">
+            <a:spAutoFit/>
+          </a:bodyPr>
+          <a:lstStyle/>
+          <a:p>
+            <a:r>
+              <a:rPr lang="en-US" sz="2400" dirty="0" err="1"/>
+              <a:t>typeof</a:t>
+            </a:r>
+            <a:r>
+              <a:rPr lang="en-US" sz="2400" dirty="0"/>
+              <a:t>(</a:t>
+            </a:r>
+            <a:r>
+              <a:rPr lang="en-US" sz="2400" dirty="0" err="1"/>
+              <a:t>userWithRole.role</a:t>
+            </a:r>
+            <a:r>
+              <a:rPr lang="en-US" sz="2400" dirty="0"/>
+              <a:t>) == Role</a:t>
+            </a:r>
+          </a:p>
+        </p:txBody>
+      </p:sp>
+      <p:sp>
+        <p:nvSpPr>
+          <p:cNvPr id="10" name="Pfeil: nach rechts 9">
+            <a:extLst>
+              <a:ext uri="{FF2B5EF4-FFF2-40B4-BE49-F238E27FC236}">
+                <a16:creationId xmlns:a16="http://schemas.microsoft.com/office/drawing/2014/main" id="{B5BA0721-35BE-4935-B84C-153A4E64A420}"/>
+              </a:ext>
+            </a:extLst>
+          </p:cNvPr>
+          <p:cNvSpPr/>
+          <p:nvPr/>
+        </p:nvSpPr>
+        <p:spPr>
+          <a:xfrm rot="16200000">
+            <a:off x="4405524" y="5204513"/>
+            <a:ext cx="683581" cy="253053"/>
+          </a:xfrm>
+          <a:prstGeom prst="rightArrow">
+            <a:avLst/>
+          </a:prstGeom>
+          <a:solidFill>
+            <a:schemeClr val="tx1"/>
+          </a:solidFill>
+          <a:ln>
+            <a:solidFill>
+              <a:schemeClr val="tx1"/>
+            </a:solidFill>
+          </a:ln>
+        </p:spPr>
+        <p:style>
+          <a:lnRef idx="2">
+            <a:schemeClr val="accent1">
+              <a:shade val="50000"/>
+            </a:schemeClr>
+          </a:lnRef>
+          <a:fillRef idx="1">
+            <a:schemeClr val="accent1"/>
+          </a:fillRef>
+          <a:effectRef idx="0">
+            <a:schemeClr val="accent1"/>
+          </a:effectRef>
+          <a:fontRef idx="minor">
+            <a:schemeClr val="lt1"/>
+          </a:fontRef>
+        </p:style>
+        <p:txBody>
+          <a:bodyPr rtlCol="0" anchor="ctr"/>
+          <a:lstStyle/>
+          <a:p>
+            <a:pPr algn="ctr"/>
+            <a:endParaRPr lang="en-US">
+              <a:solidFill>
+                <a:schemeClr val="tx1"/>
+              </a:solidFill>
+            </a:endParaRPr>
+          </a:p>
+        </p:txBody>
+      </p:sp>
     </p:spTree>
     <p:extLst>
       <p:ext uri="{BB962C8B-B14F-4D97-AF65-F5344CB8AC3E}">
-        <p14:creationId xmlns:p14="http://schemas.microsoft.com/office/powerpoint/2010/main" val="3506902484"/>
+        <p14:creationId xmlns:p14="http://schemas.microsoft.com/office/powerpoint/2010/main" val="905200907"/>
       </p:ext>
     </p:extLst>
   </p:cSld>
   <p:clrMapOvr>
     <a:masterClrMapping/>
   </p:clrMapOvr>
+  <p:timing>
+    <p:tnLst>
+      <p:par>
+        <p:cTn id="1" dur="indefinite" restart="never" nodeType="tmRoot">
+          <p:childTnLst>
+            <p:seq concurrent="1" nextAc="seek">
+              <p:cTn id="2" dur="indefinite" nodeType="mainSeq">
+                <p:childTnLst>
+                  <p:par>
+                    <p:cTn id="3" fill="hold">
+                      <p:stCondLst>
+                        <p:cond delay="indefinite"/>
+                      </p:stCondLst>
+                      <p:childTnLst>
+                        <p:par>
+                          <p:cTn id="4" fill="hold">
+                            <p:stCondLst>
+                              <p:cond delay="0"/>
+                            </p:stCondLst>
+                            <p:childTnLst>
+                              <p:par>
+                                <p:cTn id="5" presetID="1" presetClass="entr" presetSubtype="0" fill="hold" grpId="0" nodeType="clickEffect">
+                                  <p:stCondLst>
+                                    <p:cond delay="0"/>
+                                  </p:stCondLst>
+                                  <p:childTnLst>
+                                    <p:set>
+                                      <p:cBhvr>
+                                        <p:cTn id="6" dur="1" fill="hold">
+                                          <p:stCondLst>
+                                            <p:cond delay="0"/>
+                                          </p:stCondLst>
+                                        </p:cTn>
+                                        <p:tgtEl>
+                                          <p:spTgt spid="6"/>
+                                        </p:tgtEl>
+                                        <p:attrNameLst>
+                                          <p:attrName>style.visibility</p:attrName>
+                                        </p:attrNameLst>
+                                      </p:cBhvr>
+                                      <p:to>
+                                        <p:strVal val="visible"/>
+                                      </p:to>
+                                    </p:set>
+                                  </p:childTnLst>
+                                </p:cTn>
+                              </p:par>
+                            </p:childTnLst>
+                          </p:cTn>
+                        </p:par>
+                      </p:childTnLst>
+                    </p:cTn>
+                  </p:par>
+                </p:childTnLst>
+              </p:cTn>
+              <p:prevCondLst>
+                <p:cond evt="onPrev" delay="0">
+                  <p:tgtEl>
+                    <p:sldTgt/>
+                  </p:tgtEl>
+                </p:cond>
+              </p:prevCondLst>
+              <p:nextCondLst>
+                <p:cond evt="onNext" delay="0">
+                  <p:tgtEl>
+                    <p:sldTgt/>
+                  </p:tgtEl>
+                </p:cond>
+              </p:nextCondLst>
+            </p:seq>
+          </p:childTnLst>
+        </p:cTn>
+      </p:par>
+    </p:tnLst>
+    <p:bldLst>
+      <p:bldP spid="6" grpId="0"/>
+    </p:bldLst>
+  </p:timing>
 </p:sld>
 </file>
 
@@ -7385,7 +8603,7 @@
           <p:cNvPr id="2" name="Titel 1">
             <a:extLst>
               <a:ext uri="{FF2B5EF4-FFF2-40B4-BE49-F238E27FC236}">
-                <a16:creationId xmlns:a16="http://schemas.microsoft.com/office/drawing/2014/main" id="{974BBEF3-6639-449A-B9C0-C00BDF96CB6F}"/>
+                <a16:creationId xmlns:a16="http://schemas.microsoft.com/office/drawing/2014/main" id="{D89984BC-AC1B-422F-A5D0-159C7FA158A1}"/>
               </a:ext>
             </a:extLst>
           </p:cNvPr>
@@ -7403,7 +8621,15 @@
           <a:p>
             <a:r>
               <a:rPr lang="de-DE" dirty="0"/>
-              <a:t>Fazit</a:t>
+              <a:t>Coq Beispiel: </a:t>
+            </a:r>
+            <a:r>
+              <a:rPr lang="de-DE" dirty="0" err="1"/>
+              <a:t>Dependent</a:t>
+            </a:r>
+            <a:r>
+              <a:rPr lang="de-DE" dirty="0"/>
+              <a:t> type Sprache</a:t>
             </a:r>
             <a:endParaRPr lang="en-US" dirty="0"/>
           </a:p>
@@ -7414,7 +8640,7 @@
           <p:cNvPr id="3" name="Inhaltsplatzhalter 2">
             <a:extLst>
               <a:ext uri="{FF2B5EF4-FFF2-40B4-BE49-F238E27FC236}">
-                <a16:creationId xmlns:a16="http://schemas.microsoft.com/office/drawing/2014/main" id="{F7532589-ABB8-424C-B0EB-8AB7666535D0}"/>
+                <a16:creationId xmlns:a16="http://schemas.microsoft.com/office/drawing/2014/main" id="{9F54BA48-13BB-474F-869A-BFC365DB3C8A}"/>
               </a:ext>
             </a:extLst>
           </p:cNvPr>
@@ -7427,34 +8653,175 @@
         </p:nvSpPr>
         <p:spPr/>
         <p:txBody>
-          <a:bodyPr/>
+          <a:bodyPr>
+            <a:normAutofit fontScale="70000" lnSpcReduction="20000"/>
+          </a:bodyPr>
           <a:lstStyle/>
           <a:p>
-            <a:r>
-              <a:rPr lang="de-DE" dirty="0"/>
-              <a:t>Mit formaler Verifikation kann Software zu 100% geprüft werden</a:t>
-            </a:r>
-          </a:p>
-          <a:p>
-            <a:r>
-              <a:rPr lang="de-DE" dirty="0"/>
-              <a:t>Die Software ist immer nur so gut wie die Spezifikation</a:t>
-            </a:r>
-          </a:p>
-          <a:p>
-            <a:r>
-              <a:rPr lang="de-DE" dirty="0"/>
-              <a:t>Es lohnt sich in sicherheitskritischen Systemen und bei viel genutzter Software</a:t>
-            </a:r>
-          </a:p>
-          <a:p>
-            <a:r>
-              <a:rPr lang="de-DE" dirty="0"/>
-              <a:t>Es ist deutlich aufwendiger als normales Entwickeln</a:t>
-            </a:r>
-          </a:p>
-          <a:p>
-            <a:endParaRPr lang="en-US" dirty="0"/>
+            <a:pPr marL="0" indent="0">
+              <a:buNone/>
+            </a:pPr>
+            <a:r>
+              <a:rPr lang="en-US" dirty="0">
+                <a:solidFill>
+                  <a:schemeClr val="accent1">
+                    <a:lumMod val="75000"/>
+                  </a:schemeClr>
+                </a:solidFill>
+              </a:rPr>
+              <a:t>Inductive True : Type := I.</a:t>
+            </a:r>
+          </a:p>
+          <a:p>
+            <a:pPr marL="0" indent="0">
+              <a:buNone/>
+            </a:pPr>
+            <a:r>
+              <a:rPr lang="en-US" dirty="0">
+                <a:solidFill>
+                  <a:schemeClr val="accent1">
+                    <a:lumMod val="75000"/>
+                  </a:schemeClr>
+                </a:solidFill>
+              </a:rPr>
+              <a:t>Inductive False : Type := .</a:t>
+            </a:r>
+          </a:p>
+          <a:p>
+            <a:pPr marL="0" indent="0">
+              <a:buNone/>
+            </a:pPr>
+            <a:endParaRPr lang="en-US" dirty="0">
+              <a:solidFill>
+                <a:schemeClr val="accent1">
+                  <a:lumMod val="75000"/>
+                </a:schemeClr>
+              </a:solidFill>
+            </a:endParaRPr>
+          </a:p>
+          <a:p>
+            <a:pPr marL="0" indent="0">
+              <a:buNone/>
+            </a:pPr>
+            <a:r>
+              <a:rPr lang="en-US" dirty="0">
+                <a:solidFill>
+                  <a:schemeClr val="accent1">
+                    <a:lumMod val="75000"/>
+                  </a:schemeClr>
+                </a:solidFill>
+              </a:rPr>
+              <a:t>Inductive and (A B : Type) : Type :=</a:t>
+            </a:r>
+          </a:p>
+          <a:p>
+            <a:pPr marL="0" indent="0">
+              <a:buNone/>
+            </a:pPr>
+            <a:r>
+              <a:rPr lang="en-US" dirty="0" err="1">
+                <a:solidFill>
+                  <a:schemeClr val="accent1">
+                    <a:lumMod val="75000"/>
+                  </a:schemeClr>
+                </a:solidFill>
+              </a:rPr>
+              <a:t>conj</a:t>
+            </a:r>
+            <a:r>
+              <a:rPr lang="en-US" dirty="0">
+                <a:solidFill>
+                  <a:schemeClr val="accent1">
+                    <a:lumMod val="75000"/>
+                  </a:schemeClr>
+                </a:solidFill>
+              </a:rPr>
+              <a:t> : A -&gt; B -&gt; and A B.</a:t>
+            </a:r>
+          </a:p>
+          <a:p>
+            <a:pPr marL="0" indent="0">
+              <a:buNone/>
+            </a:pPr>
+            <a:endParaRPr lang="en-US" dirty="0">
+              <a:solidFill>
+                <a:schemeClr val="accent1">
+                  <a:lumMod val="75000"/>
+                </a:schemeClr>
+              </a:solidFill>
+            </a:endParaRPr>
+          </a:p>
+          <a:p>
+            <a:pPr marL="0" indent="0">
+              <a:buNone/>
+            </a:pPr>
+            <a:r>
+              <a:rPr lang="en-US" dirty="0">
+                <a:solidFill>
+                  <a:schemeClr val="accent1">
+                    <a:lumMod val="75000"/>
+                  </a:schemeClr>
+                </a:solidFill>
+              </a:rPr>
+              <a:t>Inductive or (A B : Type) : Type :=</a:t>
+            </a:r>
+          </a:p>
+          <a:p>
+            <a:pPr marL="0" indent="0">
+              <a:buNone/>
+            </a:pPr>
+            <a:r>
+              <a:rPr lang="en-US" dirty="0" err="1">
+                <a:solidFill>
+                  <a:schemeClr val="accent1">
+                    <a:lumMod val="75000"/>
+                  </a:schemeClr>
+                </a:solidFill>
+              </a:rPr>
+              <a:t>or_introl</a:t>
+            </a:r>
+            <a:r>
+              <a:rPr lang="en-US" dirty="0">
+                <a:solidFill>
+                  <a:schemeClr val="accent1">
+                    <a:lumMod val="75000"/>
+                  </a:schemeClr>
+                </a:solidFill>
+              </a:rPr>
+              <a:t> : A -&gt; or A B</a:t>
+            </a:r>
+          </a:p>
+          <a:p>
+            <a:pPr marL="457200" lvl="1" indent="0">
+              <a:buNone/>
+            </a:pPr>
+            <a:r>
+              <a:rPr lang="en-US" sz="2400" dirty="0" err="1">
+                <a:solidFill>
+                  <a:schemeClr val="accent1">
+                    <a:lumMod val="75000"/>
+                  </a:schemeClr>
+                </a:solidFill>
+              </a:rPr>
+              <a:t>or_intror</a:t>
+            </a:r>
+            <a:r>
+              <a:rPr lang="en-US" sz="2400" dirty="0">
+                <a:solidFill>
+                  <a:schemeClr val="accent1">
+                    <a:lumMod val="75000"/>
+                  </a:schemeClr>
+                </a:solidFill>
+              </a:rPr>
+              <a:t> : B -&gt; or A B.</a:t>
+            </a:r>
+            <a:endParaRPr lang="pt-BR" sz="2400" dirty="0">
+              <a:solidFill>
+                <a:schemeClr val="accent1">
+                  <a:lumMod val="75000"/>
+                </a:schemeClr>
+              </a:solidFill>
+            </a:endParaRPr>
           </a:p>
         </p:txBody>
       </p:sp>
@@ -7463,7 +8830,7 @@
           <p:cNvPr id="4" name="Datumsplatzhalter 3">
             <a:extLst>
               <a:ext uri="{FF2B5EF4-FFF2-40B4-BE49-F238E27FC236}">
-                <a16:creationId xmlns:a16="http://schemas.microsoft.com/office/drawing/2014/main" id="{B41B084E-2F3C-4B93-BE49-5F3D84BAE5ED}"/>
+                <a16:creationId xmlns:a16="http://schemas.microsoft.com/office/drawing/2014/main" id="{99B7E53F-EA43-4D13-9D0B-129F9186262A}"/>
               </a:ext>
             </a:extLst>
           </p:cNvPr>
@@ -7487,10 +8854,1673 @@
           </a:p>
         </p:txBody>
       </p:sp>
+      <p:sp>
+        <p:nvSpPr>
+          <p:cNvPr id="9" name="Textfeld 8">
+            <a:extLst>
+              <a:ext uri="{FF2B5EF4-FFF2-40B4-BE49-F238E27FC236}">
+                <a16:creationId xmlns:a16="http://schemas.microsoft.com/office/drawing/2014/main" id="{B6FF58AF-958C-4839-9F80-AC5ED38E1B77}"/>
+              </a:ext>
+            </a:extLst>
+          </p:cNvPr>
+          <p:cNvSpPr txBox="1"/>
+          <p:nvPr/>
+        </p:nvSpPr>
+        <p:spPr>
+          <a:xfrm>
+            <a:off x="6140910" y="2782669"/>
+            <a:ext cx="5362113" cy="646331"/>
+          </a:xfrm>
+          <a:prstGeom prst="rect">
+            <a:avLst/>
+          </a:prstGeom>
+          <a:noFill/>
+        </p:spPr>
+        <p:txBody>
+          <a:bodyPr wrap="square" rtlCol="0">
+            <a:spAutoFit/>
+          </a:bodyPr>
+          <a:lstStyle/>
+          <a:p>
+            <a:pPr marL="285750" indent="-285750">
+              <a:buFont typeface="Arial" panose="020B0604020202020204" pitchFamily="34" charset="0"/>
+              <a:buChar char="•"/>
+            </a:pPr>
+            <a:r>
+              <a:rPr lang="de-DE" dirty="0"/>
+              <a:t>Werte werden an Type gebunden</a:t>
+            </a:r>
+          </a:p>
+          <a:p>
+            <a:pPr marL="285750" indent="-285750">
+              <a:buFont typeface="Arial" panose="020B0604020202020204" pitchFamily="34" charset="0"/>
+              <a:buChar char="•"/>
+            </a:pPr>
+            <a:endParaRPr lang="de-DE" dirty="0"/>
+          </a:p>
+        </p:txBody>
+      </p:sp>
+      <p:sp>
+        <p:nvSpPr>
+          <p:cNvPr id="11" name="Textfeld 10">
+            <a:extLst>
+              <a:ext uri="{FF2B5EF4-FFF2-40B4-BE49-F238E27FC236}">
+                <a16:creationId xmlns:a16="http://schemas.microsoft.com/office/drawing/2014/main" id="{5A7BED9C-0D22-4AC1-BB5A-A93EAABE3F22}"/>
+              </a:ext>
+            </a:extLst>
+          </p:cNvPr>
+          <p:cNvSpPr txBox="1"/>
+          <p:nvPr/>
+        </p:nvSpPr>
+        <p:spPr>
+          <a:xfrm>
+            <a:off x="6140910" y="3905933"/>
+            <a:ext cx="5362113" cy="923330"/>
+          </a:xfrm>
+          <a:prstGeom prst="rect">
+            <a:avLst/>
+          </a:prstGeom>
+          <a:noFill/>
+        </p:spPr>
+        <p:txBody>
+          <a:bodyPr wrap="square" rtlCol="0">
+            <a:spAutoFit/>
+          </a:bodyPr>
+          <a:lstStyle/>
+          <a:p>
+            <a:pPr marL="285750" indent="-285750">
+              <a:buFont typeface="Arial" panose="020B0604020202020204" pitchFamily="34" charset="0"/>
+              <a:buChar char="•"/>
+            </a:pPr>
+            <a:r>
+              <a:rPr lang="de-DE" dirty="0"/>
+              <a:t>Für and müssen A und B als Instanz hin schreibbar sein</a:t>
+            </a:r>
+          </a:p>
+          <a:p>
+            <a:pPr marL="285750" indent="-285750">
+              <a:buFont typeface="Arial" panose="020B0604020202020204" pitchFamily="34" charset="0"/>
+              <a:buChar char="•"/>
+            </a:pPr>
+            <a:endParaRPr lang="de-DE" dirty="0"/>
+          </a:p>
+        </p:txBody>
+      </p:sp>
+      <p:sp>
+        <p:nvSpPr>
+          <p:cNvPr id="12" name="Textfeld 11">
+            <a:extLst>
+              <a:ext uri="{FF2B5EF4-FFF2-40B4-BE49-F238E27FC236}">
+                <a16:creationId xmlns:a16="http://schemas.microsoft.com/office/drawing/2014/main" id="{DF9D4996-C558-4DAB-99D4-267F1985AADB}"/>
+              </a:ext>
+            </a:extLst>
+          </p:cNvPr>
+          <p:cNvSpPr txBox="1"/>
+          <p:nvPr/>
+        </p:nvSpPr>
+        <p:spPr>
+          <a:xfrm>
+            <a:off x="6140909" y="4983540"/>
+            <a:ext cx="5362113" cy="646331"/>
+          </a:xfrm>
+          <a:prstGeom prst="rect">
+            <a:avLst/>
+          </a:prstGeom>
+          <a:noFill/>
+        </p:spPr>
+        <p:txBody>
+          <a:bodyPr wrap="square" rtlCol="0">
+            <a:spAutoFit/>
+          </a:bodyPr>
+          <a:lstStyle/>
+          <a:p>
+            <a:pPr marL="285750" indent="-285750">
+              <a:buFont typeface="Arial" panose="020B0604020202020204" pitchFamily="34" charset="0"/>
+              <a:buChar char="•"/>
+            </a:pPr>
+            <a:r>
+              <a:rPr lang="de-DE" dirty="0"/>
+              <a:t>Für </a:t>
+            </a:r>
+            <a:r>
+              <a:rPr lang="de-DE" dirty="0" err="1"/>
+              <a:t>or</a:t>
+            </a:r>
+            <a:r>
+              <a:rPr lang="de-DE" dirty="0"/>
+              <a:t> muss A oder B als Instanz hin schreibbar sein</a:t>
+            </a:r>
+          </a:p>
+          <a:p>
+            <a:pPr marL="285750" indent="-285750">
+              <a:buFont typeface="Arial" panose="020B0604020202020204" pitchFamily="34" charset="0"/>
+              <a:buChar char="•"/>
+            </a:pPr>
+            <a:endParaRPr lang="de-DE" dirty="0"/>
+          </a:p>
+        </p:txBody>
+      </p:sp>
     </p:spTree>
     <p:extLst>
       <p:ext uri="{BB962C8B-B14F-4D97-AF65-F5344CB8AC3E}">
-        <p14:creationId xmlns:p14="http://schemas.microsoft.com/office/powerpoint/2010/main" val="3575977899"/>
+        <p14:creationId xmlns:p14="http://schemas.microsoft.com/office/powerpoint/2010/main" val="704386219"/>
+      </p:ext>
+    </p:extLst>
+  </p:cSld>
+  <p:clrMapOvr>
+    <a:masterClrMapping/>
+  </p:clrMapOvr>
+</p:sld>
+</file>
+
+<file path=ppt/slides/slide16.xml><?xml version="1.0" encoding="utf-8"?>
+<p:sld xmlns:a="http://schemas.openxmlformats.org/drawingml/2006/main" xmlns:r="http://schemas.openxmlformats.org/officeDocument/2006/relationships" xmlns:p="http://schemas.openxmlformats.org/presentationml/2006/main">
+  <p:cSld>
+    <p:spTree>
+      <p:nvGrpSpPr>
+        <p:cNvPr id="1" name=""/>
+        <p:cNvGrpSpPr/>
+        <p:nvPr/>
+      </p:nvGrpSpPr>
+      <p:grpSpPr>
+        <a:xfrm>
+          <a:off x="0" y="0"/>
+          <a:ext cx="0" cy="0"/>
+          <a:chOff x="0" y="0"/>
+          <a:chExt cx="0" cy="0"/>
+        </a:xfrm>
+      </p:grpSpPr>
+      <p:sp>
+        <p:nvSpPr>
+          <p:cNvPr id="2" name="Titel 1">
+            <a:extLst>
+              <a:ext uri="{FF2B5EF4-FFF2-40B4-BE49-F238E27FC236}">
+                <a16:creationId xmlns:a16="http://schemas.microsoft.com/office/drawing/2014/main" id="{D89984BC-AC1B-422F-A5D0-159C7FA158A1}"/>
+              </a:ext>
+            </a:extLst>
+          </p:cNvPr>
+          <p:cNvSpPr>
+            <a:spLocks noGrp="1"/>
+          </p:cNvSpPr>
+          <p:nvPr>
+            <p:ph type="title"/>
+          </p:nvPr>
+        </p:nvSpPr>
+        <p:spPr/>
+        <p:txBody>
+          <a:bodyPr/>
+          <a:lstStyle/>
+          <a:p>
+            <a:r>
+              <a:rPr lang="de-DE" dirty="0"/>
+              <a:t>Coq Beispiel: </a:t>
+            </a:r>
+            <a:r>
+              <a:rPr lang="de-DE" dirty="0" err="1"/>
+              <a:t>Dependent</a:t>
+            </a:r>
+            <a:r>
+              <a:rPr lang="de-DE" dirty="0"/>
+              <a:t> type Sprache</a:t>
+            </a:r>
+            <a:endParaRPr lang="en-US" dirty="0"/>
+          </a:p>
+        </p:txBody>
+      </p:sp>
+      <p:sp>
+        <p:nvSpPr>
+          <p:cNvPr id="3" name="Inhaltsplatzhalter 2">
+            <a:extLst>
+              <a:ext uri="{FF2B5EF4-FFF2-40B4-BE49-F238E27FC236}">
+                <a16:creationId xmlns:a16="http://schemas.microsoft.com/office/drawing/2014/main" id="{9F54BA48-13BB-474F-869A-BFC365DB3C8A}"/>
+              </a:ext>
+            </a:extLst>
+          </p:cNvPr>
+          <p:cNvSpPr>
+            <a:spLocks noGrp="1"/>
+          </p:cNvSpPr>
+          <p:nvPr>
+            <p:ph idx="1"/>
+          </p:nvPr>
+        </p:nvSpPr>
+        <p:spPr/>
+        <p:txBody>
+          <a:bodyPr/>
+          <a:lstStyle/>
+          <a:p>
+            <a:pPr marL="0" indent="0">
+              <a:buNone/>
+            </a:pPr>
+            <a:r>
+              <a:rPr lang="en-US" dirty="0" err="1">
+                <a:solidFill>
+                  <a:schemeClr val="accent1">
+                    <a:lumMod val="75000"/>
+                  </a:schemeClr>
+                </a:solidFill>
+              </a:rPr>
+              <a:t>nat_rect</a:t>
+            </a:r>
+            <a:r>
+              <a:rPr lang="en-US" dirty="0">
+                <a:solidFill>
+                  <a:schemeClr val="accent1">
+                    <a:lumMod val="75000"/>
+                  </a:schemeClr>
+                </a:solidFill>
+              </a:rPr>
+              <a:t> : </a:t>
+            </a:r>
+            <a:r>
+              <a:rPr lang="en-US" dirty="0" err="1">
+                <a:solidFill>
+                  <a:schemeClr val="accent1">
+                    <a:lumMod val="75000"/>
+                  </a:schemeClr>
+                </a:solidFill>
+              </a:rPr>
+              <a:t>forall</a:t>
+            </a:r>
+            <a:r>
+              <a:rPr lang="en-US" dirty="0">
+                <a:solidFill>
+                  <a:schemeClr val="accent1">
+                    <a:lumMod val="75000"/>
+                  </a:schemeClr>
+                </a:solidFill>
+              </a:rPr>
+              <a:t> P : </a:t>
+            </a:r>
+            <a:r>
+              <a:rPr lang="en-US" dirty="0" err="1">
+                <a:solidFill>
+                  <a:schemeClr val="accent1">
+                    <a:lumMod val="75000"/>
+                  </a:schemeClr>
+                </a:solidFill>
+              </a:rPr>
+              <a:t>nat</a:t>
+            </a:r>
+            <a:r>
+              <a:rPr lang="en-US" dirty="0">
+                <a:solidFill>
+                  <a:schemeClr val="accent1">
+                    <a:lumMod val="75000"/>
+                  </a:schemeClr>
+                </a:solidFill>
+              </a:rPr>
+              <a:t> -&gt; Type,</a:t>
+            </a:r>
+          </a:p>
+          <a:p>
+            <a:pPr marL="0" indent="0">
+              <a:buNone/>
+            </a:pPr>
+            <a:r>
+              <a:rPr lang="en-US" dirty="0">
+                <a:solidFill>
+                  <a:schemeClr val="accent1">
+                    <a:lumMod val="75000"/>
+                  </a:schemeClr>
+                </a:solidFill>
+              </a:rPr>
+              <a:t>	P 0 -&gt;</a:t>
+            </a:r>
+          </a:p>
+          <a:p>
+            <a:pPr marL="0" indent="0">
+              <a:buNone/>
+            </a:pPr>
+            <a:r>
+              <a:rPr lang="pt-BR" dirty="0">
+                <a:solidFill>
+                  <a:schemeClr val="accent1">
+                    <a:lumMod val="75000"/>
+                  </a:schemeClr>
+                </a:solidFill>
+              </a:rPr>
+              <a:t>(forall n : nat, P n -&gt; P (S n)) -&gt;</a:t>
+            </a:r>
+          </a:p>
+          <a:p>
+            <a:pPr marL="0" indent="0">
+              <a:buNone/>
+            </a:pPr>
+            <a:r>
+              <a:rPr lang="pt-BR" dirty="0">
+                <a:solidFill>
+                  <a:schemeClr val="accent1">
+                    <a:lumMod val="75000"/>
+                  </a:schemeClr>
+                </a:solidFill>
+              </a:rPr>
+              <a:t>forall n : nat, P n</a:t>
+            </a:r>
+          </a:p>
+        </p:txBody>
+      </p:sp>
+      <p:sp>
+        <p:nvSpPr>
+          <p:cNvPr id="4" name="Datumsplatzhalter 3">
+            <a:extLst>
+              <a:ext uri="{FF2B5EF4-FFF2-40B4-BE49-F238E27FC236}">
+                <a16:creationId xmlns:a16="http://schemas.microsoft.com/office/drawing/2014/main" id="{99B7E53F-EA43-4D13-9D0B-129F9186262A}"/>
+              </a:ext>
+            </a:extLst>
+          </p:cNvPr>
+          <p:cNvSpPr>
+            <a:spLocks noGrp="1"/>
+          </p:cNvSpPr>
+          <p:nvPr>
+            <p:ph type="dt" sz="half" idx="10"/>
+          </p:nvPr>
+        </p:nvSpPr>
+        <p:spPr/>
+        <p:txBody>
+          <a:bodyPr/>
+          <a:lstStyle/>
+          <a:p>
+            <a:r>
+              <a:rPr lang="de-DE"/>
+              <a:t>21/01/2020</a:t>
+            </a:r>
+            <a:endParaRPr lang="en-US"/>
+          </a:p>
+        </p:txBody>
+      </p:sp>
+      <p:sp>
+        <p:nvSpPr>
+          <p:cNvPr id="5" name="Textfeld 4">
+            <a:extLst>
+              <a:ext uri="{FF2B5EF4-FFF2-40B4-BE49-F238E27FC236}">
+                <a16:creationId xmlns:a16="http://schemas.microsoft.com/office/drawing/2014/main" id="{5F5671E7-4E5A-4AF4-BBD2-07BD1B815A0F}"/>
+              </a:ext>
+            </a:extLst>
+          </p:cNvPr>
+          <p:cNvSpPr txBox="1"/>
+          <p:nvPr/>
+        </p:nvSpPr>
+        <p:spPr>
+          <a:xfrm>
+            <a:off x="6140910" y="3278080"/>
+            <a:ext cx="5362113" cy="1754326"/>
+          </a:xfrm>
+          <a:prstGeom prst="rect">
+            <a:avLst/>
+          </a:prstGeom>
+          <a:noFill/>
+        </p:spPr>
+        <p:txBody>
+          <a:bodyPr wrap="square" rtlCol="0">
+            <a:spAutoFit/>
+          </a:bodyPr>
+          <a:lstStyle/>
+          <a:p>
+            <a:pPr marL="285750" indent="-285750">
+              <a:buFont typeface="Arial" panose="020B0604020202020204" pitchFamily="34" charset="0"/>
+              <a:buChar char="•"/>
+            </a:pPr>
+            <a:r>
+              <a:rPr lang="de-DE" dirty="0" err="1">
+                <a:solidFill>
+                  <a:schemeClr val="accent1">
+                    <a:lumMod val="75000"/>
+                  </a:schemeClr>
+                </a:solidFill>
+              </a:rPr>
+              <a:t>nat_rect</a:t>
+            </a:r>
+            <a:r>
+              <a:rPr lang="de-DE" dirty="0"/>
+              <a:t>: Induktions-Taktik für natürliche Zahlen</a:t>
+            </a:r>
+          </a:p>
+          <a:p>
+            <a:pPr marL="285750" indent="-285750">
+              <a:buFont typeface="Arial" panose="020B0604020202020204" pitchFamily="34" charset="0"/>
+              <a:buChar char="•"/>
+            </a:pPr>
+            <a:r>
+              <a:rPr lang="de-DE" dirty="0">
+                <a:solidFill>
+                  <a:schemeClr val="accent1">
+                    <a:lumMod val="75000"/>
+                  </a:schemeClr>
+                </a:solidFill>
+              </a:rPr>
+              <a:t>P</a:t>
+            </a:r>
+            <a:r>
+              <a:rPr lang="de-DE" dirty="0"/>
+              <a:t>: Aussage</a:t>
+            </a:r>
+          </a:p>
+          <a:p>
+            <a:pPr marL="285750" indent="-285750">
+              <a:buFont typeface="Arial" panose="020B0604020202020204" pitchFamily="34" charset="0"/>
+              <a:buChar char="•"/>
+            </a:pPr>
+            <a:endParaRPr lang="de-DE" dirty="0"/>
+          </a:p>
+          <a:p>
+            <a:pPr marL="285750" indent="-285750">
+              <a:buFont typeface="Arial" panose="020B0604020202020204" pitchFamily="34" charset="0"/>
+              <a:buChar char="•"/>
+            </a:pPr>
+            <a:r>
+              <a:rPr lang="de-DE" dirty="0"/>
+              <a:t>Wenn die Aussage für 0 gilt und wenn für alle n aus der Aussage für n die Aussage für (S n)</a:t>
+            </a:r>
+          </a:p>
+          <a:p>
+            <a:r>
+              <a:rPr lang="de-DE" dirty="0"/>
+              <a:t>	folgt, so gilt die Aussage für alle n.“</a:t>
+            </a:r>
+            <a:endParaRPr lang="en-US" dirty="0"/>
+          </a:p>
+        </p:txBody>
+      </p:sp>
+    </p:spTree>
+    <p:extLst>
+      <p:ext uri="{BB962C8B-B14F-4D97-AF65-F5344CB8AC3E}">
+        <p14:creationId xmlns:p14="http://schemas.microsoft.com/office/powerpoint/2010/main" val="3759664518"/>
+      </p:ext>
+    </p:extLst>
+  </p:cSld>
+  <p:clrMapOvr>
+    <a:masterClrMapping/>
+  </p:clrMapOvr>
+</p:sld>
+</file>
+
+<file path=ppt/slides/slide17.xml><?xml version="1.0" encoding="utf-8"?>
+<p:sld xmlns:a="http://schemas.openxmlformats.org/drawingml/2006/main" xmlns:r="http://schemas.openxmlformats.org/officeDocument/2006/relationships" xmlns:p="http://schemas.openxmlformats.org/presentationml/2006/main">
+  <p:cSld>
+    <p:spTree>
+      <p:nvGrpSpPr>
+        <p:cNvPr id="1" name=""/>
+        <p:cNvGrpSpPr/>
+        <p:nvPr/>
+      </p:nvGrpSpPr>
+      <p:grpSpPr>
+        <a:xfrm>
+          <a:off x="0" y="0"/>
+          <a:ext cx="0" cy="0"/>
+          <a:chOff x="0" y="0"/>
+          <a:chExt cx="0" cy="0"/>
+        </a:xfrm>
+      </p:grpSpPr>
+      <p:sp>
+        <p:nvSpPr>
+          <p:cNvPr id="2" name="Titel 1">
+            <a:extLst>
+              <a:ext uri="{FF2B5EF4-FFF2-40B4-BE49-F238E27FC236}">
+                <a16:creationId xmlns:a16="http://schemas.microsoft.com/office/drawing/2014/main" id="{D89984BC-AC1B-422F-A5D0-159C7FA158A1}"/>
+              </a:ext>
+            </a:extLst>
+          </p:cNvPr>
+          <p:cNvSpPr>
+            <a:spLocks noGrp="1"/>
+          </p:cNvSpPr>
+          <p:nvPr>
+            <p:ph type="title"/>
+          </p:nvPr>
+        </p:nvSpPr>
+        <p:spPr/>
+        <p:txBody>
+          <a:bodyPr/>
+          <a:lstStyle/>
+          <a:p>
+            <a:r>
+              <a:rPr lang="de-DE" dirty="0"/>
+              <a:t>Coq Basics: Typen</a:t>
+            </a:r>
+            <a:endParaRPr lang="en-US" dirty="0"/>
+          </a:p>
+        </p:txBody>
+      </p:sp>
+      <p:sp>
+        <p:nvSpPr>
+          <p:cNvPr id="3" name="Inhaltsplatzhalter 2">
+            <a:extLst>
+              <a:ext uri="{FF2B5EF4-FFF2-40B4-BE49-F238E27FC236}">
+                <a16:creationId xmlns:a16="http://schemas.microsoft.com/office/drawing/2014/main" id="{9F54BA48-13BB-474F-869A-BFC365DB3C8A}"/>
+              </a:ext>
+            </a:extLst>
+          </p:cNvPr>
+          <p:cNvSpPr>
+            <a:spLocks noGrp="1"/>
+          </p:cNvSpPr>
+          <p:nvPr>
+            <p:ph idx="1"/>
+          </p:nvPr>
+        </p:nvSpPr>
+        <p:spPr>
+          <a:xfrm>
+            <a:off x="1484311" y="2666999"/>
+            <a:ext cx="3295346" cy="3124201"/>
+          </a:xfrm>
+        </p:spPr>
+        <p:txBody>
+          <a:bodyPr>
+            <a:normAutofit/>
+          </a:bodyPr>
+          <a:lstStyle/>
+          <a:p>
+            <a:pPr marL="0" indent="0">
+              <a:buNone/>
+            </a:pPr>
+            <a:r>
+              <a:rPr lang="en-US" dirty="0">
+                <a:solidFill>
+                  <a:schemeClr val="accent1">
+                    <a:lumMod val="75000"/>
+                  </a:schemeClr>
+                </a:solidFill>
+              </a:rPr>
+              <a:t>Inductive bool : Type :=</a:t>
+            </a:r>
+          </a:p>
+          <a:p>
+            <a:pPr marL="0" indent="0">
+              <a:buNone/>
+            </a:pPr>
+            <a:r>
+              <a:rPr lang="en-US" dirty="0">
+                <a:solidFill>
+                  <a:schemeClr val="accent1">
+                    <a:lumMod val="75000"/>
+                  </a:schemeClr>
+                </a:solidFill>
+              </a:rPr>
+              <a:t>	| true</a:t>
+            </a:r>
+          </a:p>
+          <a:p>
+            <a:pPr marL="0" indent="0">
+              <a:buNone/>
+            </a:pPr>
+            <a:r>
+              <a:rPr lang="en-US" dirty="0">
+                <a:solidFill>
+                  <a:schemeClr val="accent1">
+                    <a:lumMod val="75000"/>
+                  </a:schemeClr>
+                </a:solidFill>
+              </a:rPr>
+              <a:t>	| false.</a:t>
+            </a:r>
+          </a:p>
+          <a:p>
+            <a:pPr marL="0" indent="0">
+              <a:buNone/>
+            </a:pPr>
+            <a:r>
+              <a:rPr lang="en-US" dirty="0">
+                <a:solidFill>
+                  <a:schemeClr val="accent1">
+                    <a:lumMod val="75000"/>
+                  </a:schemeClr>
+                </a:solidFill>
+              </a:rPr>
+              <a:t>	</a:t>
+            </a:r>
+          </a:p>
+          <a:p>
+            <a:pPr marL="0" indent="0">
+              <a:buNone/>
+            </a:pPr>
+            <a:r>
+              <a:rPr lang="en-US" dirty="0">
+                <a:solidFill>
+                  <a:schemeClr val="accent1">
+                    <a:lumMod val="75000"/>
+                  </a:schemeClr>
+                </a:solidFill>
+              </a:rPr>
+              <a:t>	</a:t>
+            </a:r>
+          </a:p>
+        </p:txBody>
+      </p:sp>
+      <p:sp>
+        <p:nvSpPr>
+          <p:cNvPr id="4" name="Datumsplatzhalter 3">
+            <a:extLst>
+              <a:ext uri="{FF2B5EF4-FFF2-40B4-BE49-F238E27FC236}">
+                <a16:creationId xmlns:a16="http://schemas.microsoft.com/office/drawing/2014/main" id="{99B7E53F-EA43-4D13-9D0B-129F9186262A}"/>
+              </a:ext>
+            </a:extLst>
+          </p:cNvPr>
+          <p:cNvSpPr>
+            <a:spLocks noGrp="1"/>
+          </p:cNvSpPr>
+          <p:nvPr>
+            <p:ph type="dt" sz="half" idx="10"/>
+          </p:nvPr>
+        </p:nvSpPr>
+        <p:spPr/>
+        <p:txBody>
+          <a:bodyPr/>
+          <a:lstStyle/>
+          <a:p>
+            <a:r>
+              <a:rPr lang="de-DE"/>
+              <a:t>21/01/2020</a:t>
+            </a:r>
+            <a:endParaRPr lang="en-US"/>
+          </a:p>
+        </p:txBody>
+      </p:sp>
+      <p:sp>
+        <p:nvSpPr>
+          <p:cNvPr id="5" name="Rechteck 4">
+            <a:extLst>
+              <a:ext uri="{FF2B5EF4-FFF2-40B4-BE49-F238E27FC236}">
+                <a16:creationId xmlns:a16="http://schemas.microsoft.com/office/drawing/2014/main" id="{D24E2E17-4EE9-4375-B792-707305B29EF5}"/>
+              </a:ext>
+            </a:extLst>
+          </p:cNvPr>
+          <p:cNvSpPr/>
+          <p:nvPr/>
+        </p:nvSpPr>
+        <p:spPr>
+          <a:xfrm>
+            <a:off x="8455024" y="2960507"/>
+            <a:ext cx="3048000" cy="1200329"/>
+          </a:xfrm>
+          <a:prstGeom prst="rect">
+            <a:avLst/>
+          </a:prstGeom>
+        </p:spPr>
+        <p:txBody>
+          <a:bodyPr wrap="square">
+            <a:spAutoFit/>
+          </a:bodyPr>
+          <a:lstStyle/>
+          <a:p>
+            <a:r>
+              <a:rPr lang="en-US" sz="2400" dirty="0">
+                <a:solidFill>
+                  <a:schemeClr val="accent1">
+                    <a:lumMod val="75000"/>
+                  </a:schemeClr>
+                </a:solidFill>
+              </a:rPr>
+              <a:t>Inductive </a:t>
+            </a:r>
+            <a:r>
+              <a:rPr lang="en-US" sz="2400" dirty="0" err="1">
+                <a:solidFill>
+                  <a:schemeClr val="accent1">
+                    <a:lumMod val="75000"/>
+                  </a:schemeClr>
+                </a:solidFill>
+              </a:rPr>
+              <a:t>nat</a:t>
+            </a:r>
+            <a:r>
+              <a:rPr lang="en-US" sz="2400" dirty="0">
+                <a:solidFill>
+                  <a:schemeClr val="accent1">
+                    <a:lumMod val="75000"/>
+                  </a:schemeClr>
+                </a:solidFill>
+              </a:rPr>
+              <a:t> : Type :=</a:t>
+            </a:r>
+          </a:p>
+          <a:p>
+            <a:r>
+              <a:rPr lang="en-US" sz="2400" dirty="0">
+                <a:solidFill>
+                  <a:schemeClr val="accent1">
+                    <a:lumMod val="75000"/>
+                  </a:schemeClr>
+                </a:solidFill>
+              </a:rPr>
+              <a:t>	| O</a:t>
+            </a:r>
+          </a:p>
+          <a:p>
+            <a:r>
+              <a:rPr lang="en-US" sz="2400" dirty="0">
+                <a:solidFill>
+                  <a:schemeClr val="accent1">
+                    <a:lumMod val="75000"/>
+                  </a:schemeClr>
+                </a:solidFill>
+              </a:rPr>
+              <a:t>	| S (n : </a:t>
+            </a:r>
+            <a:r>
+              <a:rPr lang="en-US" sz="2400" dirty="0" err="1">
+                <a:solidFill>
+                  <a:schemeClr val="accent1">
+                    <a:lumMod val="75000"/>
+                  </a:schemeClr>
+                </a:solidFill>
+              </a:rPr>
+              <a:t>nat</a:t>
+            </a:r>
+            <a:r>
+              <a:rPr lang="en-US" sz="2400" dirty="0">
+                <a:solidFill>
+                  <a:schemeClr val="accent1">
+                    <a:lumMod val="75000"/>
+                  </a:schemeClr>
+                </a:solidFill>
+              </a:rPr>
+              <a:t>).</a:t>
+            </a:r>
+          </a:p>
+        </p:txBody>
+      </p:sp>
+      <p:sp>
+        <p:nvSpPr>
+          <p:cNvPr id="6" name="Rechteck 5">
+            <a:extLst>
+              <a:ext uri="{FF2B5EF4-FFF2-40B4-BE49-F238E27FC236}">
+                <a16:creationId xmlns:a16="http://schemas.microsoft.com/office/drawing/2014/main" id="{BDD182A3-281A-4DF0-8895-EEC9C355F6E6}"/>
+              </a:ext>
+            </a:extLst>
+          </p:cNvPr>
+          <p:cNvSpPr/>
+          <p:nvPr/>
+        </p:nvSpPr>
+        <p:spPr>
+          <a:xfrm>
+            <a:off x="4969667" y="2960507"/>
+            <a:ext cx="3048000" cy="3046988"/>
+          </a:xfrm>
+          <a:prstGeom prst="rect">
+            <a:avLst/>
+          </a:prstGeom>
+        </p:spPr>
+        <p:txBody>
+          <a:bodyPr wrap="square">
+            <a:spAutoFit/>
+          </a:bodyPr>
+          <a:lstStyle/>
+          <a:p>
+            <a:r>
+              <a:rPr lang="en-US" sz="2400" dirty="0">
+                <a:solidFill>
+                  <a:schemeClr val="accent1">
+                    <a:lumMod val="75000"/>
+                  </a:schemeClr>
+                </a:solidFill>
+              </a:rPr>
+              <a:t>Inductive day : Type :=</a:t>
+            </a:r>
+          </a:p>
+          <a:p>
+            <a:r>
+              <a:rPr lang="en-US" sz="2400" dirty="0">
+                <a:solidFill>
+                  <a:schemeClr val="accent1">
+                    <a:lumMod val="75000"/>
+                  </a:schemeClr>
+                </a:solidFill>
+              </a:rPr>
+              <a:t>	| </a:t>
+            </a:r>
+            <a:r>
+              <a:rPr lang="en-US" sz="2400" dirty="0" err="1">
+                <a:solidFill>
+                  <a:schemeClr val="accent1">
+                    <a:lumMod val="75000"/>
+                  </a:schemeClr>
+                </a:solidFill>
+              </a:rPr>
+              <a:t>monday</a:t>
+            </a:r>
+            <a:endParaRPr lang="en-US" sz="2400" dirty="0">
+              <a:solidFill>
+                <a:schemeClr val="accent1">
+                  <a:lumMod val="75000"/>
+                </a:schemeClr>
+              </a:solidFill>
+            </a:endParaRPr>
+          </a:p>
+          <a:p>
+            <a:r>
+              <a:rPr lang="en-US" sz="2400" dirty="0">
+                <a:solidFill>
+                  <a:schemeClr val="accent1">
+                    <a:lumMod val="75000"/>
+                  </a:schemeClr>
+                </a:solidFill>
+              </a:rPr>
+              <a:t>	| </a:t>
+            </a:r>
+            <a:r>
+              <a:rPr lang="en-US" sz="2400" dirty="0" err="1">
+                <a:solidFill>
+                  <a:schemeClr val="accent1">
+                    <a:lumMod val="75000"/>
+                  </a:schemeClr>
+                </a:solidFill>
+              </a:rPr>
+              <a:t>tuesday</a:t>
+            </a:r>
+            <a:endParaRPr lang="en-US" sz="2400" dirty="0">
+              <a:solidFill>
+                <a:schemeClr val="accent1">
+                  <a:lumMod val="75000"/>
+                </a:schemeClr>
+              </a:solidFill>
+            </a:endParaRPr>
+          </a:p>
+          <a:p>
+            <a:r>
+              <a:rPr lang="en-US" sz="2400" dirty="0">
+                <a:solidFill>
+                  <a:schemeClr val="accent1">
+                    <a:lumMod val="75000"/>
+                  </a:schemeClr>
+                </a:solidFill>
+              </a:rPr>
+              <a:t>	| </a:t>
+            </a:r>
+            <a:r>
+              <a:rPr lang="en-US" sz="2400" dirty="0" err="1">
+                <a:solidFill>
+                  <a:schemeClr val="accent1">
+                    <a:lumMod val="75000"/>
+                  </a:schemeClr>
+                </a:solidFill>
+              </a:rPr>
+              <a:t>wednesday</a:t>
+            </a:r>
+            <a:endParaRPr lang="en-US" sz="2400" dirty="0">
+              <a:solidFill>
+                <a:schemeClr val="accent1">
+                  <a:lumMod val="75000"/>
+                </a:schemeClr>
+              </a:solidFill>
+            </a:endParaRPr>
+          </a:p>
+          <a:p>
+            <a:r>
+              <a:rPr lang="en-US" sz="2400" dirty="0">
+                <a:solidFill>
+                  <a:schemeClr val="accent1">
+                    <a:lumMod val="75000"/>
+                  </a:schemeClr>
+                </a:solidFill>
+              </a:rPr>
+              <a:t>	| </a:t>
+            </a:r>
+            <a:r>
+              <a:rPr lang="en-US" sz="2400" dirty="0" err="1">
+                <a:solidFill>
+                  <a:schemeClr val="accent1">
+                    <a:lumMod val="75000"/>
+                  </a:schemeClr>
+                </a:solidFill>
+              </a:rPr>
+              <a:t>thursday</a:t>
+            </a:r>
+            <a:endParaRPr lang="en-US" sz="2400" dirty="0">
+              <a:solidFill>
+                <a:schemeClr val="accent1">
+                  <a:lumMod val="75000"/>
+                </a:schemeClr>
+              </a:solidFill>
+            </a:endParaRPr>
+          </a:p>
+          <a:p>
+            <a:r>
+              <a:rPr lang="en-US" sz="2400" dirty="0">
+                <a:solidFill>
+                  <a:schemeClr val="accent1">
+                    <a:lumMod val="75000"/>
+                  </a:schemeClr>
+                </a:solidFill>
+              </a:rPr>
+              <a:t>	| </a:t>
+            </a:r>
+            <a:r>
+              <a:rPr lang="en-US" sz="2400" dirty="0" err="1">
+                <a:solidFill>
+                  <a:schemeClr val="accent1">
+                    <a:lumMod val="75000"/>
+                  </a:schemeClr>
+                </a:solidFill>
+              </a:rPr>
+              <a:t>friday</a:t>
+            </a:r>
+            <a:endParaRPr lang="en-US" sz="2400" dirty="0">
+              <a:solidFill>
+                <a:schemeClr val="accent1">
+                  <a:lumMod val="75000"/>
+                </a:schemeClr>
+              </a:solidFill>
+            </a:endParaRPr>
+          </a:p>
+          <a:p>
+            <a:r>
+              <a:rPr lang="en-US" sz="2400" dirty="0">
+                <a:solidFill>
+                  <a:schemeClr val="accent1">
+                    <a:lumMod val="75000"/>
+                  </a:schemeClr>
+                </a:solidFill>
+              </a:rPr>
+              <a:t>	| </a:t>
+            </a:r>
+            <a:r>
+              <a:rPr lang="en-US" sz="2400" dirty="0" err="1">
+                <a:solidFill>
+                  <a:schemeClr val="accent1">
+                    <a:lumMod val="75000"/>
+                  </a:schemeClr>
+                </a:solidFill>
+              </a:rPr>
+              <a:t>saturday</a:t>
+            </a:r>
+            <a:endParaRPr lang="en-US" sz="2400" dirty="0">
+              <a:solidFill>
+                <a:schemeClr val="accent1">
+                  <a:lumMod val="75000"/>
+                </a:schemeClr>
+              </a:solidFill>
+            </a:endParaRPr>
+          </a:p>
+          <a:p>
+            <a:r>
+              <a:rPr lang="en-US" sz="2400" dirty="0">
+                <a:solidFill>
+                  <a:schemeClr val="accent1">
+                    <a:lumMod val="75000"/>
+                  </a:schemeClr>
+                </a:solidFill>
+              </a:rPr>
+              <a:t>	| </a:t>
+            </a:r>
+            <a:r>
+              <a:rPr lang="en-US" sz="2400" dirty="0" err="1">
+                <a:solidFill>
+                  <a:schemeClr val="accent1">
+                    <a:lumMod val="75000"/>
+                  </a:schemeClr>
+                </a:solidFill>
+              </a:rPr>
+              <a:t>sunday</a:t>
+            </a:r>
+            <a:r>
+              <a:rPr lang="en-US" sz="2400" dirty="0">
+                <a:solidFill>
+                  <a:schemeClr val="accent1">
+                    <a:lumMod val="75000"/>
+                  </a:schemeClr>
+                </a:solidFill>
+              </a:rPr>
+              <a:t>.</a:t>
+            </a:r>
+          </a:p>
+        </p:txBody>
+      </p:sp>
+    </p:spTree>
+    <p:extLst>
+      <p:ext uri="{BB962C8B-B14F-4D97-AF65-F5344CB8AC3E}">
+        <p14:creationId xmlns:p14="http://schemas.microsoft.com/office/powerpoint/2010/main" val="236195017"/>
+      </p:ext>
+    </p:extLst>
+  </p:cSld>
+  <p:clrMapOvr>
+    <a:masterClrMapping/>
+  </p:clrMapOvr>
+</p:sld>
+</file>
+
+<file path=ppt/slides/slide18.xml><?xml version="1.0" encoding="utf-8"?>
+<p:sld xmlns:a="http://schemas.openxmlformats.org/drawingml/2006/main" xmlns:r="http://schemas.openxmlformats.org/officeDocument/2006/relationships" xmlns:p="http://schemas.openxmlformats.org/presentationml/2006/main">
+  <p:cSld>
+    <p:spTree>
+      <p:nvGrpSpPr>
+        <p:cNvPr id="1" name=""/>
+        <p:cNvGrpSpPr/>
+        <p:nvPr/>
+      </p:nvGrpSpPr>
+      <p:grpSpPr>
+        <a:xfrm>
+          <a:off x="0" y="0"/>
+          <a:ext cx="0" cy="0"/>
+          <a:chOff x="0" y="0"/>
+          <a:chExt cx="0" cy="0"/>
+        </a:xfrm>
+      </p:grpSpPr>
+      <p:sp>
+        <p:nvSpPr>
+          <p:cNvPr id="2" name="Titel 1">
+            <a:extLst>
+              <a:ext uri="{FF2B5EF4-FFF2-40B4-BE49-F238E27FC236}">
+                <a16:creationId xmlns:a16="http://schemas.microsoft.com/office/drawing/2014/main" id="{D89984BC-AC1B-422F-A5D0-159C7FA158A1}"/>
+              </a:ext>
+            </a:extLst>
+          </p:cNvPr>
+          <p:cNvSpPr>
+            <a:spLocks noGrp="1"/>
+          </p:cNvSpPr>
+          <p:nvPr>
+            <p:ph type="title"/>
+          </p:nvPr>
+        </p:nvSpPr>
+        <p:spPr/>
+        <p:txBody>
+          <a:bodyPr/>
+          <a:lstStyle/>
+          <a:p>
+            <a:r>
+              <a:rPr lang="de-DE" dirty="0"/>
+              <a:t>Coq Basics: Rekursive Funktion</a:t>
+            </a:r>
+            <a:endParaRPr lang="en-US" dirty="0"/>
+          </a:p>
+        </p:txBody>
+      </p:sp>
+      <p:sp>
+        <p:nvSpPr>
+          <p:cNvPr id="3" name="Inhaltsplatzhalter 2">
+            <a:extLst>
+              <a:ext uri="{FF2B5EF4-FFF2-40B4-BE49-F238E27FC236}">
+                <a16:creationId xmlns:a16="http://schemas.microsoft.com/office/drawing/2014/main" id="{9F54BA48-13BB-474F-869A-BFC365DB3C8A}"/>
+              </a:ext>
+            </a:extLst>
+          </p:cNvPr>
+          <p:cNvSpPr>
+            <a:spLocks noGrp="1"/>
+          </p:cNvSpPr>
+          <p:nvPr>
+            <p:ph idx="1"/>
+          </p:nvPr>
+        </p:nvSpPr>
+        <p:spPr>
+          <a:xfrm>
+            <a:off x="1484311" y="3733799"/>
+            <a:ext cx="4863224" cy="3124201"/>
+          </a:xfrm>
+        </p:spPr>
+        <p:txBody>
+          <a:bodyPr/>
+          <a:lstStyle/>
+          <a:p>
+            <a:pPr marL="0" indent="0">
+              <a:buNone/>
+            </a:pPr>
+            <a:r>
+              <a:rPr lang="en-US" dirty="0">
+                <a:solidFill>
+                  <a:schemeClr val="accent1">
+                    <a:lumMod val="75000"/>
+                  </a:schemeClr>
+                </a:solidFill>
+              </a:rPr>
+              <a:t>Fixpoint plus (n : </a:t>
+            </a:r>
+            <a:r>
+              <a:rPr lang="en-US" dirty="0" err="1">
+                <a:solidFill>
+                  <a:schemeClr val="accent1">
+                    <a:lumMod val="75000"/>
+                  </a:schemeClr>
+                </a:solidFill>
+              </a:rPr>
+              <a:t>nat</a:t>
+            </a:r>
+            <a:r>
+              <a:rPr lang="en-US" dirty="0">
+                <a:solidFill>
+                  <a:schemeClr val="accent1">
+                    <a:lumMod val="75000"/>
+                  </a:schemeClr>
+                </a:solidFill>
+              </a:rPr>
+              <a:t>) (m : </a:t>
+            </a:r>
+            <a:r>
+              <a:rPr lang="en-US" dirty="0" err="1">
+                <a:solidFill>
+                  <a:schemeClr val="accent1">
+                    <a:lumMod val="75000"/>
+                  </a:schemeClr>
+                </a:solidFill>
+              </a:rPr>
+              <a:t>nat</a:t>
+            </a:r>
+            <a:r>
+              <a:rPr lang="en-US" dirty="0">
+                <a:solidFill>
+                  <a:schemeClr val="accent1">
+                    <a:lumMod val="75000"/>
+                  </a:schemeClr>
+                </a:solidFill>
+              </a:rPr>
+              <a:t>) : </a:t>
+            </a:r>
+            <a:r>
+              <a:rPr lang="en-US" dirty="0" err="1">
+                <a:solidFill>
+                  <a:schemeClr val="accent1">
+                    <a:lumMod val="75000"/>
+                  </a:schemeClr>
+                </a:solidFill>
+              </a:rPr>
+              <a:t>nat</a:t>
+            </a:r>
+            <a:r>
+              <a:rPr lang="en-US" dirty="0">
+                <a:solidFill>
+                  <a:schemeClr val="accent1">
+                    <a:lumMod val="75000"/>
+                  </a:schemeClr>
+                </a:solidFill>
+              </a:rPr>
+              <a:t> :=</a:t>
+            </a:r>
+          </a:p>
+          <a:p>
+            <a:pPr marL="0" indent="0">
+              <a:buNone/>
+            </a:pPr>
+            <a:r>
+              <a:rPr lang="en-US" dirty="0">
+                <a:solidFill>
+                  <a:schemeClr val="accent1">
+                    <a:lumMod val="75000"/>
+                  </a:schemeClr>
+                </a:solidFill>
+              </a:rPr>
+              <a:t>match n with</a:t>
+            </a:r>
+          </a:p>
+          <a:p>
+            <a:pPr marL="0" indent="0">
+              <a:buNone/>
+            </a:pPr>
+            <a:r>
+              <a:rPr lang="en-US" dirty="0">
+                <a:solidFill>
+                  <a:schemeClr val="accent1">
+                    <a:lumMod val="75000"/>
+                  </a:schemeClr>
+                </a:solidFill>
+              </a:rPr>
+              <a:t>	| O =&gt; m</a:t>
+            </a:r>
+          </a:p>
+          <a:p>
+            <a:pPr marL="0" indent="0">
+              <a:buNone/>
+            </a:pPr>
+            <a:r>
+              <a:rPr lang="en-US" dirty="0">
+                <a:solidFill>
+                  <a:schemeClr val="accent1">
+                    <a:lumMod val="75000"/>
+                  </a:schemeClr>
+                </a:solidFill>
+              </a:rPr>
+              <a:t>	| S n' =&gt; S (plus n' m)</a:t>
+            </a:r>
+          </a:p>
+        </p:txBody>
+      </p:sp>
+      <p:sp>
+        <p:nvSpPr>
+          <p:cNvPr id="4" name="Datumsplatzhalter 3">
+            <a:extLst>
+              <a:ext uri="{FF2B5EF4-FFF2-40B4-BE49-F238E27FC236}">
+                <a16:creationId xmlns:a16="http://schemas.microsoft.com/office/drawing/2014/main" id="{99B7E53F-EA43-4D13-9D0B-129F9186262A}"/>
+              </a:ext>
+            </a:extLst>
+          </p:cNvPr>
+          <p:cNvSpPr>
+            <a:spLocks noGrp="1"/>
+          </p:cNvSpPr>
+          <p:nvPr>
+            <p:ph type="dt" sz="half" idx="10"/>
+          </p:nvPr>
+        </p:nvSpPr>
+        <p:spPr/>
+        <p:txBody>
+          <a:bodyPr/>
+          <a:lstStyle/>
+          <a:p>
+            <a:r>
+              <a:rPr lang="de-DE"/>
+              <a:t>21/01/2020</a:t>
+            </a:r>
+            <a:endParaRPr lang="en-US"/>
+          </a:p>
+        </p:txBody>
+      </p:sp>
+      <p:sp>
+        <p:nvSpPr>
+          <p:cNvPr id="5" name="Rechteck 4">
+            <a:extLst>
+              <a:ext uri="{FF2B5EF4-FFF2-40B4-BE49-F238E27FC236}">
+                <a16:creationId xmlns:a16="http://schemas.microsoft.com/office/drawing/2014/main" id="{1FDC22A5-5DC0-4873-B1B4-1D842840D0E9}"/>
+              </a:ext>
+            </a:extLst>
+          </p:cNvPr>
+          <p:cNvSpPr/>
+          <p:nvPr/>
+        </p:nvSpPr>
+        <p:spPr>
+          <a:xfrm>
+            <a:off x="6604757" y="2386548"/>
+            <a:ext cx="6096000" cy="3785652"/>
+          </a:xfrm>
+          <a:prstGeom prst="rect">
+            <a:avLst/>
+          </a:prstGeom>
+        </p:spPr>
+        <p:txBody>
+          <a:bodyPr>
+            <a:spAutoFit/>
+          </a:bodyPr>
+          <a:lstStyle/>
+          <a:p>
+            <a:r>
+              <a:rPr lang="en-US" sz="2000" dirty="0">
+                <a:solidFill>
+                  <a:schemeClr val="accent1">
+                    <a:lumMod val="75000"/>
+                  </a:schemeClr>
+                </a:solidFill>
+              </a:rPr>
+              <a:t>Compute (plus 3 2).</a:t>
+            </a:r>
+          </a:p>
+          <a:p>
+            <a:endParaRPr lang="en-US" sz="2000" dirty="0"/>
+          </a:p>
+          <a:p>
+            <a:r>
+              <a:rPr lang="en-US" sz="2000" dirty="0"/>
+              <a:t>(*  plus (S (S (S O))) (S (S O))</a:t>
+            </a:r>
+          </a:p>
+          <a:p>
+            <a:r>
+              <a:rPr lang="en-US" sz="2000" dirty="0"/>
+              <a:t>	==&gt; S (plus (S (S O)) (S (S O)))</a:t>
+            </a:r>
+          </a:p>
+          <a:p>
+            <a:r>
+              <a:rPr lang="en-US" sz="2000" dirty="0"/>
+              <a:t>by the second clause of the match</a:t>
+            </a:r>
+          </a:p>
+          <a:p>
+            <a:r>
+              <a:rPr lang="en-US" sz="2000" dirty="0"/>
+              <a:t>	==&gt; S (S (plus (S O) (S (S O))))</a:t>
+            </a:r>
+          </a:p>
+          <a:p>
+            <a:r>
+              <a:rPr lang="en-US" sz="2000" dirty="0"/>
+              <a:t>by the second clause of the match</a:t>
+            </a:r>
+          </a:p>
+          <a:p>
+            <a:r>
+              <a:rPr lang="en-US" sz="2000" dirty="0"/>
+              <a:t>	==&gt; S (S (S (plus O (S (S O)))))</a:t>
+            </a:r>
+          </a:p>
+          <a:p>
+            <a:r>
+              <a:rPr lang="en-US" sz="2000" dirty="0"/>
+              <a:t>by the second clause of the match</a:t>
+            </a:r>
+          </a:p>
+          <a:p>
+            <a:r>
+              <a:rPr lang="en-US" sz="2000" dirty="0"/>
+              <a:t>	==&gt; S (S (S (S (S O))))</a:t>
+            </a:r>
+          </a:p>
+          <a:p>
+            <a:r>
+              <a:rPr lang="en-US" sz="2000" dirty="0"/>
+              <a:t>by the first clause of the match</a:t>
+            </a:r>
+          </a:p>
+          <a:p>
+            <a:r>
+              <a:rPr lang="en-US" sz="2000" dirty="0"/>
+              <a:t>*)</a:t>
+            </a:r>
+          </a:p>
+        </p:txBody>
+      </p:sp>
+      <p:sp>
+        <p:nvSpPr>
+          <p:cNvPr id="6" name="Rechteck 5">
+            <a:extLst>
+              <a:ext uri="{FF2B5EF4-FFF2-40B4-BE49-F238E27FC236}">
+                <a16:creationId xmlns:a16="http://schemas.microsoft.com/office/drawing/2014/main" id="{B406F1B8-2253-43ED-B625-421297A7BEDC}"/>
+              </a:ext>
+            </a:extLst>
+          </p:cNvPr>
+          <p:cNvSpPr/>
+          <p:nvPr/>
+        </p:nvSpPr>
+        <p:spPr>
+          <a:xfrm>
+            <a:off x="1484311" y="2326053"/>
+            <a:ext cx="6096000" cy="1938992"/>
+          </a:xfrm>
+          <a:prstGeom prst="rect">
+            <a:avLst/>
+          </a:prstGeom>
+        </p:spPr>
+        <p:txBody>
+          <a:bodyPr>
+            <a:spAutoFit/>
+          </a:bodyPr>
+          <a:lstStyle/>
+          <a:p>
+            <a:r>
+              <a:rPr lang="en-US" sz="2400" dirty="0">
+                <a:solidFill>
+                  <a:schemeClr val="accent1">
+                    <a:lumMod val="75000"/>
+                  </a:schemeClr>
+                </a:solidFill>
+              </a:rPr>
+              <a:t>Definition </a:t>
+            </a:r>
+            <a:r>
+              <a:rPr lang="en-US" sz="2400" dirty="0" err="1">
+                <a:solidFill>
+                  <a:schemeClr val="accent1">
+                    <a:lumMod val="75000"/>
+                  </a:schemeClr>
+                </a:solidFill>
+              </a:rPr>
+              <a:t>pred</a:t>
+            </a:r>
+            <a:r>
+              <a:rPr lang="en-US" sz="2400" dirty="0">
+                <a:solidFill>
+                  <a:schemeClr val="accent1">
+                    <a:lumMod val="75000"/>
+                  </a:schemeClr>
+                </a:solidFill>
+              </a:rPr>
+              <a:t> (n : </a:t>
+            </a:r>
+            <a:r>
+              <a:rPr lang="en-US" sz="2400" dirty="0" err="1">
+                <a:solidFill>
+                  <a:schemeClr val="accent1">
+                    <a:lumMod val="75000"/>
+                  </a:schemeClr>
+                </a:solidFill>
+              </a:rPr>
+              <a:t>nat</a:t>
+            </a:r>
+            <a:r>
+              <a:rPr lang="en-US" sz="2400" dirty="0">
+                <a:solidFill>
+                  <a:schemeClr val="accent1">
+                    <a:lumMod val="75000"/>
+                  </a:schemeClr>
+                </a:solidFill>
+              </a:rPr>
+              <a:t>) : </a:t>
+            </a:r>
+            <a:r>
+              <a:rPr lang="en-US" sz="2400" dirty="0" err="1">
+                <a:solidFill>
+                  <a:schemeClr val="accent1">
+                    <a:lumMod val="75000"/>
+                  </a:schemeClr>
+                </a:solidFill>
+              </a:rPr>
+              <a:t>nat</a:t>
+            </a:r>
+            <a:r>
+              <a:rPr lang="en-US" sz="2400" dirty="0">
+                <a:solidFill>
+                  <a:schemeClr val="accent1">
+                    <a:lumMod val="75000"/>
+                  </a:schemeClr>
+                </a:solidFill>
+              </a:rPr>
+              <a:t> :=</a:t>
+            </a:r>
+          </a:p>
+          <a:p>
+            <a:r>
+              <a:rPr lang="en-US" sz="2400" dirty="0">
+                <a:solidFill>
+                  <a:schemeClr val="accent1">
+                    <a:lumMod val="75000"/>
+                  </a:schemeClr>
+                </a:solidFill>
+              </a:rPr>
+              <a:t>match n with</a:t>
+            </a:r>
+          </a:p>
+          <a:p>
+            <a:r>
+              <a:rPr lang="en-US" sz="2400" dirty="0">
+                <a:solidFill>
+                  <a:schemeClr val="accent1">
+                    <a:lumMod val="75000"/>
+                  </a:schemeClr>
+                </a:solidFill>
+              </a:rPr>
+              <a:t>	| O =&gt; O</a:t>
+            </a:r>
+          </a:p>
+          <a:p>
+            <a:r>
+              <a:rPr lang="en-US" sz="2400" dirty="0">
+                <a:solidFill>
+                  <a:schemeClr val="accent1">
+                    <a:lumMod val="75000"/>
+                  </a:schemeClr>
+                </a:solidFill>
+              </a:rPr>
+              <a:t>	| S n' =&gt; n'</a:t>
+            </a:r>
+          </a:p>
+          <a:p>
+            <a:r>
+              <a:rPr lang="en-US" sz="2400" dirty="0">
+                <a:solidFill>
+                  <a:schemeClr val="accent1">
+                    <a:lumMod val="75000"/>
+                  </a:schemeClr>
+                </a:solidFill>
+              </a:rPr>
+              <a:t>end.</a:t>
+            </a:r>
+          </a:p>
+        </p:txBody>
+      </p:sp>
+    </p:spTree>
+    <p:extLst>
+      <p:ext uri="{BB962C8B-B14F-4D97-AF65-F5344CB8AC3E}">
+        <p14:creationId xmlns:p14="http://schemas.microsoft.com/office/powerpoint/2010/main" val="855517724"/>
+      </p:ext>
+    </p:extLst>
+  </p:cSld>
+  <p:clrMapOvr>
+    <a:masterClrMapping/>
+  </p:clrMapOvr>
+</p:sld>
+</file>
+
+<file path=ppt/slides/slide19.xml><?xml version="1.0" encoding="utf-8"?>
+<p:sld xmlns:a="http://schemas.openxmlformats.org/drawingml/2006/main" xmlns:r="http://schemas.openxmlformats.org/officeDocument/2006/relationships" xmlns:p="http://schemas.openxmlformats.org/presentationml/2006/main">
+  <p:cSld>
+    <p:spTree>
+      <p:nvGrpSpPr>
+        <p:cNvPr id="1" name=""/>
+        <p:cNvGrpSpPr/>
+        <p:nvPr/>
+      </p:nvGrpSpPr>
+      <p:grpSpPr>
+        <a:xfrm>
+          <a:off x="0" y="0"/>
+          <a:ext cx="0" cy="0"/>
+          <a:chOff x="0" y="0"/>
+          <a:chExt cx="0" cy="0"/>
+        </a:xfrm>
+      </p:grpSpPr>
+      <p:sp>
+        <p:nvSpPr>
+          <p:cNvPr id="2" name="Titel 1">
+            <a:extLst>
+              <a:ext uri="{FF2B5EF4-FFF2-40B4-BE49-F238E27FC236}">
+                <a16:creationId xmlns:a16="http://schemas.microsoft.com/office/drawing/2014/main" id="{D89984BC-AC1B-422F-A5D0-159C7FA158A1}"/>
+              </a:ext>
+            </a:extLst>
+          </p:cNvPr>
+          <p:cNvSpPr>
+            <a:spLocks noGrp="1"/>
+          </p:cNvSpPr>
+          <p:nvPr>
+            <p:ph type="title"/>
+          </p:nvPr>
+        </p:nvSpPr>
+        <p:spPr/>
+        <p:txBody>
+          <a:bodyPr/>
+          <a:lstStyle/>
+          <a:p>
+            <a:r>
+              <a:rPr lang="de-DE" dirty="0"/>
+              <a:t>Coq Basics: Beweis</a:t>
+            </a:r>
+            <a:endParaRPr lang="en-US" dirty="0"/>
+          </a:p>
+        </p:txBody>
+      </p:sp>
+      <p:sp>
+        <p:nvSpPr>
+          <p:cNvPr id="3" name="Inhaltsplatzhalter 2">
+            <a:extLst>
+              <a:ext uri="{FF2B5EF4-FFF2-40B4-BE49-F238E27FC236}">
+                <a16:creationId xmlns:a16="http://schemas.microsoft.com/office/drawing/2014/main" id="{9F54BA48-13BB-474F-869A-BFC365DB3C8A}"/>
+              </a:ext>
+            </a:extLst>
+          </p:cNvPr>
+          <p:cNvSpPr>
+            <a:spLocks noGrp="1"/>
+          </p:cNvSpPr>
+          <p:nvPr>
+            <p:ph idx="1"/>
+          </p:nvPr>
+        </p:nvSpPr>
+        <p:spPr/>
+        <p:txBody>
+          <a:bodyPr>
+            <a:normAutofit/>
+          </a:bodyPr>
+          <a:lstStyle/>
+          <a:p>
+            <a:pPr marL="0" indent="0">
+              <a:buNone/>
+            </a:pPr>
+            <a:r>
+              <a:rPr lang="de-DE" sz="3600" dirty="0">
+                <a:solidFill>
+                  <a:schemeClr val="accent4"/>
+                </a:solidFill>
+              </a:rPr>
+              <a:t>Live Demo:</a:t>
+            </a:r>
+          </a:p>
+          <a:p>
+            <a:pPr lvl="1"/>
+            <a:r>
+              <a:rPr lang="pt-BR" dirty="0">
+                <a:solidFill>
+                  <a:schemeClr val="accent1">
+                    <a:lumMod val="75000"/>
+                  </a:schemeClr>
+                </a:solidFill>
+              </a:rPr>
+              <a:t>Theorem plus_1_l : forall n:nat, 1 + n = S n.</a:t>
+            </a:r>
+          </a:p>
+          <a:p>
+            <a:pPr lvl="1"/>
+            <a:endParaRPr lang="pt-BR" sz="3200" dirty="0">
+              <a:solidFill>
+                <a:schemeClr val="accent1">
+                  <a:lumMod val="75000"/>
+                </a:schemeClr>
+              </a:solidFill>
+            </a:endParaRPr>
+          </a:p>
+          <a:p>
+            <a:pPr lvl="1"/>
+            <a:r>
+              <a:rPr lang="pt-BR" dirty="0">
+                <a:solidFill>
+                  <a:schemeClr val="accent1">
+                    <a:lumMod val="75000"/>
+                  </a:schemeClr>
+                </a:solidFill>
+              </a:rPr>
+              <a:t>Theorem plus_n_O : forall n:nat, n = n + 0.</a:t>
+            </a:r>
+            <a:endParaRPr lang="en-US" sz="3200" dirty="0">
+              <a:solidFill>
+                <a:schemeClr val="accent1">
+                  <a:lumMod val="75000"/>
+                </a:schemeClr>
+              </a:solidFill>
+            </a:endParaRPr>
+          </a:p>
+        </p:txBody>
+      </p:sp>
+      <p:sp>
+        <p:nvSpPr>
+          <p:cNvPr id="4" name="Datumsplatzhalter 3">
+            <a:extLst>
+              <a:ext uri="{FF2B5EF4-FFF2-40B4-BE49-F238E27FC236}">
+                <a16:creationId xmlns:a16="http://schemas.microsoft.com/office/drawing/2014/main" id="{99B7E53F-EA43-4D13-9D0B-129F9186262A}"/>
+              </a:ext>
+            </a:extLst>
+          </p:cNvPr>
+          <p:cNvSpPr>
+            <a:spLocks noGrp="1"/>
+          </p:cNvSpPr>
+          <p:nvPr>
+            <p:ph type="dt" sz="half" idx="10"/>
+          </p:nvPr>
+        </p:nvSpPr>
+        <p:spPr/>
+        <p:txBody>
+          <a:bodyPr/>
+          <a:lstStyle/>
+          <a:p>
+            <a:r>
+              <a:rPr lang="de-DE"/>
+              <a:t>21/01/2020</a:t>
+            </a:r>
+            <a:endParaRPr lang="en-US"/>
+          </a:p>
+        </p:txBody>
+      </p:sp>
+    </p:spTree>
+    <p:extLst>
+      <p:ext uri="{BB962C8B-B14F-4D97-AF65-F5344CB8AC3E}">
+        <p14:creationId xmlns:p14="http://schemas.microsoft.com/office/powerpoint/2010/main" val="3484407155"/>
       </p:ext>
     </p:extLst>
   </p:cSld>
@@ -7646,6 +10676,2342 @@
     <p:extLst>
       <p:ext uri="{BB962C8B-B14F-4D97-AF65-F5344CB8AC3E}">
         <p14:creationId xmlns:p14="http://schemas.microsoft.com/office/powerpoint/2010/main" val="2916342946"/>
+      </p:ext>
+    </p:extLst>
+  </p:cSld>
+  <p:clrMapOvr>
+    <a:masterClrMapping/>
+  </p:clrMapOvr>
+</p:sld>
+</file>
+
+<file path=ppt/slides/slide20.xml><?xml version="1.0" encoding="utf-8"?>
+<p:sld xmlns:a="http://schemas.openxmlformats.org/drawingml/2006/main" xmlns:r="http://schemas.openxmlformats.org/officeDocument/2006/relationships" xmlns:p="http://schemas.openxmlformats.org/presentationml/2006/main">
+  <p:cSld>
+    <p:spTree>
+      <p:nvGrpSpPr>
+        <p:cNvPr id="1" name=""/>
+        <p:cNvGrpSpPr/>
+        <p:nvPr/>
+      </p:nvGrpSpPr>
+      <p:grpSpPr>
+        <a:xfrm>
+          <a:off x="0" y="0"/>
+          <a:ext cx="0" cy="0"/>
+          <a:chOff x="0" y="0"/>
+          <a:chExt cx="0" cy="0"/>
+        </a:xfrm>
+      </p:grpSpPr>
+      <p:sp>
+        <p:nvSpPr>
+          <p:cNvPr id="2" name="Titel 1">
+            <a:extLst>
+              <a:ext uri="{FF2B5EF4-FFF2-40B4-BE49-F238E27FC236}">
+                <a16:creationId xmlns:a16="http://schemas.microsoft.com/office/drawing/2014/main" id="{D89984BC-AC1B-422F-A5D0-159C7FA158A1}"/>
+              </a:ext>
+            </a:extLst>
+          </p:cNvPr>
+          <p:cNvSpPr>
+            <a:spLocks noGrp="1"/>
+          </p:cNvSpPr>
+          <p:nvPr>
+            <p:ph type="title"/>
+          </p:nvPr>
+        </p:nvSpPr>
+        <p:spPr/>
+        <p:txBody>
+          <a:bodyPr/>
+          <a:lstStyle/>
+          <a:p>
+            <a:r>
+              <a:rPr lang="de-DE" dirty="0"/>
+              <a:t>Coq Proof zu Programmcode</a:t>
+            </a:r>
+            <a:endParaRPr lang="en-US" dirty="0"/>
+          </a:p>
+        </p:txBody>
+      </p:sp>
+      <p:sp>
+        <p:nvSpPr>
+          <p:cNvPr id="3" name="Inhaltsplatzhalter 2">
+            <a:extLst>
+              <a:ext uri="{FF2B5EF4-FFF2-40B4-BE49-F238E27FC236}">
+                <a16:creationId xmlns:a16="http://schemas.microsoft.com/office/drawing/2014/main" id="{9F54BA48-13BB-474F-869A-BFC365DB3C8A}"/>
+              </a:ext>
+            </a:extLst>
+          </p:cNvPr>
+          <p:cNvSpPr>
+            <a:spLocks noGrp="1"/>
+          </p:cNvSpPr>
+          <p:nvPr>
+            <p:ph idx="1"/>
+          </p:nvPr>
+        </p:nvSpPr>
+        <p:spPr/>
+        <p:txBody>
+          <a:bodyPr>
+            <a:normAutofit/>
+          </a:bodyPr>
+          <a:lstStyle/>
+          <a:p>
+            <a:r>
+              <a:rPr lang="de-DE" dirty="0">
+                <a:solidFill>
+                  <a:schemeClr val="accent1"/>
+                </a:solidFill>
+              </a:rPr>
+              <a:t>Type Pair </a:t>
+            </a:r>
+            <a:r>
+              <a:rPr lang="de-DE" dirty="0"/>
+              <a:t>mit </a:t>
+            </a:r>
+            <a:r>
+              <a:rPr lang="de-DE" dirty="0" err="1">
+                <a:solidFill>
+                  <a:schemeClr val="accent1"/>
+                </a:solidFill>
+              </a:rPr>
+              <a:t>fst</a:t>
+            </a:r>
+            <a:r>
+              <a:rPr lang="de-DE" dirty="0"/>
+              <a:t> und </a:t>
+            </a:r>
+            <a:r>
+              <a:rPr lang="de-DE" dirty="0" err="1">
+                <a:solidFill>
+                  <a:schemeClr val="accent1"/>
+                </a:solidFill>
+              </a:rPr>
+              <a:t>snd</a:t>
+            </a:r>
+            <a:r>
+              <a:rPr lang="de-DE" dirty="0"/>
+              <a:t> Funktion</a:t>
+            </a:r>
+            <a:endParaRPr lang="en-US" dirty="0"/>
+          </a:p>
+        </p:txBody>
+      </p:sp>
+      <p:sp>
+        <p:nvSpPr>
+          <p:cNvPr id="4" name="Datumsplatzhalter 3">
+            <a:extLst>
+              <a:ext uri="{FF2B5EF4-FFF2-40B4-BE49-F238E27FC236}">
+                <a16:creationId xmlns:a16="http://schemas.microsoft.com/office/drawing/2014/main" id="{99B7E53F-EA43-4D13-9D0B-129F9186262A}"/>
+              </a:ext>
+            </a:extLst>
+          </p:cNvPr>
+          <p:cNvSpPr>
+            <a:spLocks noGrp="1"/>
+          </p:cNvSpPr>
+          <p:nvPr>
+            <p:ph type="dt" sz="half" idx="10"/>
+          </p:nvPr>
+        </p:nvSpPr>
+        <p:spPr/>
+        <p:txBody>
+          <a:bodyPr/>
+          <a:lstStyle/>
+          <a:p>
+            <a:r>
+              <a:rPr lang="de-DE"/>
+              <a:t>21/01/2020</a:t>
+            </a:r>
+            <a:endParaRPr lang="en-US"/>
+          </a:p>
+        </p:txBody>
+      </p:sp>
+    </p:spTree>
+    <p:extLst>
+      <p:ext uri="{BB962C8B-B14F-4D97-AF65-F5344CB8AC3E}">
+        <p14:creationId xmlns:p14="http://schemas.microsoft.com/office/powerpoint/2010/main" val="2793548821"/>
+      </p:ext>
+    </p:extLst>
+  </p:cSld>
+  <p:clrMapOvr>
+    <a:masterClrMapping/>
+  </p:clrMapOvr>
+</p:sld>
+</file>
+
+<file path=ppt/slides/slide21.xml><?xml version="1.0" encoding="utf-8"?>
+<p:sld xmlns:a="http://schemas.openxmlformats.org/drawingml/2006/main" xmlns:r="http://schemas.openxmlformats.org/officeDocument/2006/relationships" xmlns:p="http://schemas.openxmlformats.org/presentationml/2006/main">
+  <p:cSld>
+    <p:spTree>
+      <p:nvGrpSpPr>
+        <p:cNvPr id="1" name=""/>
+        <p:cNvGrpSpPr/>
+        <p:nvPr/>
+      </p:nvGrpSpPr>
+      <p:grpSpPr>
+        <a:xfrm>
+          <a:off x="0" y="0"/>
+          <a:ext cx="0" cy="0"/>
+          <a:chOff x="0" y="0"/>
+          <a:chExt cx="0" cy="0"/>
+        </a:xfrm>
+      </p:grpSpPr>
+      <p:sp>
+        <p:nvSpPr>
+          <p:cNvPr id="2" name="Titel 1">
+            <a:extLst>
+              <a:ext uri="{FF2B5EF4-FFF2-40B4-BE49-F238E27FC236}">
+                <a16:creationId xmlns:a16="http://schemas.microsoft.com/office/drawing/2014/main" id="{D89984BC-AC1B-422F-A5D0-159C7FA158A1}"/>
+              </a:ext>
+            </a:extLst>
+          </p:cNvPr>
+          <p:cNvSpPr>
+            <a:spLocks noGrp="1"/>
+          </p:cNvSpPr>
+          <p:nvPr>
+            <p:ph type="title"/>
+          </p:nvPr>
+        </p:nvSpPr>
+        <p:spPr/>
+        <p:txBody>
+          <a:bodyPr/>
+          <a:lstStyle/>
+          <a:p>
+            <a:r>
+              <a:rPr lang="de-DE" dirty="0"/>
+              <a:t>Coq Proof zu Programmcode: Die Funktionen</a:t>
+            </a:r>
+            <a:endParaRPr lang="en-US" dirty="0"/>
+          </a:p>
+        </p:txBody>
+      </p:sp>
+      <p:sp>
+        <p:nvSpPr>
+          <p:cNvPr id="3" name="Inhaltsplatzhalter 2">
+            <a:extLst>
+              <a:ext uri="{FF2B5EF4-FFF2-40B4-BE49-F238E27FC236}">
+                <a16:creationId xmlns:a16="http://schemas.microsoft.com/office/drawing/2014/main" id="{9F54BA48-13BB-474F-869A-BFC365DB3C8A}"/>
+              </a:ext>
+            </a:extLst>
+          </p:cNvPr>
+          <p:cNvSpPr>
+            <a:spLocks noGrp="1"/>
+          </p:cNvSpPr>
+          <p:nvPr>
+            <p:ph idx="1"/>
+          </p:nvPr>
+        </p:nvSpPr>
+        <p:spPr>
+          <a:xfrm>
+            <a:off x="1484310" y="2666999"/>
+            <a:ext cx="3664739" cy="3124201"/>
+          </a:xfrm>
+        </p:spPr>
+        <p:txBody>
+          <a:bodyPr>
+            <a:noAutofit/>
+          </a:bodyPr>
+          <a:lstStyle/>
+          <a:p>
+            <a:pPr marL="0" indent="0">
+              <a:buNone/>
+            </a:pPr>
+            <a:r>
+              <a:rPr lang="en-US" dirty="0">
+                <a:solidFill>
+                  <a:schemeClr val="accent1">
+                    <a:lumMod val="75000"/>
+                  </a:schemeClr>
+                </a:solidFill>
+              </a:rPr>
+              <a:t>Inductive </a:t>
+            </a:r>
+            <a:r>
+              <a:rPr lang="en-US" dirty="0" err="1">
+                <a:solidFill>
+                  <a:schemeClr val="accent1">
+                    <a:lumMod val="75000"/>
+                  </a:schemeClr>
+                </a:solidFill>
+              </a:rPr>
+              <a:t>natprod</a:t>
+            </a:r>
+            <a:r>
+              <a:rPr lang="en-US" dirty="0">
+                <a:solidFill>
+                  <a:schemeClr val="accent1">
+                    <a:lumMod val="75000"/>
+                  </a:schemeClr>
+                </a:solidFill>
+              </a:rPr>
+              <a:t> : Type :=</a:t>
+            </a:r>
+          </a:p>
+          <a:p>
+            <a:pPr marL="0" indent="0">
+              <a:buNone/>
+            </a:pPr>
+            <a:r>
+              <a:rPr lang="en-US" dirty="0">
+                <a:solidFill>
+                  <a:schemeClr val="accent1">
+                    <a:lumMod val="75000"/>
+                  </a:schemeClr>
+                </a:solidFill>
+              </a:rPr>
+              <a:t>	| pair (n1 n2 : </a:t>
+            </a:r>
+            <a:r>
+              <a:rPr lang="en-US" dirty="0" err="1">
+                <a:solidFill>
+                  <a:schemeClr val="accent1">
+                    <a:lumMod val="75000"/>
+                  </a:schemeClr>
+                </a:solidFill>
+              </a:rPr>
+              <a:t>nat</a:t>
+            </a:r>
+            <a:r>
+              <a:rPr lang="en-US" dirty="0">
+                <a:solidFill>
+                  <a:schemeClr val="accent1">
+                    <a:lumMod val="75000"/>
+                  </a:schemeClr>
+                </a:solidFill>
+              </a:rPr>
+              <a:t>).</a:t>
+            </a:r>
+          </a:p>
+          <a:p>
+            <a:pPr marL="0" indent="0">
+              <a:buNone/>
+            </a:pPr>
+            <a:endParaRPr lang="en-US" dirty="0"/>
+          </a:p>
+          <a:p>
+            <a:pPr marL="0" indent="0">
+              <a:buNone/>
+            </a:pPr>
+            <a:endParaRPr lang="en-US" dirty="0"/>
+          </a:p>
+          <a:p>
+            <a:pPr marL="0" indent="0">
+              <a:buNone/>
+            </a:pPr>
+            <a:endParaRPr lang="en-US" dirty="0"/>
+          </a:p>
+        </p:txBody>
+      </p:sp>
+      <p:sp>
+        <p:nvSpPr>
+          <p:cNvPr id="4" name="Datumsplatzhalter 3">
+            <a:extLst>
+              <a:ext uri="{FF2B5EF4-FFF2-40B4-BE49-F238E27FC236}">
+                <a16:creationId xmlns:a16="http://schemas.microsoft.com/office/drawing/2014/main" id="{99B7E53F-EA43-4D13-9D0B-129F9186262A}"/>
+              </a:ext>
+            </a:extLst>
+          </p:cNvPr>
+          <p:cNvSpPr>
+            <a:spLocks noGrp="1"/>
+          </p:cNvSpPr>
+          <p:nvPr>
+            <p:ph type="dt" sz="half" idx="10"/>
+          </p:nvPr>
+        </p:nvSpPr>
+        <p:spPr/>
+        <p:txBody>
+          <a:bodyPr/>
+          <a:lstStyle/>
+          <a:p>
+            <a:r>
+              <a:rPr lang="de-DE"/>
+              <a:t>21/01/2020</a:t>
+            </a:r>
+            <a:endParaRPr lang="en-US"/>
+          </a:p>
+        </p:txBody>
+      </p:sp>
+      <p:sp>
+        <p:nvSpPr>
+          <p:cNvPr id="5" name="Rechteck 4">
+            <a:extLst>
+              <a:ext uri="{FF2B5EF4-FFF2-40B4-BE49-F238E27FC236}">
+                <a16:creationId xmlns:a16="http://schemas.microsoft.com/office/drawing/2014/main" id="{1ACBA1A5-26FB-4192-8532-609D47FA76F1}"/>
+              </a:ext>
+            </a:extLst>
+          </p:cNvPr>
+          <p:cNvSpPr/>
+          <p:nvPr/>
+        </p:nvSpPr>
+        <p:spPr>
+          <a:xfrm>
+            <a:off x="6333869" y="2849942"/>
+            <a:ext cx="4688524" cy="1569660"/>
+          </a:xfrm>
+          <a:prstGeom prst="rect">
+            <a:avLst/>
+          </a:prstGeom>
+        </p:spPr>
+        <p:txBody>
+          <a:bodyPr wrap="square">
+            <a:spAutoFit/>
+          </a:bodyPr>
+          <a:lstStyle/>
+          <a:p>
+            <a:r>
+              <a:rPr lang="en-US" sz="2400" dirty="0">
+                <a:solidFill>
+                  <a:schemeClr val="accent1">
+                    <a:lumMod val="75000"/>
+                  </a:schemeClr>
+                </a:solidFill>
+              </a:rPr>
+              <a:t>Definition </a:t>
+            </a:r>
+            <a:r>
+              <a:rPr lang="en-US" sz="2400" dirty="0" err="1">
+                <a:solidFill>
+                  <a:schemeClr val="accent1">
+                    <a:lumMod val="75000"/>
+                  </a:schemeClr>
+                </a:solidFill>
+              </a:rPr>
+              <a:t>snd</a:t>
+            </a:r>
+            <a:r>
+              <a:rPr lang="en-US" sz="2400" dirty="0">
+                <a:solidFill>
+                  <a:schemeClr val="accent1">
+                    <a:lumMod val="75000"/>
+                  </a:schemeClr>
+                </a:solidFill>
+              </a:rPr>
+              <a:t> (p : </a:t>
+            </a:r>
+            <a:r>
+              <a:rPr lang="en-US" sz="2400" dirty="0" err="1">
+                <a:solidFill>
+                  <a:schemeClr val="accent1">
+                    <a:lumMod val="75000"/>
+                  </a:schemeClr>
+                </a:solidFill>
+              </a:rPr>
+              <a:t>natprod</a:t>
+            </a:r>
+            <a:r>
+              <a:rPr lang="en-US" sz="2400" dirty="0">
+                <a:solidFill>
+                  <a:schemeClr val="accent1">
+                    <a:lumMod val="75000"/>
+                  </a:schemeClr>
+                </a:solidFill>
+              </a:rPr>
+              <a:t>) : </a:t>
+            </a:r>
+            <a:r>
+              <a:rPr lang="en-US" sz="2400" dirty="0" err="1">
+                <a:solidFill>
+                  <a:schemeClr val="accent1">
+                    <a:lumMod val="75000"/>
+                  </a:schemeClr>
+                </a:solidFill>
+              </a:rPr>
+              <a:t>nat</a:t>
+            </a:r>
+            <a:r>
+              <a:rPr lang="en-US" sz="2400" dirty="0">
+                <a:solidFill>
+                  <a:schemeClr val="accent1">
+                    <a:lumMod val="75000"/>
+                  </a:schemeClr>
+                </a:solidFill>
+              </a:rPr>
+              <a:t> :=</a:t>
+            </a:r>
+          </a:p>
+          <a:p>
+            <a:r>
+              <a:rPr lang="en-US" sz="2400" dirty="0">
+                <a:solidFill>
+                  <a:schemeClr val="accent1">
+                    <a:lumMod val="75000"/>
+                  </a:schemeClr>
+                </a:solidFill>
+              </a:rPr>
+              <a:t>match p with</a:t>
+            </a:r>
+          </a:p>
+          <a:p>
+            <a:r>
+              <a:rPr lang="en-US" sz="2400" dirty="0">
+                <a:solidFill>
+                  <a:schemeClr val="accent1">
+                    <a:lumMod val="75000"/>
+                  </a:schemeClr>
+                </a:solidFill>
+              </a:rPr>
+              <a:t>	| pair x y =&gt; y</a:t>
+            </a:r>
+          </a:p>
+          <a:p>
+            <a:r>
+              <a:rPr lang="en-US" sz="2400" dirty="0">
+                <a:solidFill>
+                  <a:schemeClr val="accent1">
+                    <a:lumMod val="75000"/>
+                  </a:schemeClr>
+                </a:solidFill>
+              </a:rPr>
+              <a:t>end.</a:t>
+            </a:r>
+          </a:p>
+        </p:txBody>
+      </p:sp>
+      <p:sp>
+        <p:nvSpPr>
+          <p:cNvPr id="6" name="Rechteck 5">
+            <a:extLst>
+              <a:ext uri="{FF2B5EF4-FFF2-40B4-BE49-F238E27FC236}">
+                <a16:creationId xmlns:a16="http://schemas.microsoft.com/office/drawing/2014/main" id="{36D16FA5-DBCB-4051-B683-5A3D3CEB854A}"/>
+              </a:ext>
+            </a:extLst>
+          </p:cNvPr>
+          <p:cNvSpPr/>
+          <p:nvPr/>
+        </p:nvSpPr>
+        <p:spPr>
+          <a:xfrm>
+            <a:off x="1484310" y="4109089"/>
+            <a:ext cx="4781824" cy="1569660"/>
+          </a:xfrm>
+          <a:prstGeom prst="rect">
+            <a:avLst/>
+          </a:prstGeom>
+        </p:spPr>
+        <p:txBody>
+          <a:bodyPr wrap="square">
+            <a:spAutoFit/>
+          </a:bodyPr>
+          <a:lstStyle/>
+          <a:p>
+            <a:r>
+              <a:rPr lang="en-US" sz="2400" dirty="0">
+                <a:solidFill>
+                  <a:schemeClr val="accent1">
+                    <a:lumMod val="75000"/>
+                  </a:schemeClr>
+                </a:solidFill>
+              </a:rPr>
+              <a:t>Definition </a:t>
+            </a:r>
+            <a:r>
+              <a:rPr lang="en-US" sz="2400" dirty="0" err="1">
+                <a:solidFill>
+                  <a:schemeClr val="accent1">
+                    <a:lumMod val="75000"/>
+                  </a:schemeClr>
+                </a:solidFill>
+              </a:rPr>
+              <a:t>fst</a:t>
+            </a:r>
+            <a:r>
+              <a:rPr lang="en-US" sz="2400" dirty="0">
+                <a:solidFill>
+                  <a:schemeClr val="accent1">
+                    <a:lumMod val="75000"/>
+                  </a:schemeClr>
+                </a:solidFill>
+              </a:rPr>
+              <a:t> (p : </a:t>
+            </a:r>
+            <a:r>
+              <a:rPr lang="en-US" sz="2400" dirty="0" err="1">
+                <a:solidFill>
+                  <a:schemeClr val="accent1">
+                    <a:lumMod val="75000"/>
+                  </a:schemeClr>
+                </a:solidFill>
+              </a:rPr>
+              <a:t>natprod</a:t>
+            </a:r>
+            <a:r>
+              <a:rPr lang="en-US" sz="2400" dirty="0">
+                <a:solidFill>
+                  <a:schemeClr val="accent1">
+                    <a:lumMod val="75000"/>
+                  </a:schemeClr>
+                </a:solidFill>
+              </a:rPr>
+              <a:t>) : </a:t>
+            </a:r>
+            <a:r>
+              <a:rPr lang="en-US" sz="2400" dirty="0" err="1">
+                <a:solidFill>
+                  <a:schemeClr val="accent1">
+                    <a:lumMod val="75000"/>
+                  </a:schemeClr>
+                </a:solidFill>
+              </a:rPr>
+              <a:t>nat</a:t>
+            </a:r>
+            <a:r>
+              <a:rPr lang="en-US" sz="2400" dirty="0">
+                <a:solidFill>
+                  <a:schemeClr val="accent1">
+                    <a:lumMod val="75000"/>
+                  </a:schemeClr>
+                </a:solidFill>
+              </a:rPr>
+              <a:t> :=</a:t>
+            </a:r>
+          </a:p>
+          <a:p>
+            <a:r>
+              <a:rPr lang="en-US" sz="2400" dirty="0">
+                <a:solidFill>
+                  <a:schemeClr val="accent1">
+                    <a:lumMod val="75000"/>
+                  </a:schemeClr>
+                </a:solidFill>
+              </a:rPr>
+              <a:t>match p with</a:t>
+            </a:r>
+          </a:p>
+          <a:p>
+            <a:r>
+              <a:rPr lang="en-US" sz="2400" dirty="0">
+                <a:solidFill>
+                  <a:schemeClr val="accent1">
+                    <a:lumMod val="75000"/>
+                  </a:schemeClr>
+                </a:solidFill>
+              </a:rPr>
+              <a:t>	| pair x y =&gt; x</a:t>
+            </a:r>
+          </a:p>
+          <a:p>
+            <a:r>
+              <a:rPr lang="en-US" sz="2400" dirty="0">
+                <a:solidFill>
+                  <a:schemeClr val="accent1">
+                    <a:lumMod val="75000"/>
+                  </a:schemeClr>
+                </a:solidFill>
+              </a:rPr>
+              <a:t>end.</a:t>
+            </a:r>
+          </a:p>
+        </p:txBody>
+      </p:sp>
+      <p:sp>
+        <p:nvSpPr>
+          <p:cNvPr id="7" name="Rechteck 6">
+            <a:extLst>
+              <a:ext uri="{FF2B5EF4-FFF2-40B4-BE49-F238E27FC236}">
+                <a16:creationId xmlns:a16="http://schemas.microsoft.com/office/drawing/2014/main" id="{5C9EA0C6-AC76-4D00-B64D-13E6F9B723B4}"/>
+              </a:ext>
+            </a:extLst>
+          </p:cNvPr>
+          <p:cNvSpPr/>
+          <p:nvPr/>
+        </p:nvSpPr>
+        <p:spPr>
+          <a:xfrm>
+            <a:off x="6333869" y="4366609"/>
+            <a:ext cx="4688524" cy="461665"/>
+          </a:xfrm>
+          <a:prstGeom prst="rect">
+            <a:avLst/>
+          </a:prstGeom>
+        </p:spPr>
+        <p:txBody>
+          <a:bodyPr wrap="square">
+            <a:spAutoFit/>
+          </a:bodyPr>
+          <a:lstStyle/>
+          <a:p>
+            <a:r>
+              <a:rPr lang="en-US" sz="2400" dirty="0"/>
+              <a:t>Definition … (</a:t>
+            </a:r>
+            <a:r>
+              <a:rPr lang="en-US" sz="2400" dirty="0" err="1"/>
+              <a:t>weitere</a:t>
+            </a:r>
+            <a:r>
+              <a:rPr lang="en-US" sz="2400" dirty="0"/>
+              <a:t> </a:t>
+            </a:r>
+            <a:r>
+              <a:rPr lang="en-US" sz="2400" dirty="0" err="1"/>
+              <a:t>Funktionen</a:t>
+            </a:r>
+            <a:r>
+              <a:rPr lang="en-US" sz="2400" dirty="0"/>
+              <a:t>)</a:t>
+            </a:r>
+          </a:p>
+        </p:txBody>
+      </p:sp>
+    </p:spTree>
+    <p:extLst>
+      <p:ext uri="{BB962C8B-B14F-4D97-AF65-F5344CB8AC3E}">
+        <p14:creationId xmlns:p14="http://schemas.microsoft.com/office/powerpoint/2010/main" val="3506902484"/>
+      </p:ext>
+    </p:extLst>
+  </p:cSld>
+  <p:clrMapOvr>
+    <a:masterClrMapping/>
+  </p:clrMapOvr>
+</p:sld>
+</file>
+
+<file path=ppt/slides/slide22.xml><?xml version="1.0" encoding="utf-8"?>
+<p:sld xmlns:a="http://schemas.openxmlformats.org/drawingml/2006/main" xmlns:r="http://schemas.openxmlformats.org/officeDocument/2006/relationships" xmlns:p="http://schemas.openxmlformats.org/presentationml/2006/main">
+  <p:cSld>
+    <p:spTree>
+      <p:nvGrpSpPr>
+        <p:cNvPr id="1" name=""/>
+        <p:cNvGrpSpPr/>
+        <p:nvPr/>
+      </p:nvGrpSpPr>
+      <p:grpSpPr>
+        <a:xfrm>
+          <a:off x="0" y="0"/>
+          <a:ext cx="0" cy="0"/>
+          <a:chOff x="0" y="0"/>
+          <a:chExt cx="0" cy="0"/>
+        </a:xfrm>
+      </p:grpSpPr>
+      <p:sp>
+        <p:nvSpPr>
+          <p:cNvPr id="2" name="Titel 1">
+            <a:extLst>
+              <a:ext uri="{FF2B5EF4-FFF2-40B4-BE49-F238E27FC236}">
+                <a16:creationId xmlns:a16="http://schemas.microsoft.com/office/drawing/2014/main" id="{D89984BC-AC1B-422F-A5D0-159C7FA158A1}"/>
+              </a:ext>
+            </a:extLst>
+          </p:cNvPr>
+          <p:cNvSpPr>
+            <a:spLocks noGrp="1"/>
+          </p:cNvSpPr>
+          <p:nvPr>
+            <p:ph type="title"/>
+          </p:nvPr>
+        </p:nvSpPr>
+        <p:spPr/>
+        <p:txBody>
+          <a:bodyPr/>
+          <a:lstStyle/>
+          <a:p>
+            <a:r>
+              <a:rPr lang="de-DE" dirty="0"/>
+              <a:t>Coq Proof zu Programmcode: Die Beweise</a:t>
+            </a:r>
+            <a:endParaRPr lang="en-US" dirty="0"/>
+          </a:p>
+        </p:txBody>
+      </p:sp>
+      <p:sp>
+        <p:nvSpPr>
+          <p:cNvPr id="3" name="Inhaltsplatzhalter 2">
+            <a:extLst>
+              <a:ext uri="{FF2B5EF4-FFF2-40B4-BE49-F238E27FC236}">
+                <a16:creationId xmlns:a16="http://schemas.microsoft.com/office/drawing/2014/main" id="{9F54BA48-13BB-474F-869A-BFC365DB3C8A}"/>
+              </a:ext>
+            </a:extLst>
+          </p:cNvPr>
+          <p:cNvSpPr>
+            <a:spLocks noGrp="1"/>
+          </p:cNvSpPr>
+          <p:nvPr>
+            <p:ph idx="1"/>
+          </p:nvPr>
+        </p:nvSpPr>
+        <p:spPr>
+          <a:xfrm>
+            <a:off x="1484310" y="2666999"/>
+            <a:ext cx="6629880" cy="4026764"/>
+          </a:xfrm>
+        </p:spPr>
+        <p:txBody>
+          <a:bodyPr>
+            <a:noAutofit/>
+          </a:bodyPr>
+          <a:lstStyle/>
+          <a:p>
+            <a:pPr marL="0" indent="0">
+              <a:buNone/>
+            </a:pPr>
+            <a:r>
+              <a:rPr lang="en-US" dirty="0">
+                <a:solidFill>
+                  <a:schemeClr val="accent1">
+                    <a:lumMod val="75000"/>
+                  </a:schemeClr>
+                </a:solidFill>
+              </a:rPr>
+              <a:t>Theorem </a:t>
+            </a:r>
+            <a:r>
+              <a:rPr lang="en-US" dirty="0" err="1">
+                <a:solidFill>
+                  <a:schemeClr val="accent1">
+                    <a:lumMod val="75000"/>
+                  </a:schemeClr>
+                </a:solidFill>
+              </a:rPr>
+              <a:t>surjective_pairing</a:t>
+            </a:r>
+            <a:r>
+              <a:rPr lang="en-US" dirty="0">
+                <a:solidFill>
+                  <a:schemeClr val="accent1">
+                    <a:lumMod val="75000"/>
+                  </a:schemeClr>
+                </a:solidFill>
+              </a:rPr>
+              <a:t>’ : </a:t>
+            </a:r>
+            <a:r>
+              <a:rPr lang="en-US" dirty="0" err="1">
+                <a:solidFill>
+                  <a:schemeClr val="accent1">
+                    <a:lumMod val="75000"/>
+                  </a:schemeClr>
+                </a:solidFill>
+              </a:rPr>
+              <a:t>forall</a:t>
+            </a:r>
+            <a:r>
+              <a:rPr lang="en-US" dirty="0">
+                <a:solidFill>
+                  <a:schemeClr val="accent1">
+                    <a:lumMod val="75000"/>
+                  </a:schemeClr>
+                </a:solidFill>
+              </a:rPr>
+              <a:t> (n m : </a:t>
+            </a:r>
+            <a:r>
+              <a:rPr lang="en-US" dirty="0" err="1">
+                <a:solidFill>
+                  <a:schemeClr val="accent1">
+                    <a:lumMod val="75000"/>
+                  </a:schemeClr>
+                </a:solidFill>
+              </a:rPr>
+              <a:t>nat</a:t>
+            </a:r>
+            <a:r>
+              <a:rPr lang="en-US" dirty="0">
+                <a:solidFill>
+                  <a:schemeClr val="accent1">
+                    <a:lumMod val="75000"/>
+                  </a:schemeClr>
+                </a:solidFill>
+              </a:rPr>
+              <a:t>),</a:t>
+            </a:r>
+          </a:p>
+          <a:p>
+            <a:pPr marL="0" indent="0">
+              <a:buNone/>
+            </a:pPr>
+            <a:r>
+              <a:rPr lang="pt-BR" dirty="0">
+                <a:solidFill>
+                  <a:schemeClr val="accent1">
+                    <a:lumMod val="75000"/>
+                  </a:schemeClr>
+                </a:solidFill>
+              </a:rPr>
+              <a:t>(n,m) = (fst (n,m), snd (n,m)).</a:t>
+            </a:r>
+          </a:p>
+          <a:p>
+            <a:pPr marL="0" indent="0">
+              <a:buNone/>
+            </a:pPr>
+            <a:r>
+              <a:rPr lang="en-US" dirty="0">
+                <a:solidFill>
+                  <a:schemeClr val="accent1">
+                    <a:lumMod val="75000"/>
+                  </a:schemeClr>
+                </a:solidFill>
+              </a:rPr>
+              <a:t>Proof.</a:t>
+            </a:r>
+          </a:p>
+          <a:p>
+            <a:pPr marL="0" indent="0">
+              <a:buNone/>
+            </a:pPr>
+            <a:r>
+              <a:rPr lang="en-US" dirty="0">
+                <a:solidFill>
+                  <a:schemeClr val="accent1">
+                    <a:lumMod val="75000"/>
+                  </a:schemeClr>
+                </a:solidFill>
+              </a:rPr>
+              <a:t>	</a:t>
+            </a:r>
+            <a:r>
+              <a:rPr lang="en-US" dirty="0" err="1">
+                <a:solidFill>
+                  <a:schemeClr val="accent1">
+                    <a:lumMod val="75000"/>
+                  </a:schemeClr>
+                </a:solidFill>
+              </a:rPr>
+              <a:t>simpl</a:t>
+            </a:r>
+            <a:r>
+              <a:rPr lang="en-US" dirty="0">
+                <a:solidFill>
+                  <a:schemeClr val="accent1">
+                    <a:lumMod val="75000"/>
+                  </a:schemeClr>
+                </a:solidFill>
+              </a:rPr>
+              <a:t>.</a:t>
+            </a:r>
+          </a:p>
+          <a:p>
+            <a:pPr marL="0" indent="0">
+              <a:buNone/>
+            </a:pPr>
+            <a:r>
+              <a:rPr lang="en-US" dirty="0">
+                <a:solidFill>
+                  <a:schemeClr val="accent1">
+                    <a:lumMod val="75000"/>
+                  </a:schemeClr>
+                </a:solidFill>
+              </a:rPr>
+              <a:t>	reflexivity.</a:t>
+            </a:r>
+          </a:p>
+          <a:p>
+            <a:pPr marL="0" indent="0">
+              <a:buNone/>
+            </a:pPr>
+            <a:r>
+              <a:rPr lang="en-US" dirty="0" err="1">
+                <a:solidFill>
+                  <a:schemeClr val="accent1">
+                    <a:lumMod val="75000"/>
+                  </a:schemeClr>
+                </a:solidFill>
+              </a:rPr>
+              <a:t>Qed</a:t>
+            </a:r>
+            <a:r>
+              <a:rPr lang="en-US" dirty="0">
+                <a:solidFill>
+                  <a:schemeClr val="accent1">
+                    <a:lumMod val="75000"/>
+                  </a:schemeClr>
+                </a:solidFill>
+              </a:rPr>
+              <a:t>.</a:t>
+            </a:r>
+          </a:p>
+          <a:p>
+            <a:pPr marL="0" indent="0">
+              <a:buNone/>
+            </a:pPr>
+            <a:endParaRPr lang="en-US" dirty="0"/>
+          </a:p>
+          <a:p>
+            <a:pPr marL="0" indent="0">
+              <a:buNone/>
+            </a:pPr>
+            <a:endParaRPr lang="en-US" dirty="0"/>
+          </a:p>
+        </p:txBody>
+      </p:sp>
+      <p:sp>
+        <p:nvSpPr>
+          <p:cNvPr id="4" name="Datumsplatzhalter 3">
+            <a:extLst>
+              <a:ext uri="{FF2B5EF4-FFF2-40B4-BE49-F238E27FC236}">
+                <a16:creationId xmlns:a16="http://schemas.microsoft.com/office/drawing/2014/main" id="{99B7E53F-EA43-4D13-9D0B-129F9186262A}"/>
+              </a:ext>
+            </a:extLst>
+          </p:cNvPr>
+          <p:cNvSpPr>
+            <a:spLocks noGrp="1"/>
+          </p:cNvSpPr>
+          <p:nvPr>
+            <p:ph type="dt" sz="half" idx="10"/>
+          </p:nvPr>
+        </p:nvSpPr>
+        <p:spPr/>
+        <p:txBody>
+          <a:bodyPr/>
+          <a:lstStyle/>
+          <a:p>
+            <a:r>
+              <a:rPr lang="de-DE"/>
+              <a:t>21/01/2020</a:t>
+            </a:r>
+            <a:endParaRPr lang="en-US"/>
+          </a:p>
+        </p:txBody>
+      </p:sp>
+      <p:sp>
+        <p:nvSpPr>
+          <p:cNvPr id="7" name="Rechteck 6">
+            <a:extLst>
+              <a:ext uri="{FF2B5EF4-FFF2-40B4-BE49-F238E27FC236}">
+                <a16:creationId xmlns:a16="http://schemas.microsoft.com/office/drawing/2014/main" id="{5C9EA0C6-AC76-4D00-B64D-13E6F9B723B4}"/>
+              </a:ext>
+            </a:extLst>
+          </p:cNvPr>
+          <p:cNvSpPr/>
+          <p:nvPr/>
+        </p:nvSpPr>
+        <p:spPr>
+          <a:xfrm>
+            <a:off x="6333869" y="4366609"/>
+            <a:ext cx="4688524" cy="461665"/>
+          </a:xfrm>
+          <a:prstGeom prst="rect">
+            <a:avLst/>
+          </a:prstGeom>
+        </p:spPr>
+        <p:txBody>
+          <a:bodyPr wrap="square">
+            <a:spAutoFit/>
+          </a:bodyPr>
+          <a:lstStyle/>
+          <a:p>
+            <a:r>
+              <a:rPr lang="en-US" sz="2400" dirty="0"/>
+              <a:t>… (</a:t>
+            </a:r>
+            <a:r>
+              <a:rPr lang="en-US" sz="2400" dirty="0" err="1"/>
+              <a:t>weitere</a:t>
+            </a:r>
+            <a:r>
+              <a:rPr lang="en-US" sz="2400" dirty="0"/>
+              <a:t> </a:t>
+            </a:r>
+            <a:r>
+              <a:rPr lang="en-US" sz="2400" dirty="0" err="1"/>
+              <a:t>Beweise</a:t>
+            </a:r>
+            <a:r>
+              <a:rPr lang="en-US" sz="2400" dirty="0"/>
+              <a:t>)</a:t>
+            </a:r>
+          </a:p>
+        </p:txBody>
+      </p:sp>
+    </p:spTree>
+    <p:extLst>
+      <p:ext uri="{BB962C8B-B14F-4D97-AF65-F5344CB8AC3E}">
+        <p14:creationId xmlns:p14="http://schemas.microsoft.com/office/powerpoint/2010/main" val="1062979077"/>
+      </p:ext>
+    </p:extLst>
+  </p:cSld>
+  <p:clrMapOvr>
+    <a:masterClrMapping/>
+  </p:clrMapOvr>
+</p:sld>
+</file>
+
+<file path=ppt/slides/slide23.xml><?xml version="1.0" encoding="utf-8"?>
+<p:sld xmlns:a="http://schemas.openxmlformats.org/drawingml/2006/main" xmlns:r="http://schemas.openxmlformats.org/officeDocument/2006/relationships" xmlns:p="http://schemas.openxmlformats.org/presentationml/2006/main">
+  <p:cSld>
+    <p:spTree>
+      <p:nvGrpSpPr>
+        <p:cNvPr id="1" name=""/>
+        <p:cNvGrpSpPr/>
+        <p:nvPr/>
+      </p:nvGrpSpPr>
+      <p:grpSpPr>
+        <a:xfrm>
+          <a:off x="0" y="0"/>
+          <a:ext cx="0" cy="0"/>
+          <a:chOff x="0" y="0"/>
+          <a:chExt cx="0" cy="0"/>
+        </a:xfrm>
+      </p:grpSpPr>
+      <p:sp>
+        <p:nvSpPr>
+          <p:cNvPr id="2" name="Titel 1">
+            <a:extLst>
+              <a:ext uri="{FF2B5EF4-FFF2-40B4-BE49-F238E27FC236}">
+                <a16:creationId xmlns:a16="http://schemas.microsoft.com/office/drawing/2014/main" id="{D89984BC-AC1B-422F-A5D0-159C7FA158A1}"/>
+              </a:ext>
+            </a:extLst>
+          </p:cNvPr>
+          <p:cNvSpPr>
+            <a:spLocks noGrp="1"/>
+          </p:cNvSpPr>
+          <p:nvPr>
+            <p:ph type="title"/>
+          </p:nvPr>
+        </p:nvSpPr>
+        <p:spPr/>
+        <p:txBody>
+          <a:bodyPr/>
+          <a:lstStyle/>
+          <a:p>
+            <a:r>
+              <a:rPr lang="de-DE" dirty="0"/>
+              <a:t>Coq Proof zu Programmcode: Die </a:t>
+            </a:r>
+            <a:r>
+              <a:rPr lang="de-DE" dirty="0" err="1"/>
+              <a:t>Extraction</a:t>
+            </a:r>
+            <a:endParaRPr lang="en-US" dirty="0"/>
+          </a:p>
+        </p:txBody>
+      </p:sp>
+      <p:sp>
+        <p:nvSpPr>
+          <p:cNvPr id="3" name="Inhaltsplatzhalter 2">
+            <a:extLst>
+              <a:ext uri="{FF2B5EF4-FFF2-40B4-BE49-F238E27FC236}">
+                <a16:creationId xmlns:a16="http://schemas.microsoft.com/office/drawing/2014/main" id="{9F54BA48-13BB-474F-869A-BFC365DB3C8A}"/>
+              </a:ext>
+            </a:extLst>
+          </p:cNvPr>
+          <p:cNvSpPr>
+            <a:spLocks noGrp="1"/>
+          </p:cNvSpPr>
+          <p:nvPr>
+            <p:ph idx="1"/>
+          </p:nvPr>
+        </p:nvSpPr>
+        <p:spPr>
+          <a:xfrm>
+            <a:off x="1484311" y="2311892"/>
+            <a:ext cx="6629880" cy="4026764"/>
+          </a:xfrm>
+        </p:spPr>
+        <p:txBody>
+          <a:bodyPr>
+            <a:noAutofit/>
+          </a:bodyPr>
+          <a:lstStyle/>
+          <a:p>
+            <a:pPr marL="0" indent="0">
+              <a:buNone/>
+            </a:pPr>
+            <a:r>
+              <a:rPr lang="en-US" sz="1800" dirty="0">
+                <a:solidFill>
+                  <a:schemeClr val="accent1">
+                    <a:lumMod val="75000"/>
+                  </a:schemeClr>
+                </a:solidFill>
+              </a:rPr>
+              <a:t>Require Extraction.</a:t>
+            </a:r>
+          </a:p>
+          <a:p>
+            <a:pPr marL="0" indent="0">
+              <a:buNone/>
+            </a:pPr>
+            <a:r>
+              <a:rPr lang="en-US" sz="1800" dirty="0">
+                <a:solidFill>
+                  <a:schemeClr val="accent1">
+                    <a:lumMod val="75000"/>
+                  </a:schemeClr>
+                </a:solidFill>
+              </a:rPr>
+              <a:t>Extraction Language </a:t>
+            </a:r>
+            <a:r>
+              <a:rPr lang="en-US" sz="1800" dirty="0" err="1">
+                <a:solidFill>
+                  <a:schemeClr val="accent1">
+                    <a:lumMod val="75000"/>
+                  </a:schemeClr>
+                </a:solidFill>
+              </a:rPr>
+              <a:t>OCaml</a:t>
+            </a:r>
+            <a:r>
+              <a:rPr lang="en-US" sz="1800" dirty="0">
+                <a:solidFill>
+                  <a:schemeClr val="accent1">
+                    <a:lumMod val="75000"/>
+                  </a:schemeClr>
+                </a:solidFill>
+              </a:rPr>
+              <a:t>.</a:t>
+            </a:r>
+          </a:p>
+          <a:p>
+            <a:pPr marL="0" indent="0">
+              <a:buNone/>
+            </a:pPr>
+            <a:r>
+              <a:rPr lang="en-US" sz="1800" dirty="0">
+                <a:solidFill>
+                  <a:schemeClr val="accent1">
+                    <a:lumMod val="75000"/>
+                  </a:schemeClr>
+                </a:solidFill>
+              </a:rPr>
+              <a:t>Require Import </a:t>
+            </a:r>
+            <a:r>
+              <a:rPr lang="en-US" sz="1800" dirty="0" err="1">
+                <a:solidFill>
+                  <a:schemeClr val="accent1">
+                    <a:lumMod val="75000"/>
+                  </a:schemeClr>
+                </a:solidFill>
+              </a:rPr>
+              <a:t>ExtrOcamlBasic</a:t>
+            </a:r>
+            <a:r>
+              <a:rPr lang="en-US" sz="1800" dirty="0">
+                <a:solidFill>
+                  <a:schemeClr val="accent1">
+                    <a:lumMod val="75000"/>
+                  </a:schemeClr>
+                </a:solidFill>
+              </a:rPr>
+              <a:t>.</a:t>
+            </a:r>
+          </a:p>
+          <a:p>
+            <a:pPr marL="0" indent="0">
+              <a:buNone/>
+            </a:pPr>
+            <a:r>
+              <a:rPr lang="en-US" sz="1800" dirty="0">
+                <a:solidFill>
+                  <a:schemeClr val="accent1">
+                    <a:lumMod val="75000"/>
+                  </a:schemeClr>
+                </a:solidFill>
+              </a:rPr>
+              <a:t>Require Import </a:t>
+            </a:r>
+            <a:r>
+              <a:rPr lang="en-US" sz="1800" dirty="0" err="1">
+                <a:solidFill>
+                  <a:schemeClr val="accent1">
+                    <a:lumMod val="75000"/>
+                  </a:schemeClr>
+                </a:solidFill>
+              </a:rPr>
+              <a:t>ExtrOcamlString</a:t>
+            </a:r>
+            <a:r>
+              <a:rPr lang="en-US" sz="1800" dirty="0">
+                <a:solidFill>
+                  <a:schemeClr val="accent1">
+                    <a:lumMod val="75000"/>
+                  </a:schemeClr>
+                </a:solidFill>
+              </a:rPr>
+              <a:t>.</a:t>
+            </a:r>
+          </a:p>
+          <a:p>
+            <a:pPr marL="0" indent="0">
+              <a:buNone/>
+            </a:pPr>
+            <a:r>
+              <a:rPr lang="en-US" sz="1800" dirty="0">
+                <a:solidFill>
+                  <a:schemeClr val="accent1">
+                    <a:lumMod val="75000"/>
+                  </a:schemeClr>
+                </a:solidFill>
+              </a:rPr>
+              <a:t>Require Import </a:t>
+            </a:r>
+            <a:r>
+              <a:rPr lang="en-US" sz="1800" dirty="0" err="1">
+                <a:solidFill>
+                  <a:schemeClr val="accent1">
+                    <a:lumMod val="75000"/>
+                  </a:schemeClr>
+                </a:solidFill>
+              </a:rPr>
+              <a:t>Arith</a:t>
+            </a:r>
+            <a:r>
+              <a:rPr lang="en-US" sz="1800" dirty="0">
+                <a:solidFill>
+                  <a:schemeClr val="accent1">
+                    <a:lumMod val="75000"/>
+                  </a:schemeClr>
+                </a:solidFill>
+              </a:rPr>
+              <a:t> Even Div2 </a:t>
+            </a:r>
+            <a:r>
+              <a:rPr lang="en-US" sz="1800" dirty="0" err="1">
+                <a:solidFill>
+                  <a:schemeClr val="accent1">
+                    <a:lumMod val="75000"/>
+                  </a:schemeClr>
+                </a:solidFill>
+              </a:rPr>
+              <a:t>EqNat</a:t>
+            </a:r>
+            <a:r>
+              <a:rPr lang="en-US" sz="1800" dirty="0">
+                <a:solidFill>
+                  <a:schemeClr val="accent1">
+                    <a:lumMod val="75000"/>
+                  </a:schemeClr>
+                </a:solidFill>
+              </a:rPr>
+              <a:t> Euclid.</a:t>
+            </a:r>
+          </a:p>
+          <a:p>
+            <a:pPr marL="0" indent="0">
+              <a:buNone/>
+            </a:pPr>
+            <a:endParaRPr lang="en-US" sz="1800" dirty="0">
+              <a:solidFill>
+                <a:schemeClr val="accent1">
+                  <a:lumMod val="75000"/>
+                </a:schemeClr>
+              </a:solidFill>
+            </a:endParaRPr>
+          </a:p>
+          <a:p>
+            <a:pPr marL="0" indent="0">
+              <a:buNone/>
+            </a:pPr>
+            <a:r>
+              <a:rPr lang="en-US" sz="1800" dirty="0">
+                <a:solidFill>
+                  <a:schemeClr val="accent1">
+                    <a:lumMod val="75000"/>
+                  </a:schemeClr>
+                </a:solidFill>
+              </a:rPr>
+              <a:t>Extract Inductive </a:t>
+            </a:r>
+            <a:r>
+              <a:rPr lang="en-US" sz="1800" dirty="0" err="1">
+                <a:solidFill>
+                  <a:schemeClr val="accent1">
+                    <a:lumMod val="75000"/>
+                  </a:schemeClr>
+                </a:solidFill>
+              </a:rPr>
+              <a:t>nat</a:t>
+            </a:r>
+            <a:r>
+              <a:rPr lang="en-US" sz="1800" dirty="0">
+                <a:solidFill>
+                  <a:schemeClr val="accent1">
+                    <a:lumMod val="75000"/>
+                  </a:schemeClr>
+                </a:solidFill>
+              </a:rPr>
+              <a:t> =&gt; int [ "0" "</a:t>
+            </a:r>
+            <a:r>
+              <a:rPr lang="en-US" sz="1800" dirty="0" err="1">
+                <a:solidFill>
+                  <a:schemeClr val="accent1">
+                    <a:lumMod val="75000"/>
+                  </a:schemeClr>
+                </a:solidFill>
+              </a:rPr>
+              <a:t>Pervasives.succ</a:t>
+            </a:r>
+            <a:r>
+              <a:rPr lang="en-US" sz="1800" dirty="0">
+                <a:solidFill>
+                  <a:schemeClr val="accent1">
+                    <a:lumMod val="75000"/>
+                  </a:schemeClr>
+                </a:solidFill>
+              </a:rPr>
+              <a:t>" ]</a:t>
+            </a:r>
+          </a:p>
+          <a:p>
+            <a:pPr marL="0" indent="0">
+              <a:buNone/>
+            </a:pPr>
+            <a:r>
+              <a:rPr lang="en-US" sz="1800" dirty="0">
+                <a:solidFill>
+                  <a:schemeClr val="accent1">
+                    <a:lumMod val="75000"/>
+                  </a:schemeClr>
+                </a:solidFill>
+              </a:rPr>
+              <a:t>"(fun </a:t>
+            </a:r>
+            <a:r>
+              <a:rPr lang="en-US" sz="1800" dirty="0" err="1">
+                <a:solidFill>
+                  <a:schemeClr val="accent1">
+                    <a:lumMod val="75000"/>
+                  </a:schemeClr>
+                </a:solidFill>
+              </a:rPr>
+              <a:t>fO</a:t>
+            </a:r>
+            <a:r>
+              <a:rPr lang="en-US" sz="1800" dirty="0">
+                <a:solidFill>
+                  <a:schemeClr val="accent1">
+                    <a:lumMod val="75000"/>
+                  </a:schemeClr>
+                </a:solidFill>
+              </a:rPr>
+              <a:t> </a:t>
+            </a:r>
+            <a:r>
+              <a:rPr lang="en-US" sz="1800" dirty="0" err="1">
+                <a:solidFill>
+                  <a:schemeClr val="accent1">
+                    <a:lumMod val="75000"/>
+                  </a:schemeClr>
+                </a:solidFill>
+              </a:rPr>
+              <a:t>fS</a:t>
+            </a:r>
+            <a:r>
+              <a:rPr lang="en-US" sz="1800" dirty="0">
+                <a:solidFill>
+                  <a:schemeClr val="accent1">
+                    <a:lumMod val="75000"/>
+                  </a:schemeClr>
+                </a:solidFill>
+              </a:rPr>
+              <a:t> n -&gt; if n=0 then </a:t>
+            </a:r>
+            <a:r>
+              <a:rPr lang="en-US" sz="1800" dirty="0" err="1">
+                <a:solidFill>
+                  <a:schemeClr val="accent1">
+                    <a:lumMod val="75000"/>
+                  </a:schemeClr>
+                </a:solidFill>
+              </a:rPr>
+              <a:t>fO</a:t>
+            </a:r>
+            <a:r>
+              <a:rPr lang="en-US" sz="1800" dirty="0">
+                <a:solidFill>
+                  <a:schemeClr val="accent1">
+                    <a:lumMod val="75000"/>
+                  </a:schemeClr>
+                </a:solidFill>
+              </a:rPr>
+              <a:t> () else </a:t>
+            </a:r>
+            <a:r>
+              <a:rPr lang="en-US" sz="1800" dirty="0" err="1">
+                <a:solidFill>
+                  <a:schemeClr val="accent1">
+                    <a:lumMod val="75000"/>
+                  </a:schemeClr>
+                </a:solidFill>
+              </a:rPr>
+              <a:t>fS</a:t>
+            </a:r>
+            <a:r>
+              <a:rPr lang="en-US" sz="1800" dirty="0">
+                <a:solidFill>
+                  <a:schemeClr val="accent1">
+                    <a:lumMod val="75000"/>
+                  </a:schemeClr>
+                </a:solidFill>
+              </a:rPr>
+              <a:t> (n-1))".</a:t>
+            </a:r>
+          </a:p>
+          <a:p>
+            <a:pPr marL="0" indent="0">
+              <a:buNone/>
+            </a:pPr>
+            <a:endParaRPr lang="en-US" sz="1800" dirty="0">
+              <a:solidFill>
+                <a:schemeClr val="accent1">
+                  <a:lumMod val="75000"/>
+                </a:schemeClr>
+              </a:solidFill>
+            </a:endParaRPr>
+          </a:p>
+          <a:p>
+            <a:pPr marL="0" indent="0">
+              <a:buNone/>
+            </a:pPr>
+            <a:r>
+              <a:rPr lang="en-US" sz="1800" dirty="0">
+                <a:solidFill>
+                  <a:schemeClr val="accent1">
+                    <a:lumMod val="75000"/>
+                  </a:schemeClr>
+                </a:solidFill>
+              </a:rPr>
+              <a:t>Extraction "paperimpl.ml" </a:t>
+            </a:r>
+            <a:r>
+              <a:rPr lang="en-US" sz="1800" dirty="0" err="1">
+                <a:solidFill>
+                  <a:schemeClr val="accent1">
+                    <a:lumMod val="75000"/>
+                  </a:schemeClr>
+                </a:solidFill>
+              </a:rPr>
+              <a:t>fst</a:t>
+            </a:r>
+            <a:r>
+              <a:rPr lang="en-US" sz="1800" dirty="0">
+                <a:solidFill>
+                  <a:schemeClr val="accent1">
+                    <a:lumMod val="75000"/>
+                  </a:schemeClr>
+                </a:solidFill>
+              </a:rPr>
+              <a:t> </a:t>
+            </a:r>
+            <a:r>
+              <a:rPr lang="en-US" sz="1800" dirty="0" err="1">
+                <a:solidFill>
+                  <a:schemeClr val="accent1">
+                    <a:lumMod val="75000"/>
+                  </a:schemeClr>
+                </a:solidFill>
+              </a:rPr>
+              <a:t>snd</a:t>
+            </a:r>
+            <a:r>
+              <a:rPr lang="en-US" sz="1800" dirty="0">
+                <a:solidFill>
+                  <a:schemeClr val="accent1">
+                    <a:lumMod val="75000"/>
+                  </a:schemeClr>
+                </a:solidFill>
+              </a:rPr>
+              <a:t> </a:t>
+            </a:r>
+            <a:r>
+              <a:rPr lang="en-US" sz="1800" dirty="0" err="1">
+                <a:solidFill>
+                  <a:schemeClr val="accent1">
+                    <a:lumMod val="75000"/>
+                  </a:schemeClr>
+                </a:solidFill>
+              </a:rPr>
+              <a:t>swap_pair</a:t>
+            </a:r>
+            <a:r>
+              <a:rPr lang="en-US" sz="1800" dirty="0">
+                <a:solidFill>
+                  <a:schemeClr val="accent1">
+                    <a:lumMod val="75000"/>
+                  </a:schemeClr>
+                </a:solidFill>
+              </a:rPr>
+              <a:t>.</a:t>
+            </a:r>
+            <a:endParaRPr lang="en-US" sz="1800" dirty="0"/>
+          </a:p>
+          <a:p>
+            <a:pPr marL="0" indent="0">
+              <a:buNone/>
+            </a:pPr>
+            <a:endParaRPr lang="en-US" dirty="0"/>
+          </a:p>
+        </p:txBody>
+      </p:sp>
+      <p:sp>
+        <p:nvSpPr>
+          <p:cNvPr id="4" name="Datumsplatzhalter 3">
+            <a:extLst>
+              <a:ext uri="{FF2B5EF4-FFF2-40B4-BE49-F238E27FC236}">
+                <a16:creationId xmlns:a16="http://schemas.microsoft.com/office/drawing/2014/main" id="{99B7E53F-EA43-4D13-9D0B-129F9186262A}"/>
+              </a:ext>
+            </a:extLst>
+          </p:cNvPr>
+          <p:cNvSpPr>
+            <a:spLocks noGrp="1"/>
+          </p:cNvSpPr>
+          <p:nvPr>
+            <p:ph type="dt" sz="half" idx="10"/>
+          </p:nvPr>
+        </p:nvSpPr>
+        <p:spPr/>
+        <p:txBody>
+          <a:bodyPr/>
+          <a:lstStyle/>
+          <a:p>
+            <a:r>
+              <a:rPr lang="de-DE"/>
+              <a:t>21/01/2020</a:t>
+            </a:r>
+            <a:endParaRPr lang="en-US"/>
+          </a:p>
+        </p:txBody>
+      </p:sp>
+    </p:spTree>
+    <p:extLst>
+      <p:ext uri="{BB962C8B-B14F-4D97-AF65-F5344CB8AC3E}">
+        <p14:creationId xmlns:p14="http://schemas.microsoft.com/office/powerpoint/2010/main" val="3433645516"/>
+      </p:ext>
+    </p:extLst>
+  </p:cSld>
+  <p:clrMapOvr>
+    <a:masterClrMapping/>
+  </p:clrMapOvr>
+</p:sld>
+</file>
+
+<file path=ppt/slides/slide24.xml><?xml version="1.0" encoding="utf-8"?>
+<p:sld xmlns:a="http://schemas.openxmlformats.org/drawingml/2006/main" xmlns:r="http://schemas.openxmlformats.org/officeDocument/2006/relationships" xmlns:p="http://schemas.openxmlformats.org/presentationml/2006/main">
+  <p:cSld>
+    <p:spTree>
+      <p:nvGrpSpPr>
+        <p:cNvPr id="1" name=""/>
+        <p:cNvGrpSpPr/>
+        <p:nvPr/>
+      </p:nvGrpSpPr>
+      <p:grpSpPr>
+        <a:xfrm>
+          <a:off x="0" y="0"/>
+          <a:ext cx="0" cy="0"/>
+          <a:chOff x="0" y="0"/>
+          <a:chExt cx="0" cy="0"/>
+        </a:xfrm>
+      </p:grpSpPr>
+      <p:sp>
+        <p:nvSpPr>
+          <p:cNvPr id="2" name="Titel 1">
+            <a:extLst>
+              <a:ext uri="{FF2B5EF4-FFF2-40B4-BE49-F238E27FC236}">
+                <a16:creationId xmlns:a16="http://schemas.microsoft.com/office/drawing/2014/main" id="{D89984BC-AC1B-422F-A5D0-159C7FA158A1}"/>
+              </a:ext>
+            </a:extLst>
+          </p:cNvPr>
+          <p:cNvSpPr>
+            <a:spLocks noGrp="1"/>
+          </p:cNvSpPr>
+          <p:nvPr>
+            <p:ph type="title"/>
+          </p:nvPr>
+        </p:nvSpPr>
+        <p:spPr/>
+        <p:txBody>
+          <a:bodyPr/>
+          <a:lstStyle/>
+          <a:p>
+            <a:r>
+              <a:rPr lang="de-DE" dirty="0"/>
+              <a:t>Coq Proof zu Programmcode: Der extrahierte </a:t>
+            </a:r>
+            <a:r>
+              <a:rPr lang="de-DE" dirty="0" err="1"/>
+              <a:t>Ocaml</a:t>
+            </a:r>
+            <a:r>
+              <a:rPr lang="de-DE" dirty="0"/>
+              <a:t> Code</a:t>
+            </a:r>
+            <a:endParaRPr lang="en-US" dirty="0"/>
+          </a:p>
+        </p:txBody>
+      </p:sp>
+      <p:sp>
+        <p:nvSpPr>
+          <p:cNvPr id="3" name="Inhaltsplatzhalter 2">
+            <a:extLst>
+              <a:ext uri="{FF2B5EF4-FFF2-40B4-BE49-F238E27FC236}">
+                <a16:creationId xmlns:a16="http://schemas.microsoft.com/office/drawing/2014/main" id="{9F54BA48-13BB-474F-869A-BFC365DB3C8A}"/>
+              </a:ext>
+            </a:extLst>
+          </p:cNvPr>
+          <p:cNvSpPr>
+            <a:spLocks noGrp="1"/>
+          </p:cNvSpPr>
+          <p:nvPr>
+            <p:ph idx="1"/>
+          </p:nvPr>
+        </p:nvSpPr>
+        <p:spPr>
+          <a:xfrm>
+            <a:off x="1484311" y="2311892"/>
+            <a:ext cx="6629880" cy="4026764"/>
+          </a:xfrm>
+        </p:spPr>
+        <p:txBody>
+          <a:bodyPr>
+            <a:noAutofit/>
+          </a:bodyPr>
+          <a:lstStyle/>
+          <a:p>
+            <a:pPr marL="0" indent="0">
+              <a:buNone/>
+            </a:pPr>
+            <a:r>
+              <a:rPr lang="en-US" dirty="0">
+                <a:solidFill>
+                  <a:schemeClr val="accent1">
+                    <a:lumMod val="75000"/>
+                  </a:schemeClr>
+                </a:solidFill>
+              </a:rPr>
+              <a:t>type </a:t>
+            </a:r>
+            <a:r>
+              <a:rPr lang="en-US" dirty="0" err="1">
+                <a:solidFill>
+                  <a:schemeClr val="accent1">
+                    <a:lumMod val="75000"/>
+                  </a:schemeClr>
+                </a:solidFill>
+              </a:rPr>
+              <a:t>natprod</a:t>
+            </a:r>
+            <a:r>
+              <a:rPr lang="en-US" dirty="0">
+                <a:solidFill>
+                  <a:schemeClr val="accent1">
+                    <a:lumMod val="75000"/>
+                  </a:schemeClr>
+                </a:solidFill>
+              </a:rPr>
+              <a:t> =</a:t>
+            </a:r>
+          </a:p>
+          <a:p>
+            <a:pPr marL="0" indent="0">
+              <a:buNone/>
+            </a:pPr>
+            <a:r>
+              <a:rPr lang="en-US" dirty="0">
+                <a:solidFill>
+                  <a:schemeClr val="accent1">
+                    <a:lumMod val="75000"/>
+                  </a:schemeClr>
+                </a:solidFill>
+              </a:rPr>
+              <a:t>| Pair of int * int</a:t>
+            </a:r>
+          </a:p>
+          <a:p>
+            <a:pPr marL="0" indent="0">
+              <a:buNone/>
+            </a:pPr>
+            <a:endParaRPr lang="en-US" sz="1800" dirty="0">
+              <a:solidFill>
+                <a:schemeClr val="accent1">
+                  <a:lumMod val="75000"/>
+                </a:schemeClr>
+              </a:solidFill>
+            </a:endParaRPr>
+          </a:p>
+        </p:txBody>
+      </p:sp>
+      <p:sp>
+        <p:nvSpPr>
+          <p:cNvPr id="4" name="Datumsplatzhalter 3">
+            <a:extLst>
+              <a:ext uri="{FF2B5EF4-FFF2-40B4-BE49-F238E27FC236}">
+                <a16:creationId xmlns:a16="http://schemas.microsoft.com/office/drawing/2014/main" id="{99B7E53F-EA43-4D13-9D0B-129F9186262A}"/>
+              </a:ext>
+            </a:extLst>
+          </p:cNvPr>
+          <p:cNvSpPr>
+            <a:spLocks noGrp="1"/>
+          </p:cNvSpPr>
+          <p:nvPr>
+            <p:ph type="dt" sz="half" idx="10"/>
+          </p:nvPr>
+        </p:nvSpPr>
+        <p:spPr/>
+        <p:txBody>
+          <a:bodyPr/>
+          <a:lstStyle/>
+          <a:p>
+            <a:r>
+              <a:rPr lang="de-DE"/>
+              <a:t>21/01/2020</a:t>
+            </a:r>
+            <a:endParaRPr lang="en-US"/>
+          </a:p>
+        </p:txBody>
+      </p:sp>
+      <p:sp>
+        <p:nvSpPr>
+          <p:cNvPr id="5" name="Rechteck 4">
+            <a:extLst>
+              <a:ext uri="{FF2B5EF4-FFF2-40B4-BE49-F238E27FC236}">
+                <a16:creationId xmlns:a16="http://schemas.microsoft.com/office/drawing/2014/main" id="{1B0F7BB7-3FE3-46F0-A2DC-58CD035AB669}"/>
+              </a:ext>
+            </a:extLst>
+          </p:cNvPr>
+          <p:cNvSpPr/>
+          <p:nvPr/>
+        </p:nvSpPr>
+        <p:spPr>
+          <a:xfrm>
+            <a:off x="5066191" y="3032612"/>
+            <a:ext cx="6096000" cy="3416320"/>
+          </a:xfrm>
+          <a:prstGeom prst="rect">
+            <a:avLst/>
+          </a:prstGeom>
+        </p:spPr>
+        <p:txBody>
+          <a:bodyPr>
+            <a:spAutoFit/>
+          </a:bodyPr>
+          <a:lstStyle/>
+          <a:p>
+            <a:r>
+              <a:rPr lang="en-US" sz="2400" dirty="0">
+                <a:solidFill>
+                  <a:schemeClr val="accent1">
+                    <a:lumMod val="75000"/>
+                  </a:schemeClr>
+                </a:solidFill>
+              </a:rPr>
+              <a:t>(** </a:t>
+            </a:r>
+            <a:r>
+              <a:rPr lang="en-US" sz="2400" dirty="0" err="1">
+                <a:solidFill>
+                  <a:schemeClr val="accent1">
+                    <a:lumMod val="75000"/>
+                  </a:schemeClr>
+                </a:solidFill>
+              </a:rPr>
+              <a:t>val</a:t>
+            </a:r>
+            <a:r>
+              <a:rPr lang="en-US" sz="2400" dirty="0">
+                <a:solidFill>
+                  <a:schemeClr val="accent1">
+                    <a:lumMod val="75000"/>
+                  </a:schemeClr>
+                </a:solidFill>
+              </a:rPr>
+              <a:t> </a:t>
+            </a:r>
+            <a:r>
+              <a:rPr lang="en-US" sz="2400" dirty="0" err="1">
+                <a:solidFill>
+                  <a:schemeClr val="accent1">
+                    <a:lumMod val="75000"/>
+                  </a:schemeClr>
+                </a:solidFill>
+              </a:rPr>
+              <a:t>fst</a:t>
+            </a:r>
+            <a:r>
+              <a:rPr lang="en-US" sz="2400" dirty="0">
+                <a:solidFill>
+                  <a:schemeClr val="accent1">
+                    <a:lumMod val="75000"/>
+                  </a:schemeClr>
+                </a:solidFill>
+              </a:rPr>
+              <a:t> : </a:t>
+            </a:r>
+            <a:r>
+              <a:rPr lang="en-US" sz="2400" dirty="0" err="1">
+                <a:solidFill>
+                  <a:schemeClr val="accent1">
+                    <a:lumMod val="75000"/>
+                  </a:schemeClr>
+                </a:solidFill>
+              </a:rPr>
+              <a:t>natprod</a:t>
+            </a:r>
+            <a:r>
+              <a:rPr lang="en-US" sz="2400" dirty="0">
+                <a:solidFill>
+                  <a:schemeClr val="accent1">
+                    <a:lumMod val="75000"/>
+                  </a:schemeClr>
+                </a:solidFill>
+              </a:rPr>
+              <a:t> -&gt; int **)</a:t>
+            </a:r>
+          </a:p>
+          <a:p>
+            <a:endParaRPr lang="en-US" sz="2400" dirty="0">
+              <a:solidFill>
+                <a:schemeClr val="accent1">
+                  <a:lumMod val="75000"/>
+                </a:schemeClr>
+              </a:solidFill>
+            </a:endParaRPr>
+          </a:p>
+          <a:p>
+            <a:r>
+              <a:rPr lang="en-US" sz="2400" dirty="0">
+                <a:solidFill>
+                  <a:schemeClr val="accent1">
+                    <a:lumMod val="75000"/>
+                  </a:schemeClr>
+                </a:solidFill>
+              </a:rPr>
+              <a:t>let </a:t>
+            </a:r>
+            <a:r>
+              <a:rPr lang="en-US" sz="2400" dirty="0" err="1">
+                <a:solidFill>
+                  <a:schemeClr val="accent1">
+                    <a:lumMod val="75000"/>
+                  </a:schemeClr>
+                </a:solidFill>
+              </a:rPr>
+              <a:t>fst</a:t>
+            </a:r>
+            <a:r>
+              <a:rPr lang="en-US" sz="2400" dirty="0">
+                <a:solidFill>
+                  <a:schemeClr val="accent1">
+                    <a:lumMod val="75000"/>
+                  </a:schemeClr>
+                </a:solidFill>
+              </a:rPr>
+              <a:t> = function</a:t>
+            </a:r>
+          </a:p>
+          <a:p>
+            <a:r>
+              <a:rPr lang="en-US" sz="2400" dirty="0">
+                <a:solidFill>
+                  <a:schemeClr val="accent1">
+                    <a:lumMod val="75000"/>
+                  </a:schemeClr>
+                </a:solidFill>
+              </a:rPr>
+              <a:t>| Pair (x, _) -&gt; x</a:t>
+            </a:r>
+          </a:p>
+          <a:p>
+            <a:endParaRPr lang="en-US" sz="2400" dirty="0">
+              <a:solidFill>
+                <a:schemeClr val="accent1">
+                  <a:lumMod val="75000"/>
+                </a:schemeClr>
+              </a:solidFill>
+            </a:endParaRPr>
+          </a:p>
+          <a:p>
+            <a:r>
+              <a:rPr lang="en-US" sz="2400" dirty="0">
+                <a:solidFill>
+                  <a:schemeClr val="accent1">
+                    <a:lumMod val="75000"/>
+                  </a:schemeClr>
+                </a:solidFill>
+              </a:rPr>
+              <a:t>(** </a:t>
+            </a:r>
+            <a:r>
+              <a:rPr lang="en-US" sz="2400" dirty="0" err="1">
+                <a:solidFill>
+                  <a:schemeClr val="accent1">
+                    <a:lumMod val="75000"/>
+                  </a:schemeClr>
+                </a:solidFill>
+              </a:rPr>
+              <a:t>val</a:t>
+            </a:r>
+            <a:r>
+              <a:rPr lang="en-US" sz="2400" dirty="0">
+                <a:solidFill>
+                  <a:schemeClr val="accent1">
+                    <a:lumMod val="75000"/>
+                  </a:schemeClr>
+                </a:solidFill>
+              </a:rPr>
+              <a:t> </a:t>
+            </a:r>
+            <a:r>
+              <a:rPr lang="en-US" sz="2400" dirty="0" err="1">
+                <a:solidFill>
+                  <a:schemeClr val="accent1">
+                    <a:lumMod val="75000"/>
+                  </a:schemeClr>
+                </a:solidFill>
+              </a:rPr>
+              <a:t>snd</a:t>
+            </a:r>
+            <a:r>
+              <a:rPr lang="en-US" sz="2400" dirty="0">
+                <a:solidFill>
+                  <a:schemeClr val="accent1">
+                    <a:lumMod val="75000"/>
+                  </a:schemeClr>
+                </a:solidFill>
+              </a:rPr>
+              <a:t> : </a:t>
+            </a:r>
+            <a:r>
+              <a:rPr lang="en-US" sz="2400" dirty="0" err="1">
+                <a:solidFill>
+                  <a:schemeClr val="accent1">
+                    <a:lumMod val="75000"/>
+                  </a:schemeClr>
+                </a:solidFill>
+              </a:rPr>
+              <a:t>natprod</a:t>
+            </a:r>
+            <a:r>
+              <a:rPr lang="en-US" sz="2400" dirty="0">
+                <a:solidFill>
+                  <a:schemeClr val="accent1">
+                    <a:lumMod val="75000"/>
+                  </a:schemeClr>
+                </a:solidFill>
+              </a:rPr>
+              <a:t> -&gt; int **)</a:t>
+            </a:r>
+          </a:p>
+          <a:p>
+            <a:endParaRPr lang="en-US" sz="2400" dirty="0">
+              <a:solidFill>
+                <a:schemeClr val="accent1">
+                  <a:lumMod val="75000"/>
+                </a:schemeClr>
+              </a:solidFill>
+            </a:endParaRPr>
+          </a:p>
+          <a:p>
+            <a:r>
+              <a:rPr lang="en-US" sz="2400" dirty="0">
+                <a:solidFill>
+                  <a:schemeClr val="accent1">
+                    <a:lumMod val="75000"/>
+                  </a:schemeClr>
+                </a:solidFill>
+              </a:rPr>
+              <a:t>let </a:t>
+            </a:r>
+            <a:r>
+              <a:rPr lang="en-US" sz="2400" dirty="0" err="1">
+                <a:solidFill>
+                  <a:schemeClr val="accent1">
+                    <a:lumMod val="75000"/>
+                  </a:schemeClr>
+                </a:solidFill>
+              </a:rPr>
+              <a:t>snd</a:t>
+            </a:r>
+            <a:r>
+              <a:rPr lang="en-US" sz="2400" dirty="0">
+                <a:solidFill>
+                  <a:schemeClr val="accent1">
+                    <a:lumMod val="75000"/>
+                  </a:schemeClr>
+                </a:solidFill>
+              </a:rPr>
+              <a:t> = function</a:t>
+            </a:r>
+          </a:p>
+          <a:p>
+            <a:r>
+              <a:rPr lang="en-US" sz="2400" dirty="0">
+                <a:solidFill>
+                  <a:schemeClr val="accent1">
+                    <a:lumMod val="75000"/>
+                  </a:schemeClr>
+                </a:solidFill>
+              </a:rPr>
+              <a:t>| Pair (_, y) -&gt; y</a:t>
+            </a:r>
+            <a:endParaRPr lang="en-US" sz="2400" dirty="0"/>
+          </a:p>
+        </p:txBody>
+      </p:sp>
+    </p:spTree>
+    <p:extLst>
+      <p:ext uri="{BB962C8B-B14F-4D97-AF65-F5344CB8AC3E}">
+        <p14:creationId xmlns:p14="http://schemas.microsoft.com/office/powerpoint/2010/main" val="1962471203"/>
+      </p:ext>
+    </p:extLst>
+  </p:cSld>
+  <p:clrMapOvr>
+    <a:masterClrMapping/>
+  </p:clrMapOvr>
+</p:sld>
+</file>
+
+<file path=ppt/slides/slide25.xml><?xml version="1.0" encoding="utf-8"?>
+<p:sld xmlns:a="http://schemas.openxmlformats.org/drawingml/2006/main" xmlns:r="http://schemas.openxmlformats.org/officeDocument/2006/relationships" xmlns:p="http://schemas.openxmlformats.org/presentationml/2006/main">
+  <p:cSld>
+    <p:spTree>
+      <p:nvGrpSpPr>
+        <p:cNvPr id="1" name=""/>
+        <p:cNvGrpSpPr/>
+        <p:nvPr/>
+      </p:nvGrpSpPr>
+      <p:grpSpPr>
+        <a:xfrm>
+          <a:off x="0" y="0"/>
+          <a:ext cx="0" cy="0"/>
+          <a:chOff x="0" y="0"/>
+          <a:chExt cx="0" cy="0"/>
+        </a:xfrm>
+      </p:grpSpPr>
+      <p:sp>
+        <p:nvSpPr>
+          <p:cNvPr id="2" name="Titel 1">
+            <a:extLst>
+              <a:ext uri="{FF2B5EF4-FFF2-40B4-BE49-F238E27FC236}">
+                <a16:creationId xmlns:a16="http://schemas.microsoft.com/office/drawing/2014/main" id="{1BB66EA5-6D85-4FF6-8325-955AE8089A37}"/>
+              </a:ext>
+            </a:extLst>
+          </p:cNvPr>
+          <p:cNvSpPr>
+            <a:spLocks noGrp="1"/>
+          </p:cNvSpPr>
+          <p:nvPr>
+            <p:ph type="title"/>
+          </p:nvPr>
+        </p:nvSpPr>
+        <p:spPr/>
+        <p:txBody>
+          <a:bodyPr/>
+          <a:lstStyle/>
+          <a:p>
+            <a:r>
+              <a:rPr lang="de-DE" dirty="0"/>
+              <a:t>Anwendungsgebiete</a:t>
+            </a:r>
+            <a:endParaRPr lang="en-US" dirty="0"/>
+          </a:p>
+        </p:txBody>
+      </p:sp>
+      <p:sp>
+        <p:nvSpPr>
+          <p:cNvPr id="3" name="Inhaltsplatzhalter 2">
+            <a:extLst>
+              <a:ext uri="{FF2B5EF4-FFF2-40B4-BE49-F238E27FC236}">
+                <a16:creationId xmlns:a16="http://schemas.microsoft.com/office/drawing/2014/main" id="{9112029A-EACE-43A5-A4D8-C12AD4394E0C}"/>
+              </a:ext>
+            </a:extLst>
+          </p:cNvPr>
+          <p:cNvSpPr>
+            <a:spLocks noGrp="1"/>
+          </p:cNvSpPr>
+          <p:nvPr>
+            <p:ph idx="1"/>
+          </p:nvPr>
+        </p:nvSpPr>
+        <p:spPr/>
+        <p:txBody>
+          <a:bodyPr/>
+          <a:lstStyle/>
+          <a:p>
+            <a:r>
+              <a:rPr lang="de-DE" dirty="0"/>
+              <a:t>Proof Stack</a:t>
+            </a:r>
+          </a:p>
+          <a:p>
+            <a:r>
+              <a:rPr lang="de-DE" dirty="0"/>
+              <a:t>Compilerbau </a:t>
+            </a:r>
+          </a:p>
+          <a:p>
+            <a:r>
+              <a:rPr lang="de-DE" dirty="0"/>
+              <a:t>HDLs</a:t>
+            </a:r>
+          </a:p>
+          <a:p>
+            <a:r>
+              <a:rPr lang="de-DE"/>
+              <a:t>C-Compiler</a:t>
+            </a:r>
+            <a:endParaRPr lang="de-DE" dirty="0"/>
+          </a:p>
+        </p:txBody>
+      </p:sp>
+      <p:sp>
+        <p:nvSpPr>
+          <p:cNvPr id="4" name="Datumsplatzhalter 3">
+            <a:extLst>
+              <a:ext uri="{FF2B5EF4-FFF2-40B4-BE49-F238E27FC236}">
+                <a16:creationId xmlns:a16="http://schemas.microsoft.com/office/drawing/2014/main" id="{D36E6D87-0F44-490B-A994-02641D08EABB}"/>
+              </a:ext>
+            </a:extLst>
+          </p:cNvPr>
+          <p:cNvSpPr>
+            <a:spLocks noGrp="1"/>
+          </p:cNvSpPr>
+          <p:nvPr>
+            <p:ph type="dt" sz="half" idx="10"/>
+          </p:nvPr>
+        </p:nvSpPr>
+        <p:spPr/>
+        <p:txBody>
+          <a:bodyPr/>
+          <a:lstStyle/>
+          <a:p>
+            <a:r>
+              <a:rPr lang="de-DE"/>
+              <a:t>21/01/2020</a:t>
+            </a:r>
+            <a:endParaRPr lang="en-US"/>
+          </a:p>
+        </p:txBody>
+      </p:sp>
+    </p:spTree>
+    <p:extLst>
+      <p:ext uri="{BB962C8B-B14F-4D97-AF65-F5344CB8AC3E}">
+        <p14:creationId xmlns:p14="http://schemas.microsoft.com/office/powerpoint/2010/main" val="3058338668"/>
+      </p:ext>
+    </p:extLst>
+  </p:cSld>
+  <p:clrMapOvr>
+    <a:masterClrMapping/>
+  </p:clrMapOvr>
+</p:sld>
+</file>
+
+<file path=ppt/slides/slide26.xml><?xml version="1.0" encoding="utf-8"?>
+<p:sld xmlns:a="http://schemas.openxmlformats.org/drawingml/2006/main" xmlns:r="http://schemas.openxmlformats.org/officeDocument/2006/relationships" xmlns:p="http://schemas.openxmlformats.org/presentationml/2006/main">
+  <p:cSld>
+    <p:spTree>
+      <p:nvGrpSpPr>
+        <p:cNvPr id="1" name=""/>
+        <p:cNvGrpSpPr/>
+        <p:nvPr/>
+      </p:nvGrpSpPr>
+      <p:grpSpPr>
+        <a:xfrm>
+          <a:off x="0" y="0"/>
+          <a:ext cx="0" cy="0"/>
+          <a:chOff x="0" y="0"/>
+          <a:chExt cx="0" cy="0"/>
+        </a:xfrm>
+      </p:grpSpPr>
+      <p:sp>
+        <p:nvSpPr>
+          <p:cNvPr id="2" name="Titel 1">
+            <a:extLst>
+              <a:ext uri="{FF2B5EF4-FFF2-40B4-BE49-F238E27FC236}">
+                <a16:creationId xmlns:a16="http://schemas.microsoft.com/office/drawing/2014/main" id="{974BBEF3-6639-449A-B9C0-C00BDF96CB6F}"/>
+              </a:ext>
+            </a:extLst>
+          </p:cNvPr>
+          <p:cNvSpPr>
+            <a:spLocks noGrp="1"/>
+          </p:cNvSpPr>
+          <p:nvPr>
+            <p:ph type="title"/>
+          </p:nvPr>
+        </p:nvSpPr>
+        <p:spPr/>
+        <p:txBody>
+          <a:bodyPr/>
+          <a:lstStyle/>
+          <a:p>
+            <a:r>
+              <a:rPr lang="de-DE" dirty="0"/>
+              <a:t>Fazit</a:t>
+            </a:r>
+            <a:endParaRPr lang="en-US" dirty="0"/>
+          </a:p>
+        </p:txBody>
+      </p:sp>
+      <p:sp>
+        <p:nvSpPr>
+          <p:cNvPr id="3" name="Inhaltsplatzhalter 2">
+            <a:extLst>
+              <a:ext uri="{FF2B5EF4-FFF2-40B4-BE49-F238E27FC236}">
+                <a16:creationId xmlns:a16="http://schemas.microsoft.com/office/drawing/2014/main" id="{F7532589-ABB8-424C-B0EB-8AB7666535D0}"/>
+              </a:ext>
+            </a:extLst>
+          </p:cNvPr>
+          <p:cNvSpPr>
+            <a:spLocks noGrp="1"/>
+          </p:cNvSpPr>
+          <p:nvPr>
+            <p:ph idx="1"/>
+          </p:nvPr>
+        </p:nvSpPr>
+        <p:spPr/>
+        <p:txBody>
+          <a:bodyPr/>
+          <a:lstStyle/>
+          <a:p>
+            <a:r>
+              <a:rPr lang="de-DE" dirty="0"/>
+              <a:t>Mit formaler Verifikation kann Software zu 100% geprüft werden</a:t>
+            </a:r>
+          </a:p>
+          <a:p>
+            <a:r>
+              <a:rPr lang="de-DE" dirty="0"/>
+              <a:t>Die Software ist immer nur so gut wie die Spezifikation</a:t>
+            </a:r>
+          </a:p>
+          <a:p>
+            <a:r>
+              <a:rPr lang="de-DE" dirty="0"/>
+              <a:t>Es lohnt sich in sicherheitskritischen Systemen und bei viel genutzter Software</a:t>
+            </a:r>
+          </a:p>
+          <a:p>
+            <a:r>
+              <a:rPr lang="de-DE" dirty="0"/>
+              <a:t>Es ist deutlich aufwendiger als normales Entwickeln</a:t>
+            </a:r>
+          </a:p>
+          <a:p>
+            <a:endParaRPr lang="en-US" dirty="0"/>
+          </a:p>
+        </p:txBody>
+      </p:sp>
+      <p:sp>
+        <p:nvSpPr>
+          <p:cNvPr id="4" name="Datumsplatzhalter 3">
+            <a:extLst>
+              <a:ext uri="{FF2B5EF4-FFF2-40B4-BE49-F238E27FC236}">
+                <a16:creationId xmlns:a16="http://schemas.microsoft.com/office/drawing/2014/main" id="{B41B084E-2F3C-4B93-BE49-5F3D84BAE5ED}"/>
+              </a:ext>
+            </a:extLst>
+          </p:cNvPr>
+          <p:cNvSpPr>
+            <a:spLocks noGrp="1"/>
+          </p:cNvSpPr>
+          <p:nvPr>
+            <p:ph type="dt" sz="half" idx="10"/>
+          </p:nvPr>
+        </p:nvSpPr>
+        <p:spPr/>
+        <p:txBody>
+          <a:bodyPr/>
+          <a:lstStyle/>
+          <a:p>
+            <a:r>
+              <a:rPr lang="de-DE"/>
+              <a:t>21/01/2020</a:t>
+            </a:r>
+            <a:endParaRPr lang="en-US"/>
+          </a:p>
+        </p:txBody>
+      </p:sp>
+    </p:spTree>
+    <p:extLst>
+      <p:ext uri="{BB962C8B-B14F-4D97-AF65-F5344CB8AC3E}">
+        <p14:creationId xmlns:p14="http://schemas.microsoft.com/office/powerpoint/2010/main" val="3575977899"/>
       </p:ext>
     </p:extLst>
   </p:cSld>
@@ -9351,7 +14717,7 @@
                   </a:schemeClr>
                 </a:solidFill>
               </a:rPr>
-              <a:t> korrekt funktionieren</a:t>
+              <a:t> korrekt funktionieren.</a:t>
             </a:r>
           </a:p>
           <a:p>

--- a/final-presentation.pptx
+++ b/final-presentation.pptx
@@ -222,7 +222,7 @@
           <a:p>
             <a:fld id="{FE6C84CA-683E-42DB-A12D-E6F2DC5AC556}" type="datetimeFigureOut">
               <a:rPr lang="en-US" smtClean="0"/>
-              <a:t>1/16/2020</a:t>
+              <a:t>1/17/2020</a:t>
             </a:fld>
             <a:endParaRPr lang="en-US"/>
           </a:p>
@@ -6959,7 +6959,7 @@
           <a:p>
             <a:r>
               <a:rPr lang="de-DE" dirty="0"/>
-              <a:t>Bedeutet: Typen die von etwas abhängen</a:t>
+              <a:t>Bedeutet: Typen, die von etwas abhängen</a:t>
             </a:r>
           </a:p>
           <a:p>
@@ -7096,6 +7096,196 @@
   <p:clrMapOvr>
     <a:masterClrMapping/>
   </p:clrMapOvr>
+  <p:timing>
+    <p:tnLst>
+      <p:par>
+        <p:cTn id="1" dur="indefinite" restart="never" nodeType="tmRoot">
+          <p:childTnLst>
+            <p:seq concurrent="1" nextAc="seek">
+              <p:cTn id="2" dur="indefinite" nodeType="mainSeq">
+                <p:childTnLst>
+                  <p:par>
+                    <p:cTn id="3" fill="hold">
+                      <p:stCondLst>
+                        <p:cond delay="indefinite"/>
+                      </p:stCondLst>
+                      <p:childTnLst>
+                        <p:par>
+                          <p:cTn id="4" fill="hold">
+                            <p:stCondLst>
+                              <p:cond delay="0"/>
+                            </p:stCondLst>
+                            <p:childTnLst>
+                              <p:par>
+                                <p:cTn id="5" presetID="1" presetClass="entr" presetSubtype="0" fill="hold" nodeType="clickEffect">
+                                  <p:stCondLst>
+                                    <p:cond delay="0"/>
+                                  </p:stCondLst>
+                                  <p:childTnLst>
+                                    <p:set>
+                                      <p:cBhvr>
+                                        <p:cTn id="6" dur="1" fill="hold">
+                                          <p:stCondLst>
+                                            <p:cond delay="0"/>
+                                          </p:stCondLst>
+                                        </p:cTn>
+                                        <p:tgtEl>
+                                          <p:spTgt spid="3">
+                                            <p:txEl>
+                                              <p:pRg st="2" end="2"/>
+                                            </p:txEl>
+                                          </p:spTgt>
+                                        </p:tgtEl>
+                                        <p:attrNameLst>
+                                          <p:attrName>style.visibility</p:attrName>
+                                        </p:attrNameLst>
+                                      </p:cBhvr>
+                                      <p:to>
+                                        <p:strVal val="visible"/>
+                                      </p:to>
+                                    </p:set>
+                                  </p:childTnLst>
+                                </p:cTn>
+                              </p:par>
+                              <p:par>
+                                <p:cTn id="7" presetID="1" presetClass="entr" presetSubtype="0" fill="hold" nodeType="withEffect">
+                                  <p:stCondLst>
+                                    <p:cond delay="0"/>
+                                  </p:stCondLst>
+                                  <p:childTnLst>
+                                    <p:set>
+                                      <p:cBhvr>
+                                        <p:cTn id="8" dur="1" fill="hold">
+                                          <p:stCondLst>
+                                            <p:cond delay="0"/>
+                                          </p:stCondLst>
+                                        </p:cTn>
+                                        <p:tgtEl>
+                                          <p:spTgt spid="3">
+                                            <p:txEl>
+                                              <p:pRg st="3" end="3"/>
+                                            </p:txEl>
+                                          </p:spTgt>
+                                        </p:tgtEl>
+                                        <p:attrNameLst>
+                                          <p:attrName>style.visibility</p:attrName>
+                                        </p:attrNameLst>
+                                      </p:cBhvr>
+                                      <p:to>
+                                        <p:strVal val="visible"/>
+                                      </p:to>
+                                    </p:set>
+                                  </p:childTnLst>
+                                </p:cTn>
+                              </p:par>
+                            </p:childTnLst>
+                          </p:cTn>
+                        </p:par>
+                      </p:childTnLst>
+                    </p:cTn>
+                  </p:par>
+                  <p:par>
+                    <p:cTn id="9" fill="hold">
+                      <p:stCondLst>
+                        <p:cond delay="indefinite"/>
+                      </p:stCondLst>
+                      <p:childTnLst>
+                        <p:par>
+                          <p:cTn id="10" fill="hold">
+                            <p:stCondLst>
+                              <p:cond delay="0"/>
+                            </p:stCondLst>
+                            <p:childTnLst>
+                              <p:par>
+                                <p:cTn id="11" presetID="1" presetClass="entr" presetSubtype="0" fill="hold" nodeType="clickEffect">
+                                  <p:stCondLst>
+                                    <p:cond delay="0"/>
+                                  </p:stCondLst>
+                                  <p:childTnLst>
+                                    <p:set>
+                                      <p:cBhvr>
+                                        <p:cTn id="12" dur="1" fill="hold">
+                                          <p:stCondLst>
+                                            <p:cond delay="0"/>
+                                          </p:stCondLst>
+                                        </p:cTn>
+                                        <p:tgtEl>
+                                          <p:spTgt spid="3">
+                                            <p:txEl>
+                                              <p:pRg st="4" end="4"/>
+                                            </p:txEl>
+                                          </p:spTgt>
+                                        </p:tgtEl>
+                                        <p:attrNameLst>
+                                          <p:attrName>style.visibility</p:attrName>
+                                        </p:attrNameLst>
+                                      </p:cBhvr>
+                                      <p:to>
+                                        <p:strVal val="visible"/>
+                                      </p:to>
+                                    </p:set>
+                                  </p:childTnLst>
+                                </p:cTn>
+                              </p:par>
+                              <p:par>
+                                <p:cTn id="13" presetID="1" presetClass="entr" presetSubtype="0" fill="hold" nodeType="withEffect">
+                                  <p:stCondLst>
+                                    <p:cond delay="0"/>
+                                  </p:stCondLst>
+                                  <p:childTnLst>
+                                    <p:set>
+                                      <p:cBhvr>
+                                        <p:cTn id="14" dur="1" fill="hold">
+                                          <p:stCondLst>
+                                            <p:cond delay="0"/>
+                                          </p:stCondLst>
+                                        </p:cTn>
+                                        <p:tgtEl>
+                                          <p:spTgt spid="3">
+                                            <p:txEl>
+                                              <p:pRg st="5" end="5"/>
+                                            </p:txEl>
+                                          </p:spTgt>
+                                        </p:tgtEl>
+                                        <p:attrNameLst>
+                                          <p:attrName>style.visibility</p:attrName>
+                                        </p:attrNameLst>
+                                      </p:cBhvr>
+                                      <p:to>
+                                        <p:strVal val="visible"/>
+                                      </p:to>
+                                    </p:set>
+                                  </p:childTnLst>
+                                </p:cTn>
+                              </p:par>
+                            </p:childTnLst>
+                          </p:cTn>
+                        </p:par>
+                      </p:childTnLst>
+                    </p:cTn>
+                  </p:par>
+                </p:childTnLst>
+              </p:cTn>
+              <p:prevCondLst>
+                <p:cond evt="onPrev" delay="0">
+                  <p:tgtEl>
+                    <p:sldTgt/>
+                  </p:tgtEl>
+                </p:cond>
+              </p:prevCondLst>
+              <p:nextCondLst>
+                <p:cond evt="onNext" delay="0">
+                  <p:tgtEl>
+                    <p:sldTgt/>
+                  </p:tgtEl>
+                </p:cond>
+              </p:nextCondLst>
+            </p:seq>
+          </p:childTnLst>
+        </p:cTn>
+      </p:par>
+    </p:tnLst>
+  </p:timing>
 </p:sld>
 </file>
 
@@ -7143,7 +7333,7 @@
             </a:r>
             <a:r>
               <a:rPr lang="de-DE" dirty="0"/>
-              <a:t> Type Sprache</a:t>
+              <a:t> Type Sprache: Beispiel</a:t>
             </a:r>
             <a:endParaRPr lang="en-US" dirty="0"/>
           </a:p>
@@ -8654,7 +8844,7 @@
         <p:spPr/>
         <p:txBody>
           <a:bodyPr>
-            <a:normAutofit fontScale="70000" lnSpcReduction="20000"/>
+            <a:noAutofit/>
           </a:bodyPr>
           <a:lstStyle/>
           <a:p>
@@ -8662,7 +8852,7 @@
               <a:buNone/>
             </a:pPr>
             <a:r>
-              <a:rPr lang="en-US" dirty="0">
+              <a:rPr lang="en-US" sz="2000" dirty="0">
                 <a:solidFill>
                   <a:schemeClr val="accent1">
                     <a:lumMod val="75000"/>
@@ -8677,7 +8867,7 @@
               <a:buNone/>
             </a:pPr>
             <a:r>
-              <a:rPr lang="en-US" dirty="0">
+              <a:rPr lang="en-US" sz="2000" dirty="0">
                 <a:solidFill>
                   <a:schemeClr val="accent1">
                     <a:lumMod val="75000"/>
@@ -8691,7 +8881,7 @@
             <a:pPr marL="0" indent="0">
               <a:buNone/>
             </a:pPr>
-            <a:endParaRPr lang="en-US" dirty="0">
+            <a:endParaRPr lang="en-US" sz="2000" dirty="0">
               <a:solidFill>
                 <a:schemeClr val="accent1">
                   <a:lumMod val="75000"/>
@@ -8704,7 +8894,7 @@
               <a:buNone/>
             </a:pPr>
             <a:r>
-              <a:rPr lang="en-US" dirty="0">
+              <a:rPr lang="en-US" sz="2000" dirty="0">
                 <a:solidFill>
                   <a:schemeClr val="accent1">
                     <a:lumMod val="75000"/>
@@ -8719,7 +8909,7 @@
               <a:buNone/>
             </a:pPr>
             <a:r>
-              <a:rPr lang="en-US" dirty="0" err="1">
+              <a:rPr lang="en-US" sz="2000" dirty="0" err="1">
                 <a:solidFill>
                   <a:schemeClr val="accent1">
                     <a:lumMod val="75000"/>
@@ -8729,7 +8919,7 @@
               <a:t>conj</a:t>
             </a:r>
             <a:r>
-              <a:rPr lang="en-US" dirty="0">
+              <a:rPr lang="en-US" sz="2000" dirty="0">
                 <a:solidFill>
                   <a:schemeClr val="accent1">
                     <a:lumMod val="75000"/>
@@ -8743,7 +8933,7 @@
             <a:pPr marL="0" indent="0">
               <a:buNone/>
             </a:pPr>
-            <a:endParaRPr lang="en-US" dirty="0">
+            <a:endParaRPr lang="en-US" sz="2000" dirty="0">
               <a:solidFill>
                 <a:schemeClr val="accent1">
                   <a:lumMod val="75000"/>
@@ -8756,6 +8946,56 @@
               <a:buNone/>
             </a:pPr>
             <a:r>
+              <a:rPr lang="en-US" sz="2000" dirty="0">
+                <a:solidFill>
+                  <a:schemeClr val="accent1">
+                    <a:lumMod val="75000"/>
+                  </a:schemeClr>
+                </a:solidFill>
+              </a:rPr>
+              <a:t>Inductive or (A B : Type) : Type :=</a:t>
+            </a:r>
+          </a:p>
+          <a:p>
+            <a:pPr marL="0" indent="0">
+              <a:buNone/>
+            </a:pPr>
+            <a:r>
+              <a:rPr lang="en-US" sz="2000" dirty="0" err="1">
+                <a:solidFill>
+                  <a:schemeClr val="accent1">
+                    <a:lumMod val="75000"/>
+                  </a:schemeClr>
+                </a:solidFill>
+              </a:rPr>
+              <a:t>or_introl</a:t>
+            </a:r>
+            <a:r>
+              <a:rPr lang="en-US" sz="2000" dirty="0">
+                <a:solidFill>
+                  <a:schemeClr val="accent1">
+                    <a:lumMod val="75000"/>
+                  </a:schemeClr>
+                </a:solidFill>
+              </a:rPr>
+              <a:t> : A -&gt; or A B</a:t>
+            </a:r>
+          </a:p>
+          <a:p>
+            <a:pPr marL="457200" lvl="1" indent="0">
+              <a:buNone/>
+            </a:pPr>
+            <a:r>
+              <a:rPr lang="en-US" dirty="0" err="1">
+                <a:solidFill>
+                  <a:schemeClr val="accent1">
+                    <a:lumMod val="75000"/>
+                  </a:schemeClr>
+                </a:solidFill>
+              </a:rPr>
+              <a:t>or_intror</a:t>
+            </a:r>
+            <a:r>
               <a:rPr lang="en-US" dirty="0">
                 <a:solidFill>
                   <a:schemeClr val="accent1">
@@ -8763,59 +9003,9 @@
                   </a:schemeClr>
                 </a:solidFill>
               </a:rPr>
-              <a:t>Inductive or (A B : Type) : Type :=</a:t>
-            </a:r>
-          </a:p>
-          <a:p>
-            <a:pPr marL="0" indent="0">
-              <a:buNone/>
-            </a:pPr>
-            <a:r>
-              <a:rPr lang="en-US" dirty="0" err="1">
-                <a:solidFill>
-                  <a:schemeClr val="accent1">
-                    <a:lumMod val="75000"/>
-                  </a:schemeClr>
-                </a:solidFill>
-              </a:rPr>
-              <a:t>or_introl</a:t>
-            </a:r>
-            <a:r>
-              <a:rPr lang="en-US" dirty="0">
-                <a:solidFill>
-                  <a:schemeClr val="accent1">
-                    <a:lumMod val="75000"/>
-                  </a:schemeClr>
-                </a:solidFill>
-              </a:rPr>
-              <a:t> : A -&gt; or A B</a:t>
-            </a:r>
-          </a:p>
-          <a:p>
-            <a:pPr marL="457200" lvl="1" indent="0">
-              <a:buNone/>
-            </a:pPr>
-            <a:r>
-              <a:rPr lang="en-US" sz="2400" dirty="0" err="1">
-                <a:solidFill>
-                  <a:schemeClr val="accent1">
-                    <a:lumMod val="75000"/>
-                  </a:schemeClr>
-                </a:solidFill>
-              </a:rPr>
-              <a:t>or_intror</a:t>
-            </a:r>
-            <a:r>
-              <a:rPr lang="en-US" sz="2400" dirty="0">
-                <a:solidFill>
-                  <a:schemeClr val="accent1">
-                    <a:lumMod val="75000"/>
-                  </a:schemeClr>
-                </a:solidFill>
-              </a:rPr>
               <a:t> : B -&gt; or A B.</a:t>
             </a:r>
-            <a:endParaRPr lang="pt-BR" sz="2400" dirty="0">
+            <a:endParaRPr lang="pt-BR" dirty="0">
               <a:solidFill>
                 <a:schemeClr val="accent1">
                   <a:lumMod val="75000"/>
@@ -8868,8 +9058,8 @@
         </p:nvSpPr>
         <p:spPr>
           <a:xfrm>
-            <a:off x="6140910" y="2782669"/>
-            <a:ext cx="5362113" cy="646331"/>
+            <a:off x="6096000" y="2527964"/>
+            <a:ext cx="5362113" cy="738664"/>
           </a:xfrm>
           <a:prstGeom prst="rect">
             <a:avLst/>
@@ -8887,7 +9077,7 @@
               <a:buChar char="•"/>
             </a:pPr>
             <a:r>
-              <a:rPr lang="de-DE" dirty="0"/>
+              <a:rPr lang="de-DE" sz="2400" dirty="0"/>
               <a:t>Werte werden an Type gebunden</a:t>
             </a:r>
           </a:p>
@@ -8914,8 +9104,8 @@
         </p:nvSpPr>
         <p:spPr>
           <a:xfrm>
-            <a:off x="6140910" y="3905933"/>
-            <a:ext cx="5362113" cy="923330"/>
+            <a:off x="6095999" y="3571086"/>
+            <a:ext cx="5362113" cy="1107996"/>
           </a:xfrm>
           <a:prstGeom prst="rect">
             <a:avLst/>
@@ -8933,7 +9123,7 @@
               <a:buChar char="•"/>
             </a:pPr>
             <a:r>
-              <a:rPr lang="de-DE" dirty="0"/>
+              <a:rPr lang="de-DE" sz="2400" dirty="0"/>
               <a:t>Für and müssen A und B als Instanz hin schreibbar sein</a:t>
             </a:r>
           </a:p>
@@ -8961,7 +9151,7 @@
         <p:spPr>
           <a:xfrm>
             <a:off x="6140909" y="4983540"/>
-            <a:ext cx="5362113" cy="646331"/>
+            <a:ext cx="5362113" cy="1107996"/>
           </a:xfrm>
           <a:prstGeom prst="rect">
             <a:avLst/>
@@ -8979,15 +9169,15 @@
               <a:buChar char="•"/>
             </a:pPr>
             <a:r>
-              <a:rPr lang="de-DE" dirty="0"/>
+              <a:rPr lang="de-DE" sz="2400" dirty="0"/>
               <a:t>Für </a:t>
             </a:r>
             <a:r>
-              <a:rPr lang="de-DE" dirty="0" err="1"/>
+              <a:rPr lang="de-DE" sz="2400" dirty="0" err="1"/>
               <a:t>or</a:t>
             </a:r>
             <a:r>
-              <a:rPr lang="de-DE" dirty="0"/>
+              <a:rPr lang="de-DE" sz="2400" dirty="0"/>
               <a:t> muss A oder B als Instanz hin schreibbar sein</a:t>
             </a:r>
           </a:p>
@@ -9194,7 +9384,7 @@
                   </a:schemeClr>
                 </a:solidFill>
               </a:rPr>
-              <a:t>forall n : nat, P n</a:t>
+              <a:t>		forall n : nat, P n</a:t>
             </a:r>
           </a:p>
         </p:txBody>
@@ -9243,7 +9433,7 @@
         <p:spPr>
           <a:xfrm>
             <a:off x="6140910" y="3278080"/>
-            <a:ext cx="5362113" cy="1754326"/>
+            <a:ext cx="5362113" cy="2308324"/>
           </a:xfrm>
           <a:prstGeom prst="rect">
             <a:avLst/>
@@ -9296,6 +9486,26 @@
             </a:r>
           </a:p>
           <a:p>
+            <a:endParaRPr lang="de-DE" dirty="0"/>
+          </a:p>
+          <a:p>
+            <a:pPr marL="285750" indent="-285750">
+              <a:buFont typeface="Arial" panose="020B0604020202020204" pitchFamily="34" charset="0"/>
+              <a:buChar char="•"/>
+            </a:pPr>
+            <a:r>
+              <a:rPr lang="de-DE" dirty="0"/>
+              <a:t>Wenn die Aussage für 0 gilt und wenn für alle n aus der Aussage für n die Aussage für (S n)</a:t>
+            </a:r>
+          </a:p>
+          <a:p>
+            <a:r>
+              <a:rPr lang="de-DE" dirty="0"/>
+              <a:t>	folgt, so gilt die Aussage für alle n.“</a:t>
+            </a:r>
+            <a:endParaRPr lang="en-US" dirty="0"/>
+          </a:p>
+          <a:p>
             <a:pPr marL="285750" indent="-285750">
               <a:buFont typeface="Arial" panose="020B0604020202020204" pitchFamily="34" charset="0"/>
               <a:buChar char="•"/>
@@ -9307,17 +9517,7 @@
               <a:buFont typeface="Arial" panose="020B0604020202020204" pitchFamily="34" charset="0"/>
               <a:buChar char="•"/>
             </a:pPr>
-            <a:r>
-              <a:rPr lang="de-DE" dirty="0"/>
-              <a:t>Wenn die Aussage für 0 gilt und wenn für alle n aus der Aussage für n die Aussage für (S n)</a:t>
-            </a:r>
-          </a:p>
-          <a:p>
-            <a:r>
-              <a:rPr lang="de-DE" dirty="0"/>
-              <a:t>	folgt, so gilt die Aussage für alle n.“</a:t>
-            </a:r>
-            <a:endParaRPr lang="en-US" dirty="0"/>
+            <a:endParaRPr lang="de-DE" dirty="0"/>
           </a:p>
         </p:txBody>
       </p:sp>
@@ -9331,6 +9531,116 @@
   <p:clrMapOvr>
     <a:masterClrMapping/>
   </p:clrMapOvr>
+  <p:timing>
+    <p:tnLst>
+      <p:par>
+        <p:cTn id="1" dur="indefinite" restart="never" nodeType="tmRoot">
+          <p:childTnLst>
+            <p:seq concurrent="1" nextAc="seek">
+              <p:cTn id="2" dur="indefinite" nodeType="mainSeq">
+                <p:childTnLst>
+                  <p:par>
+                    <p:cTn id="3" fill="hold">
+                      <p:stCondLst>
+                        <p:cond delay="indefinite"/>
+                      </p:stCondLst>
+                      <p:childTnLst>
+                        <p:par>
+                          <p:cTn id="4" fill="hold">
+                            <p:stCondLst>
+                              <p:cond delay="0"/>
+                            </p:stCondLst>
+                            <p:childTnLst>
+                              <p:par>
+                                <p:cTn id="5" presetID="1" presetClass="entr" presetSubtype="0" fill="hold" nodeType="clickEffect">
+                                  <p:stCondLst>
+                                    <p:cond delay="0"/>
+                                  </p:stCondLst>
+                                  <p:childTnLst>
+                                    <p:set>
+                                      <p:cBhvr>
+                                        <p:cTn id="6" dur="1" fill="hold">
+                                          <p:stCondLst>
+                                            <p:cond delay="0"/>
+                                          </p:stCondLst>
+                                        </p:cTn>
+                                        <p:tgtEl>
+                                          <p:spTgt spid="5">
+                                            <p:txEl>
+                                              <p:pRg st="3" end="3"/>
+                                            </p:txEl>
+                                          </p:spTgt>
+                                        </p:tgtEl>
+                                        <p:attrNameLst>
+                                          <p:attrName>style.visibility</p:attrName>
+                                        </p:attrNameLst>
+                                      </p:cBhvr>
+                                      <p:to>
+                                        <p:strVal val="visible"/>
+                                      </p:to>
+                                    </p:set>
+                                  </p:childTnLst>
+                                </p:cTn>
+                              </p:par>
+                              <p:par>
+                                <p:cTn id="7" presetID="1" presetClass="entr" presetSubtype="0" fill="hold" nodeType="withEffect">
+                                  <p:stCondLst>
+                                    <p:cond delay="0"/>
+                                  </p:stCondLst>
+                                  <p:childTnLst>
+                                    <p:set>
+                                      <p:cBhvr>
+                                        <p:cTn id="8" dur="1" fill="hold">
+                                          <p:stCondLst>
+                                            <p:cond delay="0"/>
+                                          </p:stCondLst>
+                                        </p:cTn>
+                                        <p:tgtEl>
+                                          <p:spTgt spid="5">
+                                            <p:txEl>
+                                              <p:pRg st="4" end="4"/>
+                                            </p:txEl>
+                                          </p:spTgt>
+                                        </p:tgtEl>
+                                        <p:attrNameLst>
+                                          <p:attrName>style.visibility</p:attrName>
+                                        </p:attrNameLst>
+                                      </p:cBhvr>
+                                      <p:to>
+                                        <p:strVal val="visible"/>
+                                      </p:to>
+                                    </p:set>
+                                  </p:childTnLst>
+                                </p:cTn>
+                              </p:par>
+                            </p:childTnLst>
+                          </p:cTn>
+                        </p:par>
+                      </p:childTnLst>
+                    </p:cTn>
+                  </p:par>
+                </p:childTnLst>
+              </p:cTn>
+              <p:prevCondLst>
+                <p:cond evt="onPrev" delay="0">
+                  <p:tgtEl>
+                    <p:sldTgt/>
+                  </p:tgtEl>
+                </p:cond>
+              </p:prevCondLst>
+              <p:nextCondLst>
+                <p:cond evt="onNext" delay="0">
+                  <p:tgtEl>
+                    <p:sldTgt/>
+                  </p:tgtEl>
+                </p:cond>
+              </p:nextCondLst>
+            </p:seq>
+          </p:childTnLst>
+        </p:cTn>
+      </p:par>
+    </p:tnLst>
+  </p:timing>
 </p:sld>
 </file>
 
@@ -10359,6 +10669,395 @@
   <p:clrMapOvr>
     <a:masterClrMapping/>
   </p:clrMapOvr>
+  <p:timing>
+    <p:tnLst>
+      <p:par>
+        <p:cTn id="1" dur="indefinite" restart="never" nodeType="tmRoot">
+          <p:childTnLst>
+            <p:seq concurrent="1" nextAc="seek">
+              <p:cTn id="2" dur="indefinite" nodeType="mainSeq">
+                <p:childTnLst>
+                  <p:par>
+                    <p:cTn id="3" fill="hold">
+                      <p:stCondLst>
+                        <p:cond delay="indefinite"/>
+                      </p:stCondLst>
+                      <p:childTnLst>
+                        <p:par>
+                          <p:cTn id="4" fill="hold">
+                            <p:stCondLst>
+                              <p:cond delay="0"/>
+                            </p:stCondLst>
+                            <p:childTnLst>
+                              <p:par>
+                                <p:cTn id="5" presetID="1" presetClass="entr" presetSubtype="0" fill="hold" nodeType="clickEffect">
+                                  <p:stCondLst>
+                                    <p:cond delay="0"/>
+                                  </p:stCondLst>
+                                  <p:childTnLst>
+                                    <p:set>
+                                      <p:cBhvr>
+                                        <p:cTn id="6" dur="1" fill="hold">
+                                          <p:stCondLst>
+                                            <p:cond delay="0"/>
+                                          </p:stCondLst>
+                                        </p:cTn>
+                                        <p:tgtEl>
+                                          <p:spTgt spid="5">
+                                            <p:txEl>
+                                              <p:pRg st="0" end="0"/>
+                                            </p:txEl>
+                                          </p:spTgt>
+                                        </p:tgtEl>
+                                        <p:attrNameLst>
+                                          <p:attrName>style.visibility</p:attrName>
+                                        </p:attrNameLst>
+                                      </p:cBhvr>
+                                      <p:to>
+                                        <p:strVal val="visible"/>
+                                      </p:to>
+                                    </p:set>
+                                  </p:childTnLst>
+                                </p:cTn>
+                              </p:par>
+                              <p:par>
+                                <p:cTn id="7" presetID="1" presetClass="entr" presetSubtype="0" fill="hold" nodeType="withEffect">
+                                  <p:stCondLst>
+                                    <p:cond delay="0"/>
+                                  </p:stCondLst>
+                                  <p:childTnLst>
+                                    <p:set>
+                                      <p:cBhvr>
+                                        <p:cTn id="8" dur="1" fill="hold">
+                                          <p:stCondLst>
+                                            <p:cond delay="0"/>
+                                          </p:stCondLst>
+                                        </p:cTn>
+                                        <p:tgtEl>
+                                          <p:spTgt spid="5">
+                                            <p:txEl>
+                                              <p:pRg st="2" end="2"/>
+                                            </p:txEl>
+                                          </p:spTgt>
+                                        </p:tgtEl>
+                                        <p:attrNameLst>
+                                          <p:attrName>style.visibility</p:attrName>
+                                        </p:attrNameLst>
+                                      </p:cBhvr>
+                                      <p:to>
+                                        <p:strVal val="visible"/>
+                                      </p:to>
+                                    </p:set>
+                                  </p:childTnLst>
+                                </p:cTn>
+                              </p:par>
+                              <p:par>
+                                <p:cTn id="9" presetID="1" presetClass="entr" presetSubtype="0" fill="hold" nodeType="withEffect">
+                                  <p:stCondLst>
+                                    <p:cond delay="0"/>
+                                  </p:stCondLst>
+                                  <p:childTnLst>
+                                    <p:set>
+                                      <p:cBhvr>
+                                        <p:cTn id="10" dur="1" fill="hold">
+                                          <p:stCondLst>
+                                            <p:cond delay="0"/>
+                                          </p:stCondLst>
+                                        </p:cTn>
+                                        <p:tgtEl>
+                                          <p:spTgt spid="5">
+                                            <p:txEl>
+                                              <p:pRg st="3" end="3"/>
+                                            </p:txEl>
+                                          </p:spTgt>
+                                        </p:tgtEl>
+                                        <p:attrNameLst>
+                                          <p:attrName>style.visibility</p:attrName>
+                                        </p:attrNameLst>
+                                      </p:cBhvr>
+                                      <p:to>
+                                        <p:strVal val="visible"/>
+                                      </p:to>
+                                    </p:set>
+                                  </p:childTnLst>
+                                </p:cTn>
+                              </p:par>
+                              <p:par>
+                                <p:cTn id="11" presetID="1" presetClass="entr" presetSubtype="0" fill="hold" nodeType="withEffect">
+                                  <p:stCondLst>
+                                    <p:cond delay="0"/>
+                                  </p:stCondLst>
+                                  <p:childTnLst>
+                                    <p:set>
+                                      <p:cBhvr>
+                                        <p:cTn id="12" dur="1" fill="hold">
+                                          <p:stCondLst>
+                                            <p:cond delay="0"/>
+                                          </p:stCondLst>
+                                        </p:cTn>
+                                        <p:tgtEl>
+                                          <p:spTgt spid="5">
+                                            <p:txEl>
+                                              <p:pRg st="4" end="4"/>
+                                            </p:txEl>
+                                          </p:spTgt>
+                                        </p:tgtEl>
+                                        <p:attrNameLst>
+                                          <p:attrName>style.visibility</p:attrName>
+                                        </p:attrNameLst>
+                                      </p:cBhvr>
+                                      <p:to>
+                                        <p:strVal val="visible"/>
+                                      </p:to>
+                                    </p:set>
+                                  </p:childTnLst>
+                                </p:cTn>
+                              </p:par>
+                              <p:par>
+                                <p:cTn id="13" presetID="1" presetClass="entr" presetSubtype="0" fill="hold" nodeType="withEffect">
+                                  <p:stCondLst>
+                                    <p:cond delay="0"/>
+                                  </p:stCondLst>
+                                  <p:childTnLst>
+                                    <p:set>
+                                      <p:cBhvr>
+                                        <p:cTn id="14" dur="1" fill="hold">
+                                          <p:stCondLst>
+                                            <p:cond delay="0"/>
+                                          </p:stCondLst>
+                                        </p:cTn>
+                                        <p:tgtEl>
+                                          <p:spTgt spid="5">
+                                            <p:txEl>
+                                              <p:pRg st="5" end="5"/>
+                                            </p:txEl>
+                                          </p:spTgt>
+                                        </p:tgtEl>
+                                        <p:attrNameLst>
+                                          <p:attrName>style.visibility</p:attrName>
+                                        </p:attrNameLst>
+                                      </p:cBhvr>
+                                      <p:to>
+                                        <p:strVal val="visible"/>
+                                      </p:to>
+                                    </p:set>
+                                  </p:childTnLst>
+                                </p:cTn>
+                              </p:par>
+                              <p:par>
+                                <p:cTn id="15" presetID="1" presetClass="entr" presetSubtype="0" fill="hold" nodeType="withEffect">
+                                  <p:stCondLst>
+                                    <p:cond delay="0"/>
+                                  </p:stCondLst>
+                                  <p:childTnLst>
+                                    <p:set>
+                                      <p:cBhvr>
+                                        <p:cTn id="16" dur="1" fill="hold">
+                                          <p:stCondLst>
+                                            <p:cond delay="0"/>
+                                          </p:stCondLst>
+                                        </p:cTn>
+                                        <p:tgtEl>
+                                          <p:spTgt spid="5">
+                                            <p:txEl>
+                                              <p:pRg st="6" end="6"/>
+                                            </p:txEl>
+                                          </p:spTgt>
+                                        </p:tgtEl>
+                                        <p:attrNameLst>
+                                          <p:attrName>style.visibility</p:attrName>
+                                        </p:attrNameLst>
+                                      </p:cBhvr>
+                                      <p:to>
+                                        <p:strVal val="visible"/>
+                                      </p:to>
+                                    </p:set>
+                                  </p:childTnLst>
+                                </p:cTn>
+                              </p:par>
+                              <p:par>
+                                <p:cTn id="17" presetID="1" presetClass="entr" presetSubtype="0" fill="hold" nodeType="withEffect">
+                                  <p:stCondLst>
+                                    <p:cond delay="0"/>
+                                  </p:stCondLst>
+                                  <p:childTnLst>
+                                    <p:set>
+                                      <p:cBhvr>
+                                        <p:cTn id="18" dur="1" fill="hold">
+                                          <p:stCondLst>
+                                            <p:cond delay="0"/>
+                                          </p:stCondLst>
+                                        </p:cTn>
+                                        <p:tgtEl>
+                                          <p:spTgt spid="5">
+                                            <p:txEl>
+                                              <p:pRg st="7" end="7"/>
+                                            </p:txEl>
+                                          </p:spTgt>
+                                        </p:tgtEl>
+                                        <p:attrNameLst>
+                                          <p:attrName>style.visibility</p:attrName>
+                                        </p:attrNameLst>
+                                      </p:cBhvr>
+                                      <p:to>
+                                        <p:strVal val="visible"/>
+                                      </p:to>
+                                    </p:set>
+                                  </p:childTnLst>
+                                </p:cTn>
+                              </p:par>
+                              <p:par>
+                                <p:cTn id="19" presetID="1" presetClass="entr" presetSubtype="0" fill="hold" nodeType="withEffect">
+                                  <p:stCondLst>
+                                    <p:cond delay="0"/>
+                                  </p:stCondLst>
+                                  <p:childTnLst>
+                                    <p:set>
+                                      <p:cBhvr>
+                                        <p:cTn id="20" dur="1" fill="hold">
+                                          <p:stCondLst>
+                                            <p:cond delay="0"/>
+                                          </p:stCondLst>
+                                        </p:cTn>
+                                        <p:tgtEl>
+                                          <p:spTgt spid="5">
+                                            <p:txEl>
+                                              <p:pRg st="8" end="8"/>
+                                            </p:txEl>
+                                          </p:spTgt>
+                                        </p:tgtEl>
+                                        <p:attrNameLst>
+                                          <p:attrName>style.visibility</p:attrName>
+                                        </p:attrNameLst>
+                                      </p:cBhvr>
+                                      <p:to>
+                                        <p:strVal val="visible"/>
+                                      </p:to>
+                                    </p:set>
+                                  </p:childTnLst>
+                                </p:cTn>
+                              </p:par>
+                              <p:par>
+                                <p:cTn id="21" presetID="1" presetClass="entr" presetSubtype="0" fill="hold" nodeType="withEffect">
+                                  <p:stCondLst>
+                                    <p:cond delay="0"/>
+                                  </p:stCondLst>
+                                  <p:childTnLst>
+                                    <p:set>
+                                      <p:cBhvr>
+                                        <p:cTn id="22" dur="1" fill="hold">
+                                          <p:stCondLst>
+                                            <p:cond delay="0"/>
+                                          </p:stCondLst>
+                                        </p:cTn>
+                                        <p:tgtEl>
+                                          <p:spTgt spid="5">
+                                            <p:txEl>
+                                              <p:pRg st="9" end="9"/>
+                                            </p:txEl>
+                                          </p:spTgt>
+                                        </p:tgtEl>
+                                        <p:attrNameLst>
+                                          <p:attrName>style.visibility</p:attrName>
+                                        </p:attrNameLst>
+                                      </p:cBhvr>
+                                      <p:to>
+                                        <p:strVal val="visible"/>
+                                      </p:to>
+                                    </p:set>
+                                  </p:childTnLst>
+                                </p:cTn>
+                              </p:par>
+                              <p:par>
+                                <p:cTn id="23" presetID="1" presetClass="entr" presetSubtype="0" fill="hold" nodeType="withEffect">
+                                  <p:stCondLst>
+                                    <p:cond delay="0"/>
+                                  </p:stCondLst>
+                                  <p:childTnLst>
+                                    <p:set>
+                                      <p:cBhvr>
+                                        <p:cTn id="24" dur="1" fill="hold">
+                                          <p:stCondLst>
+                                            <p:cond delay="0"/>
+                                          </p:stCondLst>
+                                        </p:cTn>
+                                        <p:tgtEl>
+                                          <p:spTgt spid="5">
+                                            <p:txEl>
+                                              <p:pRg st="10" end="10"/>
+                                            </p:txEl>
+                                          </p:spTgt>
+                                        </p:tgtEl>
+                                        <p:attrNameLst>
+                                          <p:attrName>style.visibility</p:attrName>
+                                        </p:attrNameLst>
+                                      </p:cBhvr>
+                                      <p:to>
+                                        <p:strVal val="visible"/>
+                                      </p:to>
+                                    </p:set>
+                                  </p:childTnLst>
+                                </p:cTn>
+                              </p:par>
+                              <p:par>
+                                <p:cTn id="25" presetID="1" presetClass="entr" presetSubtype="0" fill="hold" nodeType="withEffect">
+                                  <p:stCondLst>
+                                    <p:cond delay="0"/>
+                                  </p:stCondLst>
+                                  <p:childTnLst>
+                                    <p:set>
+                                      <p:cBhvr>
+                                        <p:cTn id="26" dur="1" fill="hold">
+                                          <p:stCondLst>
+                                            <p:cond delay="0"/>
+                                          </p:stCondLst>
+                                        </p:cTn>
+                                        <p:tgtEl>
+                                          <p:spTgt spid="5">
+                                            <p:txEl>
+                                              <p:pRg st="11" end="11"/>
+                                            </p:txEl>
+                                          </p:spTgt>
+                                        </p:tgtEl>
+                                        <p:attrNameLst>
+                                          <p:attrName>style.visibility</p:attrName>
+                                        </p:attrNameLst>
+                                      </p:cBhvr>
+                                      <p:to>
+                                        <p:strVal val="visible"/>
+                                      </p:to>
+                                    </p:set>
+                                  </p:childTnLst>
+                                </p:cTn>
+                              </p:par>
+                            </p:childTnLst>
+                          </p:cTn>
+                        </p:par>
+                      </p:childTnLst>
+                    </p:cTn>
+                  </p:par>
+                </p:childTnLst>
+              </p:cTn>
+              <p:prevCondLst>
+                <p:cond evt="onPrev" delay="0">
+                  <p:tgtEl>
+                    <p:sldTgt/>
+                  </p:tgtEl>
+                </p:cond>
+              </p:prevCondLst>
+              <p:nextCondLst>
+                <p:cond evt="onNext" delay="0">
+                  <p:tgtEl>
+                    <p:sldTgt/>
+                  </p:tgtEl>
+                </p:cond>
+              </p:nextCondLst>
+            </p:seq>
+          </p:childTnLst>
+        </p:cTn>
+      </p:par>
+    </p:tnLst>
+  </p:timing>
 </p:sld>
 </file>
 
@@ -11042,7 +11741,7 @@
         </p:nvSpPr>
         <p:spPr>
           <a:xfrm>
-            <a:off x="6333869" y="2849942"/>
+            <a:off x="6333869" y="3054279"/>
             <a:ext cx="4688524" cy="1569660"/>
           </a:xfrm>
           <a:prstGeom prst="rect">
@@ -11314,7 +12013,7 @@
         </p:nvSpPr>
         <p:spPr>
           <a:xfrm>
-            <a:off x="6333869" y="4366609"/>
+            <a:off x="6333869" y="4623939"/>
             <a:ext cx="4688524" cy="461665"/>
           </a:xfrm>
           <a:prstGeom prst="rect">
@@ -11329,7 +12028,7 @@
           <a:p>
             <a:r>
               <a:rPr lang="en-US" sz="2400" dirty="0"/>
-              <a:t>Definition … (</a:t>
+              <a:t>… (</a:t>
             </a:r>
             <a:r>
               <a:rPr lang="en-US" sz="2400" dirty="0" err="1"/>
@@ -11661,10 +12360,10 @@
       </p:sp>
       <p:sp>
         <p:nvSpPr>
-          <p:cNvPr id="7" name="Rechteck 6">
+          <p:cNvPr id="6" name="Rechteck 5">
             <a:extLst>
               <a:ext uri="{FF2B5EF4-FFF2-40B4-BE49-F238E27FC236}">
-                <a16:creationId xmlns:a16="http://schemas.microsoft.com/office/drawing/2014/main" id="{5C9EA0C6-AC76-4D00-B64D-13E6F9B723B4}"/>
+                <a16:creationId xmlns:a16="http://schemas.microsoft.com/office/drawing/2014/main" id="{34DDEFD1-9E29-48DB-9E15-5A1E4E8015FF}"/>
               </a:ext>
             </a:extLst>
           </p:cNvPr>
@@ -11673,7 +12372,7 @@
         </p:nvSpPr>
         <p:spPr>
           <a:xfrm>
-            <a:off x="6333869" y="4366609"/>
+            <a:off x="6333869" y="4623939"/>
             <a:ext cx="4688524" cy="461665"/>
           </a:xfrm>
           <a:prstGeom prst="rect">
@@ -11706,6 +12405,74 @@
               <a:rPr lang="en-US" sz="2400" dirty="0"/>
               <a:t>)</a:t>
             </a:r>
+          </a:p>
+        </p:txBody>
+      </p:sp>
+      <p:sp>
+        <p:nvSpPr>
+          <p:cNvPr id="5" name="Textfeld 4">
+            <a:extLst>
+              <a:ext uri="{FF2B5EF4-FFF2-40B4-BE49-F238E27FC236}">
+                <a16:creationId xmlns:a16="http://schemas.microsoft.com/office/drawing/2014/main" id="{8219F705-B2F5-4EE3-96F0-4188CA2B0309}"/>
+              </a:ext>
+            </a:extLst>
+          </p:cNvPr>
+          <p:cNvSpPr txBox="1"/>
+          <p:nvPr/>
+        </p:nvSpPr>
+        <p:spPr>
+          <a:xfrm>
+            <a:off x="7767961" y="2684947"/>
+            <a:ext cx="3879542" cy="1938992"/>
+          </a:xfrm>
+          <a:prstGeom prst="rect">
+            <a:avLst/>
+          </a:prstGeom>
+          <a:noFill/>
+        </p:spPr>
+        <p:txBody>
+          <a:bodyPr wrap="square" rtlCol="0">
+            <a:spAutoFit/>
+          </a:bodyPr>
+          <a:lstStyle/>
+          <a:p>
+            <a:pPr marL="285750" indent="-285750">
+              <a:buFont typeface="Arial" panose="020B0604020202020204" pitchFamily="34" charset="0"/>
+              <a:buChar char="•"/>
+            </a:pPr>
+            <a:r>
+              <a:rPr lang="de-DE" sz="2400" dirty="0"/>
+              <a:t>Prüft, ob ein neu erstellte Paar mithilfe von </a:t>
+            </a:r>
+            <a:r>
+              <a:rPr lang="de-DE" sz="2400" dirty="0" err="1">
+                <a:solidFill>
+                  <a:schemeClr val="accent1">
+                    <a:lumMod val="75000"/>
+                  </a:schemeClr>
+                </a:solidFill>
+              </a:rPr>
+              <a:t>fst</a:t>
+            </a:r>
+            <a:r>
+              <a:rPr lang="de-DE" sz="2400" dirty="0"/>
+              <a:t> und </a:t>
+            </a:r>
+            <a:r>
+              <a:rPr lang="de-DE" sz="2400" dirty="0" err="1">
+                <a:solidFill>
+                  <a:schemeClr val="accent1">
+                    <a:lumMod val="75000"/>
+                  </a:schemeClr>
+                </a:solidFill>
+              </a:rPr>
+              <a:t>snd</a:t>
+            </a:r>
+            <a:r>
+              <a:rPr lang="de-DE" sz="2400" dirty="0"/>
+              <a:t> auf dieses Paar ein Paar mit den gleichen Werten erzeugt</a:t>
+            </a:r>
+            <a:endParaRPr lang="en-US" sz="2400" dirty="0"/>
           </a:p>
         </p:txBody>
       </p:sp>
@@ -11762,11 +12529,7 @@
           <a:p>
             <a:r>
               <a:rPr lang="de-DE" dirty="0"/>
-              <a:t>Coq Proof zu Programmcode: Die </a:t>
-            </a:r>
-            <a:r>
-              <a:rPr lang="de-DE" dirty="0" err="1"/>
-              <a:t>Extraction</a:t>
+              <a:t>Coq Proof zu Programmcode: Die Extraktion</a:t>
             </a:r>
             <a:endParaRPr lang="en-US" dirty="0"/>
           </a:p>
@@ -12314,7 +13077,7 @@
           <a:p>
             <a:r>
               <a:rPr lang="de-DE" dirty="0"/>
-              <a:t>Coq Proof zu Programmcode: Der extrahierte </a:t>
+              <a:t>Coq Proof zu Programmcode: Der generierte </a:t>
             </a:r>
             <a:r>
               <a:rPr lang="de-DE" dirty="0" err="1"/>
@@ -12817,28 +13580,38 @@
           <a:lstStyle/>
           <a:p>
             <a:r>
+              <a:rPr lang="de-DE" dirty="0" err="1"/>
+              <a:t>Proofed</a:t>
+            </a:r>
+            <a:r>
               <a:rPr lang="de-DE" dirty="0"/>
-              <a:t>Proof Stack</a:t>
+              <a:t> Stack</a:t>
             </a:r>
           </a:p>
           <a:p>
             <a:r>
               <a:rPr lang="de-DE" dirty="0"/>
-              <a:t>Compilerbau </a:t>
-            </a:r>
+              <a:t>Compilerbau: </a:t>
+            </a:r>
+            <a:r>
+              <a:rPr lang="de-DE" dirty="0" err="1"/>
+              <a:t>Comp-Cert</a:t>
+            </a:r>
+            <a:r>
+              <a:rPr lang="de-DE" dirty="0"/>
+              <a:t>, </a:t>
+            </a:r>
+            <a:r>
+              <a:rPr lang="de-DE" dirty="0" err="1"/>
+              <a:t>JSCert</a:t>
+            </a:r>
+            <a:endParaRPr lang="de-DE" dirty="0"/>
           </a:p>
           <a:p>
             <a:r>
               <a:rPr lang="de-DE" dirty="0"/>
               <a:t>HDLs</a:t>
             </a:r>
-          </a:p>
-          <a:p>
-            <a:r>
-              <a:rPr lang="de-DE"/>
-              <a:t>C-Compiler</a:t>
-            </a:r>
-            <a:endParaRPr lang="de-DE" dirty="0"/>
           </a:p>
         </p:txBody>
       </p:sp>
@@ -13097,19 +13870,43 @@
               <a:buNone/>
             </a:pPr>
             <a:r>
-              <a:rPr lang="de-DE" dirty="0" err="1"/>
+              <a:rPr lang="de-DE" dirty="0" err="1">
+                <a:solidFill>
+                  <a:schemeClr val="accent1">
+                    <a:lumMod val="75000"/>
+                  </a:schemeClr>
+                </a:solidFill>
+              </a:rPr>
               <a:t>public</a:t>
             </a:r>
             <a:r>
-              <a:rPr lang="de-DE" dirty="0"/>
+              <a:rPr lang="de-DE" dirty="0">
+                <a:solidFill>
+                  <a:schemeClr val="accent1">
+                    <a:lumMod val="75000"/>
+                  </a:schemeClr>
+                </a:solidFill>
+              </a:rPr>
               <a:t> </a:t>
             </a:r>
             <a:r>
-              <a:rPr lang="de-DE" dirty="0" err="1"/>
+              <a:rPr lang="de-DE" dirty="0" err="1">
+                <a:solidFill>
+                  <a:schemeClr val="accent1">
+                    <a:lumMod val="75000"/>
+                  </a:schemeClr>
+                </a:solidFill>
+              </a:rPr>
               <a:t>class</a:t>
             </a:r>
             <a:r>
-              <a:rPr lang="de-DE" dirty="0"/>
+              <a:rPr lang="de-DE" dirty="0">
+                <a:solidFill>
+                  <a:schemeClr val="accent1">
+                    <a:lumMod val="75000"/>
+                  </a:schemeClr>
+                </a:solidFill>
+              </a:rPr>
               <a:t> Math {</a:t>
             </a:r>
           </a:p>
@@ -13118,47 +13915,113 @@
               <a:buNone/>
             </a:pPr>
             <a:r>
-              <a:rPr lang="de-DE" dirty="0"/>
+              <a:rPr lang="de-DE" dirty="0">
+                <a:solidFill>
+                  <a:schemeClr val="accent1">
+                    <a:lumMod val="75000"/>
+                  </a:schemeClr>
+                </a:solidFill>
+              </a:rPr>
               <a:t>	</a:t>
             </a:r>
             <a:r>
-              <a:rPr lang="de-DE" dirty="0" err="1"/>
+              <a:rPr lang="de-DE" dirty="0" err="1">
+                <a:solidFill>
+                  <a:schemeClr val="accent1">
+                    <a:lumMod val="75000"/>
+                  </a:schemeClr>
+                </a:solidFill>
+              </a:rPr>
               <a:t>public</a:t>
             </a:r>
             <a:r>
-              <a:rPr lang="de-DE" dirty="0"/>
+              <a:rPr lang="de-DE" dirty="0">
+                <a:solidFill>
+                  <a:schemeClr val="accent1">
+                    <a:lumMod val="75000"/>
+                  </a:schemeClr>
+                </a:solidFill>
+              </a:rPr>
               <a:t> </a:t>
             </a:r>
             <a:r>
-              <a:rPr lang="de-DE" dirty="0" err="1"/>
+              <a:rPr lang="de-DE" dirty="0" err="1">
+                <a:solidFill>
+                  <a:schemeClr val="accent1">
+                    <a:lumMod val="75000"/>
+                  </a:schemeClr>
+                </a:solidFill>
+              </a:rPr>
               <a:t>int</a:t>
             </a:r>
             <a:r>
-              <a:rPr lang="de-DE" dirty="0"/>
+              <a:rPr lang="de-DE" dirty="0">
+                <a:solidFill>
+                  <a:schemeClr val="accent1">
+                    <a:lumMod val="75000"/>
+                  </a:schemeClr>
+                </a:solidFill>
+              </a:rPr>
               <a:t> </a:t>
             </a:r>
             <a:r>
-              <a:rPr lang="de-DE" dirty="0" err="1"/>
+              <a:rPr lang="de-DE" dirty="0" err="1">
+                <a:solidFill>
+                  <a:schemeClr val="accent1">
+                    <a:lumMod val="75000"/>
+                  </a:schemeClr>
+                </a:solidFill>
+              </a:rPr>
               <a:t>add</a:t>
             </a:r>
             <a:r>
-              <a:rPr lang="de-DE" dirty="0"/>
+              <a:rPr lang="de-DE" dirty="0">
+                <a:solidFill>
+                  <a:schemeClr val="accent1">
+                    <a:lumMod val="75000"/>
+                  </a:schemeClr>
+                </a:solidFill>
+              </a:rPr>
               <a:t> (</a:t>
             </a:r>
             <a:r>
-              <a:rPr lang="de-DE" dirty="0" err="1"/>
+              <a:rPr lang="de-DE" dirty="0" err="1">
+                <a:solidFill>
+                  <a:schemeClr val="accent1">
+                    <a:lumMod val="75000"/>
+                  </a:schemeClr>
+                </a:solidFill>
+              </a:rPr>
               <a:t>int</a:t>
             </a:r>
             <a:r>
-              <a:rPr lang="de-DE" dirty="0"/>
+              <a:rPr lang="de-DE" dirty="0">
+                <a:solidFill>
+                  <a:schemeClr val="accent1">
+                    <a:lumMod val="75000"/>
+                  </a:schemeClr>
+                </a:solidFill>
+              </a:rPr>
               <a:t> a, </a:t>
             </a:r>
             <a:r>
-              <a:rPr lang="de-DE" dirty="0" err="1"/>
+              <a:rPr lang="de-DE" dirty="0" err="1">
+                <a:solidFill>
+                  <a:schemeClr val="accent1">
+                    <a:lumMod val="75000"/>
+                  </a:schemeClr>
+                </a:solidFill>
+              </a:rPr>
               <a:t>int</a:t>
             </a:r>
             <a:r>
-              <a:rPr lang="de-DE" dirty="0"/>
+              <a:rPr lang="de-DE" dirty="0">
+                <a:solidFill>
+                  <a:schemeClr val="accent1">
+                    <a:lumMod val="75000"/>
+                  </a:schemeClr>
+                </a:solidFill>
+              </a:rPr>
               <a:t> b) {</a:t>
             </a:r>
           </a:p>
@@ -13167,15 +14030,33 @@
               <a:buNone/>
             </a:pPr>
             <a:r>
-              <a:rPr lang="de-DE" dirty="0"/>
+              <a:rPr lang="de-DE" dirty="0">
+                <a:solidFill>
+                  <a:schemeClr val="accent1">
+                    <a:lumMod val="75000"/>
+                  </a:schemeClr>
+                </a:solidFill>
+              </a:rPr>
               <a:t>		</a:t>
             </a:r>
             <a:r>
-              <a:rPr lang="de-DE" dirty="0" err="1"/>
+              <a:rPr lang="de-DE" dirty="0" err="1">
+                <a:solidFill>
+                  <a:schemeClr val="accent1">
+                    <a:lumMod val="75000"/>
+                  </a:schemeClr>
+                </a:solidFill>
+              </a:rPr>
               <a:t>return</a:t>
             </a:r>
             <a:r>
-              <a:rPr lang="de-DE" dirty="0"/>
+              <a:rPr lang="de-DE" dirty="0">
+                <a:solidFill>
+                  <a:schemeClr val="accent1">
+                    <a:lumMod val="75000"/>
+                  </a:schemeClr>
+                </a:solidFill>
+              </a:rPr>
               <a:t> a + b;</a:t>
             </a:r>
           </a:p>
@@ -13184,7 +14065,13 @@
               <a:buNone/>
             </a:pPr>
             <a:r>
-              <a:rPr lang="en-US" dirty="0"/>
+              <a:rPr lang="en-US" dirty="0">
+                <a:solidFill>
+                  <a:schemeClr val="accent1">
+                    <a:lumMod val="75000"/>
+                  </a:schemeClr>
+                </a:solidFill>
+              </a:rPr>
               <a:t>	}</a:t>
             </a:r>
           </a:p>
@@ -13193,7 +14080,13 @@
               <a:buNone/>
             </a:pPr>
             <a:r>
-              <a:rPr lang="en-US" dirty="0"/>
+              <a:rPr lang="en-US" dirty="0">
+                <a:solidFill>
+                  <a:schemeClr val="accent1">
+                    <a:lumMod val="75000"/>
+                  </a:schemeClr>
+                </a:solidFill>
+              </a:rPr>
               <a:t>}</a:t>
             </a:r>
           </a:p>
@@ -13484,31 +14377,66 @@
           </a:lstStyle>
           <a:p>
             <a:pPr marL="457200" lvl="1" indent="0">
-              <a:buFont typeface="Arial"/>
               <a:buNone/>
             </a:pPr>
             <a:r>
-              <a:rPr lang="de-DE" dirty="0" err="1"/>
+              <a:rPr lang="de-DE" dirty="0" err="1">
+                <a:solidFill>
+                  <a:schemeClr val="accent1">
+                    <a:lumMod val="75000"/>
+                  </a:schemeClr>
+                </a:solidFill>
+              </a:rPr>
               <a:t>public</a:t>
             </a:r>
             <a:r>
-              <a:rPr lang="de-DE" dirty="0"/>
+              <a:rPr lang="de-DE" dirty="0">
+                <a:solidFill>
+                  <a:schemeClr val="accent1">
+                    <a:lumMod val="75000"/>
+                  </a:schemeClr>
+                </a:solidFill>
+              </a:rPr>
               <a:t> </a:t>
             </a:r>
             <a:r>
-              <a:rPr lang="de-DE" dirty="0" err="1"/>
+              <a:rPr lang="de-DE" dirty="0" err="1">
+                <a:solidFill>
+                  <a:schemeClr val="accent1">
+                    <a:lumMod val="75000"/>
+                  </a:schemeClr>
+                </a:solidFill>
+              </a:rPr>
               <a:t>class</a:t>
             </a:r>
             <a:r>
-              <a:rPr lang="de-DE" dirty="0"/>
+              <a:rPr lang="de-DE" dirty="0">
+                <a:solidFill>
+                  <a:schemeClr val="accent1">
+                    <a:lumMod val="75000"/>
+                  </a:schemeClr>
+                </a:solidFill>
+              </a:rPr>
               <a:t> </a:t>
             </a:r>
             <a:r>
-              <a:rPr lang="de-DE" dirty="0" err="1"/>
+              <a:rPr lang="de-DE" dirty="0" err="1">
+                <a:solidFill>
+                  <a:schemeClr val="accent1">
+                    <a:lumMod val="75000"/>
+                  </a:schemeClr>
+                </a:solidFill>
+              </a:rPr>
               <a:t>MyTest</a:t>
             </a:r>
             <a:r>
-              <a:rPr lang="de-DE" dirty="0"/>
+              <a:rPr lang="de-DE" dirty="0">
+                <a:solidFill>
+                  <a:schemeClr val="accent1">
+                    <a:lumMod val="75000"/>
+                  </a:schemeClr>
+                </a:solidFill>
+              </a:rPr>
               <a:t> {</a:t>
             </a:r>
           </a:p>
@@ -13517,7 +14445,13 @@
               <a:buNone/>
             </a:pPr>
             <a:r>
-              <a:rPr lang="de-DE" dirty="0"/>
+              <a:rPr lang="de-DE" dirty="0">
+                <a:solidFill>
+                  <a:schemeClr val="accent1">
+                    <a:lumMod val="75000"/>
+                  </a:schemeClr>
+                </a:solidFill>
+              </a:rPr>
               <a:t>	@Test</a:t>
             </a:r>
           </a:p>
@@ -13526,23 +14460,53 @@
               <a:buNone/>
             </a:pPr>
             <a:r>
-              <a:rPr lang="de-DE" dirty="0"/>
+              <a:rPr lang="de-DE" dirty="0">
+                <a:solidFill>
+                  <a:schemeClr val="accent1">
+                    <a:lumMod val="75000"/>
+                  </a:schemeClr>
+                </a:solidFill>
+              </a:rPr>
               <a:t>    	</a:t>
             </a:r>
             <a:r>
-              <a:rPr lang="de-DE" dirty="0" err="1"/>
+              <a:rPr lang="de-DE" dirty="0" err="1">
+                <a:solidFill>
+                  <a:schemeClr val="accent1">
+                    <a:lumMod val="75000"/>
+                  </a:schemeClr>
+                </a:solidFill>
+              </a:rPr>
               <a:t>public</a:t>
             </a:r>
             <a:r>
-              <a:rPr lang="de-DE" dirty="0"/>
+              <a:rPr lang="de-DE" dirty="0">
+                <a:solidFill>
+                  <a:schemeClr val="accent1">
+                    <a:lumMod val="75000"/>
+                  </a:schemeClr>
+                </a:solidFill>
+              </a:rPr>
               <a:t> </a:t>
             </a:r>
             <a:r>
-              <a:rPr lang="de-DE" dirty="0" err="1"/>
+              <a:rPr lang="de-DE" dirty="0" err="1">
+                <a:solidFill>
+                  <a:schemeClr val="accent1">
+                    <a:lumMod val="75000"/>
+                  </a:schemeClr>
+                </a:solidFill>
+              </a:rPr>
               <a:t>void</a:t>
             </a:r>
             <a:r>
-              <a:rPr lang="de-DE" dirty="0"/>
+              <a:rPr lang="de-DE" dirty="0">
+                <a:solidFill>
+                  <a:schemeClr val="accent1">
+                    <a:lumMod val="75000"/>
+                  </a:schemeClr>
+                </a:solidFill>
+              </a:rPr>
               <a:t> addZeroAndOneShouldReturn1() {</a:t>
             </a:r>
           </a:p>
@@ -13551,23 +14515,53 @@
               <a:buNone/>
             </a:pPr>
             <a:r>
-              <a:rPr lang="de-DE" dirty="0"/>
+              <a:rPr lang="de-DE" dirty="0">
+                <a:solidFill>
+                  <a:schemeClr val="accent1">
+                    <a:lumMod val="75000"/>
+                  </a:schemeClr>
+                </a:solidFill>
+              </a:rPr>
               <a:t>        	Math </a:t>
             </a:r>
             <a:r>
-              <a:rPr lang="de-DE" dirty="0" err="1"/>
+              <a:rPr lang="de-DE" dirty="0" err="1">
+                <a:solidFill>
+                  <a:schemeClr val="accent1">
+                    <a:lumMod val="75000"/>
+                  </a:schemeClr>
+                </a:solidFill>
+              </a:rPr>
               <a:t>math</a:t>
             </a:r>
             <a:r>
-              <a:rPr lang="de-DE" dirty="0"/>
+              <a:rPr lang="de-DE" dirty="0">
+                <a:solidFill>
+                  <a:schemeClr val="accent1">
+                    <a:lumMod val="75000"/>
+                  </a:schemeClr>
+                </a:solidFill>
+              </a:rPr>
               <a:t> = </a:t>
             </a:r>
             <a:r>
-              <a:rPr lang="de-DE" dirty="0" err="1"/>
+              <a:rPr lang="de-DE" dirty="0" err="1">
+                <a:solidFill>
+                  <a:schemeClr val="accent1">
+                    <a:lumMod val="75000"/>
+                  </a:schemeClr>
+                </a:solidFill>
+              </a:rPr>
               <a:t>new</a:t>
             </a:r>
             <a:r>
-              <a:rPr lang="de-DE" dirty="0"/>
+              <a:rPr lang="de-DE" dirty="0">
+                <a:solidFill>
+                  <a:schemeClr val="accent1">
+                    <a:lumMod val="75000"/>
+                  </a:schemeClr>
+                </a:solidFill>
+              </a:rPr>
               <a:t> Math();</a:t>
             </a:r>
           </a:p>
@@ -13576,31 +14570,73 @@
               <a:buNone/>
             </a:pPr>
             <a:r>
-              <a:rPr lang="de-DE" dirty="0"/>
+              <a:rPr lang="de-DE" dirty="0">
+                <a:solidFill>
+                  <a:schemeClr val="accent1">
+                    <a:lumMod val="75000"/>
+                  </a:schemeClr>
+                </a:solidFill>
+              </a:rPr>
               <a:t>        	</a:t>
             </a:r>
             <a:r>
-              <a:rPr lang="de-DE" dirty="0" err="1"/>
+              <a:rPr lang="de-DE" dirty="0" err="1">
+                <a:solidFill>
+                  <a:schemeClr val="accent1">
+                    <a:lumMod val="75000"/>
+                  </a:schemeClr>
+                </a:solidFill>
+              </a:rPr>
               <a:t>assertEquals</a:t>
             </a:r>
             <a:r>
-              <a:rPr lang="de-DE" dirty="0"/>
+              <a:rPr lang="de-DE" dirty="0">
+                <a:solidFill>
+                  <a:schemeClr val="accent1">
+                    <a:lumMod val="75000"/>
+                  </a:schemeClr>
+                </a:solidFill>
+              </a:rPr>
               <a:t>(1, </a:t>
             </a:r>
             <a:r>
-              <a:rPr lang="de-DE" dirty="0" err="1"/>
+              <a:rPr lang="de-DE" dirty="0" err="1">
+                <a:solidFill>
+                  <a:schemeClr val="accent1">
+                    <a:lumMod val="75000"/>
+                  </a:schemeClr>
+                </a:solidFill>
+              </a:rPr>
               <a:t>math.add</a:t>
             </a:r>
             <a:r>
-              <a:rPr lang="de-DE" dirty="0"/>
+              <a:rPr lang="de-DE" dirty="0">
+                <a:solidFill>
+                  <a:schemeClr val="accent1">
+                    <a:lumMod val="75000"/>
+                  </a:schemeClr>
+                </a:solidFill>
+              </a:rPr>
               <a:t>(0,1), "0 + 1 must </a:t>
             </a:r>
             <a:r>
-              <a:rPr lang="de-DE" dirty="0" err="1"/>
+              <a:rPr lang="de-DE" dirty="0" err="1">
+                <a:solidFill>
+                  <a:schemeClr val="accent1">
+                    <a:lumMod val="75000"/>
+                  </a:schemeClr>
+                </a:solidFill>
+              </a:rPr>
               <a:t>be</a:t>
             </a:r>
             <a:r>
-              <a:rPr lang="de-DE" dirty="0"/>
+              <a:rPr lang="de-DE" dirty="0">
+                <a:solidFill>
+                  <a:schemeClr val="accent1">
+                    <a:lumMod val="75000"/>
+                  </a:schemeClr>
+                </a:solidFill>
+              </a:rPr>
               <a:t> 1");</a:t>
             </a:r>
           </a:p>
@@ -13609,7 +14645,13 @@
               <a:buNone/>
             </a:pPr>
             <a:r>
-              <a:rPr lang="de-DE" dirty="0"/>
+              <a:rPr lang="de-DE" dirty="0">
+                <a:solidFill>
+                  <a:schemeClr val="accent1">
+                    <a:lumMod val="75000"/>
+                  </a:schemeClr>
+                </a:solidFill>
+              </a:rPr>
               <a:t>   	}</a:t>
             </a:r>
           </a:p>
@@ -13618,7 +14660,13 @@
               <a:buNone/>
             </a:pPr>
             <a:r>
-              <a:rPr lang="en-US" dirty="0"/>
+              <a:rPr lang="en-US" dirty="0">
+                <a:solidFill>
+                  <a:schemeClr val="accent1">
+                    <a:lumMod val="75000"/>
+                  </a:schemeClr>
+                </a:solidFill>
+              </a:rPr>
               <a:t>}</a:t>
             </a:r>
           </a:p>
@@ -14021,137 +15069,341 @@
           </a:lstStyle>
           <a:p>
             <a:r>
-              <a:rPr lang="de-DE" sz="2200" dirty="0" err="1"/>
+              <a:rPr lang="de-DE" sz="2200" dirty="0" err="1">
+                <a:solidFill>
+                  <a:schemeClr val="accent1">
+                    <a:lumMod val="75000"/>
+                  </a:schemeClr>
+                </a:solidFill>
+              </a:rPr>
               <a:t>assertEquals</a:t>
             </a:r>
             <a:r>
-              <a:rPr lang="de-DE" sz="2200" dirty="0"/>
+              <a:rPr lang="de-DE" sz="2200" dirty="0">
+                <a:solidFill>
+                  <a:schemeClr val="accent1">
+                    <a:lumMod val="75000"/>
+                  </a:schemeClr>
+                </a:solidFill>
+              </a:rPr>
               <a:t>(1, </a:t>
             </a:r>
             <a:r>
-              <a:rPr lang="de-DE" sz="2200" dirty="0" err="1"/>
+              <a:rPr lang="de-DE" sz="2200" dirty="0" err="1">
+                <a:solidFill>
+                  <a:schemeClr val="accent1">
+                    <a:lumMod val="75000"/>
+                  </a:schemeClr>
+                </a:solidFill>
+              </a:rPr>
               <a:t>math.add</a:t>
             </a:r>
             <a:r>
-              <a:rPr lang="de-DE" sz="2200" dirty="0"/>
+              <a:rPr lang="de-DE" sz="2200" dirty="0">
+                <a:solidFill>
+                  <a:schemeClr val="accent1">
+                    <a:lumMod val="75000"/>
+                  </a:schemeClr>
+                </a:solidFill>
+              </a:rPr>
               <a:t>(1,0), „1 + 0 must </a:t>
             </a:r>
             <a:r>
-              <a:rPr lang="de-DE" sz="2200" dirty="0" err="1"/>
+              <a:rPr lang="de-DE" sz="2200" dirty="0" err="1">
+                <a:solidFill>
+                  <a:schemeClr val="accent1">
+                    <a:lumMod val="75000"/>
+                  </a:schemeClr>
+                </a:solidFill>
+              </a:rPr>
               <a:t>be</a:t>
             </a:r>
             <a:r>
-              <a:rPr lang="de-DE" sz="2200" dirty="0"/>
+              <a:rPr lang="de-DE" sz="2200" dirty="0">
+                <a:solidFill>
+                  <a:schemeClr val="accent1">
+                    <a:lumMod val="75000"/>
+                  </a:schemeClr>
+                </a:solidFill>
+              </a:rPr>
               <a:t> 1");</a:t>
             </a:r>
           </a:p>
           <a:p>
             <a:r>
-              <a:rPr lang="de-DE" sz="2200" dirty="0" err="1"/>
+              <a:rPr lang="de-DE" sz="2200" dirty="0" err="1">
+                <a:solidFill>
+                  <a:schemeClr val="accent1">
+                    <a:lumMod val="75000"/>
+                  </a:schemeClr>
+                </a:solidFill>
+              </a:rPr>
               <a:t>assertEquals</a:t>
             </a:r>
             <a:r>
-              <a:rPr lang="de-DE" sz="2200" dirty="0"/>
+              <a:rPr lang="de-DE" sz="2200" dirty="0">
+                <a:solidFill>
+                  <a:schemeClr val="accent1">
+                    <a:lumMod val="75000"/>
+                  </a:schemeClr>
+                </a:solidFill>
+              </a:rPr>
               <a:t>(1, </a:t>
             </a:r>
             <a:r>
-              <a:rPr lang="de-DE" sz="2200" dirty="0" err="1"/>
+              <a:rPr lang="de-DE" sz="2200" dirty="0" err="1">
+                <a:solidFill>
+                  <a:schemeClr val="accent1">
+                    <a:lumMod val="75000"/>
+                  </a:schemeClr>
+                </a:solidFill>
+              </a:rPr>
               <a:t>math.add</a:t>
             </a:r>
             <a:r>
-              <a:rPr lang="de-DE" sz="2200" dirty="0"/>
+              <a:rPr lang="de-DE" sz="2200" dirty="0">
+                <a:solidFill>
+                  <a:schemeClr val="accent1">
+                    <a:lumMod val="75000"/>
+                  </a:schemeClr>
+                </a:solidFill>
+              </a:rPr>
               <a:t>(1,1), „1 + 1 must </a:t>
             </a:r>
             <a:r>
-              <a:rPr lang="de-DE" sz="2200" dirty="0" err="1"/>
+              <a:rPr lang="de-DE" sz="2200" dirty="0" err="1">
+                <a:solidFill>
+                  <a:schemeClr val="accent1">
+                    <a:lumMod val="75000"/>
+                  </a:schemeClr>
+                </a:solidFill>
+              </a:rPr>
               <a:t>be</a:t>
             </a:r>
             <a:r>
-              <a:rPr lang="de-DE" sz="2200" dirty="0"/>
+              <a:rPr lang="de-DE" sz="2200" dirty="0">
+                <a:solidFill>
+                  <a:schemeClr val="accent1">
+                    <a:lumMod val="75000"/>
+                  </a:schemeClr>
+                </a:solidFill>
+              </a:rPr>
               <a:t> 2");</a:t>
             </a:r>
-            <a:endParaRPr lang="en-US" sz="2200" dirty="0"/>
-          </a:p>
-          <a:p>
-            <a:r>
-              <a:rPr lang="de-DE" sz="2200" dirty="0" err="1"/>
+            <a:endParaRPr lang="en-US" sz="2200" dirty="0">
+              <a:solidFill>
+                <a:schemeClr val="accent1">
+                  <a:lumMod val="75000"/>
+                </a:schemeClr>
+              </a:solidFill>
+            </a:endParaRPr>
+          </a:p>
+          <a:p>
+            <a:r>
+              <a:rPr lang="de-DE" sz="2200" dirty="0" err="1">
+                <a:solidFill>
+                  <a:schemeClr val="accent1">
+                    <a:lumMod val="75000"/>
+                  </a:schemeClr>
+                </a:solidFill>
+              </a:rPr>
               <a:t>assertEquals</a:t>
             </a:r>
             <a:r>
-              <a:rPr lang="de-DE" sz="2200" dirty="0"/>
+              <a:rPr lang="de-DE" sz="2200" dirty="0">
+                <a:solidFill>
+                  <a:schemeClr val="accent1">
+                    <a:lumMod val="75000"/>
+                  </a:schemeClr>
+                </a:solidFill>
+              </a:rPr>
               <a:t>(1, </a:t>
             </a:r>
             <a:r>
-              <a:rPr lang="de-DE" sz="2200" dirty="0" err="1"/>
+              <a:rPr lang="de-DE" sz="2200" dirty="0" err="1">
+                <a:solidFill>
+                  <a:schemeClr val="accent1">
+                    <a:lumMod val="75000"/>
+                  </a:schemeClr>
+                </a:solidFill>
+              </a:rPr>
               <a:t>math.add</a:t>
             </a:r>
             <a:r>
-              <a:rPr lang="de-DE" sz="2200" dirty="0"/>
+              <a:rPr lang="de-DE" sz="2200" dirty="0">
+                <a:solidFill>
+                  <a:schemeClr val="accent1">
+                    <a:lumMod val="75000"/>
+                  </a:schemeClr>
+                </a:solidFill>
+              </a:rPr>
               <a:t>(1,2), „1 + 2 must </a:t>
             </a:r>
             <a:r>
-              <a:rPr lang="de-DE" sz="2200" dirty="0" err="1"/>
+              <a:rPr lang="de-DE" sz="2200" dirty="0" err="1">
+                <a:solidFill>
+                  <a:schemeClr val="accent1">
+                    <a:lumMod val="75000"/>
+                  </a:schemeClr>
+                </a:solidFill>
+              </a:rPr>
               <a:t>be</a:t>
             </a:r>
             <a:r>
-              <a:rPr lang="de-DE" sz="2200" dirty="0"/>
+              <a:rPr lang="de-DE" sz="2200" dirty="0">
+                <a:solidFill>
+                  <a:schemeClr val="accent1">
+                    <a:lumMod val="75000"/>
+                  </a:schemeClr>
+                </a:solidFill>
+              </a:rPr>
               <a:t> 3");</a:t>
             </a:r>
-            <a:endParaRPr lang="en-US" sz="2200" dirty="0"/>
-          </a:p>
-          <a:p>
-            <a:r>
-              <a:rPr lang="de-DE" sz="2200" dirty="0" err="1"/>
+            <a:endParaRPr lang="en-US" sz="2200" dirty="0">
+              <a:solidFill>
+                <a:schemeClr val="accent1">
+                  <a:lumMod val="75000"/>
+                </a:schemeClr>
+              </a:solidFill>
+            </a:endParaRPr>
+          </a:p>
+          <a:p>
+            <a:r>
+              <a:rPr lang="de-DE" sz="2200" dirty="0" err="1">
+                <a:solidFill>
+                  <a:schemeClr val="accent1">
+                    <a:lumMod val="75000"/>
+                  </a:schemeClr>
+                </a:solidFill>
+              </a:rPr>
               <a:t>assertEquals</a:t>
             </a:r>
             <a:r>
-              <a:rPr lang="de-DE" sz="2200" dirty="0"/>
+              <a:rPr lang="de-DE" sz="2200" dirty="0">
+                <a:solidFill>
+                  <a:schemeClr val="accent1">
+                    <a:lumMod val="75000"/>
+                  </a:schemeClr>
+                </a:solidFill>
+              </a:rPr>
               <a:t>(1, </a:t>
             </a:r>
             <a:r>
-              <a:rPr lang="de-DE" sz="2200" dirty="0" err="1"/>
+              <a:rPr lang="de-DE" sz="2200" dirty="0" err="1">
+                <a:solidFill>
+                  <a:schemeClr val="accent1">
+                    <a:lumMod val="75000"/>
+                  </a:schemeClr>
+                </a:solidFill>
+              </a:rPr>
               <a:t>math.add</a:t>
             </a:r>
             <a:r>
-              <a:rPr lang="de-DE" sz="2200" dirty="0"/>
+              <a:rPr lang="de-DE" sz="2200" dirty="0">
+                <a:solidFill>
+                  <a:schemeClr val="accent1">
+                    <a:lumMod val="75000"/>
+                  </a:schemeClr>
+                </a:solidFill>
+              </a:rPr>
               <a:t>(1,3), „1 + 3 must </a:t>
             </a:r>
             <a:r>
-              <a:rPr lang="de-DE" sz="2200" dirty="0" err="1"/>
+              <a:rPr lang="de-DE" sz="2200" dirty="0" err="1">
+                <a:solidFill>
+                  <a:schemeClr val="accent1">
+                    <a:lumMod val="75000"/>
+                  </a:schemeClr>
+                </a:solidFill>
+              </a:rPr>
               <a:t>be</a:t>
             </a:r>
             <a:r>
-              <a:rPr lang="de-DE" sz="2200" dirty="0"/>
+              <a:rPr lang="de-DE" sz="2200" dirty="0">
+                <a:solidFill>
+                  <a:schemeClr val="accent1">
+                    <a:lumMod val="75000"/>
+                  </a:schemeClr>
+                </a:solidFill>
+              </a:rPr>
               <a:t> 4");</a:t>
             </a:r>
-            <a:endParaRPr lang="en-US" sz="2200" dirty="0"/>
-          </a:p>
-          <a:p>
-            <a:r>
-              <a:rPr lang="de-DE" sz="2200" dirty="0" err="1"/>
+            <a:endParaRPr lang="en-US" sz="2200" dirty="0">
+              <a:solidFill>
+                <a:schemeClr val="accent1">
+                  <a:lumMod val="75000"/>
+                </a:schemeClr>
+              </a:solidFill>
+            </a:endParaRPr>
+          </a:p>
+          <a:p>
+            <a:r>
+              <a:rPr lang="de-DE" sz="2200" dirty="0" err="1">
+                <a:solidFill>
+                  <a:schemeClr val="accent1">
+                    <a:lumMod val="75000"/>
+                  </a:schemeClr>
+                </a:solidFill>
+              </a:rPr>
               <a:t>assertEquals</a:t>
             </a:r>
             <a:r>
-              <a:rPr lang="de-DE" sz="2200" dirty="0"/>
+              <a:rPr lang="de-DE" sz="2200" dirty="0">
+                <a:solidFill>
+                  <a:schemeClr val="accent1">
+                    <a:lumMod val="75000"/>
+                  </a:schemeClr>
+                </a:solidFill>
+              </a:rPr>
               <a:t>(1, </a:t>
             </a:r>
             <a:r>
-              <a:rPr lang="de-DE" sz="2200" dirty="0" err="1"/>
+              <a:rPr lang="de-DE" sz="2200" dirty="0" err="1">
+                <a:solidFill>
+                  <a:schemeClr val="accent1">
+                    <a:lumMod val="75000"/>
+                  </a:schemeClr>
+                </a:solidFill>
+              </a:rPr>
               <a:t>math.add</a:t>
             </a:r>
             <a:r>
-              <a:rPr lang="de-DE" sz="2200" dirty="0"/>
+              <a:rPr lang="de-DE" sz="2200" dirty="0">
+                <a:solidFill>
+                  <a:schemeClr val="accent1">
+                    <a:lumMod val="75000"/>
+                  </a:schemeClr>
+                </a:solidFill>
+              </a:rPr>
               <a:t>(1,4), „1 + 4 must </a:t>
             </a:r>
             <a:r>
-              <a:rPr lang="de-DE" sz="2200" dirty="0" err="1"/>
+              <a:rPr lang="de-DE" sz="2200" dirty="0" err="1">
+                <a:solidFill>
+                  <a:schemeClr val="accent1">
+                    <a:lumMod val="75000"/>
+                  </a:schemeClr>
+                </a:solidFill>
+              </a:rPr>
               <a:t>be</a:t>
             </a:r>
             <a:r>
-              <a:rPr lang="de-DE" sz="2200" dirty="0"/>
+              <a:rPr lang="de-DE" sz="2200" dirty="0">
+                <a:solidFill>
+                  <a:schemeClr val="accent1">
+                    <a:lumMod val="75000"/>
+                  </a:schemeClr>
+                </a:solidFill>
+              </a:rPr>
               <a:t> 5");</a:t>
             </a:r>
-            <a:endParaRPr lang="en-US" sz="2200" dirty="0"/>
+            <a:endParaRPr lang="en-US" sz="2200" dirty="0">
+              <a:solidFill>
+                <a:schemeClr val="accent1">
+                  <a:lumMod val="75000"/>
+                </a:schemeClr>
+              </a:solidFill>
+            </a:endParaRPr>
           </a:p>
         </p:txBody>
       </p:sp>
@@ -14923,6 +16175,134 @@
   <p:clrMapOvr>
     <a:masterClrMapping/>
   </p:clrMapOvr>
+  <p:timing>
+    <p:tnLst>
+      <p:par>
+        <p:cTn id="1" dur="indefinite" restart="never" nodeType="tmRoot">
+          <p:childTnLst>
+            <p:seq concurrent="1" nextAc="seek">
+              <p:cTn id="2" dur="indefinite" nodeType="mainSeq">
+                <p:childTnLst>
+                  <p:par>
+                    <p:cTn id="3" fill="hold">
+                      <p:stCondLst>
+                        <p:cond delay="indefinite"/>
+                      </p:stCondLst>
+                      <p:childTnLst>
+                        <p:par>
+                          <p:cTn id="4" fill="hold">
+                            <p:stCondLst>
+                              <p:cond delay="0"/>
+                            </p:stCondLst>
+                            <p:childTnLst>
+                              <p:par>
+                                <p:cTn id="5" presetID="1" presetClass="entr" presetSubtype="0" fill="hold" nodeType="clickEffect">
+                                  <p:stCondLst>
+                                    <p:cond delay="0"/>
+                                  </p:stCondLst>
+                                  <p:childTnLst>
+                                    <p:set>
+                                      <p:cBhvr>
+                                        <p:cTn id="6" dur="1" fill="hold">
+                                          <p:stCondLst>
+                                            <p:cond delay="0"/>
+                                          </p:stCondLst>
+                                        </p:cTn>
+                                        <p:tgtEl>
+                                          <p:spTgt spid="3">
+                                            <p:txEl>
+                                              <p:pRg st="1" end="1"/>
+                                            </p:txEl>
+                                          </p:spTgt>
+                                        </p:tgtEl>
+                                        <p:attrNameLst>
+                                          <p:attrName>style.visibility</p:attrName>
+                                        </p:attrNameLst>
+                                      </p:cBhvr>
+                                      <p:to>
+                                        <p:strVal val="visible"/>
+                                      </p:to>
+                                    </p:set>
+                                  </p:childTnLst>
+                                </p:cTn>
+                              </p:par>
+                            </p:childTnLst>
+                          </p:cTn>
+                        </p:par>
+                      </p:childTnLst>
+                    </p:cTn>
+                  </p:par>
+                  <p:par>
+                    <p:cTn id="7" fill="hold">
+                      <p:stCondLst>
+                        <p:cond delay="indefinite"/>
+                      </p:stCondLst>
+                      <p:childTnLst>
+                        <p:par>
+                          <p:cTn id="8" fill="hold">
+                            <p:stCondLst>
+                              <p:cond delay="0"/>
+                            </p:stCondLst>
+                            <p:childTnLst>
+                              <p:par>
+                                <p:cTn id="9" presetID="1" presetClass="entr" presetSubtype="0" fill="hold" nodeType="clickEffect">
+                                  <p:stCondLst>
+                                    <p:cond delay="0"/>
+                                  </p:stCondLst>
+                                  <p:childTnLst>
+                                    <p:set>
+                                      <p:cBhvr>
+                                        <p:cTn id="10" dur="1" fill="hold">
+                                          <p:stCondLst>
+                                            <p:cond delay="0"/>
+                                          </p:stCondLst>
+                                        </p:cTn>
+                                        <p:tgtEl>
+                                          <p:spTgt spid="3">
+                                            <p:txEl>
+                                              <p:pRg st="2" end="2"/>
+                                            </p:txEl>
+                                          </p:spTgt>
+                                        </p:tgtEl>
+                                        <p:attrNameLst>
+                                          <p:attrName>style.visibility</p:attrName>
+                                        </p:attrNameLst>
+                                      </p:cBhvr>
+                                      <p:to>
+                                        <p:strVal val="visible"/>
+                                      </p:to>
+                                    </p:set>
+                                  </p:childTnLst>
+                                </p:cTn>
+                              </p:par>
+                            </p:childTnLst>
+                          </p:cTn>
+                        </p:par>
+                      </p:childTnLst>
+                    </p:cTn>
+                  </p:par>
+                </p:childTnLst>
+              </p:cTn>
+              <p:prevCondLst>
+                <p:cond evt="onPrev" delay="0">
+                  <p:tgtEl>
+                    <p:sldTgt/>
+                  </p:tgtEl>
+                </p:cond>
+              </p:prevCondLst>
+              <p:nextCondLst>
+                <p:cond evt="onNext" delay="0">
+                  <p:tgtEl>
+                    <p:sldTgt/>
+                  </p:tgtEl>
+                </p:cond>
+              </p:nextCondLst>
+            </p:seq>
+          </p:childTnLst>
+        </p:cTn>
+      </p:par>
+    </p:tnLst>
+  </p:timing>
 </p:sld>
 </file>
 
@@ -15001,7 +16381,13 @@
           <a:p>
             <a:pPr lvl="1"/>
             <a:r>
-              <a:rPr lang="de-DE" dirty="0"/>
+              <a:rPr lang="de-DE" dirty="0">
+                <a:solidFill>
+                  <a:schemeClr val="accent1">
+                    <a:lumMod val="75000"/>
+                  </a:schemeClr>
+                </a:solidFill>
+              </a:rPr>
               <a:t>System ist nur so gut, wie die Spezifikation selbst!</a:t>
             </a:r>
           </a:p>
